--- a/Tree Types.pptx
+++ b/Tree Types.pptx
@@ -1,33 +1,36 @@
 
 <file path=ppt/presentation.xml><?xml version="1.0" encoding="utf-8"?>
-<p:presentation xmlns:a="http://schemas.openxmlformats.org/drawingml/2006/main" xmlns:r="http://schemas.openxmlformats.org/officeDocument/2006/relationships" xmlns:p="http://schemas.openxmlformats.org/presentationml/2006/main" xmlns:m="http://schemas.openxmlformats.org/officeDocument/2006/math" xmlns:a14="http://schemas.microsoft.com/office/drawing/2010/main">
+<p:presentation xmlns:a="http://schemas.openxmlformats.org/drawingml/2006/main" xmlns:r="http://schemas.openxmlformats.org/officeDocument/2006/relationships" xmlns:p="http://schemas.openxmlformats.org/presentationml/2006/main">
   <p:sldMasterIdLst>
-    <p:sldMasterId id="2147483648" r:id="rId5"/>
+    <p:sldMasterId id="2147483648" r:id="rId1"/>
   </p:sldMasterIdLst>
   <p:notesMasterIdLst>
-    <p:notesMasterId r:id="rId7"/>
+    <p:notesMasterId r:id="rId25"/>
   </p:notesMasterIdLst>
   <p:sldIdLst>
-    <p:sldId id="256" r:id="rId8"/>
-    <p:sldId id="257" r:id="rId9"/>
-    <p:sldId id="258" r:id="rId10"/>
-    <p:sldId id="259" r:id="rId11"/>
-    <p:sldId id="260" r:id="rId12"/>
-    <p:sldId id="261" r:id="rId13"/>
-    <p:sldId id="262" r:id="rId14"/>
-    <p:sldId id="263" r:id="rId15"/>
-    <p:sldId id="264" r:id="rId16"/>
-    <p:sldId id="265" r:id="rId17"/>
-    <p:sldId id="266" r:id="rId18"/>
-    <p:sldId id="267" r:id="rId19"/>
-    <p:sldId id="268" r:id="rId20"/>
-    <p:sldId id="269" r:id="rId21"/>
-    <p:sldId id="270" r:id="rId22"/>
-    <p:sldId id="271" r:id="rId23"/>
-    <p:sldId id="272" r:id="rId24"/>
-    <p:sldId id="273" r:id="rId25"/>
-    <p:sldId id="274" r:id="rId26"/>
-    <p:sldId id="275" r:id="rId27"/>
+    <p:sldId id="256" r:id="rId2"/>
+    <p:sldId id="257" r:id="rId3"/>
+    <p:sldId id="258" r:id="rId4"/>
+    <p:sldId id="259" r:id="rId5"/>
+    <p:sldId id="260" r:id="rId6"/>
+    <p:sldId id="261" r:id="rId7"/>
+    <p:sldId id="262" r:id="rId8"/>
+    <p:sldId id="263" r:id="rId9"/>
+    <p:sldId id="264" r:id="rId10"/>
+    <p:sldId id="265" r:id="rId11"/>
+    <p:sldId id="266" r:id="rId12"/>
+    <p:sldId id="267" r:id="rId13"/>
+    <p:sldId id="268" r:id="rId14"/>
+    <p:sldId id="269" r:id="rId15"/>
+    <p:sldId id="270" r:id="rId16"/>
+    <p:sldId id="271" r:id="rId17"/>
+    <p:sldId id="272" r:id="rId18"/>
+    <p:sldId id="273" r:id="rId19"/>
+    <p:sldId id="274" r:id="rId20"/>
+    <p:sldId id="275" r:id="rId21"/>
+    <p:sldId id="276" r:id="rId22"/>
+    <p:sldId id="277" r:id="rId23"/>
+    <p:sldId id="278" r:id="rId24"/>
   </p:sldIdLst>
   <p:sldSz cx="24384000" cy="13716000"/>
   <p:notesSz cx="6858000" cy="9144000"/>
@@ -47,7 +50,7 @@
       <a:buFontTx/>
       <a:buNone/>
       <a:tabLst/>
-      <a:defRPr b="0" baseline="0" cap="none" i="0" spc="0" strike="noStrike" sz="1800" u="none" kumimoji="0" normalizeH="0">
+      <a:defRPr kumimoji="0" sz="1800" b="0" i="0" u="none" strike="noStrike" cap="none" spc="0" normalizeH="0" baseline="0">
         <a:ln>
           <a:noFill/>
         </a:ln>
@@ -73,7 +76,7 @@
       <a:buFontTx/>
       <a:buNone/>
       <a:tabLst/>
-      <a:defRPr b="0" baseline="0" cap="none" i="0" spc="0" strike="noStrike" sz="4800" u="none" kumimoji="0" normalizeH="0">
+      <a:defRPr kumimoji="0" sz="4800" b="0" i="0" u="none" strike="noStrike" cap="none" spc="0" normalizeH="0" baseline="0">
         <a:ln>
           <a:noFill/>
         </a:ln>
@@ -103,7 +106,7 @@
       <a:buFontTx/>
       <a:buNone/>
       <a:tabLst/>
-      <a:defRPr b="0" baseline="0" cap="none" i="0" spc="0" strike="noStrike" sz="4800" u="none" kumimoji="0" normalizeH="0">
+      <a:defRPr kumimoji="0" sz="4800" b="0" i="0" u="none" strike="noStrike" cap="none" spc="0" normalizeH="0" baseline="0">
         <a:ln>
           <a:noFill/>
         </a:ln>
@@ -133,7 +136,7 @@
       <a:buFontTx/>
       <a:buNone/>
       <a:tabLst/>
-      <a:defRPr b="0" baseline="0" cap="none" i="0" spc="0" strike="noStrike" sz="4800" u="none" kumimoji="0" normalizeH="0">
+      <a:defRPr kumimoji="0" sz="4800" b="0" i="0" u="none" strike="noStrike" cap="none" spc="0" normalizeH="0" baseline="0">
         <a:ln>
           <a:noFill/>
         </a:ln>
@@ -163,7 +166,7 @@
       <a:buFontTx/>
       <a:buNone/>
       <a:tabLst/>
-      <a:defRPr b="0" baseline="0" cap="none" i="0" spc="0" strike="noStrike" sz="4800" u="none" kumimoji="0" normalizeH="0">
+      <a:defRPr kumimoji="0" sz="4800" b="0" i="0" u="none" strike="noStrike" cap="none" spc="0" normalizeH="0" baseline="0">
         <a:ln>
           <a:noFill/>
         </a:ln>
@@ -193,7 +196,7 @@
       <a:buFontTx/>
       <a:buNone/>
       <a:tabLst/>
-      <a:defRPr b="0" baseline="0" cap="none" i="0" spc="0" strike="noStrike" sz="4800" u="none" kumimoji="0" normalizeH="0">
+      <a:defRPr kumimoji="0" sz="4800" b="0" i="0" u="none" strike="noStrike" cap="none" spc="0" normalizeH="0" baseline="0">
         <a:ln>
           <a:noFill/>
         </a:ln>
@@ -223,7 +226,7 @@
       <a:buFontTx/>
       <a:buNone/>
       <a:tabLst/>
-      <a:defRPr b="0" baseline="0" cap="none" i="0" spc="0" strike="noStrike" sz="4800" u="none" kumimoji="0" normalizeH="0">
+      <a:defRPr kumimoji="0" sz="4800" b="0" i="0" u="none" strike="noStrike" cap="none" spc="0" normalizeH="0" baseline="0">
         <a:ln>
           <a:noFill/>
         </a:ln>
@@ -253,7 +256,7 @@
       <a:buFontTx/>
       <a:buNone/>
       <a:tabLst/>
-      <a:defRPr b="0" baseline="0" cap="none" i="0" spc="0" strike="noStrike" sz="4800" u="none" kumimoji="0" normalizeH="0">
+      <a:defRPr kumimoji="0" sz="4800" b="0" i="0" u="none" strike="noStrike" cap="none" spc="0" normalizeH="0" baseline="0">
         <a:ln>
           <a:noFill/>
         </a:ln>
@@ -283,7 +286,7 @@
       <a:buFontTx/>
       <a:buNone/>
       <a:tabLst/>
-      <a:defRPr b="0" baseline="0" cap="none" i="0" spc="0" strike="noStrike" sz="4800" u="none" kumimoji="0" normalizeH="0">
+      <a:defRPr kumimoji="0" sz="4800" b="0" i="0" u="none" strike="noStrike" cap="none" spc="0" normalizeH="0" baseline="0">
         <a:ln>
           <a:noFill/>
         </a:ln>
@@ -313,7 +316,7 @@
       <a:buFontTx/>
       <a:buNone/>
       <a:tabLst/>
-      <a:defRPr b="0" baseline="0" cap="none" i="0" spc="0" strike="noStrike" sz="4800" u="none" kumimoji="0" normalizeH="0">
+      <a:defRPr kumimoji="0" sz="4800" b="0" i="0" u="none" strike="noStrike" cap="none" spc="0" normalizeH="0" baseline="0">
         <a:ln>
           <a:noFill/>
         </a:ln>
@@ -332,13 +335,14 @@
 </p:presentation>
 </file>
 
-<file path=ppt/commentAuthors.xml><?xml version="1.0" encoding="utf-8"?>
-<p:cmAuthorLst xmlns:a="http://schemas.openxmlformats.org/drawingml/2006/main" xmlns:r="http://schemas.openxmlformats.org/officeDocument/2006/relationships" xmlns:p="http://schemas.openxmlformats.org/presentationml/2006/main" xmlns:m="http://schemas.openxmlformats.org/officeDocument/2006/math" xmlns:a14="http://schemas.microsoft.com/office/drawing/2010/main"/>
-</file>
-
 <file path=ppt/notesMasters/notesMaster1.xml><?xml version="1.0" encoding="utf-8"?>
-<p:notesMaster xmlns:a="http://schemas.openxmlformats.org/drawingml/2006/main" xmlns:r="http://schemas.openxmlformats.org/officeDocument/2006/relationships" xmlns:p="http://schemas.openxmlformats.org/presentationml/2006/main" xmlns:m="http://schemas.openxmlformats.org/officeDocument/2006/math" xmlns:a14="http://schemas.microsoft.com/office/drawing/2010/main">
+<p:notesMaster xmlns:a="http://schemas.openxmlformats.org/drawingml/2006/main" xmlns:r="http://schemas.openxmlformats.org/officeDocument/2006/relationships" xmlns:p="http://schemas.openxmlformats.org/presentationml/2006/main">
   <p:cSld>
+    <p:bg>
+      <p:bgRef idx="1001">
+        <a:schemeClr val="bg1"/>
+      </p:bgRef>
+    </p:bg>
     <p:spTree>
       <p:nvGrpSpPr>
         <p:cNvPr id="1" name=""/>
@@ -356,7 +360,9 @@
       <p:sp>
         <p:nvSpPr>
           <p:cNvPr id="168" name="Shape 168"/>
-          <p:cNvSpPr/>
+          <p:cNvSpPr>
+            <a:spLocks noGrp="1" noRot="1" noChangeAspect="1"/>
+          </p:cNvSpPr>
           <p:nvPr>
             <p:ph type="sldImg"/>
           </p:nvPr>
@@ -374,14 +380,16 @@
           <a:bodyPr/>
           <a:lstStyle/>
           <a:p>
-            <a:pPr/>
+            <a:endParaRPr/>
           </a:p>
         </p:txBody>
       </p:sp>
       <p:sp>
         <p:nvSpPr>
           <p:cNvPr id="169" name="Shape 169"/>
-          <p:cNvSpPr/>
+          <p:cNvSpPr>
+            <a:spLocks noGrp="1"/>
+          </p:cNvSpPr>
           <p:nvPr>
             <p:ph type="body" sz="quarter" idx="1"/>
           </p:nvPr>
@@ -399,7 +407,7 @@
           <a:bodyPr/>
           <a:lstStyle/>
           <a:p>
-            <a:pPr/>
+            <a:endParaRPr/>
           </a:p>
         </p:txBody>
       </p:sp>
@@ -511,7 +519,7 @@
 </file>
 
 <file path=ppt/slideLayouts/slideLayout1.xml><?xml version="1.0" encoding="utf-8"?>
-<p:sldLayout xmlns:a="http://schemas.openxmlformats.org/drawingml/2006/main" xmlns:r="http://schemas.openxmlformats.org/officeDocument/2006/relationships" xmlns:p="http://schemas.openxmlformats.org/presentationml/2006/main" xmlns:m="http://schemas.openxmlformats.org/officeDocument/2006/math" xmlns:a14="http://schemas.microsoft.com/office/drawing/2010/main" type="title" showMasterSp="1" showMasterPhAnim="1">
+<p:sldLayout xmlns:a="http://schemas.openxmlformats.org/drawingml/2006/main" xmlns:r="http://schemas.openxmlformats.org/officeDocument/2006/relationships" xmlns:p="http://schemas.openxmlformats.org/presentationml/2006/main" type="title">
   <p:cSld name="Title">
     <p:spTree>
       <p:nvGrpSpPr>
@@ -530,7 +538,9 @@
       <p:sp>
         <p:nvSpPr>
           <p:cNvPr id="11" name="Author and Date"/>
-          <p:cNvSpPr txBox="1"/>
+          <p:cNvSpPr txBox="1">
+            <a:spLocks noGrp="1"/>
+          </p:cNvSpPr>
           <p:nvPr>
             <p:ph type="body" sz="quarter" idx="21" hasCustomPrompt="1"/>
           </p:nvPr>
@@ -556,11 +566,10 @@
               </a:spcBef>
               <a:buSzTx/>
               <a:buNone/>
-              <a:defRPr b="1" sz="3600"/>
+              <a:defRPr sz="3600" b="1"/>
             </a:lvl1pPr>
           </a:lstStyle>
           <a:p>
-            <a:pPr/>
             <a:r>
               <a:t>Author and Date</a:t>
             </a:r>
@@ -570,7 +579,9 @@
       <p:sp>
         <p:nvSpPr>
           <p:cNvPr id="12" name="Presentation Title"/>
-          <p:cNvSpPr txBox="1"/>
+          <p:cNvSpPr txBox="1">
+            <a:spLocks noGrp="1"/>
+          </p:cNvSpPr>
           <p:nvPr>
             <p:ph type="title" hasCustomPrompt="1"/>
           </p:nvPr>
@@ -588,11 +599,10 @@
           <a:bodyPr anchor="b"/>
           <a:lstStyle>
             <a:lvl1pPr>
-              <a:defRPr spc="-232" sz="11600"/>
+              <a:defRPr sz="11600" spc="-232"/>
             </a:lvl1pPr>
           </a:lstStyle>
           <a:p>
-            <a:pPr/>
             <a:r>
               <a:t>Presentation Title</a:t>
             </a:r>
@@ -602,7 +612,9 @@
       <p:sp>
         <p:nvSpPr>
           <p:cNvPr id="13" name="Body Level One…"/>
-          <p:cNvSpPr txBox="1"/>
+          <p:cNvSpPr txBox="1">
+            <a:spLocks noGrp="1"/>
+          </p:cNvSpPr>
           <p:nvPr>
             <p:ph type="body" sz="quarter" idx="1" hasCustomPrompt="1"/>
           </p:nvPr>
@@ -628,7 +640,7 @@
               </a:spcBef>
               <a:buSzTx/>
               <a:buNone/>
-              <a:defRPr b="1" sz="5500"/>
+              <a:defRPr sz="5500" b="1"/>
             </a:lvl1pPr>
             <a:lvl2pPr marL="0" indent="457200" defTabSz="825500">
               <a:lnSpc>
@@ -639,7 +651,7 @@
               </a:spcBef>
               <a:buSzTx/>
               <a:buNone/>
-              <a:defRPr b="1" sz="5500"/>
+              <a:defRPr sz="5500" b="1"/>
             </a:lvl2pPr>
             <a:lvl3pPr marL="0" indent="914400" defTabSz="825500">
               <a:lnSpc>
@@ -650,7 +662,7 @@
               </a:spcBef>
               <a:buSzTx/>
               <a:buNone/>
-              <a:defRPr b="1" sz="5500"/>
+              <a:defRPr sz="5500" b="1"/>
             </a:lvl3pPr>
             <a:lvl4pPr marL="0" indent="1371600" defTabSz="825500">
               <a:lnSpc>
@@ -661,7 +673,7 @@
               </a:spcBef>
               <a:buSzTx/>
               <a:buNone/>
-              <a:defRPr b="1" sz="5500"/>
+              <a:defRPr sz="5500" b="1"/>
             </a:lvl4pPr>
             <a:lvl5pPr marL="0" indent="1828800" defTabSz="825500">
               <a:lnSpc>
@@ -672,45 +684,38 @@
               </a:spcBef>
               <a:buSzTx/>
               <a:buNone/>
-              <a:defRPr b="1" sz="5500"/>
+              <a:defRPr sz="5500" b="1"/>
             </a:lvl5pPr>
           </a:lstStyle>
           <a:p>
-            <a:pPr/>
             <a:r>
               <a:t>Presentation Subtitle</a:t>
             </a:r>
           </a:p>
           <a:p>
             <a:pPr lvl="1"/>
-            <a:r>
-              <a:t/>
-            </a:r>
+            <a:endParaRPr/>
           </a:p>
           <a:p>
             <a:pPr lvl="2"/>
-            <a:r>
-              <a:t/>
-            </a:r>
+            <a:endParaRPr/>
           </a:p>
           <a:p>
             <a:pPr lvl="3"/>
-            <a:r>
-              <a:t/>
-            </a:r>
+            <a:endParaRPr/>
           </a:p>
           <a:p>
             <a:pPr lvl="4"/>
-            <a:r>
-              <a:t/>
-            </a:r>
+            <a:endParaRPr/>
           </a:p>
         </p:txBody>
       </p:sp>
       <p:sp>
         <p:nvSpPr>
           <p:cNvPr id="14" name="Slide Number"/>
-          <p:cNvSpPr txBox="1"/>
+          <p:cNvSpPr txBox="1">
+            <a:spLocks noGrp="1"/>
+          </p:cNvSpPr>
           <p:nvPr>
             <p:ph type="sldNum" sz="quarter" idx="2"/>
           </p:nvPr>
@@ -728,8 +733,10 @@
           <a:bodyPr/>
           <a:lstStyle/>
           <a:p>
-            <a:pPr/>
-            <a:fld id="{86CB4B4D-7CA3-9044-876B-883B54F8677D}" type="slidenum"/>
+            <a:fld id="{86CB4B4D-7CA3-9044-876B-883B54F8677D}" type="slidenum">
+              <a:t>‹#›</a:t>
+            </a:fld>
+            <a:endParaRPr/>
           </a:p>
         </p:txBody>
       </p:sp>
@@ -738,12 +745,12 @@
   <p:clrMapOvr>
     <a:masterClrMapping/>
   </p:clrMapOvr>
-  <p:transition xmlns:p14="http://schemas.microsoft.com/office/powerpoint/2010/main" spd="med" advClick="1"/>
+  <p:transition spd="med"/>
 </p:sldLayout>
 </file>
 
 <file path=ppt/slideLayouts/slideLayout10.xml><?xml version="1.0" encoding="utf-8"?>
-<p:sldLayout xmlns:a="http://schemas.openxmlformats.org/drawingml/2006/main" xmlns:r="http://schemas.openxmlformats.org/officeDocument/2006/relationships" xmlns:p="http://schemas.openxmlformats.org/presentationml/2006/main" xmlns:m="http://schemas.openxmlformats.org/officeDocument/2006/math" xmlns:a14="http://schemas.microsoft.com/office/drawing/2010/main" type="tx" showMasterSp="1" showMasterPhAnim="1">
+<p:sldLayout xmlns:a="http://schemas.openxmlformats.org/drawingml/2006/main" xmlns:r="http://schemas.openxmlformats.org/officeDocument/2006/relationships" xmlns:p="http://schemas.openxmlformats.org/presentationml/2006/main" type="tx">
   <p:cSld name="Title Only">
     <p:spTree>
       <p:nvGrpSpPr>
@@ -762,7 +769,9 @@
       <p:sp>
         <p:nvSpPr>
           <p:cNvPr id="99" name="Slide Title"/>
-          <p:cNvSpPr txBox="1"/>
+          <p:cNvSpPr txBox="1">
+            <a:spLocks noGrp="1"/>
+          </p:cNvSpPr>
           <p:nvPr>
             <p:ph type="title" hasCustomPrompt="1"/>
           </p:nvPr>
@@ -780,7 +789,6 @@
           <a:bodyPr/>
           <a:lstStyle/>
           <a:p>
-            <a:pPr/>
             <a:r>
               <a:t>Slide Title</a:t>
             </a:r>
@@ -790,7 +798,9 @@
       <p:sp>
         <p:nvSpPr>
           <p:cNvPr id="100" name="Slide Subtitle"/>
-          <p:cNvSpPr txBox="1"/>
+          <p:cNvSpPr txBox="1">
+            <a:spLocks noGrp="1"/>
+          </p:cNvSpPr>
           <p:nvPr>
             <p:ph type="body" sz="quarter" idx="21" hasCustomPrompt="1"/>
           </p:nvPr>
@@ -816,11 +826,10 @@
               </a:spcBef>
               <a:buSzTx/>
               <a:buNone/>
-              <a:defRPr b="1" sz="5500"/>
+              <a:defRPr sz="5500" b="1"/>
             </a:lvl1pPr>
           </a:lstStyle>
           <a:p>
-            <a:pPr/>
             <a:r>
               <a:t>Slide Subtitle</a:t>
             </a:r>
@@ -830,7 +839,9 @@
       <p:sp>
         <p:nvSpPr>
           <p:cNvPr id="101" name="Slide Number"/>
-          <p:cNvSpPr txBox="1"/>
+          <p:cNvSpPr txBox="1">
+            <a:spLocks noGrp="1"/>
+          </p:cNvSpPr>
           <p:nvPr>
             <p:ph type="sldNum" sz="quarter" idx="2"/>
           </p:nvPr>
@@ -844,8 +855,10 @@
           <a:bodyPr/>
           <a:lstStyle/>
           <a:p>
-            <a:pPr/>
-            <a:fld id="{86CB4B4D-7CA3-9044-876B-883B54F8677D}" type="slidenum"/>
+            <a:fld id="{86CB4B4D-7CA3-9044-876B-883B54F8677D}" type="slidenum">
+              <a:t>‹#›</a:t>
+            </a:fld>
+            <a:endParaRPr/>
           </a:p>
         </p:txBody>
       </p:sp>
@@ -854,12 +867,12 @@
   <p:clrMapOvr>
     <a:masterClrMapping/>
   </p:clrMapOvr>
-  <p:transition xmlns:p14="http://schemas.microsoft.com/office/powerpoint/2010/main" spd="med" advClick="1"/>
+  <p:transition spd="med"/>
 </p:sldLayout>
 </file>
 
 <file path=ppt/slideLayouts/slideLayout11.xml><?xml version="1.0" encoding="utf-8"?>
-<p:sldLayout xmlns:a="http://schemas.openxmlformats.org/drawingml/2006/main" xmlns:r="http://schemas.openxmlformats.org/officeDocument/2006/relationships" xmlns:p="http://schemas.openxmlformats.org/presentationml/2006/main" xmlns:m="http://schemas.openxmlformats.org/officeDocument/2006/math" xmlns:a14="http://schemas.microsoft.com/office/drawing/2010/main" type="tx" showMasterSp="1" showMasterPhAnim="1">
+<p:sldLayout xmlns:a="http://schemas.openxmlformats.org/drawingml/2006/main" xmlns:r="http://schemas.openxmlformats.org/officeDocument/2006/relationships" xmlns:p="http://schemas.openxmlformats.org/presentationml/2006/main" type="tx">
   <p:cSld name="Agenda">
     <p:spTree>
       <p:nvGrpSpPr>
@@ -878,7 +891,9 @@
       <p:sp>
         <p:nvSpPr>
           <p:cNvPr id="108" name="Agenda Title"/>
-          <p:cNvSpPr txBox="1"/>
+          <p:cNvSpPr txBox="1">
+            <a:spLocks noGrp="1"/>
+          </p:cNvSpPr>
           <p:nvPr>
             <p:ph type="title" hasCustomPrompt="1"/>
           </p:nvPr>
@@ -896,7 +911,6 @@
           <a:bodyPr/>
           <a:lstStyle/>
           <a:p>
-            <a:pPr/>
             <a:r>
               <a:t>Agenda Title</a:t>
             </a:r>
@@ -906,7 +920,9 @@
       <p:sp>
         <p:nvSpPr>
           <p:cNvPr id="109" name="Agenda Subtitle"/>
-          <p:cNvSpPr txBox="1"/>
+          <p:cNvSpPr txBox="1">
+            <a:spLocks noGrp="1"/>
+          </p:cNvSpPr>
           <p:nvPr>
             <p:ph type="body" sz="quarter" idx="21" hasCustomPrompt="1"/>
           </p:nvPr>
@@ -932,11 +948,10 @@
               </a:spcBef>
               <a:buSzTx/>
               <a:buNone/>
-              <a:defRPr b="1" sz="5500"/>
+              <a:defRPr sz="5500" b="1"/>
             </a:lvl1pPr>
           </a:lstStyle>
           <a:p>
-            <a:pPr/>
             <a:r>
               <a:t>Agenda Subtitle</a:t>
             </a:r>
@@ -946,7 +961,9 @@
       <p:sp>
         <p:nvSpPr>
           <p:cNvPr id="110" name="Body Level One…"/>
-          <p:cNvSpPr txBox="1"/>
+          <p:cNvSpPr txBox="1">
+            <a:spLocks noGrp="1"/>
+          </p:cNvSpPr>
           <p:nvPr>
             <p:ph type="body" idx="1" hasCustomPrompt="1"/>
           </p:nvPr>
@@ -968,7 +985,7 @@
               </a:spcBef>
               <a:buSzTx/>
               <a:buNone/>
-              <a:defRPr spc="-55" sz="5500"/>
+              <a:defRPr sz="5500" spc="-55"/>
             </a:lvl1pPr>
             <a:lvl2pPr marL="0" indent="457200" defTabSz="825500">
               <a:lnSpc>
@@ -979,7 +996,7 @@
               </a:spcBef>
               <a:buSzTx/>
               <a:buNone/>
-              <a:defRPr spc="-55" sz="5500"/>
+              <a:defRPr sz="5500" spc="-55"/>
             </a:lvl2pPr>
             <a:lvl3pPr marL="0" indent="914400" defTabSz="825500">
               <a:lnSpc>
@@ -990,7 +1007,7 @@
               </a:spcBef>
               <a:buSzTx/>
               <a:buNone/>
-              <a:defRPr spc="-55" sz="5500"/>
+              <a:defRPr sz="5500" spc="-55"/>
             </a:lvl3pPr>
             <a:lvl4pPr marL="0" indent="1371600" defTabSz="825500">
               <a:lnSpc>
@@ -1001,7 +1018,7 @@
               </a:spcBef>
               <a:buSzTx/>
               <a:buNone/>
-              <a:defRPr spc="-55" sz="5500"/>
+              <a:defRPr sz="5500" spc="-55"/>
             </a:lvl4pPr>
             <a:lvl5pPr marL="0" indent="1828800" defTabSz="825500">
               <a:lnSpc>
@@ -1012,45 +1029,38 @@
               </a:spcBef>
               <a:buSzTx/>
               <a:buNone/>
-              <a:defRPr spc="-55" sz="5500"/>
+              <a:defRPr sz="5500" spc="-55"/>
             </a:lvl5pPr>
           </a:lstStyle>
           <a:p>
-            <a:pPr/>
             <a:r>
               <a:t>Agenda Topics</a:t>
             </a:r>
           </a:p>
           <a:p>
             <a:pPr lvl="1"/>
-            <a:r>
-              <a:t/>
-            </a:r>
+            <a:endParaRPr/>
           </a:p>
           <a:p>
             <a:pPr lvl="2"/>
-            <a:r>
-              <a:t/>
-            </a:r>
+            <a:endParaRPr/>
           </a:p>
           <a:p>
             <a:pPr lvl="3"/>
-            <a:r>
-              <a:t/>
-            </a:r>
+            <a:endParaRPr/>
           </a:p>
           <a:p>
             <a:pPr lvl="4"/>
-            <a:r>
-              <a:t/>
-            </a:r>
+            <a:endParaRPr/>
           </a:p>
         </p:txBody>
       </p:sp>
       <p:sp>
         <p:nvSpPr>
           <p:cNvPr id="111" name="Slide Number"/>
-          <p:cNvSpPr txBox="1"/>
+          <p:cNvSpPr txBox="1">
+            <a:spLocks noGrp="1"/>
+          </p:cNvSpPr>
           <p:nvPr>
             <p:ph type="sldNum" sz="quarter" idx="2"/>
           </p:nvPr>
@@ -1064,8 +1074,10 @@
           <a:bodyPr/>
           <a:lstStyle/>
           <a:p>
-            <a:pPr/>
-            <a:fld id="{86CB4B4D-7CA3-9044-876B-883B54F8677D}" type="slidenum"/>
+            <a:fld id="{86CB4B4D-7CA3-9044-876B-883B54F8677D}" type="slidenum">
+              <a:t>‹#›</a:t>
+            </a:fld>
+            <a:endParaRPr/>
           </a:p>
         </p:txBody>
       </p:sp>
@@ -1074,12 +1086,12 @@
   <p:clrMapOvr>
     <a:masterClrMapping/>
   </p:clrMapOvr>
-  <p:transition xmlns:p14="http://schemas.microsoft.com/office/powerpoint/2010/main" spd="med" advClick="1"/>
+  <p:transition spd="med"/>
 </p:sldLayout>
 </file>
 
 <file path=ppt/slideLayouts/slideLayout12.xml><?xml version="1.0" encoding="utf-8"?>
-<p:sldLayout xmlns:a="http://schemas.openxmlformats.org/drawingml/2006/main" xmlns:r="http://schemas.openxmlformats.org/officeDocument/2006/relationships" xmlns:p="http://schemas.openxmlformats.org/presentationml/2006/main" xmlns:m="http://schemas.openxmlformats.org/officeDocument/2006/math" xmlns:a14="http://schemas.microsoft.com/office/drawing/2010/main" type="tx" showMasterSp="1" showMasterPhAnim="1">
+<p:sldLayout xmlns:a="http://schemas.openxmlformats.org/drawingml/2006/main" xmlns:r="http://schemas.openxmlformats.org/officeDocument/2006/relationships" xmlns:p="http://schemas.openxmlformats.org/presentationml/2006/main" type="tx">
   <p:cSld name="Statement">
     <p:spTree>
       <p:nvGrpSpPr>
@@ -1098,7 +1110,9 @@
       <p:sp>
         <p:nvSpPr>
           <p:cNvPr id="118" name="Body Level One…"/>
-          <p:cNvSpPr txBox="1"/>
+          <p:cNvSpPr txBox="1">
+            <a:spLocks noGrp="1"/>
+          </p:cNvSpPr>
           <p:nvPr>
             <p:ph type="body" sz="half" idx="1" hasCustomPrompt="1"/>
           </p:nvPr>
@@ -1124,7 +1138,7 @@
               </a:spcBef>
               <a:buSzTx/>
               <a:buNone/>
-              <a:defRPr spc="-232" sz="11600">
+              <a:defRPr sz="11600" spc="-232">
                 <a:latin typeface="Helvetica Neue Medium"/>
                 <a:ea typeface="Helvetica Neue Medium"/>
                 <a:cs typeface="Helvetica Neue Medium"/>
@@ -1140,7 +1154,7 @@
               </a:spcBef>
               <a:buSzTx/>
               <a:buNone/>
-              <a:defRPr spc="-232" sz="11600">
+              <a:defRPr sz="11600" spc="-232">
                 <a:latin typeface="Helvetica Neue Medium"/>
                 <a:ea typeface="Helvetica Neue Medium"/>
                 <a:cs typeface="Helvetica Neue Medium"/>
@@ -1156,7 +1170,7 @@
               </a:spcBef>
               <a:buSzTx/>
               <a:buNone/>
-              <a:defRPr spc="-232" sz="11600">
+              <a:defRPr sz="11600" spc="-232">
                 <a:latin typeface="Helvetica Neue Medium"/>
                 <a:ea typeface="Helvetica Neue Medium"/>
                 <a:cs typeface="Helvetica Neue Medium"/>
@@ -1172,7 +1186,7 @@
               </a:spcBef>
               <a:buSzTx/>
               <a:buNone/>
-              <a:defRPr spc="-232" sz="11600">
+              <a:defRPr sz="11600" spc="-232">
                 <a:latin typeface="Helvetica Neue Medium"/>
                 <a:ea typeface="Helvetica Neue Medium"/>
                 <a:cs typeface="Helvetica Neue Medium"/>
@@ -1188,7 +1202,7 @@
               </a:spcBef>
               <a:buSzTx/>
               <a:buNone/>
-              <a:defRPr spc="-232" sz="11600">
+              <a:defRPr sz="11600" spc="-232">
                 <a:latin typeface="Helvetica Neue Medium"/>
                 <a:ea typeface="Helvetica Neue Medium"/>
                 <a:cs typeface="Helvetica Neue Medium"/>
@@ -1197,41 +1211,34 @@
             </a:lvl5pPr>
           </a:lstStyle>
           <a:p>
-            <a:pPr/>
             <a:r>
               <a:t>Statement</a:t>
             </a:r>
           </a:p>
           <a:p>
             <a:pPr lvl="1"/>
-            <a:r>
-              <a:t/>
-            </a:r>
+            <a:endParaRPr/>
           </a:p>
           <a:p>
             <a:pPr lvl="2"/>
-            <a:r>
-              <a:t/>
-            </a:r>
+            <a:endParaRPr/>
           </a:p>
           <a:p>
             <a:pPr lvl="3"/>
-            <a:r>
-              <a:t/>
-            </a:r>
+            <a:endParaRPr/>
           </a:p>
           <a:p>
             <a:pPr lvl="4"/>
-            <a:r>
-              <a:t/>
-            </a:r>
+            <a:endParaRPr/>
           </a:p>
         </p:txBody>
       </p:sp>
       <p:sp>
         <p:nvSpPr>
           <p:cNvPr id="119" name="Slide Number"/>
-          <p:cNvSpPr txBox="1"/>
+          <p:cNvSpPr txBox="1">
+            <a:spLocks noGrp="1"/>
+          </p:cNvSpPr>
           <p:nvPr>
             <p:ph type="sldNum" sz="quarter" idx="2"/>
           </p:nvPr>
@@ -1245,8 +1252,10 @@
           <a:bodyPr/>
           <a:lstStyle/>
           <a:p>
-            <a:pPr/>
-            <a:fld id="{86CB4B4D-7CA3-9044-876B-883B54F8677D}" type="slidenum"/>
+            <a:fld id="{86CB4B4D-7CA3-9044-876B-883B54F8677D}" type="slidenum">
+              <a:t>‹#›</a:t>
+            </a:fld>
+            <a:endParaRPr/>
           </a:p>
         </p:txBody>
       </p:sp>
@@ -1255,12 +1264,12 @@
   <p:clrMapOvr>
     <a:masterClrMapping/>
   </p:clrMapOvr>
-  <p:transition xmlns:p14="http://schemas.microsoft.com/office/powerpoint/2010/main" spd="med" advClick="1"/>
+  <p:transition spd="med"/>
 </p:sldLayout>
 </file>
 
 <file path=ppt/slideLayouts/slideLayout13.xml><?xml version="1.0" encoding="utf-8"?>
-<p:sldLayout xmlns:a="http://schemas.openxmlformats.org/drawingml/2006/main" xmlns:r="http://schemas.openxmlformats.org/officeDocument/2006/relationships" xmlns:p="http://schemas.openxmlformats.org/presentationml/2006/main" xmlns:m="http://schemas.openxmlformats.org/officeDocument/2006/math" xmlns:a14="http://schemas.microsoft.com/office/drawing/2010/main" type="tx" showMasterSp="1" showMasterPhAnim="1">
+<p:sldLayout xmlns:a="http://schemas.openxmlformats.org/drawingml/2006/main" xmlns:r="http://schemas.openxmlformats.org/officeDocument/2006/relationships" xmlns:p="http://schemas.openxmlformats.org/presentationml/2006/main" type="tx">
   <p:cSld name="Big Fact">
     <p:spTree>
       <p:nvGrpSpPr>
@@ -1279,7 +1288,9 @@
       <p:sp>
         <p:nvSpPr>
           <p:cNvPr id="126" name="Fact information"/>
-          <p:cNvSpPr txBox="1"/>
+          <p:cNvSpPr txBox="1">
+            <a:spLocks noGrp="1"/>
+          </p:cNvSpPr>
           <p:nvPr>
             <p:ph type="body" sz="quarter" idx="21" hasCustomPrompt="1"/>
           </p:nvPr>
@@ -1305,11 +1316,10 @@
               </a:spcBef>
               <a:buSzTx/>
               <a:buNone/>
-              <a:defRPr b="1" sz="5500"/>
+              <a:defRPr sz="5500" b="1"/>
             </a:lvl1pPr>
           </a:lstStyle>
           <a:p>
-            <a:pPr/>
             <a:r>
               <a:t>Fact information</a:t>
             </a:r>
@@ -1319,7 +1329,9 @@
       <p:sp>
         <p:nvSpPr>
           <p:cNvPr id="127" name="Body Level One…"/>
-          <p:cNvSpPr txBox="1"/>
+          <p:cNvSpPr txBox="1">
+            <a:spLocks noGrp="1"/>
+          </p:cNvSpPr>
           <p:nvPr>
             <p:ph type="body" idx="1" hasCustomPrompt="1"/>
           </p:nvPr>
@@ -1345,7 +1357,7 @@
               </a:spcBef>
               <a:buSzTx/>
               <a:buNone/>
-              <a:defRPr b="1" spc="-250" sz="25000"/>
+              <a:defRPr sz="25000" b="1" spc="-250"/>
             </a:lvl1pPr>
             <a:lvl2pPr marL="0" indent="457200" algn="ctr">
               <a:lnSpc>
@@ -1356,7 +1368,7 @@
               </a:spcBef>
               <a:buSzTx/>
               <a:buNone/>
-              <a:defRPr b="1" spc="-250" sz="25000"/>
+              <a:defRPr sz="25000" b="1" spc="-250"/>
             </a:lvl2pPr>
             <a:lvl3pPr marL="0" indent="914400" algn="ctr">
               <a:lnSpc>
@@ -1367,7 +1379,7 @@
               </a:spcBef>
               <a:buSzTx/>
               <a:buNone/>
-              <a:defRPr b="1" spc="-250" sz="25000"/>
+              <a:defRPr sz="25000" b="1" spc="-250"/>
             </a:lvl3pPr>
             <a:lvl4pPr marL="0" indent="1371600" algn="ctr">
               <a:lnSpc>
@@ -1378,7 +1390,7 @@
               </a:spcBef>
               <a:buSzTx/>
               <a:buNone/>
-              <a:defRPr b="1" spc="-250" sz="25000"/>
+              <a:defRPr sz="25000" b="1" spc="-250"/>
             </a:lvl4pPr>
             <a:lvl5pPr marL="0" indent="1828800" algn="ctr">
               <a:lnSpc>
@@ -1389,45 +1401,38 @@
               </a:spcBef>
               <a:buSzTx/>
               <a:buNone/>
-              <a:defRPr b="1" spc="-250" sz="25000"/>
+              <a:defRPr sz="25000" b="1" spc="-250"/>
             </a:lvl5pPr>
           </a:lstStyle>
           <a:p>
-            <a:pPr/>
             <a:r>
               <a:t>100%</a:t>
             </a:r>
           </a:p>
           <a:p>
             <a:pPr lvl="1"/>
-            <a:r>
-              <a:t/>
-            </a:r>
+            <a:endParaRPr/>
           </a:p>
           <a:p>
             <a:pPr lvl="2"/>
-            <a:r>
-              <a:t/>
-            </a:r>
+            <a:endParaRPr/>
           </a:p>
           <a:p>
             <a:pPr lvl="3"/>
-            <a:r>
-              <a:t/>
-            </a:r>
+            <a:endParaRPr/>
           </a:p>
           <a:p>
             <a:pPr lvl="4"/>
-            <a:r>
-              <a:t/>
-            </a:r>
+            <a:endParaRPr/>
           </a:p>
         </p:txBody>
       </p:sp>
       <p:sp>
         <p:nvSpPr>
           <p:cNvPr id="128" name="Slide Number"/>
-          <p:cNvSpPr txBox="1"/>
+          <p:cNvSpPr txBox="1">
+            <a:spLocks noGrp="1"/>
+          </p:cNvSpPr>
           <p:nvPr>
             <p:ph type="sldNum" sz="quarter" idx="2"/>
           </p:nvPr>
@@ -1441,8 +1446,10 @@
           <a:bodyPr/>
           <a:lstStyle/>
           <a:p>
-            <a:pPr/>
-            <a:fld id="{86CB4B4D-7CA3-9044-876B-883B54F8677D}" type="slidenum"/>
+            <a:fld id="{86CB4B4D-7CA3-9044-876B-883B54F8677D}" type="slidenum">
+              <a:t>‹#›</a:t>
+            </a:fld>
+            <a:endParaRPr/>
           </a:p>
         </p:txBody>
       </p:sp>
@@ -1451,12 +1458,12 @@
   <p:clrMapOvr>
     <a:masterClrMapping/>
   </p:clrMapOvr>
-  <p:transition xmlns:p14="http://schemas.microsoft.com/office/powerpoint/2010/main" spd="med" advClick="1"/>
+  <p:transition spd="med"/>
 </p:sldLayout>
 </file>
 
 <file path=ppt/slideLayouts/slideLayout14.xml><?xml version="1.0" encoding="utf-8"?>
-<p:sldLayout xmlns:a="http://schemas.openxmlformats.org/drawingml/2006/main" xmlns:r="http://schemas.openxmlformats.org/officeDocument/2006/relationships" xmlns:p="http://schemas.openxmlformats.org/presentationml/2006/main" xmlns:m="http://schemas.openxmlformats.org/officeDocument/2006/math" xmlns:a14="http://schemas.microsoft.com/office/drawing/2010/main" type="tx" showMasterSp="1" showMasterPhAnim="1">
+<p:sldLayout xmlns:a="http://schemas.openxmlformats.org/drawingml/2006/main" xmlns:r="http://schemas.openxmlformats.org/officeDocument/2006/relationships" xmlns:p="http://schemas.openxmlformats.org/presentationml/2006/main" type="tx">
   <p:cSld name="Quote">
     <p:spTree>
       <p:nvGrpSpPr>
@@ -1475,7 +1482,9 @@
       <p:sp>
         <p:nvSpPr>
           <p:cNvPr id="135" name="Attribution"/>
-          <p:cNvSpPr txBox="1"/>
+          <p:cNvSpPr txBox="1">
+            <a:spLocks noGrp="1"/>
+          </p:cNvSpPr>
           <p:nvPr>
             <p:ph type="body" sz="quarter" idx="21" hasCustomPrompt="1"/>
           </p:nvPr>
@@ -1501,11 +1510,10 @@
               </a:spcBef>
               <a:buSzTx/>
               <a:buNone/>
-              <a:defRPr b="1" sz="3600"/>
+              <a:defRPr sz="3600" b="1"/>
             </a:lvl1pPr>
           </a:lstStyle>
           <a:p>
-            <a:pPr/>
             <a:r>
               <a:t>Attribution</a:t>
             </a:r>
@@ -1515,7 +1523,9 @@
       <p:sp>
         <p:nvSpPr>
           <p:cNvPr id="136" name="Body Level One…"/>
-          <p:cNvSpPr txBox="1"/>
+          <p:cNvSpPr txBox="1">
+            <a:spLocks noGrp="1"/>
+          </p:cNvSpPr>
           <p:nvPr>
             <p:ph type="body" sz="half" idx="1" hasCustomPrompt="1"/>
           </p:nvPr>
@@ -1538,7 +1548,7 @@
               </a:spcBef>
               <a:buSzTx/>
               <a:buNone/>
-              <a:defRPr spc="-170" sz="8500">
+              <a:defRPr sz="8500" spc="-170">
                 <a:latin typeface="Helvetica Neue Medium"/>
                 <a:ea typeface="Helvetica Neue Medium"/>
                 <a:cs typeface="Helvetica Neue Medium"/>
@@ -1551,7 +1561,7 @@
               </a:spcBef>
               <a:buSzTx/>
               <a:buNone/>
-              <a:defRPr spc="-170" sz="8500">
+              <a:defRPr sz="8500" spc="-170">
                 <a:latin typeface="Helvetica Neue Medium"/>
                 <a:ea typeface="Helvetica Neue Medium"/>
                 <a:cs typeface="Helvetica Neue Medium"/>
@@ -1564,7 +1574,7 @@
               </a:spcBef>
               <a:buSzTx/>
               <a:buNone/>
-              <a:defRPr spc="-170" sz="8500">
+              <a:defRPr sz="8500" spc="-170">
                 <a:latin typeface="Helvetica Neue Medium"/>
                 <a:ea typeface="Helvetica Neue Medium"/>
                 <a:cs typeface="Helvetica Neue Medium"/>
@@ -1577,7 +1587,7 @@
               </a:spcBef>
               <a:buSzTx/>
               <a:buNone/>
-              <a:defRPr spc="-170" sz="8500">
+              <a:defRPr sz="8500" spc="-170">
                 <a:latin typeface="Helvetica Neue Medium"/>
                 <a:ea typeface="Helvetica Neue Medium"/>
                 <a:cs typeface="Helvetica Neue Medium"/>
@@ -1590,7 +1600,7 @@
               </a:spcBef>
               <a:buSzTx/>
               <a:buNone/>
-              <a:defRPr spc="-170" sz="8500">
+              <a:defRPr sz="8500" spc="-170">
                 <a:latin typeface="Helvetica Neue Medium"/>
                 <a:ea typeface="Helvetica Neue Medium"/>
                 <a:cs typeface="Helvetica Neue Medium"/>
@@ -1599,41 +1609,34 @@
             </a:lvl5pPr>
           </a:lstStyle>
           <a:p>
-            <a:pPr/>
             <a:r>
               <a:t>“Notable Quote”</a:t>
             </a:r>
           </a:p>
           <a:p>
             <a:pPr lvl="1"/>
-            <a:r>
-              <a:t/>
-            </a:r>
+            <a:endParaRPr/>
           </a:p>
           <a:p>
             <a:pPr lvl="2"/>
-            <a:r>
-              <a:t/>
-            </a:r>
+            <a:endParaRPr/>
           </a:p>
           <a:p>
             <a:pPr lvl="3"/>
-            <a:r>
-              <a:t/>
-            </a:r>
+            <a:endParaRPr/>
           </a:p>
           <a:p>
             <a:pPr lvl="4"/>
-            <a:r>
-              <a:t/>
-            </a:r>
+            <a:endParaRPr/>
           </a:p>
         </p:txBody>
       </p:sp>
       <p:sp>
         <p:nvSpPr>
           <p:cNvPr id="137" name="Slide Number"/>
-          <p:cNvSpPr txBox="1"/>
+          <p:cNvSpPr txBox="1">
+            <a:spLocks noGrp="1"/>
+          </p:cNvSpPr>
           <p:nvPr>
             <p:ph type="sldNum" sz="quarter" idx="2"/>
           </p:nvPr>
@@ -1647,8 +1650,10 @@
           <a:bodyPr/>
           <a:lstStyle/>
           <a:p>
-            <a:pPr/>
-            <a:fld id="{86CB4B4D-7CA3-9044-876B-883B54F8677D}" type="slidenum"/>
+            <a:fld id="{86CB4B4D-7CA3-9044-876B-883B54F8677D}" type="slidenum">
+              <a:t>‹#›</a:t>
+            </a:fld>
+            <a:endParaRPr/>
           </a:p>
         </p:txBody>
       </p:sp>
@@ -1657,12 +1662,12 @@
   <p:clrMapOvr>
     <a:masterClrMapping/>
   </p:clrMapOvr>
-  <p:transition xmlns:p14="http://schemas.microsoft.com/office/powerpoint/2010/main" spd="med" advClick="1"/>
+  <p:transition spd="med"/>
 </p:sldLayout>
 </file>
 
 <file path=ppt/slideLayouts/slideLayout15.xml><?xml version="1.0" encoding="utf-8"?>
-<p:sldLayout xmlns:a="http://schemas.openxmlformats.org/drawingml/2006/main" xmlns:r="http://schemas.openxmlformats.org/officeDocument/2006/relationships" xmlns:p="http://schemas.openxmlformats.org/presentationml/2006/main" xmlns:m="http://schemas.openxmlformats.org/officeDocument/2006/math" xmlns:a14="http://schemas.microsoft.com/office/drawing/2010/main" type="tx" showMasterSp="1" showMasterPhAnim="1">
+<p:sldLayout xmlns:a="http://schemas.openxmlformats.org/drawingml/2006/main" xmlns:r="http://schemas.openxmlformats.org/officeDocument/2006/relationships" xmlns:p="http://schemas.openxmlformats.org/presentationml/2006/main" type="tx">
   <p:cSld name="Photo - 3 Up">
     <p:spTree>
       <p:nvGrpSpPr>
@@ -1681,7 +1686,9 @@
       <p:sp>
         <p:nvSpPr>
           <p:cNvPr id="144" name="Close-up of wild plants growing between rocks"/>
-          <p:cNvSpPr/>
+          <p:cNvSpPr>
+            <a:spLocks noGrp="1"/>
+          </p:cNvSpPr>
           <p:nvPr>
             <p:ph type="pic" sz="quarter" idx="21"/>
           </p:nvPr>
@@ -1701,14 +1708,16 @@
           </a:bodyPr>
           <a:lstStyle/>
           <a:p>
-            <a:pPr/>
+            <a:endParaRPr/>
           </a:p>
         </p:txBody>
       </p:sp>
       <p:sp>
         <p:nvSpPr>
           <p:cNvPr id="145" name="Large rock formation under dark clouds with a dirt road in the foreground"/>
-          <p:cNvSpPr/>
+          <p:cNvSpPr>
+            <a:spLocks noGrp="1"/>
+          </p:cNvSpPr>
           <p:nvPr>
             <p:ph type="pic" idx="22"/>
           </p:nvPr>
@@ -1728,14 +1737,16 @@
           </a:bodyPr>
           <a:lstStyle/>
           <a:p>
-            <a:pPr/>
+            <a:endParaRPr/>
           </a:p>
         </p:txBody>
       </p:sp>
       <p:sp>
         <p:nvSpPr>
           <p:cNvPr id="146" name="Close-up of a wild plant growing between lava rocks"/>
-          <p:cNvSpPr/>
+          <p:cNvSpPr>
+            <a:spLocks noGrp="1"/>
+          </p:cNvSpPr>
           <p:nvPr>
             <p:ph type="pic" sz="quarter" idx="23"/>
           </p:nvPr>
@@ -1755,14 +1766,16 @@
           </a:bodyPr>
           <a:lstStyle/>
           <a:p>
-            <a:pPr/>
+            <a:endParaRPr/>
           </a:p>
         </p:txBody>
       </p:sp>
       <p:sp>
         <p:nvSpPr>
           <p:cNvPr id="147" name="Slide Number"/>
-          <p:cNvSpPr txBox="1"/>
+          <p:cNvSpPr txBox="1">
+            <a:spLocks noGrp="1"/>
+          </p:cNvSpPr>
           <p:nvPr>
             <p:ph type="sldNum" sz="quarter" idx="2"/>
           </p:nvPr>
@@ -1776,8 +1789,10 @@
           <a:bodyPr/>
           <a:lstStyle/>
           <a:p>
-            <a:pPr/>
-            <a:fld id="{86CB4B4D-7CA3-9044-876B-883B54F8677D}" type="slidenum"/>
+            <a:fld id="{86CB4B4D-7CA3-9044-876B-883B54F8677D}" type="slidenum">
+              <a:t>‹#›</a:t>
+            </a:fld>
+            <a:endParaRPr/>
           </a:p>
         </p:txBody>
       </p:sp>
@@ -1786,12 +1801,12 @@
   <p:clrMapOvr>
     <a:masterClrMapping/>
   </p:clrMapOvr>
-  <p:transition xmlns:p14="http://schemas.microsoft.com/office/powerpoint/2010/main" spd="med" advClick="1"/>
+  <p:transition spd="med"/>
 </p:sldLayout>
 </file>
 
 <file path=ppt/slideLayouts/slideLayout16.xml><?xml version="1.0" encoding="utf-8"?>
-<p:sldLayout xmlns:a="http://schemas.openxmlformats.org/drawingml/2006/main" xmlns:r="http://schemas.openxmlformats.org/officeDocument/2006/relationships" xmlns:p="http://schemas.openxmlformats.org/presentationml/2006/main" xmlns:m="http://schemas.openxmlformats.org/officeDocument/2006/math" xmlns:a14="http://schemas.microsoft.com/office/drawing/2010/main" type="tx" showMasterSp="1" showMasterPhAnim="1">
+<p:sldLayout xmlns:a="http://schemas.openxmlformats.org/drawingml/2006/main" xmlns:r="http://schemas.openxmlformats.org/officeDocument/2006/relationships" xmlns:p="http://schemas.openxmlformats.org/presentationml/2006/main" type="tx">
   <p:cSld name="Photo">
     <p:spTree>
       <p:nvGrpSpPr>
@@ -1810,7 +1825,9 @@
       <p:sp>
         <p:nvSpPr>
           <p:cNvPr id="154" name="waterfall surrounded by a green rocky landscape"/>
-          <p:cNvSpPr/>
+          <p:cNvSpPr>
+            <a:spLocks noGrp="1"/>
+          </p:cNvSpPr>
           <p:nvPr>
             <p:ph type="pic" idx="21"/>
           </p:nvPr>
@@ -1830,14 +1847,16 @@
           </a:bodyPr>
           <a:lstStyle/>
           <a:p>
-            <a:pPr/>
+            <a:endParaRPr/>
           </a:p>
         </p:txBody>
       </p:sp>
       <p:sp>
         <p:nvSpPr>
           <p:cNvPr id="155" name="Slide Number"/>
-          <p:cNvSpPr txBox="1"/>
+          <p:cNvSpPr txBox="1">
+            <a:spLocks noGrp="1"/>
+          </p:cNvSpPr>
           <p:nvPr>
             <p:ph type="sldNum" sz="quarter" idx="2"/>
           </p:nvPr>
@@ -1851,8 +1870,10 @@
           <a:bodyPr/>
           <a:lstStyle/>
           <a:p>
-            <a:pPr/>
-            <a:fld id="{86CB4B4D-7CA3-9044-876B-883B54F8677D}" type="slidenum"/>
+            <a:fld id="{86CB4B4D-7CA3-9044-876B-883B54F8677D}" type="slidenum">
+              <a:t>‹#›</a:t>
+            </a:fld>
+            <a:endParaRPr/>
           </a:p>
         </p:txBody>
       </p:sp>
@@ -1861,12 +1882,12 @@
   <p:clrMapOvr>
     <a:masterClrMapping/>
   </p:clrMapOvr>
-  <p:transition xmlns:p14="http://schemas.microsoft.com/office/powerpoint/2010/main" spd="med" advClick="1"/>
+  <p:transition spd="med"/>
 </p:sldLayout>
 </file>
 
 <file path=ppt/slideLayouts/slideLayout17.xml><?xml version="1.0" encoding="utf-8"?>
-<p:sldLayout xmlns:a="http://schemas.openxmlformats.org/drawingml/2006/main" xmlns:r="http://schemas.openxmlformats.org/officeDocument/2006/relationships" xmlns:p="http://schemas.openxmlformats.org/presentationml/2006/main" xmlns:m="http://schemas.openxmlformats.org/officeDocument/2006/math" xmlns:a14="http://schemas.microsoft.com/office/drawing/2010/main" type="tx" showMasterSp="1" showMasterPhAnim="1">
+<p:sldLayout xmlns:a="http://schemas.openxmlformats.org/drawingml/2006/main" xmlns:r="http://schemas.openxmlformats.org/officeDocument/2006/relationships" xmlns:p="http://schemas.openxmlformats.org/presentationml/2006/main" type="tx">
   <p:cSld name="Blank">
     <p:spTree>
       <p:nvGrpSpPr>
@@ -1885,7 +1906,9 @@
       <p:sp>
         <p:nvSpPr>
           <p:cNvPr id="162" name="Slide Number"/>
-          <p:cNvSpPr txBox="1"/>
+          <p:cNvSpPr txBox="1">
+            <a:spLocks noGrp="1"/>
+          </p:cNvSpPr>
           <p:nvPr>
             <p:ph type="sldNum" sz="quarter" idx="2"/>
           </p:nvPr>
@@ -1899,8 +1922,10 @@
           <a:bodyPr/>
           <a:lstStyle/>
           <a:p>
-            <a:pPr/>
-            <a:fld id="{86CB4B4D-7CA3-9044-876B-883B54F8677D}" type="slidenum"/>
+            <a:fld id="{86CB4B4D-7CA3-9044-876B-883B54F8677D}" type="slidenum">
+              <a:t>‹#›</a:t>
+            </a:fld>
+            <a:endParaRPr/>
           </a:p>
         </p:txBody>
       </p:sp>
@@ -1909,12 +1934,12 @@
   <p:clrMapOvr>
     <a:masterClrMapping/>
   </p:clrMapOvr>
-  <p:transition xmlns:p14="http://schemas.microsoft.com/office/powerpoint/2010/main" spd="med" advClick="1"/>
+  <p:transition spd="med"/>
 </p:sldLayout>
 </file>
 
 <file path=ppt/slideLayouts/slideLayout2.xml><?xml version="1.0" encoding="utf-8"?>
-<p:sldLayout xmlns:a="http://schemas.openxmlformats.org/drawingml/2006/main" xmlns:r="http://schemas.openxmlformats.org/officeDocument/2006/relationships" xmlns:p="http://schemas.openxmlformats.org/presentationml/2006/main" xmlns:m="http://schemas.openxmlformats.org/officeDocument/2006/math" xmlns:a14="http://schemas.microsoft.com/office/drawing/2010/main" type="tx" showMasterSp="1" showMasterPhAnim="1">
+<p:sldLayout xmlns:a="http://schemas.openxmlformats.org/drawingml/2006/main" xmlns:r="http://schemas.openxmlformats.org/officeDocument/2006/relationships" xmlns:p="http://schemas.openxmlformats.org/presentationml/2006/main" type="tx">
   <p:cSld name="Title &amp; Photo">
     <p:spTree>
       <p:nvGrpSpPr>
@@ -1933,7 +1958,9 @@
       <p:sp>
         <p:nvSpPr>
           <p:cNvPr id="21" name="Green, hilly landscape"/>
-          <p:cNvSpPr/>
+          <p:cNvSpPr>
+            <a:spLocks noGrp="1"/>
+          </p:cNvSpPr>
           <p:nvPr>
             <p:ph type="pic" idx="21"/>
           </p:nvPr>
@@ -1953,14 +1980,16 @@
           </a:bodyPr>
           <a:lstStyle/>
           <a:p>
-            <a:pPr/>
+            <a:endParaRPr/>
           </a:p>
         </p:txBody>
       </p:sp>
       <p:sp>
         <p:nvSpPr>
           <p:cNvPr id="22" name="Presentation Title"/>
-          <p:cNvSpPr txBox="1"/>
+          <p:cNvSpPr txBox="1">
+            <a:spLocks noGrp="1"/>
+          </p:cNvSpPr>
           <p:nvPr>
             <p:ph type="title" hasCustomPrompt="1"/>
           </p:nvPr>
@@ -1978,11 +2007,10 @@
           <a:bodyPr anchor="b"/>
           <a:lstStyle>
             <a:lvl1pPr>
-              <a:defRPr spc="-232" sz="11600"/>
+              <a:defRPr sz="11600" spc="-232"/>
             </a:lvl1pPr>
           </a:lstStyle>
           <a:p>
-            <a:pPr/>
             <a:r>
               <a:t>Presentation Title</a:t>
             </a:r>
@@ -1992,7 +2020,9 @@
       <p:sp>
         <p:nvSpPr>
           <p:cNvPr id="23" name="Author and Date"/>
-          <p:cNvSpPr txBox="1"/>
+          <p:cNvSpPr txBox="1">
+            <a:spLocks noGrp="1"/>
+          </p:cNvSpPr>
           <p:nvPr>
             <p:ph type="body" sz="quarter" idx="22" hasCustomPrompt="1"/>
           </p:nvPr>
@@ -2018,11 +2048,10 @@
               </a:spcBef>
               <a:buSzTx/>
               <a:buNone/>
-              <a:defRPr b="1" sz="3600"/>
+              <a:defRPr sz="3600" b="1"/>
             </a:lvl1pPr>
           </a:lstStyle>
           <a:p>
-            <a:pPr/>
             <a:r>
               <a:t>Author and Date</a:t>
             </a:r>
@@ -2032,7 +2061,9 @@
       <p:sp>
         <p:nvSpPr>
           <p:cNvPr id="24" name="Body Level One…"/>
-          <p:cNvSpPr txBox="1"/>
+          <p:cNvSpPr txBox="1">
+            <a:spLocks noGrp="1"/>
+          </p:cNvSpPr>
           <p:nvPr>
             <p:ph type="body" sz="quarter" idx="1" hasCustomPrompt="1"/>
           </p:nvPr>
@@ -2058,7 +2089,7 @@
               </a:spcBef>
               <a:buSzTx/>
               <a:buNone/>
-              <a:defRPr b="1" sz="5500"/>
+              <a:defRPr sz="5500" b="1"/>
             </a:lvl1pPr>
             <a:lvl2pPr marL="0" indent="457200" defTabSz="825500">
               <a:lnSpc>
@@ -2069,7 +2100,7 @@
               </a:spcBef>
               <a:buSzTx/>
               <a:buNone/>
-              <a:defRPr b="1" sz="5500"/>
+              <a:defRPr sz="5500" b="1"/>
             </a:lvl2pPr>
             <a:lvl3pPr marL="0" indent="914400" defTabSz="825500">
               <a:lnSpc>
@@ -2080,7 +2111,7 @@
               </a:spcBef>
               <a:buSzTx/>
               <a:buNone/>
-              <a:defRPr b="1" sz="5500"/>
+              <a:defRPr sz="5500" b="1"/>
             </a:lvl3pPr>
             <a:lvl4pPr marL="0" indent="1371600" defTabSz="825500">
               <a:lnSpc>
@@ -2091,7 +2122,7 @@
               </a:spcBef>
               <a:buSzTx/>
               <a:buNone/>
-              <a:defRPr b="1" sz="5500"/>
+              <a:defRPr sz="5500" b="1"/>
             </a:lvl4pPr>
             <a:lvl5pPr marL="0" indent="1828800" defTabSz="825500">
               <a:lnSpc>
@@ -2102,45 +2133,38 @@
               </a:spcBef>
               <a:buSzTx/>
               <a:buNone/>
-              <a:defRPr b="1" sz="5500"/>
+              <a:defRPr sz="5500" b="1"/>
             </a:lvl5pPr>
           </a:lstStyle>
           <a:p>
-            <a:pPr/>
             <a:r>
               <a:t>Presentation Subtitle </a:t>
             </a:r>
           </a:p>
           <a:p>
             <a:pPr lvl="1"/>
-            <a:r>
-              <a:t/>
-            </a:r>
+            <a:endParaRPr/>
           </a:p>
           <a:p>
             <a:pPr lvl="2"/>
-            <a:r>
-              <a:t/>
-            </a:r>
+            <a:endParaRPr/>
           </a:p>
           <a:p>
             <a:pPr lvl="3"/>
-            <a:r>
-              <a:t/>
-            </a:r>
+            <a:endParaRPr/>
           </a:p>
           <a:p>
             <a:pPr lvl="4"/>
-            <a:r>
-              <a:t/>
-            </a:r>
+            <a:endParaRPr/>
           </a:p>
         </p:txBody>
       </p:sp>
       <p:sp>
         <p:nvSpPr>
           <p:cNvPr id="25" name="Slide Number"/>
-          <p:cNvSpPr txBox="1"/>
+          <p:cNvSpPr txBox="1">
+            <a:spLocks noGrp="1"/>
+          </p:cNvSpPr>
           <p:nvPr>
             <p:ph type="sldNum" sz="quarter" idx="2"/>
           </p:nvPr>
@@ -2154,8 +2178,10 @@
           <a:bodyPr/>
           <a:lstStyle/>
           <a:p>
-            <a:pPr/>
-            <a:fld id="{86CB4B4D-7CA3-9044-876B-883B54F8677D}" type="slidenum"/>
+            <a:fld id="{86CB4B4D-7CA3-9044-876B-883B54F8677D}" type="slidenum">
+              <a:t>‹#›</a:t>
+            </a:fld>
+            <a:endParaRPr/>
           </a:p>
         </p:txBody>
       </p:sp>
@@ -2164,12 +2190,12 @@
   <p:clrMapOvr>
     <a:masterClrMapping/>
   </p:clrMapOvr>
-  <p:transition xmlns:p14="http://schemas.microsoft.com/office/powerpoint/2010/main" spd="med" advClick="1"/>
+  <p:transition spd="med"/>
 </p:sldLayout>
 </file>
 
 <file path=ppt/slideLayouts/slideLayout3.xml><?xml version="1.0" encoding="utf-8"?>
-<p:sldLayout xmlns:a="http://schemas.openxmlformats.org/drawingml/2006/main" xmlns:r="http://schemas.openxmlformats.org/officeDocument/2006/relationships" xmlns:p="http://schemas.openxmlformats.org/presentationml/2006/main" xmlns:m="http://schemas.openxmlformats.org/officeDocument/2006/math" xmlns:a14="http://schemas.microsoft.com/office/drawing/2010/main" type="tx" showMasterSp="1" showMasterPhAnim="1">
+<p:sldLayout xmlns:a="http://schemas.openxmlformats.org/drawingml/2006/main" xmlns:r="http://schemas.openxmlformats.org/officeDocument/2006/relationships" xmlns:p="http://schemas.openxmlformats.org/presentationml/2006/main" type="tx">
   <p:cSld name="Title &amp; Photo Alt">
     <p:spTree>
       <p:nvGrpSpPr>
@@ -2188,7 +2214,9 @@
       <p:sp>
         <p:nvSpPr>
           <p:cNvPr id="32" name="Slide Title"/>
-          <p:cNvSpPr txBox="1"/>
+          <p:cNvSpPr txBox="1">
+            <a:spLocks noGrp="1"/>
+          </p:cNvSpPr>
           <p:nvPr>
             <p:ph type="title" hasCustomPrompt="1"/>
           </p:nvPr>
@@ -2206,7 +2234,6 @@
           <a:bodyPr anchor="b"/>
           <a:lstStyle/>
           <a:p>
-            <a:pPr/>
             <a:r>
               <a:t>Slide Title</a:t>
             </a:r>
@@ -2216,7 +2243,9 @@
       <p:sp>
         <p:nvSpPr>
           <p:cNvPr id="33" name="Body Level One…"/>
-          <p:cNvSpPr txBox="1"/>
+          <p:cNvSpPr txBox="1">
+            <a:spLocks noGrp="1"/>
+          </p:cNvSpPr>
           <p:nvPr>
             <p:ph type="body" sz="quarter" idx="1" hasCustomPrompt="1"/>
           </p:nvPr>
@@ -2242,7 +2271,7 @@
               </a:spcBef>
               <a:buSzTx/>
               <a:buNone/>
-              <a:defRPr b="1" sz="5500"/>
+              <a:defRPr sz="5500" b="1"/>
             </a:lvl1pPr>
             <a:lvl2pPr marL="0" indent="457200" defTabSz="825500">
               <a:lnSpc>
@@ -2253,7 +2282,7 @@
               </a:spcBef>
               <a:buSzTx/>
               <a:buNone/>
-              <a:defRPr b="1" sz="5500"/>
+              <a:defRPr sz="5500" b="1"/>
             </a:lvl2pPr>
             <a:lvl3pPr marL="0" indent="914400" defTabSz="825500">
               <a:lnSpc>
@@ -2264,7 +2293,7 @@
               </a:spcBef>
               <a:buSzTx/>
               <a:buNone/>
-              <a:defRPr b="1" sz="5500"/>
+              <a:defRPr sz="5500" b="1"/>
             </a:lvl3pPr>
             <a:lvl4pPr marL="0" indent="1371600" defTabSz="825500">
               <a:lnSpc>
@@ -2275,7 +2304,7 @@
               </a:spcBef>
               <a:buSzTx/>
               <a:buNone/>
-              <a:defRPr b="1" sz="5500"/>
+              <a:defRPr sz="5500" b="1"/>
             </a:lvl4pPr>
             <a:lvl5pPr marL="0" indent="1828800" defTabSz="825500">
               <a:lnSpc>
@@ -2286,45 +2315,38 @@
               </a:spcBef>
               <a:buSzTx/>
               <a:buNone/>
-              <a:defRPr b="1" sz="5500"/>
+              <a:defRPr sz="5500" b="1"/>
             </a:lvl5pPr>
           </a:lstStyle>
           <a:p>
-            <a:pPr/>
             <a:r>
               <a:t>Slide Subtitle</a:t>
             </a:r>
           </a:p>
           <a:p>
             <a:pPr lvl="1"/>
-            <a:r>
-              <a:t/>
-            </a:r>
+            <a:endParaRPr/>
           </a:p>
           <a:p>
             <a:pPr lvl="2"/>
-            <a:r>
-              <a:t/>
-            </a:r>
+            <a:endParaRPr/>
           </a:p>
           <a:p>
             <a:pPr lvl="3"/>
-            <a:r>
-              <a:t/>
-            </a:r>
+            <a:endParaRPr/>
           </a:p>
           <a:p>
             <a:pPr lvl="4"/>
-            <a:r>
-              <a:t/>
-            </a:r>
+            <a:endParaRPr/>
           </a:p>
         </p:txBody>
       </p:sp>
       <p:sp>
         <p:nvSpPr>
           <p:cNvPr id="34" name="Moss-covered rocks"/>
-          <p:cNvSpPr/>
+          <p:cNvSpPr>
+            <a:spLocks noGrp="1"/>
+          </p:cNvSpPr>
           <p:nvPr>
             <p:ph type="pic" sz="half" idx="21"/>
           </p:nvPr>
@@ -2344,14 +2366,16 @@
           </a:bodyPr>
           <a:lstStyle/>
           <a:p>
-            <a:pPr/>
+            <a:endParaRPr/>
           </a:p>
         </p:txBody>
       </p:sp>
       <p:sp>
         <p:nvSpPr>
           <p:cNvPr id="35" name="Slide Number"/>
-          <p:cNvSpPr txBox="1"/>
+          <p:cNvSpPr txBox="1">
+            <a:spLocks noGrp="1"/>
+          </p:cNvSpPr>
           <p:nvPr>
             <p:ph type="sldNum" sz="quarter" idx="2"/>
           </p:nvPr>
@@ -2369,8 +2393,10 @@
           <a:bodyPr/>
           <a:lstStyle/>
           <a:p>
-            <a:pPr/>
-            <a:fld id="{86CB4B4D-7CA3-9044-876B-883B54F8677D}" type="slidenum"/>
+            <a:fld id="{86CB4B4D-7CA3-9044-876B-883B54F8677D}" type="slidenum">
+              <a:t>‹#›</a:t>
+            </a:fld>
+            <a:endParaRPr/>
           </a:p>
         </p:txBody>
       </p:sp>
@@ -2379,12 +2405,12 @@
   <p:clrMapOvr>
     <a:masterClrMapping/>
   </p:clrMapOvr>
-  <p:transition xmlns:p14="http://schemas.microsoft.com/office/powerpoint/2010/main" spd="med" advClick="1"/>
+  <p:transition spd="med"/>
 </p:sldLayout>
 </file>
 
 <file path=ppt/slideLayouts/slideLayout4.xml><?xml version="1.0" encoding="utf-8"?>
-<p:sldLayout xmlns:a="http://schemas.openxmlformats.org/drawingml/2006/main" xmlns:r="http://schemas.openxmlformats.org/officeDocument/2006/relationships" xmlns:p="http://schemas.openxmlformats.org/presentationml/2006/main" xmlns:m="http://schemas.openxmlformats.org/officeDocument/2006/math" xmlns:a14="http://schemas.microsoft.com/office/drawing/2010/main" type="tx" showMasterSp="1" showMasterPhAnim="1">
+<p:sldLayout xmlns:a="http://schemas.openxmlformats.org/drawingml/2006/main" xmlns:r="http://schemas.openxmlformats.org/officeDocument/2006/relationships" xmlns:p="http://schemas.openxmlformats.org/presentationml/2006/main" type="tx">
   <p:cSld name="Title &amp; Bullets">
     <p:spTree>
       <p:nvGrpSpPr>
@@ -2403,7 +2429,9 @@
       <p:sp>
         <p:nvSpPr>
           <p:cNvPr id="42" name="Slide Title"/>
-          <p:cNvSpPr txBox="1"/>
+          <p:cNvSpPr txBox="1">
+            <a:spLocks noGrp="1"/>
+          </p:cNvSpPr>
           <p:nvPr>
             <p:ph type="title" hasCustomPrompt="1"/>
           </p:nvPr>
@@ -2417,7 +2445,6 @@
           <a:bodyPr/>
           <a:lstStyle/>
           <a:p>
-            <a:pPr/>
             <a:r>
               <a:t>Slide Title</a:t>
             </a:r>
@@ -2427,7 +2454,9 @@
       <p:sp>
         <p:nvSpPr>
           <p:cNvPr id="43" name="Slide Subtitle"/>
-          <p:cNvSpPr txBox="1"/>
+          <p:cNvSpPr txBox="1">
+            <a:spLocks noGrp="1"/>
+          </p:cNvSpPr>
           <p:nvPr>
             <p:ph type="body" sz="quarter" idx="21" hasCustomPrompt="1"/>
           </p:nvPr>
@@ -2453,11 +2482,10 @@
               </a:spcBef>
               <a:buSzTx/>
               <a:buNone/>
-              <a:defRPr b="1" sz="5500"/>
+              <a:defRPr sz="5500" b="1"/>
             </a:lvl1pPr>
           </a:lstStyle>
           <a:p>
-            <a:pPr/>
             <a:r>
               <a:t>Slide Subtitle</a:t>
             </a:r>
@@ -2467,7 +2495,9 @@
       <p:sp>
         <p:nvSpPr>
           <p:cNvPr id="44" name="Body Level One…"/>
-          <p:cNvSpPr txBox="1"/>
+          <p:cNvSpPr txBox="1">
+            <a:spLocks noGrp="1"/>
+          </p:cNvSpPr>
           <p:nvPr>
             <p:ph type="body" idx="1" hasCustomPrompt="1"/>
           </p:nvPr>
@@ -2481,41 +2511,34 @@
           <a:bodyPr/>
           <a:lstStyle/>
           <a:p>
-            <a:pPr/>
             <a:r>
               <a:t>Slide bullet text</a:t>
             </a:r>
           </a:p>
           <a:p>
             <a:pPr lvl="1"/>
-            <a:r>
-              <a:t/>
-            </a:r>
+            <a:endParaRPr/>
           </a:p>
           <a:p>
             <a:pPr lvl="2"/>
-            <a:r>
-              <a:t/>
-            </a:r>
+            <a:endParaRPr/>
           </a:p>
           <a:p>
             <a:pPr lvl="3"/>
-            <a:r>
-              <a:t/>
-            </a:r>
+            <a:endParaRPr/>
           </a:p>
           <a:p>
             <a:pPr lvl="4"/>
-            <a:r>
-              <a:t/>
-            </a:r>
+            <a:endParaRPr/>
           </a:p>
         </p:txBody>
       </p:sp>
       <p:sp>
         <p:nvSpPr>
           <p:cNvPr id="45" name="Slide Number"/>
-          <p:cNvSpPr txBox="1"/>
+          <p:cNvSpPr txBox="1">
+            <a:spLocks noGrp="1"/>
+          </p:cNvSpPr>
           <p:nvPr>
             <p:ph type="sldNum" sz="quarter" idx="2"/>
           </p:nvPr>
@@ -2529,8 +2552,10 @@
           <a:bodyPr/>
           <a:lstStyle/>
           <a:p>
-            <a:pPr/>
-            <a:fld id="{86CB4B4D-7CA3-9044-876B-883B54F8677D}" type="slidenum"/>
+            <a:fld id="{86CB4B4D-7CA3-9044-876B-883B54F8677D}" type="slidenum">
+              <a:t>‹#›</a:t>
+            </a:fld>
+            <a:endParaRPr/>
           </a:p>
         </p:txBody>
       </p:sp>
@@ -2539,12 +2564,12 @@
   <p:clrMapOvr>
     <a:masterClrMapping/>
   </p:clrMapOvr>
-  <p:transition xmlns:p14="http://schemas.microsoft.com/office/powerpoint/2010/main" spd="med" advClick="1"/>
+  <p:transition spd="med"/>
 </p:sldLayout>
 </file>
 
 <file path=ppt/slideLayouts/slideLayout5.xml><?xml version="1.0" encoding="utf-8"?>
-<p:sldLayout xmlns:a="http://schemas.openxmlformats.org/drawingml/2006/main" xmlns:r="http://schemas.openxmlformats.org/officeDocument/2006/relationships" xmlns:p="http://schemas.openxmlformats.org/presentationml/2006/main" xmlns:m="http://schemas.openxmlformats.org/officeDocument/2006/math" xmlns:a14="http://schemas.microsoft.com/office/drawing/2010/main" type="tx" showMasterSp="1" showMasterPhAnim="1">
+<p:sldLayout xmlns:a="http://schemas.openxmlformats.org/drawingml/2006/main" xmlns:r="http://schemas.openxmlformats.org/officeDocument/2006/relationships" xmlns:p="http://schemas.openxmlformats.org/presentationml/2006/main" type="tx">
   <p:cSld name="Bullets">
     <p:spTree>
       <p:nvGrpSpPr>
@@ -2563,7 +2588,9 @@
       <p:sp>
         <p:nvSpPr>
           <p:cNvPr id="52" name="Body Level One…"/>
-          <p:cNvSpPr txBox="1"/>
+          <p:cNvSpPr txBox="1">
+            <a:spLocks noGrp="1"/>
+          </p:cNvSpPr>
           <p:nvPr>
             <p:ph type="body" idx="1" hasCustomPrompt="1"/>
           </p:nvPr>
@@ -2577,41 +2604,34 @@
           <a:bodyPr numCol="2" spcCol="1098550"/>
           <a:lstStyle/>
           <a:p>
-            <a:pPr/>
             <a:r>
               <a:t>Slide bullet text</a:t>
             </a:r>
           </a:p>
           <a:p>
             <a:pPr lvl="1"/>
-            <a:r>
-              <a:t/>
-            </a:r>
+            <a:endParaRPr/>
           </a:p>
           <a:p>
             <a:pPr lvl="2"/>
-            <a:r>
-              <a:t/>
-            </a:r>
+            <a:endParaRPr/>
           </a:p>
           <a:p>
             <a:pPr lvl="3"/>
-            <a:r>
-              <a:t/>
-            </a:r>
+            <a:endParaRPr/>
           </a:p>
           <a:p>
             <a:pPr lvl="4"/>
-            <a:r>
-              <a:t/>
-            </a:r>
+            <a:endParaRPr/>
           </a:p>
         </p:txBody>
       </p:sp>
       <p:sp>
         <p:nvSpPr>
           <p:cNvPr id="53" name="Slide Number"/>
-          <p:cNvSpPr txBox="1"/>
+          <p:cNvSpPr txBox="1">
+            <a:spLocks noGrp="1"/>
+          </p:cNvSpPr>
           <p:nvPr>
             <p:ph type="sldNum" sz="quarter" idx="2"/>
           </p:nvPr>
@@ -2625,8 +2645,10 @@
           <a:bodyPr/>
           <a:lstStyle/>
           <a:p>
-            <a:pPr/>
-            <a:fld id="{86CB4B4D-7CA3-9044-876B-883B54F8677D}" type="slidenum"/>
+            <a:fld id="{86CB4B4D-7CA3-9044-876B-883B54F8677D}" type="slidenum">
+              <a:t>‹#›</a:t>
+            </a:fld>
+            <a:endParaRPr/>
           </a:p>
         </p:txBody>
       </p:sp>
@@ -2635,12 +2657,12 @@
   <p:clrMapOvr>
     <a:masterClrMapping/>
   </p:clrMapOvr>
-  <p:transition xmlns:p14="http://schemas.microsoft.com/office/powerpoint/2010/main" spd="med" advClick="1"/>
+  <p:transition spd="med"/>
 </p:sldLayout>
 </file>
 
 <file path=ppt/slideLayouts/slideLayout6.xml><?xml version="1.0" encoding="utf-8"?>
-<p:sldLayout xmlns:a="http://schemas.openxmlformats.org/drawingml/2006/main" xmlns:r="http://schemas.openxmlformats.org/officeDocument/2006/relationships" xmlns:p="http://schemas.openxmlformats.org/presentationml/2006/main" xmlns:m="http://schemas.openxmlformats.org/officeDocument/2006/math" xmlns:a14="http://schemas.microsoft.com/office/drawing/2010/main" type="tx" showMasterSp="1" showMasterPhAnim="1">
+<p:sldLayout xmlns:a="http://schemas.openxmlformats.org/drawingml/2006/main" xmlns:r="http://schemas.openxmlformats.org/officeDocument/2006/relationships" xmlns:p="http://schemas.openxmlformats.org/presentationml/2006/main" type="tx">
   <p:cSld name="Title, Bullets &amp; Photo">
     <p:spTree>
       <p:nvGrpSpPr>
@@ -2659,7 +2681,9 @@
       <p:sp>
         <p:nvSpPr>
           <p:cNvPr id="60" name="Slide Title"/>
-          <p:cNvSpPr txBox="1"/>
+          <p:cNvSpPr txBox="1">
+            <a:spLocks noGrp="1"/>
+          </p:cNvSpPr>
           <p:nvPr>
             <p:ph type="title" hasCustomPrompt="1"/>
           </p:nvPr>
@@ -2677,7 +2701,6 @@
           <a:bodyPr/>
           <a:lstStyle/>
           <a:p>
-            <a:pPr/>
             <a:r>
               <a:t>Slide Title</a:t>
             </a:r>
@@ -2687,7 +2710,9 @@
       <p:sp>
         <p:nvSpPr>
           <p:cNvPr id="61" name="Slide Subtitle"/>
-          <p:cNvSpPr txBox="1"/>
+          <p:cNvSpPr txBox="1">
+            <a:spLocks noGrp="1"/>
+          </p:cNvSpPr>
           <p:nvPr>
             <p:ph type="body" sz="quarter" idx="21" hasCustomPrompt="1"/>
           </p:nvPr>
@@ -2713,11 +2738,10 @@
               </a:spcBef>
               <a:buSzTx/>
               <a:buNone/>
-              <a:defRPr b="1" sz="5500"/>
+              <a:defRPr sz="5500" b="1"/>
             </a:lvl1pPr>
           </a:lstStyle>
           <a:p>
-            <a:pPr/>
             <a:r>
               <a:t>Slide Subtitle</a:t>
             </a:r>
@@ -2727,7 +2751,9 @@
       <p:sp>
         <p:nvSpPr>
           <p:cNvPr id="62" name="Body Level One…"/>
-          <p:cNvSpPr txBox="1"/>
+          <p:cNvSpPr txBox="1">
+            <a:spLocks noGrp="1"/>
+          </p:cNvSpPr>
           <p:nvPr>
             <p:ph type="body" sz="half" idx="1" hasCustomPrompt="1"/>
           </p:nvPr>
@@ -2745,41 +2771,34 @@
           <a:bodyPr/>
           <a:lstStyle/>
           <a:p>
-            <a:pPr/>
             <a:r>
               <a:t>Slide bullet text</a:t>
             </a:r>
           </a:p>
           <a:p>
             <a:pPr lvl="1"/>
-            <a:r>
-              <a:t/>
-            </a:r>
+            <a:endParaRPr/>
           </a:p>
           <a:p>
             <a:pPr lvl="2"/>
-            <a:r>
-              <a:t/>
-            </a:r>
+            <a:endParaRPr/>
           </a:p>
           <a:p>
             <a:pPr lvl="3"/>
-            <a:r>
-              <a:t/>
-            </a:r>
+            <a:endParaRPr/>
           </a:p>
           <a:p>
             <a:pPr lvl="4"/>
-            <a:r>
-              <a:t/>
-            </a:r>
+            <a:endParaRPr/>
           </a:p>
         </p:txBody>
       </p:sp>
       <p:sp>
         <p:nvSpPr>
           <p:cNvPr id="63" name="Large rock formation under dark clouds with a dirt road in the foreground"/>
-          <p:cNvSpPr/>
+          <p:cNvSpPr>
+            <a:spLocks noGrp="1"/>
+          </p:cNvSpPr>
           <p:nvPr>
             <p:ph type="pic" idx="22"/>
           </p:nvPr>
@@ -2799,14 +2818,16 @@
           </a:bodyPr>
           <a:lstStyle/>
           <a:p>
-            <a:pPr/>
+            <a:endParaRPr/>
           </a:p>
         </p:txBody>
       </p:sp>
       <p:sp>
         <p:nvSpPr>
           <p:cNvPr id="64" name="Slide Number"/>
-          <p:cNvSpPr txBox="1"/>
+          <p:cNvSpPr txBox="1">
+            <a:spLocks noGrp="1"/>
+          </p:cNvSpPr>
           <p:nvPr>
             <p:ph type="sldNum" sz="quarter" idx="2"/>
           </p:nvPr>
@@ -2820,8 +2841,10 @@
           <a:bodyPr/>
           <a:lstStyle/>
           <a:p>
-            <a:pPr/>
-            <a:fld id="{86CB4B4D-7CA3-9044-876B-883B54F8677D}" type="slidenum"/>
+            <a:fld id="{86CB4B4D-7CA3-9044-876B-883B54F8677D}" type="slidenum">
+              <a:t>‹#›</a:t>
+            </a:fld>
+            <a:endParaRPr/>
           </a:p>
         </p:txBody>
       </p:sp>
@@ -2830,12 +2853,12 @@
   <p:clrMapOvr>
     <a:masterClrMapping/>
   </p:clrMapOvr>
-  <p:transition xmlns:p14="http://schemas.microsoft.com/office/powerpoint/2010/main" spd="med" advClick="1"/>
+  <p:transition spd="med"/>
 </p:sldLayout>
 </file>
 
 <file path=ppt/slideLayouts/slideLayout7.xml><?xml version="1.0" encoding="utf-8"?>
-<p:sldLayout xmlns:a="http://schemas.openxmlformats.org/drawingml/2006/main" xmlns:r="http://schemas.openxmlformats.org/officeDocument/2006/relationships" xmlns:p="http://schemas.openxmlformats.org/presentationml/2006/main" xmlns:m="http://schemas.openxmlformats.org/officeDocument/2006/math" xmlns:a14="http://schemas.microsoft.com/office/drawing/2010/main" type="tx" showMasterSp="1" showMasterPhAnim="1">
+<p:sldLayout xmlns:a="http://schemas.openxmlformats.org/drawingml/2006/main" xmlns:r="http://schemas.openxmlformats.org/officeDocument/2006/relationships" xmlns:p="http://schemas.openxmlformats.org/presentationml/2006/main" type="tx">
   <p:cSld name="Title, Bullets &amp; Live Video Small">
     <p:spTree>
       <p:nvGrpSpPr>
@@ -2854,7 +2877,9 @@
       <p:sp>
         <p:nvSpPr>
           <p:cNvPr id="71" name="Slide Title"/>
-          <p:cNvSpPr txBox="1"/>
+          <p:cNvSpPr txBox="1">
+            <a:spLocks noGrp="1"/>
+          </p:cNvSpPr>
           <p:nvPr>
             <p:ph type="title" hasCustomPrompt="1"/>
           </p:nvPr>
@@ -2872,7 +2897,6 @@
           <a:bodyPr/>
           <a:lstStyle/>
           <a:p>
-            <a:pPr/>
             <a:r>
               <a:t>Slide Title</a:t>
             </a:r>
@@ -2882,7 +2906,9 @@
       <p:sp>
         <p:nvSpPr>
           <p:cNvPr id="72" name="Slide Subtitle"/>
-          <p:cNvSpPr txBox="1"/>
+          <p:cNvSpPr txBox="1">
+            <a:spLocks noGrp="1"/>
+          </p:cNvSpPr>
           <p:nvPr>
             <p:ph type="body" sz="quarter" idx="21" hasCustomPrompt="1"/>
           </p:nvPr>
@@ -2908,11 +2934,10 @@
               </a:spcBef>
               <a:buSzTx/>
               <a:buNone/>
-              <a:defRPr b="1" sz="5500"/>
+              <a:defRPr sz="5500" b="1"/>
             </a:lvl1pPr>
           </a:lstStyle>
           <a:p>
-            <a:pPr/>
             <a:r>
               <a:t>Slide Subtitle</a:t>
             </a:r>
@@ -2922,7 +2947,9 @@
       <p:sp>
         <p:nvSpPr>
           <p:cNvPr id="73" name="Body Level One…"/>
-          <p:cNvSpPr txBox="1"/>
+          <p:cNvSpPr txBox="1">
+            <a:spLocks noGrp="1"/>
+          </p:cNvSpPr>
           <p:nvPr>
             <p:ph type="body" sz="half" idx="1" hasCustomPrompt="1"/>
           </p:nvPr>
@@ -2940,41 +2967,34 @@
           <a:bodyPr/>
           <a:lstStyle/>
           <a:p>
-            <a:pPr/>
             <a:r>
               <a:t>Slide bullet text</a:t>
             </a:r>
           </a:p>
           <a:p>
             <a:pPr lvl="1"/>
-            <a:r>
-              <a:t/>
-            </a:r>
+            <a:endParaRPr/>
           </a:p>
           <a:p>
             <a:pPr lvl="2"/>
-            <a:r>
-              <a:t/>
-            </a:r>
+            <a:endParaRPr/>
           </a:p>
           <a:p>
             <a:pPr lvl="3"/>
-            <a:r>
-              <a:t/>
-            </a:r>
+            <a:endParaRPr/>
           </a:p>
           <a:p>
             <a:pPr lvl="4"/>
-            <a:r>
-              <a:t/>
-            </a:r>
+            <a:endParaRPr/>
           </a:p>
         </p:txBody>
       </p:sp>
       <p:sp>
         <p:nvSpPr>
           <p:cNvPr id="74" name="Slide Number"/>
-          <p:cNvSpPr txBox="1"/>
+          <p:cNvSpPr txBox="1">
+            <a:spLocks noGrp="1"/>
+          </p:cNvSpPr>
           <p:nvPr>
             <p:ph type="sldNum" sz="quarter" idx="2"/>
           </p:nvPr>
@@ -2988,8 +3008,10 @@
           <a:bodyPr/>
           <a:lstStyle/>
           <a:p>
-            <a:pPr/>
-            <a:fld id="{86CB4B4D-7CA3-9044-876B-883B54F8677D}" type="slidenum"/>
+            <a:fld id="{86CB4B4D-7CA3-9044-876B-883B54F8677D}" type="slidenum">
+              <a:t>‹#›</a:t>
+            </a:fld>
+            <a:endParaRPr/>
           </a:p>
         </p:txBody>
       </p:sp>
@@ -2998,12 +3020,12 @@
   <p:clrMapOvr>
     <a:masterClrMapping/>
   </p:clrMapOvr>
-  <p:transition xmlns:p14="http://schemas.microsoft.com/office/powerpoint/2010/main" spd="med" advClick="1"/>
+  <p:transition spd="med"/>
 </p:sldLayout>
 </file>
 
 <file path=ppt/slideLayouts/slideLayout8.xml><?xml version="1.0" encoding="utf-8"?>
-<p:sldLayout xmlns:a="http://schemas.openxmlformats.org/drawingml/2006/main" xmlns:r="http://schemas.openxmlformats.org/officeDocument/2006/relationships" xmlns:p="http://schemas.openxmlformats.org/presentationml/2006/main" xmlns:m="http://schemas.openxmlformats.org/officeDocument/2006/math" xmlns:a14="http://schemas.microsoft.com/office/drawing/2010/main" type="tx" showMasterSp="1" showMasterPhAnim="1">
+<p:sldLayout xmlns:a="http://schemas.openxmlformats.org/drawingml/2006/main" xmlns:r="http://schemas.openxmlformats.org/officeDocument/2006/relationships" xmlns:p="http://schemas.openxmlformats.org/presentationml/2006/main" type="tx">
   <p:cSld name="Title, Bullets &amp; Live Video Large">
     <p:spTree>
       <p:nvGrpSpPr>
@@ -3022,7 +3044,9 @@
       <p:sp>
         <p:nvSpPr>
           <p:cNvPr id="81" name="Slide Title"/>
-          <p:cNvSpPr txBox="1"/>
+          <p:cNvSpPr txBox="1">
+            <a:spLocks noGrp="1"/>
+          </p:cNvSpPr>
           <p:nvPr>
             <p:ph type="title" hasCustomPrompt="1"/>
           </p:nvPr>
@@ -3040,7 +3064,6 @@
           <a:bodyPr/>
           <a:lstStyle/>
           <a:p>
-            <a:pPr/>
             <a:r>
               <a:t>Slide Title</a:t>
             </a:r>
@@ -3050,7 +3073,9 @@
       <p:sp>
         <p:nvSpPr>
           <p:cNvPr id="82" name="Slide Subtitle"/>
-          <p:cNvSpPr txBox="1"/>
+          <p:cNvSpPr txBox="1">
+            <a:spLocks noGrp="1"/>
+          </p:cNvSpPr>
           <p:nvPr>
             <p:ph type="body" sz="quarter" idx="21" hasCustomPrompt="1"/>
           </p:nvPr>
@@ -3076,11 +3101,10 @@
               </a:spcBef>
               <a:buSzTx/>
               <a:buNone/>
-              <a:defRPr b="1" sz="5500"/>
+              <a:defRPr sz="5500" b="1"/>
             </a:lvl1pPr>
           </a:lstStyle>
           <a:p>
-            <a:pPr/>
             <a:r>
               <a:t>Slide Subtitle</a:t>
             </a:r>
@@ -3090,7 +3114,9 @@
       <p:sp>
         <p:nvSpPr>
           <p:cNvPr id="83" name="Body Level One…"/>
-          <p:cNvSpPr txBox="1"/>
+          <p:cNvSpPr txBox="1">
+            <a:spLocks noGrp="1"/>
+          </p:cNvSpPr>
           <p:nvPr>
             <p:ph type="body" sz="half" idx="1" hasCustomPrompt="1"/>
           </p:nvPr>
@@ -3108,41 +3134,34 @@
           <a:bodyPr/>
           <a:lstStyle/>
           <a:p>
-            <a:pPr/>
             <a:r>
               <a:t>Slide bullet text</a:t>
             </a:r>
           </a:p>
           <a:p>
             <a:pPr lvl="1"/>
-            <a:r>
-              <a:t/>
-            </a:r>
+            <a:endParaRPr/>
           </a:p>
           <a:p>
             <a:pPr lvl="2"/>
-            <a:r>
-              <a:t/>
-            </a:r>
+            <a:endParaRPr/>
           </a:p>
           <a:p>
             <a:pPr lvl="3"/>
-            <a:r>
-              <a:t/>
-            </a:r>
+            <a:endParaRPr/>
           </a:p>
           <a:p>
             <a:pPr lvl="4"/>
-            <a:r>
-              <a:t/>
-            </a:r>
+            <a:endParaRPr/>
           </a:p>
         </p:txBody>
       </p:sp>
       <p:sp>
         <p:nvSpPr>
           <p:cNvPr id="84" name="Slide Number"/>
-          <p:cNvSpPr txBox="1"/>
+          <p:cNvSpPr txBox="1">
+            <a:spLocks noGrp="1"/>
+          </p:cNvSpPr>
           <p:nvPr>
             <p:ph type="sldNum" sz="quarter" idx="2"/>
           </p:nvPr>
@@ -3156,8 +3175,10 @@
           <a:bodyPr/>
           <a:lstStyle/>
           <a:p>
-            <a:pPr/>
-            <a:fld id="{86CB4B4D-7CA3-9044-876B-883B54F8677D}" type="slidenum"/>
+            <a:fld id="{86CB4B4D-7CA3-9044-876B-883B54F8677D}" type="slidenum">
+              <a:t>‹#›</a:t>
+            </a:fld>
+            <a:endParaRPr/>
           </a:p>
         </p:txBody>
       </p:sp>
@@ -3166,12 +3187,12 @@
   <p:clrMapOvr>
     <a:masterClrMapping/>
   </p:clrMapOvr>
-  <p:transition xmlns:p14="http://schemas.microsoft.com/office/powerpoint/2010/main" spd="med" advClick="1"/>
+  <p:transition spd="med"/>
 </p:sldLayout>
 </file>
 
 <file path=ppt/slideLayouts/slideLayout9.xml><?xml version="1.0" encoding="utf-8"?>
-<p:sldLayout xmlns:a="http://schemas.openxmlformats.org/drawingml/2006/main" xmlns:r="http://schemas.openxmlformats.org/officeDocument/2006/relationships" xmlns:p="http://schemas.openxmlformats.org/presentationml/2006/main" xmlns:m="http://schemas.openxmlformats.org/officeDocument/2006/math" xmlns:a14="http://schemas.microsoft.com/office/drawing/2010/main" type="tx" showMasterSp="1" showMasterPhAnim="1">
+<p:sldLayout xmlns:a="http://schemas.openxmlformats.org/drawingml/2006/main" xmlns:r="http://schemas.openxmlformats.org/officeDocument/2006/relationships" xmlns:p="http://schemas.openxmlformats.org/presentationml/2006/main" type="tx">
   <p:cSld name="Section">
     <p:spTree>
       <p:nvGrpSpPr>
@@ -3190,7 +3211,9 @@
       <p:sp>
         <p:nvSpPr>
           <p:cNvPr id="91" name="Section Title"/>
-          <p:cNvSpPr txBox="1"/>
+          <p:cNvSpPr txBox="1">
+            <a:spLocks noGrp="1"/>
+          </p:cNvSpPr>
           <p:nvPr>
             <p:ph type="title" hasCustomPrompt="1"/>
           </p:nvPr>
@@ -3208,7 +3231,7 @@
           <a:bodyPr anchor="ctr"/>
           <a:lstStyle>
             <a:lvl1pPr>
-              <a:defRPr b="0" spc="-232" sz="11600">
+              <a:defRPr sz="11600" b="0" spc="-232">
                 <a:latin typeface="Helvetica Neue Medium"/>
                 <a:ea typeface="Helvetica Neue Medium"/>
                 <a:cs typeface="Helvetica Neue Medium"/>
@@ -3217,7 +3240,6 @@
             </a:lvl1pPr>
           </a:lstStyle>
           <a:p>
-            <a:pPr/>
             <a:r>
               <a:t>Section Title</a:t>
             </a:r>
@@ -3227,7 +3249,9 @@
       <p:sp>
         <p:nvSpPr>
           <p:cNvPr id="92" name="Slide Number"/>
-          <p:cNvSpPr txBox="1"/>
+          <p:cNvSpPr txBox="1">
+            <a:spLocks noGrp="1"/>
+          </p:cNvSpPr>
           <p:nvPr>
             <p:ph type="sldNum" sz="quarter" idx="2"/>
           </p:nvPr>
@@ -3245,8 +3269,10 @@
           <a:bodyPr/>
           <a:lstStyle/>
           <a:p>
-            <a:pPr/>
-            <a:fld id="{86CB4B4D-7CA3-9044-876B-883B54F8677D}" type="slidenum"/>
+            <a:fld id="{86CB4B4D-7CA3-9044-876B-883B54F8677D}" type="slidenum">
+              <a:t>‹#›</a:t>
+            </a:fld>
+            <a:endParaRPr/>
           </a:p>
         </p:txBody>
       </p:sp>
@@ -3255,18 +3281,19 @@
   <p:clrMapOvr>
     <a:masterClrMapping/>
   </p:clrMapOvr>
-  <p:transition xmlns:p14="http://schemas.microsoft.com/office/powerpoint/2010/main" spd="med" advClick="1"/>
+  <p:transition spd="med"/>
 </p:sldLayout>
 </file>
 
 <file path=ppt/slideMasters/slideMaster1.xml><?xml version="1.0" encoding="utf-8"?>
-<p:sldMaster xmlns:a="http://schemas.openxmlformats.org/drawingml/2006/main" xmlns:r="http://schemas.openxmlformats.org/officeDocument/2006/relationships" xmlns:p="http://schemas.openxmlformats.org/presentationml/2006/main" xmlns:m="http://schemas.openxmlformats.org/officeDocument/2006/math" xmlns:a14="http://schemas.microsoft.com/office/drawing/2010/main">
+<p:sldMaster xmlns:a="http://schemas.openxmlformats.org/drawingml/2006/main" xmlns:r="http://schemas.openxmlformats.org/officeDocument/2006/relationships" xmlns:p="http://schemas.openxmlformats.org/presentationml/2006/main">
   <p:cSld>
     <p:bg>
       <p:bgPr>
         <a:solidFill>
           <a:srgbClr val="000000"/>
         </a:solidFill>
+        <a:effectLst/>
       </p:bgPr>
     </p:bg>
     <p:spTree>
@@ -3286,7 +3313,9 @@
       <p:sp>
         <p:nvSpPr>
           <p:cNvPr id="2" name="Slide Title"/>
-          <p:cNvSpPr txBox="1"/>
+          <p:cNvSpPr txBox="1">
+            <a:spLocks noGrp="1"/>
+          </p:cNvSpPr>
           <p:nvPr>
             <p:ph type="title" hasCustomPrompt="1"/>
           </p:nvPr>
@@ -3304,17 +3333,16 @@
           </a:ln>
           <a:extLst>
             <a:ext uri="{C572A759-6A51-4108-AA02-DFA0A04FC94B}">
-              <ma14:wrappingTextBoxFlag xmlns:ma14="http://schemas.microsoft.com/office/mac/drawingml/2011/main" val="1"/>
+              <ma14:wrappingTextBoxFlag xmlns:ma14="http://schemas.microsoft.com/office/mac/drawingml/2011/main" xmlns:a14="http://schemas.microsoft.com/office/drawing/2010/main" xmlns:m="http://schemas.openxmlformats.org/officeDocument/2006/math" xmlns="" val="1"/>
             </a:ext>
           </a:extLst>
         </p:spPr>
         <p:txBody>
           <a:bodyPr lIns="50800" tIns="50800" rIns="50800" bIns="50800">
-            <a:normAutofit fontScale="100000" lnSpcReduction="0"/>
+            <a:normAutofit/>
           </a:bodyPr>
           <a:lstStyle/>
           <a:p>
-            <a:pPr/>
             <a:r>
               <a:t>Slide Title</a:t>
             </a:r>
@@ -3324,7 +3352,9 @@
       <p:sp>
         <p:nvSpPr>
           <p:cNvPr id="3" name="Body Level One…"/>
-          <p:cNvSpPr txBox="1"/>
+          <p:cNvSpPr txBox="1">
+            <a:spLocks noGrp="1"/>
+          </p:cNvSpPr>
           <p:nvPr>
             <p:ph type="body" idx="1" hasCustomPrompt="1"/>
           </p:nvPr>
@@ -3342,51 +3372,44 @@
           </a:ln>
           <a:extLst>
             <a:ext uri="{C572A759-6A51-4108-AA02-DFA0A04FC94B}">
-              <ma14:wrappingTextBoxFlag xmlns:ma14="http://schemas.microsoft.com/office/mac/drawingml/2011/main" val="1"/>
+              <ma14:wrappingTextBoxFlag xmlns:ma14="http://schemas.microsoft.com/office/mac/drawingml/2011/main" xmlns:a14="http://schemas.microsoft.com/office/drawing/2010/main" xmlns:m="http://schemas.openxmlformats.org/officeDocument/2006/math" xmlns="" val="1"/>
             </a:ext>
           </a:extLst>
         </p:spPr>
         <p:txBody>
           <a:bodyPr lIns="50800" tIns="50800" rIns="50800" bIns="50800">
-            <a:normAutofit fontScale="100000" lnSpcReduction="0"/>
+            <a:normAutofit/>
           </a:bodyPr>
           <a:lstStyle/>
           <a:p>
-            <a:pPr/>
             <a:r>
               <a:t>Slide bullet text</a:t>
             </a:r>
           </a:p>
           <a:p>
             <a:pPr lvl="1"/>
-            <a:r>
-              <a:t/>
-            </a:r>
+            <a:endParaRPr/>
           </a:p>
           <a:p>
             <a:pPr lvl="2"/>
-            <a:r>
-              <a:t/>
-            </a:r>
+            <a:endParaRPr/>
           </a:p>
           <a:p>
             <a:pPr lvl="3"/>
-            <a:r>
-              <a:t/>
-            </a:r>
+            <a:endParaRPr/>
           </a:p>
           <a:p>
             <a:pPr lvl="4"/>
-            <a:r>
-              <a:t/>
-            </a:r>
+            <a:endParaRPr/>
           </a:p>
         </p:txBody>
       </p:sp>
       <p:sp>
         <p:nvSpPr>
           <p:cNvPr id="4" name="Slide Number"/>
-          <p:cNvSpPr txBox="1"/>
+          <p:cNvSpPr txBox="1">
+            <a:spLocks noGrp="1"/>
+          </p:cNvSpPr>
           <p:nvPr>
             <p:ph type="sldNum" sz="quarter" idx="2"/>
           </p:nvPr>
@@ -3419,8 +3442,10 @@
             </a:lvl1pPr>
           </a:lstStyle>
           <a:p>
-            <a:pPr/>
-            <a:fld id="{86CB4B4D-7CA3-9044-876B-883B54F8677D}" type="slidenum"/>
+            <a:fld id="{86CB4B4D-7CA3-9044-876B-883B54F8677D}" type="slidenum">
+              <a:t>‹#›</a:t>
+            </a:fld>
+            <a:endParaRPr/>
           </a:p>
         </p:txBody>
       </p:sp>
@@ -3428,25 +3453,25 @@
   </p:cSld>
   <p:clrMap bg1="dk1" tx1="lt1" bg2="dk2" tx2="lt2" accent1="accent1" accent2="accent2" accent3="accent3" accent4="accent4" accent5="accent5" accent6="accent6" hlink="hlink" folHlink="folHlink"/>
   <p:sldLayoutIdLst>
-    <p:sldLayoutId id="2147483649" r:id="rId2"/>
-    <p:sldLayoutId id="2147483650" r:id="rId3"/>
-    <p:sldLayoutId id="2147483651" r:id="rId4"/>
-    <p:sldLayoutId id="2147483652" r:id="rId5"/>
-    <p:sldLayoutId id="2147483653" r:id="rId6"/>
-    <p:sldLayoutId id="2147483654" r:id="rId7"/>
-    <p:sldLayoutId id="2147483655" r:id="rId8"/>
-    <p:sldLayoutId id="2147483656" r:id="rId9"/>
-    <p:sldLayoutId id="2147483657" r:id="rId10"/>
-    <p:sldLayoutId id="2147483658" r:id="rId11"/>
-    <p:sldLayoutId id="2147483659" r:id="rId12"/>
-    <p:sldLayoutId id="2147483660" r:id="rId13"/>
-    <p:sldLayoutId id="2147483661" r:id="rId14"/>
-    <p:sldLayoutId id="2147483662" r:id="rId15"/>
-    <p:sldLayoutId id="2147483663" r:id="rId16"/>
-    <p:sldLayoutId id="2147483664" r:id="rId17"/>
-    <p:sldLayoutId id="2147483665" r:id="rId18"/>
+    <p:sldLayoutId id="2147483649" r:id="rId1"/>
+    <p:sldLayoutId id="2147483650" r:id="rId2"/>
+    <p:sldLayoutId id="2147483651" r:id="rId3"/>
+    <p:sldLayoutId id="2147483652" r:id="rId4"/>
+    <p:sldLayoutId id="2147483653" r:id="rId5"/>
+    <p:sldLayoutId id="2147483654" r:id="rId6"/>
+    <p:sldLayoutId id="2147483655" r:id="rId7"/>
+    <p:sldLayoutId id="2147483656" r:id="rId8"/>
+    <p:sldLayoutId id="2147483657" r:id="rId9"/>
+    <p:sldLayoutId id="2147483658" r:id="rId10"/>
+    <p:sldLayoutId id="2147483659" r:id="rId11"/>
+    <p:sldLayoutId id="2147483660" r:id="rId12"/>
+    <p:sldLayoutId id="2147483661" r:id="rId13"/>
+    <p:sldLayoutId id="2147483662" r:id="rId14"/>
+    <p:sldLayoutId id="2147483663" r:id="rId15"/>
+    <p:sldLayoutId id="2147483664" r:id="rId16"/>
+    <p:sldLayoutId id="2147483665" r:id="rId17"/>
   </p:sldLayoutIdLst>
-  <p:transition xmlns:p14="http://schemas.microsoft.com/office/powerpoint/2010/main" spd="med" advClick="1"/>
+  <p:transition spd="med"/>
   <p:txStyles>
     <p:titleStyle>
       <a:lvl1pPr marL="0" marR="0" indent="0" algn="l" defTabSz="2438338" rtl="0" latinLnBrk="0">
@@ -3464,7 +3489,7 @@
         <a:buFontTx/>
         <a:buNone/>
         <a:tabLst/>
-        <a:defRPr b="1" baseline="0" cap="none" i="0" spc="-170" strike="noStrike" sz="8500" u="none">
+        <a:defRPr sz="8500" b="1" i="0" u="none" strike="noStrike" cap="none" spc="-170" baseline="0">
           <a:solidFill>
             <a:srgbClr val="FFFFFF"/>
           </a:solidFill>
@@ -3490,7 +3515,7 @@
         <a:buFontTx/>
         <a:buNone/>
         <a:tabLst/>
-        <a:defRPr b="1" baseline="0" cap="none" i="0" spc="-170" strike="noStrike" sz="8500" u="none">
+        <a:defRPr sz="8500" b="1" i="0" u="none" strike="noStrike" cap="none" spc="-170" baseline="0">
           <a:solidFill>
             <a:srgbClr val="FFFFFF"/>
           </a:solidFill>
@@ -3516,7 +3541,7 @@
         <a:buFontTx/>
         <a:buNone/>
         <a:tabLst/>
-        <a:defRPr b="1" baseline="0" cap="none" i="0" spc="-170" strike="noStrike" sz="8500" u="none">
+        <a:defRPr sz="8500" b="1" i="0" u="none" strike="noStrike" cap="none" spc="-170" baseline="0">
           <a:solidFill>
             <a:srgbClr val="FFFFFF"/>
           </a:solidFill>
@@ -3542,7 +3567,7 @@
         <a:buFontTx/>
         <a:buNone/>
         <a:tabLst/>
-        <a:defRPr b="1" baseline="0" cap="none" i="0" spc="-170" strike="noStrike" sz="8500" u="none">
+        <a:defRPr sz="8500" b="1" i="0" u="none" strike="noStrike" cap="none" spc="-170" baseline="0">
           <a:solidFill>
             <a:srgbClr val="FFFFFF"/>
           </a:solidFill>
@@ -3568,7 +3593,7 @@
         <a:buFontTx/>
         <a:buNone/>
         <a:tabLst/>
-        <a:defRPr b="1" baseline="0" cap="none" i="0" spc="-170" strike="noStrike" sz="8500" u="none">
+        <a:defRPr sz="8500" b="1" i="0" u="none" strike="noStrike" cap="none" spc="-170" baseline="0">
           <a:solidFill>
             <a:srgbClr val="FFFFFF"/>
           </a:solidFill>
@@ -3594,7 +3619,7 @@
         <a:buFontTx/>
         <a:buNone/>
         <a:tabLst/>
-        <a:defRPr b="1" baseline="0" cap="none" i="0" spc="-170" strike="noStrike" sz="8500" u="none">
+        <a:defRPr sz="8500" b="1" i="0" u="none" strike="noStrike" cap="none" spc="-170" baseline="0">
           <a:solidFill>
             <a:srgbClr val="FFFFFF"/>
           </a:solidFill>
@@ -3620,7 +3645,7 @@
         <a:buFontTx/>
         <a:buNone/>
         <a:tabLst/>
-        <a:defRPr b="1" baseline="0" cap="none" i="0" spc="-170" strike="noStrike" sz="8500" u="none">
+        <a:defRPr sz="8500" b="1" i="0" u="none" strike="noStrike" cap="none" spc="-170" baseline="0">
           <a:solidFill>
             <a:srgbClr val="FFFFFF"/>
           </a:solidFill>
@@ -3646,7 +3671,7 @@
         <a:buFontTx/>
         <a:buNone/>
         <a:tabLst/>
-        <a:defRPr b="1" baseline="0" cap="none" i="0" spc="-170" strike="noStrike" sz="8500" u="none">
+        <a:defRPr sz="8500" b="1" i="0" u="none" strike="noStrike" cap="none" spc="-170" baseline="0">
           <a:solidFill>
             <a:srgbClr val="FFFFFF"/>
           </a:solidFill>
@@ -3672,7 +3697,7 @@
         <a:buFontTx/>
         <a:buNone/>
         <a:tabLst/>
-        <a:defRPr b="1" baseline="0" cap="none" i="0" spc="-170" strike="noStrike" sz="8500" u="none">
+        <a:defRPr sz="8500" b="1" i="0" u="none" strike="noStrike" cap="none" spc="-170" baseline="0">
           <a:solidFill>
             <a:srgbClr val="FFFFFF"/>
           </a:solidFill>
@@ -3700,7 +3725,7 @@
         <a:buFontTx/>
         <a:buChar char="•"/>
         <a:tabLst/>
-        <a:defRPr b="0" baseline="0" cap="none" i="0" spc="0" strike="noStrike" sz="4800" u="none">
+        <a:defRPr sz="4800" b="0" i="0" u="none" strike="noStrike" cap="none" spc="0" baseline="0">
           <a:solidFill>
             <a:srgbClr val="FFFFFF"/>
           </a:solidFill>
@@ -3726,7 +3751,7 @@
         <a:buFontTx/>
         <a:buChar char="•"/>
         <a:tabLst/>
-        <a:defRPr b="0" baseline="0" cap="none" i="0" spc="0" strike="noStrike" sz="4800" u="none">
+        <a:defRPr sz="4800" b="0" i="0" u="none" strike="noStrike" cap="none" spc="0" baseline="0">
           <a:solidFill>
             <a:srgbClr val="FFFFFF"/>
           </a:solidFill>
@@ -3752,7 +3777,7 @@
         <a:buFontTx/>
         <a:buChar char="•"/>
         <a:tabLst/>
-        <a:defRPr b="0" baseline="0" cap="none" i="0" spc="0" strike="noStrike" sz="4800" u="none">
+        <a:defRPr sz="4800" b="0" i="0" u="none" strike="noStrike" cap="none" spc="0" baseline="0">
           <a:solidFill>
             <a:srgbClr val="FFFFFF"/>
           </a:solidFill>
@@ -3778,7 +3803,7 @@
         <a:buFontTx/>
         <a:buChar char="•"/>
         <a:tabLst/>
-        <a:defRPr b="0" baseline="0" cap="none" i="0" spc="0" strike="noStrike" sz="4800" u="none">
+        <a:defRPr sz="4800" b="0" i="0" u="none" strike="noStrike" cap="none" spc="0" baseline="0">
           <a:solidFill>
             <a:srgbClr val="FFFFFF"/>
           </a:solidFill>
@@ -3804,7 +3829,7 @@
         <a:buFontTx/>
         <a:buChar char="•"/>
         <a:tabLst/>
-        <a:defRPr b="0" baseline="0" cap="none" i="0" spc="0" strike="noStrike" sz="4800" u="none">
+        <a:defRPr sz="4800" b="0" i="0" u="none" strike="noStrike" cap="none" spc="0" baseline="0">
           <a:solidFill>
             <a:srgbClr val="FFFFFF"/>
           </a:solidFill>
@@ -3830,7 +3855,7 @@
         <a:buFontTx/>
         <a:buChar char="•"/>
         <a:tabLst/>
-        <a:defRPr b="0" baseline="0" cap="none" i="0" spc="0" strike="noStrike" sz="4800" u="none">
+        <a:defRPr sz="4800" b="0" i="0" u="none" strike="noStrike" cap="none" spc="0" baseline="0">
           <a:solidFill>
             <a:srgbClr val="FFFFFF"/>
           </a:solidFill>
@@ -3856,7 +3881,7 @@
         <a:buFontTx/>
         <a:buChar char="•"/>
         <a:tabLst/>
-        <a:defRPr b="0" baseline="0" cap="none" i="0" spc="0" strike="noStrike" sz="4800" u="none">
+        <a:defRPr sz="4800" b="0" i="0" u="none" strike="noStrike" cap="none" spc="0" baseline="0">
           <a:solidFill>
             <a:srgbClr val="FFFFFF"/>
           </a:solidFill>
@@ -3882,7 +3907,7 @@
         <a:buFontTx/>
         <a:buChar char="•"/>
         <a:tabLst/>
-        <a:defRPr b="0" baseline="0" cap="none" i="0" spc="0" strike="noStrike" sz="4800" u="none">
+        <a:defRPr sz="4800" b="0" i="0" u="none" strike="noStrike" cap="none" spc="0" baseline="0">
           <a:solidFill>
             <a:srgbClr val="FFFFFF"/>
           </a:solidFill>
@@ -3908,7 +3933,7 @@
         <a:buFontTx/>
         <a:buChar char="•"/>
         <a:tabLst/>
-        <a:defRPr b="0" baseline="0" cap="none" i="0" spc="0" strike="noStrike" sz="4800" u="none">
+        <a:defRPr sz="4800" b="0" i="0" u="none" strike="noStrike" cap="none" spc="0" baseline="0">
           <a:solidFill>
             <a:srgbClr val="FFFFFF"/>
           </a:solidFill>
@@ -3936,7 +3961,7 @@
         <a:buFontTx/>
         <a:buNone/>
         <a:tabLst/>
-        <a:defRPr b="0" baseline="0" cap="none" i="0" spc="0" strike="noStrike" sz="1800" u="none">
+        <a:defRPr sz="1800" b="0" i="0" u="none" strike="noStrike" cap="none" spc="0" baseline="0">
           <a:solidFill>
             <a:schemeClr val="tx1"/>
           </a:solidFill>
@@ -3962,7 +3987,7 @@
         <a:buFontTx/>
         <a:buNone/>
         <a:tabLst/>
-        <a:defRPr b="0" baseline="0" cap="none" i="0" spc="0" strike="noStrike" sz="1800" u="none">
+        <a:defRPr sz="1800" b="0" i="0" u="none" strike="noStrike" cap="none" spc="0" baseline="0">
           <a:solidFill>
             <a:schemeClr val="tx1"/>
           </a:solidFill>
@@ -3988,7 +4013,7 @@
         <a:buFontTx/>
         <a:buNone/>
         <a:tabLst/>
-        <a:defRPr b="0" baseline="0" cap="none" i="0" spc="0" strike="noStrike" sz="1800" u="none">
+        <a:defRPr sz="1800" b="0" i="0" u="none" strike="noStrike" cap="none" spc="0" baseline="0">
           <a:solidFill>
             <a:schemeClr val="tx1"/>
           </a:solidFill>
@@ -4014,7 +4039,7 @@
         <a:buFontTx/>
         <a:buNone/>
         <a:tabLst/>
-        <a:defRPr b="0" baseline="0" cap="none" i="0" spc="0" strike="noStrike" sz="1800" u="none">
+        <a:defRPr sz="1800" b="0" i="0" u="none" strike="noStrike" cap="none" spc="0" baseline="0">
           <a:solidFill>
             <a:schemeClr val="tx1"/>
           </a:solidFill>
@@ -4040,7 +4065,7 @@
         <a:buFontTx/>
         <a:buNone/>
         <a:tabLst/>
-        <a:defRPr b="0" baseline="0" cap="none" i="0" spc="0" strike="noStrike" sz="1800" u="none">
+        <a:defRPr sz="1800" b="0" i="0" u="none" strike="noStrike" cap="none" spc="0" baseline="0">
           <a:solidFill>
             <a:schemeClr val="tx1"/>
           </a:solidFill>
@@ -4066,7 +4091,7 @@
         <a:buFontTx/>
         <a:buNone/>
         <a:tabLst/>
-        <a:defRPr b="0" baseline="0" cap="none" i="0" spc="0" strike="noStrike" sz="1800" u="none">
+        <a:defRPr sz="1800" b="0" i="0" u="none" strike="noStrike" cap="none" spc="0" baseline="0">
           <a:solidFill>
             <a:schemeClr val="tx1"/>
           </a:solidFill>
@@ -4092,7 +4117,7 @@
         <a:buFontTx/>
         <a:buNone/>
         <a:tabLst/>
-        <a:defRPr b="0" baseline="0" cap="none" i="0" spc="0" strike="noStrike" sz="1800" u="none">
+        <a:defRPr sz="1800" b="0" i="0" u="none" strike="noStrike" cap="none" spc="0" baseline="0">
           <a:solidFill>
             <a:schemeClr val="tx1"/>
           </a:solidFill>
@@ -4118,7 +4143,7 @@
         <a:buFontTx/>
         <a:buNone/>
         <a:tabLst/>
-        <a:defRPr b="0" baseline="0" cap="none" i="0" spc="0" strike="noStrike" sz="1800" u="none">
+        <a:defRPr sz="1800" b="0" i="0" u="none" strike="noStrike" cap="none" spc="0" baseline="0">
           <a:solidFill>
             <a:schemeClr val="tx1"/>
           </a:solidFill>
@@ -4144,7 +4169,7 @@
         <a:buFontTx/>
         <a:buNone/>
         <a:tabLst/>
-        <a:defRPr b="0" baseline="0" cap="none" i="0" spc="0" strike="noStrike" sz="1800" u="none">
+        <a:defRPr sz="1800" b="0" i="0" u="none" strike="noStrike" cap="none" spc="0" baseline="0">
           <a:solidFill>
             <a:schemeClr val="tx1"/>
           </a:solidFill>
@@ -4161,17 +4186,18 @@
 </file>
 
 <file path=ppt/slides/slide1.xml><?xml version="1.0" encoding="utf-8"?>
-<p:sld xmlns:a="http://schemas.openxmlformats.org/drawingml/2006/main" xmlns:r="http://schemas.openxmlformats.org/officeDocument/2006/relationships" xmlns:p="http://schemas.openxmlformats.org/presentationml/2006/main" xmlns:m="http://schemas.openxmlformats.org/officeDocument/2006/math" xmlns:a14="http://schemas.microsoft.com/office/drawing/2010/main" showMasterSp="1" showMasterPhAnim="1">
+<p:sld xmlns:a="http://schemas.openxmlformats.org/drawingml/2006/main" xmlns:r="http://schemas.openxmlformats.org/officeDocument/2006/relationships" xmlns:p="http://schemas.openxmlformats.org/presentationml/2006/main">
   <p:cSld>
     <p:bg>
       <p:bgPr>
         <a:blipFill rotWithShape="1">
           <a:blip r:embed="rId2"/>
-          <a:srcRect l="0" t="0" r="0" b="0"/>
+          <a:srcRect/>
           <a:stretch>
             <a:fillRect/>
           </a:stretch>
         </a:blipFill>
+        <a:effectLst/>
       </p:bgPr>
     </p:bg>
     <p:spTree>
@@ -4191,7 +4217,9 @@
       <p:sp>
         <p:nvSpPr>
           <p:cNvPr id="171" name="Type of Trees"/>
-          <p:cNvSpPr txBox="1"/>
+          <p:cNvSpPr txBox="1">
+            <a:spLocks noGrp="1"/>
+          </p:cNvSpPr>
           <p:nvPr>
             <p:ph type="ctrTitle"/>
           </p:nvPr>
@@ -4218,7 +4246,6 @@
             </a:lvl1pPr>
           </a:lstStyle>
           <a:p>
-            <a:pPr/>
             <a:r>
               <a:t>Type of Trees</a:t>
             </a:r>
@@ -4230,22 +4257,23 @@
   <p:clrMapOvr>
     <a:masterClrMapping/>
   </p:clrMapOvr>
-  <p:transition xmlns:p14="http://schemas.microsoft.com/office/powerpoint/2010/main" spd="med" advClick="1"/>
+  <p:transition spd="med"/>
 </p:sld>
 </file>
 
 <file path=ppt/slides/slide10.xml><?xml version="1.0" encoding="utf-8"?>
-<p:sld xmlns:a="http://schemas.openxmlformats.org/drawingml/2006/main" xmlns:r="http://schemas.openxmlformats.org/officeDocument/2006/relationships" xmlns:p="http://schemas.openxmlformats.org/presentationml/2006/main" xmlns:m="http://schemas.openxmlformats.org/officeDocument/2006/math" xmlns:a14="http://schemas.microsoft.com/office/drawing/2010/main" showMasterSp="1" showMasterPhAnim="1">
+<p:sld xmlns:a="http://schemas.openxmlformats.org/drawingml/2006/main" xmlns:r="http://schemas.openxmlformats.org/officeDocument/2006/relationships" xmlns:p="http://schemas.openxmlformats.org/presentationml/2006/main">
   <p:cSld>
     <p:bg>
       <p:bgPr>
         <a:blipFill rotWithShape="1">
           <a:blip r:embed="rId2"/>
-          <a:srcRect l="0" t="0" r="0" b="0"/>
+          <a:srcRect/>
           <a:stretch>
             <a:fillRect/>
           </a:stretch>
         </a:blipFill>
+        <a:effectLst/>
       </p:bgPr>
     </p:bg>
     <p:spTree>
@@ -4265,7 +4293,9 @@
       <p:sp>
         <p:nvSpPr>
           <p:cNvPr id="215" name="A self-balancing binary search tree with the following properties:…"/>
-          <p:cNvSpPr txBox="1"/>
+          <p:cNvSpPr txBox="1">
+            <a:spLocks noGrp="1"/>
+          </p:cNvSpPr>
           <p:nvPr>
             <p:ph type="body" idx="21"/>
           </p:nvPr>
@@ -4280,7 +4310,7 @@
           </a:prstGeom>
           <a:extLst>
             <a:ext uri="{C572A759-6A51-4108-AA02-DFA0A04FC94B}">
-              <ma14:wrappingTextBoxFlag xmlns:ma14="http://schemas.microsoft.com/office/mac/drawingml/2011/main" val="1"/>
+              <ma14:wrappingTextBoxFlag xmlns:ma14="http://schemas.microsoft.com/office/mac/drawingml/2011/main" xmlns:a14="http://schemas.microsoft.com/office/drawing/2010/main" xmlns:m="http://schemas.openxmlformats.org/officeDocument/2006/math" xmlns="" val="1"/>
             </a:ext>
           </a:extLst>
         </p:spPr>
@@ -4289,7 +4319,7 @@
           <a:lstStyle/>
           <a:p>
             <a:pPr defTabSz="544830">
-              <a:defRPr b="0" sz="3630">
+              <a:defRPr sz="3630" b="0">
                 <a:latin typeface="Graphik"/>
                 <a:ea typeface="Graphik"/>
                 <a:cs typeface="Graphik"/>
@@ -4304,7 +4334,7 @@
             <a:pPr marL="150876" indent="-150876" defTabSz="544830">
               <a:buSzPct val="100000"/>
               <a:buChar char="•"/>
-              <a:defRPr b="0" sz="3630">
+              <a:defRPr sz="3630" b="0">
                 <a:latin typeface="Graphik"/>
                 <a:ea typeface="Graphik"/>
                 <a:cs typeface="Graphik"/>
@@ -4319,7 +4349,7 @@
             <a:pPr marL="150876" indent="-150876" defTabSz="544830">
               <a:buSzPct val="100000"/>
               <a:buChar char="•"/>
-              <a:defRPr b="0" sz="3630">
+              <a:defRPr sz="3630" b="0">
                 <a:latin typeface="Graphik"/>
                 <a:ea typeface="Graphik"/>
                 <a:cs typeface="Graphik"/>
@@ -4334,7 +4364,7 @@
             <a:pPr marL="150876" indent="-150876" defTabSz="544830">
               <a:buSzPct val="100000"/>
               <a:buChar char="•"/>
-              <a:defRPr b="0" sz="3630">
+              <a:defRPr sz="3630" b="0">
                 <a:latin typeface="Graphik"/>
                 <a:ea typeface="Graphik"/>
                 <a:cs typeface="Graphik"/>
@@ -4349,7 +4379,7 @@
             <a:pPr marL="150876" indent="-150876" defTabSz="544830">
               <a:buSzPct val="100000"/>
               <a:buChar char="•"/>
-              <a:defRPr b="0" sz="3630">
+              <a:defRPr sz="3630" b="0">
                 <a:latin typeface="Graphik"/>
                 <a:ea typeface="Graphik"/>
                 <a:cs typeface="Graphik"/>
@@ -4365,7 +4395,9 @@
       <p:sp>
         <p:nvSpPr>
           <p:cNvPr id="216" name="Red-Black Tree"/>
-          <p:cNvSpPr txBox="1"/>
+          <p:cNvSpPr txBox="1">
+            <a:spLocks noGrp="1"/>
+          </p:cNvSpPr>
           <p:nvPr>
             <p:ph type="title"/>
           </p:nvPr>
@@ -4379,7 +4411,7 @@
           <a:bodyPr/>
           <a:lstStyle>
             <a:lvl1pPr defTabSz="2267655">
-              <a:defRPr spc="-158" sz="7905">
+              <a:defRPr sz="7905" spc="-158">
                 <a:latin typeface="Graphik"/>
                 <a:ea typeface="Graphik"/>
                 <a:cs typeface="Graphik"/>
@@ -4388,7 +4420,6 @@
             </a:lvl1pPr>
           </a:lstStyle>
           <a:p>
-            <a:pPr/>
             <a:r>
               <a:t>Red-Black Tree</a:t>
             </a:r>
@@ -4414,7 +4445,7 @@
           </a:ln>
           <a:extLst>
             <a:ext uri="{C572A759-6A51-4108-AA02-DFA0A04FC94B}">
-              <ma14:wrappingTextBoxFlag xmlns:ma14="http://schemas.microsoft.com/office/mac/drawingml/2011/main" val="1"/>
+              <ma14:wrappingTextBoxFlag xmlns:ma14="http://schemas.microsoft.com/office/mac/drawingml/2011/main" xmlns:a14="http://schemas.microsoft.com/office/drawing/2010/main" xmlns:m="http://schemas.openxmlformats.org/officeDocument/2006/math" xmlns="" val="1"/>
             </a:ext>
           </a:extLst>
         </p:spPr>
@@ -4441,7 +4472,6 @@
             </a:lvl1pPr>
           </a:lstStyle>
           <a:p>
-            <a:pPr/>
             <a:r>
               <a:t>Memory management in compilers, used in TreeMap and TreeSet in Java</a:t>
             </a:r>
@@ -4457,9 +4487,7 @@
           <p:nvPr/>
         </p:nvPicPr>
         <p:blipFill>
-          <a:blip r:embed="rId3">
-            <a:extLst/>
-          </a:blip>
+          <a:blip r:embed="rId3"/>
           <a:stretch>
             <a:fillRect/>
           </a:stretch>
@@ -4482,14 +4510,14 @@
   <p:clrMapOvr>
     <a:masterClrMapping/>
   </p:clrMapOvr>
-  <p:transition xmlns:p14="http://schemas.microsoft.com/office/powerpoint/2010/main" spd="med" advClick="1"/>
+  <p:transition spd="med"/>
   <p:timing>
     <p:tnLst>
       <p:par>
-        <p:cTn id="1" nodeType="tmRoot" restart="never" dur="indefinite" fill="hold">
+        <p:cTn id="1" dur="indefinite" restart="never" fill="hold" nodeType="tmRoot">
           <p:childTnLst>
             <p:seq concurrent="1" prevAc="none" nextAc="seek">
-              <p:cTn id="2" nodeType="mainSeq" dur="indefinite" fill="hold">
+              <p:cTn id="2" dur="indefinite" fill="hold" nodeType="mainSeq">
                 <p:childTnLst>
                   <p:par>
                     <p:cTn id="3" fill="hold">
@@ -4504,11 +4532,11 @@
                             </p:stCondLst>
                             <p:childTnLst>
                               <p:par>
-                                <p:cTn id="5" presetClass="entr" nodeType="clickEffect" presetSubtype="16" presetID="23" grpId="1" fill="hold">
+                                <p:cTn id="5" presetID="23" presetClass="entr" presetSubtype="16" fill="hold" grpId="1" nodeType="clickEffect">
                                   <p:stCondLst>
                                     <p:cond delay="0"/>
                                   </p:stCondLst>
-                                  <p:iterate type="el" backwards="0">
+                                  <p:iterate>
                                     <p:tmAbs val="0"/>
                                   </p:iterate>
                                   <p:childTnLst>
@@ -4582,11 +4610,11 @@
                                 </p:cTn>
                               </p:par>
                               <p:par>
-                                <p:cTn id="9" presetClass="entr" nodeType="withEffect" presetSubtype="16" presetID="23" grpId="1" fill="hold">
+                                <p:cTn id="9" presetID="23" presetClass="entr" presetSubtype="16" fill="hold" grpId="1" nodeType="withEffect">
                                   <p:stCondLst>
                                     <p:cond delay="0"/>
                                   </p:stCondLst>
-                                  <p:iterate type="el" backwards="0">
+                                  <p:iterate>
                                     <p:tmAbs val="0"/>
                                   </p:iterate>
                                   <p:childTnLst>
@@ -4684,11 +4712,11 @@
                             </p:stCondLst>
                             <p:childTnLst>
                               <p:par>
-                                <p:cTn id="15" presetClass="entr" nodeType="clickEffect" presetSubtype="16" presetID="23" grpId="1" fill="hold">
+                                <p:cTn id="15" presetID="23" presetClass="entr" presetSubtype="16" fill="hold" grpId="1" nodeType="clickEffect">
                                   <p:stCondLst>
                                     <p:cond delay="0"/>
                                   </p:stCondLst>
-                                  <p:iterate type="el" backwards="0">
+                                  <p:iterate>
                                     <p:tmAbs val="0"/>
                                   </p:iterate>
                                   <p:childTnLst>
@@ -4786,11 +4814,11 @@
                             </p:stCondLst>
                             <p:childTnLst>
                               <p:par>
-                                <p:cTn id="21" presetClass="entr" nodeType="clickEffect" presetSubtype="16" presetID="23" grpId="1" fill="hold">
+                                <p:cTn id="21" presetID="23" presetClass="entr" presetSubtype="16" fill="hold" grpId="1" nodeType="clickEffect">
                                   <p:stCondLst>
                                     <p:cond delay="0"/>
                                   </p:stCondLst>
-                                  <p:iterate type="el" backwards="0">
+                                  <p:iterate>
                                     <p:tmAbs val="0"/>
                                   </p:iterate>
                                   <p:childTnLst>
@@ -4888,11 +4916,11 @@
                             </p:stCondLst>
                             <p:childTnLst>
                               <p:par>
-                                <p:cTn id="27" presetClass="entr" nodeType="clickEffect" presetSubtype="16" presetID="23" grpId="1" fill="hold">
+                                <p:cTn id="27" presetID="23" presetClass="entr" presetSubtype="16" fill="hold" grpId="1" nodeType="clickEffect">
                                   <p:stCondLst>
                                     <p:cond delay="0"/>
                                   </p:stCondLst>
-                                  <p:iterate type="el" backwards="0">
+                                  <p:iterate>
                                     <p:tmAbs val="0"/>
                                   </p:iterate>
                                   <p:childTnLst>
@@ -4990,11 +5018,11 @@
                             </p:stCondLst>
                             <p:childTnLst>
                               <p:par>
-                                <p:cTn id="33" presetClass="entr" nodeType="clickEffect" presetSubtype="16" presetID="23" grpId="1" fill="hold">
+                                <p:cTn id="33" presetID="23" presetClass="entr" presetSubtype="16" fill="hold" grpId="1" nodeType="clickEffect">
                                   <p:stCondLst>
                                     <p:cond delay="0"/>
                                   </p:stCondLst>
-                                  <p:iterate type="el" backwards="0">
+                                  <p:iterate>
                                     <p:tmAbs val="0"/>
                                   </p:iterate>
                                   <p:childTnLst>
@@ -5092,11 +5120,11 @@
                             </p:stCondLst>
                             <p:childTnLst>
                               <p:par>
-                                <p:cTn id="39" presetClass="entr" nodeType="clickEffect" presetSubtype="16" presetID="23" grpId="2" fill="hold">
+                                <p:cTn id="39" presetID="23" presetClass="entr" presetSubtype="16" fill="hold" grpId="2" nodeType="clickEffect">
                                   <p:stCondLst>
                                     <p:cond delay="0"/>
                                   </p:stCondLst>
-                                  <p:iterate type="el" backwards="0">
+                                  <p:iterate>
                                     <p:tmAbs val="0"/>
                                   </p:iterate>
                                   <p:childTnLst>
@@ -5182,11 +5210,11 @@
                             </p:stCondLst>
                             <p:childTnLst>
                               <p:par>
-                                <p:cTn id="45" presetClass="entr" nodeType="clickEffect" presetSubtype="16" presetID="23" grpId="3" fill="hold">
+                                <p:cTn id="45" presetID="23" presetClass="entr" presetSubtype="16" fill="hold" grpId="3" nodeType="clickEffect">
                                   <p:stCondLst>
                                     <p:cond delay="0"/>
                                   </p:stCondLst>
-                                  <p:iterate type="el" backwards="0">
+                                  <p:iterate>
                                     <p:tmAbs val="0"/>
                                   </p:iterate>
                                   <p:childTnLst>
@@ -5262,14 +5290,14 @@
                 </p:childTnLst>
               </p:cTn>
               <p:prevCondLst>
-                <p:cond evt="onPrev">
+                <p:cond evt="onPrev" delay="0">
                   <p:tgtEl>
                     <p:sldTgt/>
                   </p:tgtEl>
                 </p:cond>
               </p:prevCondLst>
               <p:nextCondLst>
-                <p:cond evt="onNext">
+                <p:cond evt="onNext" delay="0">
                   <p:tgtEl>
                     <p:sldTgt/>
                   </p:tgtEl>
@@ -5281,26 +5309,27 @@
       </p:par>
     </p:tnLst>
     <p:bldLst>
-      <p:bldP build="p" bldLvl="5" animBg="1" rev="0" advAuto="0" spid="215" grpId="1"/>
-      <p:bldP build="whole" bldLvl="1" animBg="1" rev="0" advAuto="0" spid="218" grpId="2"/>
-      <p:bldP build="whole" bldLvl="1" animBg="1" rev="0" advAuto="0" spid="217" grpId="3"/>
+      <p:bldP spid="215" grpId="1" build="p" bldLvl="5" animBg="1" advAuto="0"/>
+      <p:bldP spid="217" grpId="3" animBg="1" advAuto="0"/>
+      <p:bldP spid="218" grpId="2" animBg="1" advAuto="0"/>
     </p:bldLst>
   </p:timing>
 </p:sld>
 </file>
 
 <file path=ppt/slides/slide11.xml><?xml version="1.0" encoding="utf-8"?>
-<p:sld xmlns:a="http://schemas.openxmlformats.org/drawingml/2006/main" xmlns:r="http://schemas.openxmlformats.org/officeDocument/2006/relationships" xmlns:p="http://schemas.openxmlformats.org/presentationml/2006/main" xmlns:m="http://schemas.openxmlformats.org/officeDocument/2006/math" xmlns:a14="http://schemas.microsoft.com/office/drawing/2010/main" showMasterSp="1" showMasterPhAnim="1">
+<p:sld xmlns:a="http://schemas.openxmlformats.org/drawingml/2006/main" xmlns:r="http://schemas.openxmlformats.org/officeDocument/2006/relationships" xmlns:p="http://schemas.openxmlformats.org/presentationml/2006/main">
   <p:cSld>
     <p:bg>
       <p:bgPr>
         <a:blipFill rotWithShape="1">
           <a:blip r:embed="rId2"/>
-          <a:srcRect l="0" t="0" r="0" b="0"/>
+          <a:srcRect/>
           <a:stretch>
             <a:fillRect/>
           </a:stretch>
         </a:blipFill>
+        <a:effectLst/>
       </p:bgPr>
     </p:bg>
     <p:spTree>
@@ -5320,7 +5349,9 @@
       <p:sp>
         <p:nvSpPr>
           <p:cNvPr id="220" name="A tree where each node can have at most N children"/>
-          <p:cNvSpPr txBox="1"/>
+          <p:cNvSpPr txBox="1">
+            <a:spLocks noGrp="1"/>
+          </p:cNvSpPr>
           <p:nvPr>
             <p:ph type="body" idx="21"/>
           </p:nvPr>
@@ -5335,7 +5366,7 @@
           </a:prstGeom>
           <a:extLst>
             <a:ext uri="{C572A759-6A51-4108-AA02-DFA0A04FC94B}">
-              <ma14:wrappingTextBoxFlag xmlns:ma14="http://schemas.microsoft.com/office/mac/drawingml/2011/main" val="1"/>
+              <ma14:wrappingTextBoxFlag xmlns:ma14="http://schemas.microsoft.com/office/mac/drawingml/2011/main" xmlns:a14="http://schemas.microsoft.com/office/drawing/2010/main" xmlns:m="http://schemas.openxmlformats.org/officeDocument/2006/math" xmlns="" val="1"/>
             </a:ext>
           </a:extLst>
         </p:spPr>
@@ -5343,7 +5374,7 @@
           <a:bodyPr/>
           <a:lstStyle>
             <a:lvl1pPr defTabSz="602615">
-              <a:defRPr b="0" sz="4015">
+              <a:defRPr sz="4015" b="0">
                 <a:latin typeface="Graphik"/>
                 <a:ea typeface="Graphik"/>
                 <a:cs typeface="Graphik"/>
@@ -5352,7 +5383,6 @@
             </a:lvl1pPr>
           </a:lstStyle>
           <a:p>
-            <a:pPr/>
             <a:r>
               <a:t>A tree where each node can have at most N children</a:t>
             </a:r>
@@ -5362,7 +5392,9 @@
       <p:sp>
         <p:nvSpPr>
           <p:cNvPr id="221" name="N-ary Tree"/>
-          <p:cNvSpPr txBox="1"/>
+          <p:cNvSpPr txBox="1">
+            <a:spLocks noGrp="1"/>
+          </p:cNvSpPr>
           <p:nvPr>
             <p:ph type="title"/>
           </p:nvPr>
@@ -5376,7 +5408,7 @@
           <a:bodyPr/>
           <a:lstStyle>
             <a:lvl1pPr defTabSz="2267655">
-              <a:defRPr spc="-158" sz="7905">
+              <a:defRPr sz="7905" spc="-158">
                 <a:latin typeface="Graphik"/>
                 <a:ea typeface="Graphik"/>
                 <a:cs typeface="Graphik"/>
@@ -5385,7 +5417,6 @@
             </a:lvl1pPr>
           </a:lstStyle>
           <a:p>
-            <a:pPr/>
             <a:r>
               <a:t>N-ary Tree</a:t>
             </a:r>
@@ -5411,7 +5442,7 @@
           </a:ln>
           <a:extLst>
             <a:ext uri="{C572A759-6A51-4108-AA02-DFA0A04FC94B}">
-              <ma14:wrappingTextBoxFlag xmlns:ma14="http://schemas.microsoft.com/office/mac/drawingml/2011/main" val="1"/>
+              <ma14:wrappingTextBoxFlag xmlns:ma14="http://schemas.microsoft.com/office/mac/drawingml/2011/main" xmlns:a14="http://schemas.microsoft.com/office/drawing/2010/main" xmlns:m="http://schemas.openxmlformats.org/officeDocument/2006/math" xmlns="" val="1"/>
             </a:ext>
           </a:extLst>
         </p:spPr>
@@ -5438,7 +5469,6 @@
             </a:lvl1pPr>
           </a:lstStyle>
           <a:p>
-            <a:pPr/>
             <a:r>
               <a:t>Representing hierarchical structures like file systems.</a:t>
             </a:r>
@@ -5454,9 +5484,7 @@
           <p:nvPr/>
         </p:nvPicPr>
         <p:blipFill>
-          <a:blip r:embed="rId3">
-            <a:extLst/>
-          </a:blip>
+          <a:blip r:embed="rId3"/>
           <a:stretch>
             <a:fillRect/>
           </a:stretch>
@@ -5479,14 +5507,14 @@
   <p:clrMapOvr>
     <a:masterClrMapping/>
   </p:clrMapOvr>
-  <p:transition xmlns:p14="http://schemas.microsoft.com/office/powerpoint/2010/main" spd="med" advClick="1"/>
+  <p:transition spd="med"/>
   <p:timing>
     <p:tnLst>
       <p:par>
-        <p:cTn id="1" nodeType="tmRoot" restart="never" dur="indefinite" fill="hold">
+        <p:cTn id="1" dur="indefinite" restart="never" fill="hold" nodeType="tmRoot">
           <p:childTnLst>
             <p:seq concurrent="1" prevAc="none" nextAc="seek">
-              <p:cTn id="2" nodeType="mainSeq" dur="indefinite" fill="hold">
+              <p:cTn id="2" dur="indefinite" fill="hold" nodeType="mainSeq">
                 <p:childTnLst>
                   <p:par>
                     <p:cTn id="3" fill="hold">
@@ -5501,11 +5529,11 @@
                             </p:stCondLst>
                             <p:childTnLst>
                               <p:par>
-                                <p:cTn id="5" presetClass="entr" nodeType="clickEffect" presetSubtype="16" presetID="23" grpId="1" fill="hold">
+                                <p:cTn id="5" presetID="23" presetClass="entr" presetSubtype="16" fill="hold" grpId="1" nodeType="clickEffect">
                                   <p:stCondLst>
                                     <p:cond delay="0"/>
                                   </p:stCondLst>
-                                  <p:iterate type="el" backwards="0">
+                                  <p:iterate>
                                     <p:tmAbs val="0"/>
                                   </p:iterate>
                                   <p:childTnLst>
@@ -5591,11 +5619,11 @@
                             </p:stCondLst>
                             <p:childTnLst>
                               <p:par>
-                                <p:cTn id="11" presetClass="entr" nodeType="clickEffect" presetSubtype="16" presetID="23" grpId="2" fill="hold">
+                                <p:cTn id="11" presetID="23" presetClass="entr" presetSubtype="16" fill="hold" grpId="2" nodeType="clickEffect">
                                   <p:stCondLst>
                                     <p:cond delay="0"/>
                                   </p:stCondLst>
-                                  <p:iterate type="el" backwards="0">
+                                  <p:iterate>
                                     <p:tmAbs val="0"/>
                                   </p:iterate>
                                   <p:childTnLst>
@@ -5681,11 +5709,11 @@
                             </p:stCondLst>
                             <p:childTnLst>
                               <p:par>
-                                <p:cTn id="17" presetClass="entr" nodeType="clickEffect" presetSubtype="16" presetID="23" grpId="3" fill="hold">
+                                <p:cTn id="17" presetID="23" presetClass="entr" presetSubtype="16" fill="hold" grpId="3" nodeType="clickEffect">
                                   <p:stCondLst>
                                     <p:cond delay="0"/>
                                   </p:stCondLst>
-                                  <p:iterate type="el" backwards="0">
+                                  <p:iterate>
                                     <p:tmAbs val="0"/>
                                   </p:iterate>
                                   <p:childTnLst>
@@ -5761,14 +5789,14 @@
                 </p:childTnLst>
               </p:cTn>
               <p:prevCondLst>
-                <p:cond evt="onPrev">
+                <p:cond evt="onPrev" delay="0">
                   <p:tgtEl>
                     <p:sldTgt/>
                   </p:tgtEl>
                 </p:cond>
               </p:prevCondLst>
               <p:nextCondLst>
-                <p:cond evt="onNext">
+                <p:cond evt="onNext" delay="0">
                   <p:tgtEl>
                     <p:sldTgt/>
                   </p:tgtEl>
@@ -5780,26 +5808,27 @@
       </p:par>
     </p:tnLst>
     <p:bldLst>
-      <p:bldP build="whole" bldLvl="1" animBg="1" rev="0" advAuto="0" spid="220" grpId="1"/>
-      <p:bldP build="whole" bldLvl="1" animBg="1" rev="0" advAuto="0" spid="222" grpId="3"/>
-      <p:bldP build="whole" bldLvl="1" animBg="1" rev="0" advAuto="0" spid="223" grpId="2"/>
+      <p:bldP spid="220" grpId="1" animBg="1" advAuto="0"/>
+      <p:bldP spid="222" grpId="3" animBg="1" advAuto="0"/>
+      <p:bldP spid="223" grpId="2" animBg="1" advAuto="0"/>
     </p:bldLst>
   </p:timing>
 </p:sld>
 </file>
 
 <file path=ppt/slides/slide12.xml><?xml version="1.0" encoding="utf-8"?>
-<p:sld xmlns:a="http://schemas.openxmlformats.org/drawingml/2006/main" xmlns:r="http://schemas.openxmlformats.org/officeDocument/2006/relationships" xmlns:p="http://schemas.openxmlformats.org/presentationml/2006/main" xmlns:m="http://schemas.openxmlformats.org/officeDocument/2006/math" xmlns:a14="http://schemas.microsoft.com/office/drawing/2010/main" showMasterSp="1" showMasterPhAnim="1">
+<p:sld xmlns:a="http://schemas.openxmlformats.org/drawingml/2006/main" xmlns:r="http://schemas.openxmlformats.org/officeDocument/2006/relationships" xmlns:p="http://schemas.openxmlformats.org/presentationml/2006/main">
   <p:cSld>
     <p:bg>
       <p:bgPr>
         <a:blipFill rotWithShape="1">
           <a:blip r:embed="rId2"/>
-          <a:srcRect l="0" t="0" r="0" b="0"/>
+          <a:srcRect/>
           <a:stretch>
             <a:fillRect/>
           </a:stretch>
         </a:blipFill>
+        <a:effectLst/>
       </p:bgPr>
     </p:bg>
     <p:spTree>
@@ -5819,7 +5848,9 @@
       <p:sp>
         <p:nvSpPr>
           <p:cNvPr id="225" name="A specialized tree for storing strings, where nodes represent characters, and paths represent words."/>
-          <p:cNvSpPr txBox="1"/>
+          <p:cNvSpPr txBox="1">
+            <a:spLocks noGrp="1"/>
+          </p:cNvSpPr>
           <p:nvPr>
             <p:ph type="body" idx="21"/>
           </p:nvPr>
@@ -5834,7 +5865,7 @@
           </a:prstGeom>
           <a:extLst>
             <a:ext uri="{C572A759-6A51-4108-AA02-DFA0A04FC94B}">
-              <ma14:wrappingTextBoxFlag xmlns:ma14="http://schemas.microsoft.com/office/mac/drawingml/2011/main" val="1"/>
+              <ma14:wrappingTextBoxFlag xmlns:ma14="http://schemas.microsoft.com/office/mac/drawingml/2011/main" xmlns:a14="http://schemas.microsoft.com/office/drawing/2010/main" xmlns:m="http://schemas.openxmlformats.org/officeDocument/2006/math" xmlns="" val="1"/>
             </a:ext>
           </a:extLst>
         </p:spPr>
@@ -5842,7 +5873,7 @@
           <a:bodyPr/>
           <a:lstStyle>
             <a:lvl1pPr defTabSz="495300">
-              <a:defRPr b="0" sz="3300">
+              <a:defRPr sz="3300" b="0">
                 <a:latin typeface="Graphik"/>
                 <a:ea typeface="Graphik"/>
                 <a:cs typeface="Graphik"/>
@@ -5851,7 +5882,6 @@
             </a:lvl1pPr>
           </a:lstStyle>
           <a:p>
-            <a:pPr/>
             <a:r>
               <a:t>A specialized tree for storing strings, where nodes represent characters, and paths represent words.</a:t>
             </a:r>
@@ -5861,7 +5891,9 @@
       <p:sp>
         <p:nvSpPr>
           <p:cNvPr id="226" name="Trie (Prefix Tree)"/>
-          <p:cNvSpPr txBox="1"/>
+          <p:cNvSpPr txBox="1">
+            <a:spLocks noGrp="1"/>
+          </p:cNvSpPr>
           <p:nvPr>
             <p:ph type="title"/>
           </p:nvPr>
@@ -5875,7 +5907,7 @@
           <a:bodyPr/>
           <a:lstStyle>
             <a:lvl1pPr defTabSz="2267655">
-              <a:defRPr spc="-158" sz="7905">
+              <a:defRPr sz="7905" spc="-158">
                 <a:latin typeface="Graphik"/>
                 <a:ea typeface="Graphik"/>
                 <a:cs typeface="Graphik"/>
@@ -5884,7 +5916,6 @@
             </a:lvl1pPr>
           </a:lstStyle>
           <a:p>
-            <a:pPr/>
             <a:r>
               <a:t>Trie (Prefix Tree)</a:t>
             </a:r>
@@ -5910,7 +5941,7 @@
           </a:ln>
           <a:extLst>
             <a:ext uri="{C572A759-6A51-4108-AA02-DFA0A04FC94B}">
-              <ma14:wrappingTextBoxFlag xmlns:ma14="http://schemas.microsoft.com/office/mac/drawingml/2011/main" val="1"/>
+              <ma14:wrappingTextBoxFlag xmlns:ma14="http://schemas.microsoft.com/office/mac/drawingml/2011/main" xmlns:a14="http://schemas.microsoft.com/office/drawing/2010/main" xmlns:m="http://schemas.openxmlformats.org/officeDocument/2006/math" xmlns="" val="1"/>
             </a:ext>
           </a:extLst>
         </p:spPr>
@@ -5937,7 +5968,6 @@
             </a:lvl1pPr>
           </a:lstStyle>
           <a:p>
-            <a:pPr/>
             <a:r>
               <a:t>Used in autocomplete systems and dictionaries.</a:t>
             </a:r>
@@ -5953,9 +5983,7 @@
           <p:nvPr/>
         </p:nvPicPr>
         <p:blipFill>
-          <a:blip r:embed="rId3">
-            <a:extLst/>
-          </a:blip>
+          <a:blip r:embed="rId3"/>
           <a:stretch>
             <a:fillRect/>
           </a:stretch>
@@ -5978,14 +6006,14 @@
   <p:clrMapOvr>
     <a:masterClrMapping/>
   </p:clrMapOvr>
-  <p:transition xmlns:p14="http://schemas.microsoft.com/office/powerpoint/2010/main" spd="med" advClick="1"/>
+  <p:transition spd="med"/>
   <p:timing>
     <p:tnLst>
       <p:par>
-        <p:cTn id="1" nodeType="tmRoot" restart="never" dur="indefinite" fill="hold">
+        <p:cTn id="1" dur="indefinite" restart="never" fill="hold" nodeType="tmRoot">
           <p:childTnLst>
             <p:seq concurrent="1" prevAc="none" nextAc="seek">
-              <p:cTn id="2" nodeType="mainSeq" dur="indefinite" fill="hold">
+              <p:cTn id="2" dur="indefinite" fill="hold" nodeType="mainSeq">
                 <p:childTnLst>
                   <p:par>
                     <p:cTn id="3" fill="hold">
@@ -6000,11 +6028,11 @@
                             </p:stCondLst>
                             <p:childTnLst>
                               <p:par>
-                                <p:cTn id="5" presetClass="entr" nodeType="clickEffect" presetSubtype="16" presetID="23" grpId="1" fill="hold">
+                                <p:cTn id="5" presetID="23" presetClass="entr" presetSubtype="16" fill="hold" grpId="1" nodeType="clickEffect">
                                   <p:stCondLst>
                                     <p:cond delay="0"/>
                                   </p:stCondLst>
-                                  <p:iterate type="el" backwards="0">
+                                  <p:iterate>
                                     <p:tmAbs val="0"/>
                                   </p:iterate>
                                   <p:childTnLst>
@@ -6090,11 +6118,11 @@
                             </p:stCondLst>
                             <p:childTnLst>
                               <p:par>
-                                <p:cTn id="11" presetClass="entr" nodeType="clickEffect" presetSubtype="16" presetID="23" grpId="2" fill="hold">
+                                <p:cTn id="11" presetID="23" presetClass="entr" presetSubtype="16" fill="hold" grpId="2" nodeType="clickEffect">
                                   <p:stCondLst>
                                     <p:cond delay="0"/>
                                   </p:stCondLst>
-                                  <p:iterate type="el" backwards="0">
+                                  <p:iterate>
                                     <p:tmAbs val="0"/>
                                   </p:iterate>
                                   <p:childTnLst>
@@ -6180,11 +6208,11 @@
                             </p:stCondLst>
                             <p:childTnLst>
                               <p:par>
-                                <p:cTn id="17" presetClass="entr" nodeType="clickEffect" presetSubtype="16" presetID="23" grpId="3" fill="hold">
+                                <p:cTn id="17" presetID="23" presetClass="entr" presetSubtype="16" fill="hold" grpId="3" nodeType="clickEffect">
                                   <p:stCondLst>
                                     <p:cond delay="0"/>
                                   </p:stCondLst>
-                                  <p:iterate type="el" backwards="0">
+                                  <p:iterate>
                                     <p:tmAbs val="0"/>
                                   </p:iterate>
                                   <p:childTnLst>
@@ -6260,14 +6288,14 @@
                 </p:childTnLst>
               </p:cTn>
               <p:prevCondLst>
-                <p:cond evt="onPrev">
+                <p:cond evt="onPrev" delay="0">
                   <p:tgtEl>
                     <p:sldTgt/>
                   </p:tgtEl>
                 </p:cond>
               </p:prevCondLst>
               <p:nextCondLst>
-                <p:cond evt="onNext">
+                <p:cond evt="onNext" delay="0">
                   <p:tgtEl>
                     <p:sldTgt/>
                   </p:tgtEl>
@@ -6279,26 +6307,27 @@
       </p:par>
     </p:tnLst>
     <p:bldLst>
-      <p:bldP build="whole" bldLvl="1" animBg="1" rev="0" advAuto="0" spid="225" grpId="1"/>
-      <p:bldP build="whole" bldLvl="1" animBg="1" rev="0" advAuto="0" spid="228" grpId="2"/>
-      <p:bldP build="whole" bldLvl="1" animBg="1" rev="0" advAuto="0" spid="227" grpId="3"/>
+      <p:bldP spid="225" grpId="1" animBg="1" advAuto="0"/>
+      <p:bldP spid="227" grpId="3" animBg="1" advAuto="0"/>
+      <p:bldP spid="228" grpId="2" animBg="1" advAuto="0"/>
     </p:bldLst>
   </p:timing>
 </p:sld>
 </file>
 
 <file path=ppt/slides/slide13.xml><?xml version="1.0" encoding="utf-8"?>
-<p:sld xmlns:a="http://schemas.openxmlformats.org/drawingml/2006/main" xmlns:r="http://schemas.openxmlformats.org/officeDocument/2006/relationships" xmlns:p="http://schemas.openxmlformats.org/presentationml/2006/main" xmlns:m="http://schemas.openxmlformats.org/officeDocument/2006/math" xmlns:a14="http://schemas.microsoft.com/office/drawing/2010/main" showMasterSp="1" showMasterPhAnim="1">
+<p:sld xmlns:a="http://schemas.openxmlformats.org/drawingml/2006/main" xmlns:r="http://schemas.openxmlformats.org/officeDocument/2006/relationships" xmlns:p="http://schemas.openxmlformats.org/presentationml/2006/main">
   <p:cSld>
     <p:bg>
       <p:bgPr>
         <a:blipFill rotWithShape="1">
           <a:blip r:embed="rId2"/>
-          <a:srcRect l="0" t="0" r="0" b="0"/>
+          <a:srcRect/>
           <a:stretch>
             <a:fillRect/>
           </a:stretch>
         </a:blipFill>
+        <a:effectLst/>
       </p:bgPr>
     </p:bg>
     <p:spTree>
@@ -6318,7 +6347,9 @@
       <p:sp>
         <p:nvSpPr>
           <p:cNvPr id="230" name="A tree used to store intervals or segments for efficient range queries."/>
-          <p:cNvSpPr txBox="1"/>
+          <p:cNvSpPr txBox="1">
+            <a:spLocks noGrp="1"/>
+          </p:cNvSpPr>
           <p:nvPr>
             <p:ph type="body" idx="21"/>
           </p:nvPr>
@@ -6333,7 +6364,7 @@
           </a:prstGeom>
           <a:extLst>
             <a:ext uri="{C572A759-6A51-4108-AA02-DFA0A04FC94B}">
-              <ma14:wrappingTextBoxFlag xmlns:ma14="http://schemas.microsoft.com/office/mac/drawingml/2011/main" val="1"/>
+              <ma14:wrappingTextBoxFlag xmlns:ma14="http://schemas.microsoft.com/office/mac/drawingml/2011/main" xmlns:a14="http://schemas.microsoft.com/office/drawing/2010/main" xmlns:m="http://schemas.openxmlformats.org/officeDocument/2006/math" xmlns="" val="1"/>
             </a:ext>
           </a:extLst>
         </p:spPr>
@@ -6341,7 +6372,7 @@
           <a:bodyPr/>
           <a:lstStyle>
             <a:lvl1pPr defTabSz="586104">
-              <a:defRPr b="0" sz="3905">
+              <a:defRPr sz="3905" b="0">
                 <a:latin typeface="Graphik"/>
                 <a:ea typeface="Graphik"/>
                 <a:cs typeface="Graphik"/>
@@ -6350,7 +6381,6 @@
             </a:lvl1pPr>
           </a:lstStyle>
           <a:p>
-            <a:pPr/>
             <a:r>
               <a:t>A tree used to store intervals or segments for efficient range queries.</a:t>
             </a:r>
@@ -6360,7 +6390,9 @@
       <p:sp>
         <p:nvSpPr>
           <p:cNvPr id="231" name="Segment Tree"/>
-          <p:cNvSpPr txBox="1"/>
+          <p:cNvSpPr txBox="1">
+            <a:spLocks noGrp="1"/>
+          </p:cNvSpPr>
           <p:nvPr>
             <p:ph type="title"/>
           </p:nvPr>
@@ -6374,7 +6406,7 @@
           <a:bodyPr/>
           <a:lstStyle>
             <a:lvl1pPr defTabSz="2267655">
-              <a:defRPr spc="-158" sz="7905">
+              <a:defRPr sz="7905" spc="-158">
                 <a:latin typeface="Graphik"/>
                 <a:ea typeface="Graphik"/>
                 <a:cs typeface="Graphik"/>
@@ -6383,7 +6415,6 @@
             </a:lvl1pPr>
           </a:lstStyle>
           <a:p>
-            <a:pPr/>
             <a:r>
               <a:t>Segment Tree</a:t>
             </a:r>
@@ -6409,7 +6440,7 @@
           </a:ln>
           <a:extLst>
             <a:ext uri="{C572A759-6A51-4108-AA02-DFA0A04FC94B}">
-              <ma14:wrappingTextBoxFlag xmlns:ma14="http://schemas.microsoft.com/office/mac/drawingml/2011/main" val="1"/>
+              <ma14:wrappingTextBoxFlag xmlns:ma14="http://schemas.microsoft.com/office/mac/drawingml/2011/main" xmlns:a14="http://schemas.microsoft.com/office/drawing/2010/main" xmlns:m="http://schemas.openxmlformats.org/officeDocument/2006/math" xmlns="" val="1"/>
             </a:ext>
           </a:extLst>
         </p:spPr>
@@ -6436,7 +6467,6 @@
             </a:lvl1pPr>
           </a:lstStyle>
           <a:p>
-            <a:pPr/>
             <a:r>
               <a:t>Range sum queries, range minimum/maximum queries.</a:t>
             </a:r>
@@ -6452,9 +6482,7 @@
           <p:nvPr/>
         </p:nvPicPr>
         <p:blipFill>
-          <a:blip r:embed="rId3">
-            <a:extLst/>
-          </a:blip>
+          <a:blip r:embed="rId3"/>
           <a:stretch>
             <a:fillRect/>
           </a:stretch>
@@ -6477,14 +6505,14 @@
   <p:clrMapOvr>
     <a:masterClrMapping/>
   </p:clrMapOvr>
-  <p:transition xmlns:p14="http://schemas.microsoft.com/office/powerpoint/2010/main" spd="med" advClick="1"/>
+  <p:transition spd="med"/>
   <p:timing>
     <p:tnLst>
       <p:par>
-        <p:cTn id="1" nodeType="tmRoot" restart="never" dur="indefinite" fill="hold">
+        <p:cTn id="1" dur="indefinite" restart="never" fill="hold" nodeType="tmRoot">
           <p:childTnLst>
             <p:seq concurrent="1" prevAc="none" nextAc="seek">
-              <p:cTn id="2" nodeType="mainSeq" dur="indefinite" fill="hold">
+              <p:cTn id="2" dur="indefinite" fill="hold" nodeType="mainSeq">
                 <p:childTnLst>
                   <p:par>
                     <p:cTn id="3" fill="hold">
@@ -6499,11 +6527,11 @@
                             </p:stCondLst>
                             <p:childTnLst>
                               <p:par>
-                                <p:cTn id="5" presetClass="entr" nodeType="clickEffect" presetSubtype="16" presetID="23" grpId="1" fill="hold">
+                                <p:cTn id="5" presetID="23" presetClass="entr" presetSubtype="16" fill="hold" grpId="1" nodeType="clickEffect">
                                   <p:stCondLst>
                                     <p:cond delay="0"/>
                                   </p:stCondLst>
-                                  <p:iterate type="el" backwards="0">
+                                  <p:iterate>
                                     <p:tmAbs val="0"/>
                                   </p:iterate>
                                   <p:childTnLst>
@@ -6589,11 +6617,11 @@
                             </p:stCondLst>
                             <p:childTnLst>
                               <p:par>
-                                <p:cTn id="11" presetClass="entr" nodeType="clickEffect" presetSubtype="16" presetID="23" grpId="2" fill="hold">
+                                <p:cTn id="11" presetID="23" presetClass="entr" presetSubtype="16" fill="hold" grpId="2" nodeType="clickEffect">
                                   <p:stCondLst>
                                     <p:cond delay="0"/>
                                   </p:stCondLst>
-                                  <p:iterate type="el" backwards="0">
+                                  <p:iterate>
                                     <p:tmAbs val="0"/>
                                   </p:iterate>
                                   <p:childTnLst>
@@ -6679,11 +6707,11 @@
                             </p:stCondLst>
                             <p:childTnLst>
                               <p:par>
-                                <p:cTn id="17" presetClass="entr" nodeType="clickEffect" presetSubtype="16" presetID="23" grpId="3" fill="hold">
+                                <p:cTn id="17" presetID="23" presetClass="entr" presetSubtype="16" fill="hold" grpId="3" nodeType="clickEffect">
                                   <p:stCondLst>
                                     <p:cond delay="0"/>
                                   </p:stCondLst>
-                                  <p:iterate type="el" backwards="0">
+                                  <p:iterate>
                                     <p:tmAbs val="0"/>
                                   </p:iterate>
                                   <p:childTnLst>
@@ -6759,14 +6787,14 @@
                 </p:childTnLst>
               </p:cTn>
               <p:prevCondLst>
-                <p:cond evt="onPrev">
+                <p:cond evt="onPrev" delay="0">
                   <p:tgtEl>
                     <p:sldTgt/>
                   </p:tgtEl>
                 </p:cond>
               </p:prevCondLst>
               <p:nextCondLst>
-                <p:cond evt="onNext">
+                <p:cond evt="onNext" delay="0">
                   <p:tgtEl>
                     <p:sldTgt/>
                   </p:tgtEl>
@@ -6778,26 +6806,27 @@
       </p:par>
     </p:tnLst>
     <p:bldLst>
-      <p:bldP build="whole" bldLvl="1" animBg="1" rev="0" advAuto="0" spid="232" grpId="3"/>
-      <p:bldP build="whole" bldLvl="1" animBg="1" rev="0" advAuto="0" spid="230" grpId="1"/>
-      <p:bldP build="whole" bldLvl="1" animBg="1" rev="0" advAuto="0" spid="233" grpId="2"/>
+      <p:bldP spid="230" grpId="1" animBg="1" advAuto="0"/>
+      <p:bldP spid="232" grpId="3" animBg="1" advAuto="0"/>
+      <p:bldP spid="233" grpId="2" animBg="1" advAuto="0"/>
     </p:bldLst>
   </p:timing>
 </p:sld>
 </file>
 
 <file path=ppt/slides/slide14.xml><?xml version="1.0" encoding="utf-8"?>
-<p:sld xmlns:a="http://schemas.openxmlformats.org/drawingml/2006/main" xmlns:r="http://schemas.openxmlformats.org/officeDocument/2006/relationships" xmlns:p="http://schemas.openxmlformats.org/presentationml/2006/main" xmlns:m="http://schemas.openxmlformats.org/officeDocument/2006/math" xmlns:a14="http://schemas.microsoft.com/office/drawing/2010/main" showMasterSp="1" showMasterPhAnim="1">
+<p:sld xmlns:a="http://schemas.openxmlformats.org/drawingml/2006/main" xmlns:r="http://schemas.openxmlformats.org/officeDocument/2006/relationships" xmlns:p="http://schemas.openxmlformats.org/presentationml/2006/main">
   <p:cSld>
     <p:bg>
       <p:bgPr>
         <a:blipFill rotWithShape="1">
           <a:blip r:embed="rId2"/>
-          <a:srcRect l="0" t="0" r="0" b="0"/>
+          <a:srcRect/>
           <a:stretch>
             <a:fillRect/>
           </a:stretch>
         </a:blipFill>
+        <a:effectLst/>
       </p:bgPr>
     </p:bg>
     <p:spTree>
@@ -6817,7 +6846,9 @@
       <p:sp>
         <p:nvSpPr>
           <p:cNvPr id="235" name="A tree used for efficient prefix sum queries and updates."/>
-          <p:cNvSpPr txBox="1"/>
+          <p:cNvSpPr txBox="1">
+            <a:spLocks noGrp="1"/>
+          </p:cNvSpPr>
           <p:nvPr>
             <p:ph type="body" idx="21"/>
           </p:nvPr>
@@ -6832,7 +6863,7 @@
           </a:prstGeom>
           <a:extLst>
             <a:ext uri="{C572A759-6A51-4108-AA02-DFA0A04FC94B}">
-              <ma14:wrappingTextBoxFlag xmlns:ma14="http://schemas.microsoft.com/office/mac/drawingml/2011/main" val="1"/>
+              <ma14:wrappingTextBoxFlag xmlns:ma14="http://schemas.microsoft.com/office/mac/drawingml/2011/main" xmlns:a14="http://schemas.microsoft.com/office/drawing/2010/main" xmlns:m="http://schemas.openxmlformats.org/officeDocument/2006/math" xmlns="" val="1"/>
             </a:ext>
           </a:extLst>
         </p:spPr>
@@ -6840,7 +6871,7 @@
           <a:bodyPr/>
           <a:lstStyle>
             <a:lvl1pPr defTabSz="586104">
-              <a:defRPr b="0" sz="3905">
+              <a:defRPr sz="3905" b="0">
                 <a:latin typeface="Graphik"/>
                 <a:ea typeface="Graphik"/>
                 <a:cs typeface="Graphik"/>
@@ -6849,7 +6880,6 @@
             </a:lvl1pPr>
           </a:lstStyle>
           <a:p>
-            <a:pPr/>
             <a:r>
               <a:t>A tree used for efficient prefix sum queries and updates.</a:t>
             </a:r>
@@ -6859,7 +6889,9 @@
       <p:sp>
         <p:nvSpPr>
           <p:cNvPr id="236" name="Fenwick Tree (Binary Indexed Tree)"/>
-          <p:cNvSpPr txBox="1"/>
+          <p:cNvSpPr txBox="1">
+            <a:spLocks noGrp="1"/>
+          </p:cNvSpPr>
           <p:nvPr>
             <p:ph type="title"/>
           </p:nvPr>
@@ -6873,7 +6905,7 @@
           <a:bodyPr/>
           <a:lstStyle>
             <a:lvl1pPr defTabSz="2267655">
-              <a:defRPr spc="-158" sz="7905">
+              <a:defRPr sz="7905" spc="-158">
                 <a:latin typeface="Graphik"/>
                 <a:ea typeface="Graphik"/>
                 <a:cs typeface="Graphik"/>
@@ -6882,7 +6914,6 @@
             </a:lvl1pPr>
           </a:lstStyle>
           <a:p>
-            <a:pPr/>
             <a:r>
               <a:t>Fenwick Tree (Binary Indexed Tree)</a:t>
             </a:r>
@@ -6908,7 +6939,7 @@
           </a:ln>
           <a:extLst>
             <a:ext uri="{C572A759-6A51-4108-AA02-DFA0A04FC94B}">
-              <ma14:wrappingTextBoxFlag xmlns:ma14="http://schemas.microsoft.com/office/mac/drawingml/2011/main" val="1"/>
+              <ma14:wrappingTextBoxFlag xmlns:ma14="http://schemas.microsoft.com/office/mac/drawingml/2011/main" xmlns:a14="http://schemas.microsoft.com/office/drawing/2010/main" xmlns:m="http://schemas.openxmlformats.org/officeDocument/2006/math" xmlns="" val="1"/>
             </a:ext>
           </a:extLst>
         </p:spPr>
@@ -6935,7 +6966,6 @@
             </a:lvl1pPr>
           </a:lstStyle>
           <a:p>
-            <a:pPr/>
             <a:r>
               <a:t>Dynamic cumulative frequency tables.</a:t>
             </a:r>
@@ -6951,9 +6981,7 @@
           <p:nvPr/>
         </p:nvPicPr>
         <p:blipFill>
-          <a:blip r:embed="rId3">
-            <a:extLst/>
-          </a:blip>
+          <a:blip r:embed="rId3"/>
           <a:stretch>
             <a:fillRect/>
           </a:stretch>
@@ -6976,14 +7004,14 @@
   <p:clrMapOvr>
     <a:masterClrMapping/>
   </p:clrMapOvr>
-  <p:transition xmlns:p14="http://schemas.microsoft.com/office/powerpoint/2010/main" spd="med" advClick="1"/>
+  <p:transition spd="med"/>
   <p:timing>
     <p:tnLst>
       <p:par>
-        <p:cTn id="1" nodeType="tmRoot" restart="never" dur="indefinite" fill="hold">
+        <p:cTn id="1" dur="indefinite" restart="never" fill="hold" nodeType="tmRoot">
           <p:childTnLst>
             <p:seq concurrent="1" prevAc="none" nextAc="seek">
-              <p:cTn id="2" nodeType="mainSeq" dur="indefinite" fill="hold">
+              <p:cTn id="2" dur="indefinite" fill="hold" nodeType="mainSeq">
                 <p:childTnLst>
                   <p:par>
                     <p:cTn id="3" fill="hold">
@@ -6998,11 +7026,11 @@
                             </p:stCondLst>
                             <p:childTnLst>
                               <p:par>
-                                <p:cTn id="5" presetClass="entr" nodeType="clickEffect" presetSubtype="16" presetID="23" grpId="1" fill="hold">
+                                <p:cTn id="5" presetID="23" presetClass="entr" presetSubtype="16" fill="hold" grpId="1" nodeType="clickEffect">
                                   <p:stCondLst>
                                     <p:cond delay="0"/>
                                   </p:stCondLst>
-                                  <p:iterate type="el" backwards="0">
+                                  <p:iterate>
                                     <p:tmAbs val="0"/>
                                   </p:iterate>
                                   <p:childTnLst>
@@ -7088,11 +7116,11 @@
                             </p:stCondLst>
                             <p:childTnLst>
                               <p:par>
-                                <p:cTn id="11" presetClass="entr" nodeType="clickEffect" presetSubtype="16" presetID="23" grpId="2" fill="hold">
+                                <p:cTn id="11" presetID="23" presetClass="entr" presetSubtype="16" fill="hold" grpId="2" nodeType="clickEffect">
                                   <p:stCondLst>
                                     <p:cond delay="0"/>
                                   </p:stCondLst>
-                                  <p:iterate type="el" backwards="0">
+                                  <p:iterate>
                                     <p:tmAbs val="0"/>
                                   </p:iterate>
                                   <p:childTnLst>
@@ -7178,11 +7206,11 @@
                             </p:stCondLst>
                             <p:childTnLst>
                               <p:par>
-                                <p:cTn id="17" presetClass="entr" nodeType="clickEffect" presetSubtype="16" presetID="23" grpId="3" fill="hold">
+                                <p:cTn id="17" presetID="23" presetClass="entr" presetSubtype="16" fill="hold" grpId="3" nodeType="clickEffect">
                                   <p:stCondLst>
                                     <p:cond delay="0"/>
                                   </p:stCondLst>
-                                  <p:iterate type="el" backwards="0">
+                                  <p:iterate>
                                     <p:tmAbs val="0"/>
                                   </p:iterate>
                                   <p:childTnLst>
@@ -7258,14 +7286,14 @@
                 </p:childTnLst>
               </p:cTn>
               <p:prevCondLst>
-                <p:cond evt="onPrev">
+                <p:cond evt="onPrev" delay="0">
                   <p:tgtEl>
                     <p:sldTgt/>
                   </p:tgtEl>
                 </p:cond>
               </p:prevCondLst>
               <p:nextCondLst>
-                <p:cond evt="onNext">
+                <p:cond evt="onNext" delay="0">
                   <p:tgtEl>
                     <p:sldTgt/>
                   </p:tgtEl>
@@ -7277,26 +7305,27 @@
       </p:par>
     </p:tnLst>
     <p:bldLst>
-      <p:bldP build="whole" bldLvl="1" animBg="1" rev="0" advAuto="0" spid="237" grpId="3"/>
-      <p:bldP build="whole" bldLvl="1" animBg="1" rev="0" advAuto="0" spid="235" grpId="1"/>
-      <p:bldP build="whole" bldLvl="1" animBg="1" rev="0" advAuto="0" spid="238" grpId="2"/>
+      <p:bldP spid="235" grpId="1" animBg="1" advAuto="0"/>
+      <p:bldP spid="237" grpId="3" animBg="1" advAuto="0"/>
+      <p:bldP spid="238" grpId="2" animBg="1" advAuto="0"/>
     </p:bldLst>
   </p:timing>
 </p:sld>
 </file>
 
 <file path=ppt/slides/slide15.xml><?xml version="1.0" encoding="utf-8"?>
-<p:sld xmlns:a="http://schemas.openxmlformats.org/drawingml/2006/main" xmlns:r="http://schemas.openxmlformats.org/officeDocument/2006/relationships" xmlns:p="http://schemas.openxmlformats.org/presentationml/2006/main" xmlns:m="http://schemas.openxmlformats.org/officeDocument/2006/math" xmlns:a14="http://schemas.microsoft.com/office/drawing/2010/main" showMasterSp="1" showMasterPhAnim="1">
+<p:sld xmlns:a="http://schemas.openxmlformats.org/drawingml/2006/main" xmlns:r="http://schemas.openxmlformats.org/officeDocument/2006/relationships" xmlns:p="http://schemas.openxmlformats.org/presentationml/2006/main">
   <p:cSld>
     <p:bg>
       <p:bgPr>
         <a:blipFill rotWithShape="1">
           <a:blip r:embed="rId2"/>
-          <a:srcRect l="0" t="0" r="0" b="0"/>
+          <a:srcRect/>
           <a:stretch>
             <a:fillRect/>
           </a:stretch>
         </a:blipFill>
+        <a:effectLst/>
       </p:bgPr>
     </p:bg>
     <p:spTree>
@@ -7316,7 +7345,9 @@
       <p:sp>
         <p:nvSpPr>
           <p:cNvPr id="240" name="A Binary Tree is a hierarchical data structure in which each node has at most two children"/>
-          <p:cNvSpPr txBox="1"/>
+          <p:cNvSpPr txBox="1">
+            <a:spLocks noGrp="1"/>
+          </p:cNvSpPr>
           <p:nvPr>
             <p:ph type="body" idx="21"/>
           </p:nvPr>
@@ -7331,7 +7362,7 @@
           </a:prstGeom>
           <a:extLst>
             <a:ext uri="{C572A759-6A51-4108-AA02-DFA0A04FC94B}">
-              <ma14:wrappingTextBoxFlag xmlns:ma14="http://schemas.microsoft.com/office/mac/drawingml/2011/main" val="1"/>
+              <ma14:wrappingTextBoxFlag xmlns:ma14="http://schemas.microsoft.com/office/mac/drawingml/2011/main" xmlns:a14="http://schemas.microsoft.com/office/drawing/2010/main" xmlns:m="http://schemas.openxmlformats.org/officeDocument/2006/math" xmlns="" val="1"/>
             </a:ext>
           </a:extLst>
         </p:spPr>
@@ -7339,7 +7370,7 @@
           <a:bodyPr/>
           <a:lstStyle>
             <a:lvl1pPr defTabSz="619125">
-              <a:defRPr b="0" sz="4125">
+              <a:defRPr sz="4125" b="0">
                 <a:latin typeface="Graphik"/>
                 <a:ea typeface="Graphik"/>
                 <a:cs typeface="Graphik"/>
@@ -7348,7 +7379,6 @@
             </a:lvl1pPr>
           </a:lstStyle>
           <a:p>
-            <a:pPr/>
             <a:r>
               <a:t>A Binary Tree is a hierarchical data structure in which each node has at most two children</a:t>
             </a:r>
@@ -7358,7 +7388,9 @@
       <p:sp>
         <p:nvSpPr>
           <p:cNvPr id="241" name="Binary Trees"/>
-          <p:cNvSpPr txBox="1"/>
+          <p:cNvSpPr txBox="1">
+            <a:spLocks noGrp="1"/>
+          </p:cNvSpPr>
           <p:nvPr>
             <p:ph type="title"/>
           </p:nvPr>
@@ -7372,7 +7404,7 @@
           <a:bodyPr/>
           <a:lstStyle>
             <a:lvl1pPr defTabSz="2267655">
-              <a:defRPr spc="-158" sz="7905">
+              <a:defRPr sz="7905" spc="-158">
                 <a:latin typeface="Graphik"/>
                 <a:ea typeface="Graphik"/>
                 <a:cs typeface="Graphik"/>
@@ -7381,7 +7413,6 @@
             </a:lvl1pPr>
           </a:lstStyle>
           <a:p>
-            <a:pPr/>
             <a:r>
               <a:t>Binary Trees</a:t>
             </a:r>
@@ -7407,7 +7438,7 @@
           </a:ln>
           <a:extLst>
             <a:ext uri="{C572A759-6A51-4108-AA02-DFA0A04FC94B}">
-              <ma14:wrappingTextBoxFlag xmlns:ma14="http://schemas.microsoft.com/office/mac/drawingml/2011/main" val="1"/>
+              <ma14:wrappingTextBoxFlag xmlns:ma14="http://schemas.microsoft.com/office/mac/drawingml/2011/main" xmlns:a14="http://schemas.microsoft.com/office/drawing/2010/main" xmlns:m="http://schemas.openxmlformats.org/officeDocument/2006/math" xmlns="" val="1"/>
             </a:ext>
           </a:extLst>
         </p:spPr>
@@ -7614,7 +7645,7 @@
             <a:effectLst/>
             <a:extLst>
               <a:ext uri="{C572A759-6A51-4108-AA02-DFA0A04FC94B}">
-                <ma14:wrappingTextBoxFlag xmlns:ma14="http://schemas.microsoft.com/office/mac/drawingml/2011/main" val="1"/>
+                <ma14:wrappingTextBoxFlag xmlns:ma14="http://schemas.microsoft.com/office/mac/drawingml/2011/main" xmlns:a14="http://schemas.microsoft.com/office/drawing/2010/main" xmlns:m="http://schemas.openxmlformats.org/officeDocument/2006/math" xmlns="" val="1"/>
               </a:ext>
             </a:extLst>
           </p:spPr>
@@ -7642,7 +7673,6 @@
               </a:lvl1pPr>
             </a:lstStyle>
             <a:p>
-              <a:pPr/>
               <a:r>
                 <a:t>1</a:t>
               </a:r>
@@ -7677,7 +7707,7 @@
             <a:effectLst/>
             <a:extLst>
               <a:ext uri="{C572A759-6A51-4108-AA02-DFA0A04FC94B}">
-                <ma14:wrappingTextBoxFlag xmlns:ma14="http://schemas.microsoft.com/office/mac/drawingml/2011/main" val="1"/>
+                <ma14:wrappingTextBoxFlag xmlns:ma14="http://schemas.microsoft.com/office/mac/drawingml/2011/main" xmlns:a14="http://schemas.microsoft.com/office/drawing/2010/main" xmlns:m="http://schemas.openxmlformats.org/officeDocument/2006/math" xmlns="" val="1"/>
               </a:ext>
             </a:extLst>
           </p:spPr>
@@ -7705,7 +7735,6 @@
               </a:lvl1pPr>
             </a:lstStyle>
             <a:p>
-              <a:pPr/>
               <a:r>
                 <a:t>2</a:t>
               </a:r>
@@ -7740,7 +7769,7 @@
             <a:effectLst/>
             <a:extLst>
               <a:ext uri="{C572A759-6A51-4108-AA02-DFA0A04FC94B}">
-                <ma14:wrappingTextBoxFlag xmlns:ma14="http://schemas.microsoft.com/office/mac/drawingml/2011/main" val="1"/>
+                <ma14:wrappingTextBoxFlag xmlns:ma14="http://schemas.microsoft.com/office/mac/drawingml/2011/main" xmlns:a14="http://schemas.microsoft.com/office/drawing/2010/main" xmlns:m="http://schemas.openxmlformats.org/officeDocument/2006/math" xmlns="" val="1"/>
               </a:ext>
             </a:extLst>
           </p:spPr>
@@ -7768,7 +7797,6 @@
               </a:lvl1pPr>
             </a:lstStyle>
             <a:p>
-              <a:pPr/>
               <a:r>
                 <a:t>3</a:t>
               </a:r>
@@ -7803,7 +7831,7 @@
             <a:effectLst/>
             <a:extLst>
               <a:ext uri="{C572A759-6A51-4108-AA02-DFA0A04FC94B}">
-                <ma14:wrappingTextBoxFlag xmlns:ma14="http://schemas.microsoft.com/office/mac/drawingml/2011/main" val="1"/>
+                <ma14:wrappingTextBoxFlag xmlns:ma14="http://schemas.microsoft.com/office/mac/drawingml/2011/main" xmlns:a14="http://schemas.microsoft.com/office/drawing/2010/main" xmlns:m="http://schemas.openxmlformats.org/officeDocument/2006/math" xmlns="" val="1"/>
               </a:ext>
             </a:extLst>
           </p:spPr>
@@ -7831,7 +7859,6 @@
               </a:lvl1pPr>
             </a:lstStyle>
             <a:p>
-              <a:pPr/>
               <a:r>
                 <a:t>4</a:t>
               </a:r>
@@ -7866,7 +7893,7 @@
             <a:effectLst/>
             <a:extLst>
               <a:ext uri="{C572A759-6A51-4108-AA02-DFA0A04FC94B}">
-                <ma14:wrappingTextBoxFlag xmlns:ma14="http://schemas.microsoft.com/office/mac/drawingml/2011/main" val="1"/>
+                <ma14:wrappingTextBoxFlag xmlns:ma14="http://schemas.microsoft.com/office/mac/drawingml/2011/main" xmlns:a14="http://schemas.microsoft.com/office/drawing/2010/main" xmlns:m="http://schemas.openxmlformats.org/officeDocument/2006/math" xmlns="" val="1"/>
               </a:ext>
             </a:extLst>
           </p:spPr>
@@ -7894,7 +7921,6 @@
               </a:lvl1pPr>
             </a:lstStyle>
             <a:p>
-              <a:pPr/>
               <a:r>
                 <a:t>5</a:t>
               </a:r>
@@ -7929,7 +7955,7 @@
             <a:effectLst/>
             <a:extLst>
               <a:ext uri="{C572A759-6A51-4108-AA02-DFA0A04FC94B}">
-                <ma14:wrappingTextBoxFlag xmlns:ma14="http://schemas.microsoft.com/office/mac/drawingml/2011/main" val="1"/>
+                <ma14:wrappingTextBoxFlag xmlns:ma14="http://schemas.microsoft.com/office/mac/drawingml/2011/main" xmlns:a14="http://schemas.microsoft.com/office/drawing/2010/main" xmlns:m="http://schemas.openxmlformats.org/officeDocument/2006/math" xmlns="" val="1"/>
               </a:ext>
             </a:extLst>
           </p:spPr>
@@ -7957,7 +7983,6 @@
               </a:lvl1pPr>
             </a:lstStyle>
             <a:p>
-              <a:pPr/>
               <a:r>
                 <a:t>6</a:t>
               </a:r>
@@ -7998,7 +8023,7 @@
             </a:bodyPr>
             <a:lstStyle/>
             <a:p>
-              <a:pPr/>
+              <a:endParaRPr/>
             </a:p>
           </p:txBody>
         </p:sp>
@@ -8036,7 +8061,7 @@
             </a:bodyPr>
             <a:lstStyle/>
             <a:p>
-              <a:pPr/>
+              <a:endParaRPr/>
             </a:p>
           </p:txBody>
         </p:sp>
@@ -8074,7 +8099,7 @@
             </a:bodyPr>
             <a:lstStyle/>
             <a:p>
-              <a:pPr/>
+              <a:endParaRPr/>
             </a:p>
           </p:txBody>
         </p:sp>
@@ -8112,7 +8137,7 @@
             </a:bodyPr>
             <a:lstStyle/>
             <a:p>
-              <a:pPr/>
+              <a:endParaRPr/>
             </a:p>
           </p:txBody>
         </p:sp>
@@ -8150,7 +8175,7 @@
             </a:bodyPr>
             <a:lstStyle/>
             <a:p>
-              <a:pPr/>
+              <a:endParaRPr/>
             </a:p>
           </p:txBody>
         </p:sp>
@@ -8160,14 +8185,14 @@
   <p:clrMapOvr>
     <a:masterClrMapping/>
   </p:clrMapOvr>
-  <p:transition xmlns:p14="http://schemas.microsoft.com/office/powerpoint/2010/main" spd="med" advClick="1"/>
+  <p:transition spd="med"/>
   <p:timing>
     <p:tnLst>
       <p:par>
-        <p:cTn id="1" nodeType="tmRoot" restart="never" dur="indefinite" fill="hold">
+        <p:cTn id="1" dur="indefinite" restart="never" fill="hold" nodeType="tmRoot">
           <p:childTnLst>
             <p:seq concurrent="1" prevAc="none" nextAc="seek">
-              <p:cTn id="2" nodeType="mainSeq" dur="indefinite" fill="hold">
+              <p:cTn id="2" dur="indefinite" fill="hold" nodeType="mainSeq">
                 <p:childTnLst>
                   <p:par>
                     <p:cTn id="3" fill="hold">
@@ -8182,11 +8207,11 @@
                             </p:stCondLst>
                             <p:childTnLst>
                               <p:par>
-                                <p:cTn id="5" presetClass="entr" nodeType="clickEffect" presetSubtype="16" presetID="23" grpId="1" fill="hold">
+                                <p:cTn id="5" presetID="23" presetClass="entr" presetSubtype="16" fill="hold" grpId="1" nodeType="clickEffect">
                                   <p:stCondLst>
                                     <p:cond delay="0"/>
                                   </p:stCondLst>
-                                  <p:iterate type="el" backwards="0">
+                                  <p:iterate>
                                     <p:tmAbs val="0"/>
                                   </p:iterate>
                                   <p:childTnLst>
@@ -8272,11 +8297,11 @@
                             </p:stCondLst>
                             <p:childTnLst>
                               <p:par>
-                                <p:cTn id="11" presetClass="entr" nodeType="clickEffect" presetSubtype="16" presetID="23" grpId="2" fill="hold">
+                                <p:cTn id="11" presetID="23" presetClass="entr" presetSubtype="16" fill="hold" grpId="2" nodeType="clickEffect">
                                   <p:stCondLst>
                                     <p:cond delay="0"/>
                                   </p:stCondLst>
-                                  <p:iterate type="el" backwards="0">
+                                  <p:iterate>
                                     <p:tmAbs val="0"/>
                                   </p:iterate>
                                   <p:childTnLst>
@@ -8350,11 +8375,11 @@
                                 </p:cTn>
                               </p:par>
                               <p:par>
-                                <p:cTn id="15" presetClass="entr" nodeType="withEffect" presetSubtype="16" presetID="23" grpId="2" fill="hold">
+                                <p:cTn id="15" presetID="23" presetClass="entr" presetSubtype="16" fill="hold" grpId="2" nodeType="withEffect">
                                   <p:stCondLst>
                                     <p:cond delay="0"/>
                                   </p:stCondLst>
-                                  <p:iterate type="el" backwards="0">
+                                  <p:iterate>
                                     <p:tmAbs val="0"/>
                                   </p:iterate>
                                   <p:childTnLst>
@@ -8452,11 +8477,11 @@
                             </p:stCondLst>
                             <p:childTnLst>
                               <p:par>
-                                <p:cTn id="21" presetClass="entr" nodeType="clickEffect" presetSubtype="16" presetID="23" grpId="2" fill="hold">
+                                <p:cTn id="21" presetID="23" presetClass="entr" presetSubtype="16" fill="hold" grpId="2" nodeType="clickEffect">
                                   <p:stCondLst>
                                     <p:cond delay="0"/>
                                   </p:stCondLst>
-                                  <p:iterate type="el" backwards="0">
+                                  <p:iterate>
                                     <p:tmAbs val="0"/>
                                   </p:iterate>
                                   <p:childTnLst>
@@ -8554,11 +8579,11 @@
                             </p:stCondLst>
                             <p:childTnLst>
                               <p:par>
-                                <p:cTn id="27" presetClass="entr" nodeType="clickEffect" presetSubtype="16" presetID="23" grpId="2" fill="hold">
+                                <p:cTn id="27" presetID="23" presetClass="entr" presetSubtype="16" fill="hold" grpId="2" nodeType="clickEffect">
                                   <p:stCondLst>
                                     <p:cond delay="0"/>
                                   </p:stCondLst>
-                                  <p:iterate type="el" backwards="0">
+                                  <p:iterate>
                                     <p:tmAbs val="0"/>
                                   </p:iterate>
                                   <p:childTnLst>
@@ -8656,11 +8681,11 @@
                             </p:stCondLst>
                             <p:childTnLst>
                               <p:par>
-                                <p:cTn id="33" presetClass="entr" nodeType="clickEffect" presetSubtype="16" presetID="23" grpId="2" fill="hold">
+                                <p:cTn id="33" presetID="23" presetClass="entr" presetSubtype="16" fill="hold" grpId="2" nodeType="clickEffect">
                                   <p:stCondLst>
                                     <p:cond delay="0"/>
                                   </p:stCondLst>
-                                  <p:iterate type="el" backwards="0">
+                                  <p:iterate>
                                     <p:tmAbs val="0"/>
                                   </p:iterate>
                                   <p:childTnLst>
@@ -8758,11 +8783,11 @@
                             </p:stCondLst>
                             <p:childTnLst>
                               <p:par>
-                                <p:cTn id="39" presetClass="entr" nodeType="clickEffect" presetSubtype="16" presetID="23" grpId="2" fill="hold">
+                                <p:cTn id="39" presetID="23" presetClass="entr" presetSubtype="16" fill="hold" grpId="2" nodeType="clickEffect">
                                   <p:stCondLst>
                                     <p:cond delay="0"/>
                                   </p:stCondLst>
-                                  <p:iterate type="el" backwards="0">
+                                  <p:iterate>
                                     <p:tmAbs val="0"/>
                                   </p:iterate>
                                   <p:childTnLst>
@@ -8850,14 +8875,14 @@
                 </p:childTnLst>
               </p:cTn>
               <p:prevCondLst>
-                <p:cond evt="onPrev">
+                <p:cond evt="onPrev" delay="0">
                   <p:tgtEl>
                     <p:sldTgt/>
                   </p:tgtEl>
                 </p:cond>
               </p:prevCondLst>
               <p:nextCondLst>
-                <p:cond evt="onNext">
+                <p:cond evt="onNext" delay="0">
                   <p:tgtEl>
                     <p:sldTgt/>
                   </p:tgtEl>
@@ -8869,25 +8894,26 @@
       </p:par>
     </p:tnLst>
     <p:bldLst>
-      <p:bldP build="p" bldLvl="5" animBg="1" rev="0" advAuto="0" spid="242" grpId="2"/>
-      <p:bldP build="whole" bldLvl="1" animBg="1" rev="0" advAuto="0" spid="254" grpId="1"/>
+      <p:bldP spid="242" grpId="2" build="p" bldLvl="5" animBg="1" advAuto="0"/>
+      <p:bldP spid="254" grpId="1" animBg="1" advAuto="0"/>
     </p:bldLst>
   </p:timing>
 </p:sld>
 </file>
 
 <file path=ppt/slides/slide16.xml><?xml version="1.0" encoding="utf-8"?>
-<p:sld xmlns:a="http://schemas.openxmlformats.org/drawingml/2006/main" xmlns:r="http://schemas.openxmlformats.org/officeDocument/2006/relationships" xmlns:p="http://schemas.openxmlformats.org/presentationml/2006/main" xmlns:m="http://schemas.openxmlformats.org/officeDocument/2006/math" xmlns:a14="http://schemas.microsoft.com/office/drawing/2010/main" showMasterSp="1" showMasterPhAnim="1">
+<p:sld xmlns:a="http://schemas.openxmlformats.org/drawingml/2006/main" xmlns:r="http://schemas.openxmlformats.org/officeDocument/2006/relationships" xmlns:p="http://schemas.openxmlformats.org/presentationml/2006/main">
   <p:cSld>
     <p:bg>
       <p:bgPr>
         <a:blipFill rotWithShape="1">
           <a:blip r:embed="rId2"/>
-          <a:srcRect l="0" t="0" r="0" b="0"/>
+          <a:srcRect/>
           <a:stretch>
             <a:fillRect/>
           </a:stretch>
         </a:blipFill>
+        <a:effectLst/>
       </p:bgPr>
     </p:bg>
     <p:spTree>
@@ -8948,7 +8974,7 @@
             </a:bodyPr>
             <a:lstStyle/>
             <a:p>
-              <a:pPr/>
+              <a:endParaRPr/>
             </a:p>
           </p:txBody>
         </p:sp>
@@ -9002,6 +9028,7 @@
                   <a:sym typeface="Helvetica Neue Medium"/>
                 </a:defRPr>
               </a:pPr>
+              <a:endParaRPr/>
             </a:p>
           </p:txBody>
         </p:sp>
@@ -9055,6 +9082,7 @@
                   <a:sym typeface="Helvetica Neue Medium"/>
                 </a:defRPr>
               </a:pPr>
+              <a:endParaRPr/>
             </a:p>
           </p:txBody>
         </p:sp>
@@ -9108,6 +9136,7 @@
                   <a:sym typeface="Helvetica Neue Medium"/>
                 </a:defRPr>
               </a:pPr>
+              <a:endParaRPr/>
             </a:p>
           </p:txBody>
         </p:sp>
@@ -9161,6 +9190,7 @@
                   <a:sym typeface="Helvetica Neue Medium"/>
                 </a:defRPr>
               </a:pPr>
+              <a:endParaRPr/>
             </a:p>
           </p:txBody>
         </p:sp>
@@ -9209,7 +9239,7 @@
             </a:bodyPr>
             <a:lstStyle/>
             <a:p>
-              <a:pPr/>
+              <a:endParaRPr/>
             </a:p>
           </p:txBody>
         </p:sp>
@@ -9263,6 +9293,7 @@
                   <a:sym typeface="Helvetica Neue Medium"/>
                 </a:defRPr>
               </a:pPr>
+              <a:endParaRPr/>
             </a:p>
           </p:txBody>
         </p:sp>
@@ -9316,6 +9347,7 @@
                   <a:sym typeface="Helvetica Neue Medium"/>
                 </a:defRPr>
               </a:pPr>
+              <a:endParaRPr/>
             </a:p>
           </p:txBody>
         </p:sp>
@@ -9369,6 +9401,7 @@
                   <a:sym typeface="Helvetica Neue Medium"/>
                 </a:defRPr>
               </a:pPr>
+              <a:endParaRPr/>
             </a:p>
           </p:txBody>
         </p:sp>
@@ -9422,6 +9455,7 @@
                   <a:sym typeface="Helvetica Neue Medium"/>
                 </a:defRPr>
               </a:pPr>
+              <a:endParaRPr/>
             </a:p>
           </p:txBody>
         </p:sp>
@@ -9431,14 +9465,14 @@
   <p:clrMapOvr>
     <a:masterClrMapping/>
   </p:clrMapOvr>
-  <p:transition xmlns:p14="http://schemas.microsoft.com/office/powerpoint/2010/main" spd="med" advClick="1"/>
+  <p:transition spd="med"/>
   <p:timing>
     <p:tnLst>
       <p:par>
-        <p:cTn id="1" nodeType="tmRoot" restart="never" dur="indefinite" fill="hold">
+        <p:cTn id="1" dur="indefinite" restart="never" fill="hold" nodeType="tmRoot">
           <p:childTnLst>
             <p:seq concurrent="1" prevAc="none" nextAc="seek">
-              <p:cTn id="2" nodeType="mainSeq" dur="indefinite" fill="hold">
+              <p:cTn id="2" dur="indefinite" fill="hold" nodeType="mainSeq">
                 <p:childTnLst>
                   <p:par>
                     <p:cTn id="3" fill="hold">
@@ -9453,11 +9487,11 @@
                             </p:stCondLst>
                             <p:childTnLst>
                               <p:par>
-                                <p:cTn id="5" presetClass="entr" nodeType="clickEffect" presetSubtype="1" presetID="22" grpId="1" fill="hold">
+                                <p:cTn id="5" presetID="22" presetClass="entr" presetSubtype="1" fill="hold" grpId="1" nodeType="clickEffect">
                                   <p:stCondLst>
                                     <p:cond delay="0"/>
                                   </p:stCondLst>
-                                  <p:iterate type="el" backwards="0">
+                                  <p:iterate>
                                     <p:tmAbs val="0"/>
                                   </p:iterate>
                                   <p:childTnLst>
@@ -9475,7 +9509,7 @@
                                         <p:strVal val="visible"/>
                                       </p:to>
                                     </p:set>
-                                    <p:animEffect filter="wipe(up)" transition="in">
+                                    <p:animEffect transition="in" filter="wipe(up)">
                                       <p:cBhvr>
                                         <p:cTn id="7" dur="400"/>
                                         <p:tgtEl>
@@ -9505,11 +9539,11 @@
                             </p:stCondLst>
                             <p:childTnLst>
                               <p:par>
-                                <p:cTn id="10" presetClass="entr" nodeType="clickEffect" presetSubtype="1" presetID="22" grpId="2" fill="hold">
+                                <p:cTn id="10" presetID="22" presetClass="entr" presetSubtype="1" fill="hold" grpId="2" nodeType="clickEffect">
                                   <p:stCondLst>
                                     <p:cond delay="0"/>
                                   </p:stCondLst>
-                                  <p:iterate type="el" backwards="0">
+                                  <p:iterate>
                                     <p:tmAbs val="0"/>
                                   </p:iterate>
                                   <p:childTnLst>
@@ -9527,7 +9561,7 @@
                                         <p:strVal val="visible"/>
                                       </p:to>
                                     </p:set>
-                                    <p:animEffect filter="wipe(up)" transition="in">
+                                    <p:animEffect transition="in" filter="wipe(up)">
                                       <p:cBhvr>
                                         <p:cTn id="12" dur="400"/>
                                         <p:tgtEl>
@@ -9547,14 +9581,14 @@
                 </p:childTnLst>
               </p:cTn>
               <p:prevCondLst>
-                <p:cond evt="onPrev">
+                <p:cond evt="onPrev" delay="0">
                   <p:tgtEl>
                     <p:sldTgt/>
                   </p:tgtEl>
                 </p:cond>
               </p:prevCondLst>
               <p:nextCondLst>
-                <p:cond evt="onNext">
+                <p:cond evt="onNext" delay="0">
                   <p:tgtEl>
                     <p:sldTgt/>
                   </p:tgtEl>
@@ -9566,25 +9600,26 @@
       </p:par>
     </p:tnLst>
     <p:bldLst>
-      <p:bldP build="whole" bldLvl="1" animBg="1" rev="0" advAuto="0" spid="267" grpId="2"/>
-      <p:bldP build="whole" bldLvl="1" animBg="1" rev="0" advAuto="0" spid="261" grpId="1"/>
+      <p:bldP spid="261" grpId="1" animBg="1" advAuto="0"/>
+      <p:bldP spid="267" grpId="2" animBg="1" advAuto="0"/>
     </p:bldLst>
   </p:timing>
 </p:sld>
 </file>
 
 <file path=ppt/slides/slide17.xml><?xml version="1.0" encoding="utf-8"?>
-<p:sld xmlns:a="http://schemas.openxmlformats.org/drawingml/2006/main" xmlns:r="http://schemas.openxmlformats.org/officeDocument/2006/relationships" xmlns:p="http://schemas.openxmlformats.org/presentationml/2006/main" xmlns:m="http://schemas.openxmlformats.org/officeDocument/2006/math" xmlns:a14="http://schemas.microsoft.com/office/drawing/2010/main" showMasterSp="1" showMasterPhAnim="1">
+<p:sld xmlns:a="http://schemas.openxmlformats.org/drawingml/2006/main" xmlns:r="http://schemas.openxmlformats.org/officeDocument/2006/relationships" xmlns:p="http://schemas.openxmlformats.org/presentationml/2006/main">
   <p:cSld>
     <p:bg>
       <p:bgPr>
         <a:blipFill rotWithShape="1">
           <a:blip r:embed="rId2"/>
-          <a:srcRect l="0" t="0" r="0" b="0"/>
+          <a:srcRect/>
           <a:stretch>
             <a:fillRect/>
           </a:stretch>
         </a:blipFill>
+        <a:effectLst/>
       </p:bgPr>
     </p:bg>
     <p:spTree>
@@ -9604,7 +9639,9 @@
       <p:sp>
         <p:nvSpPr>
           <p:cNvPr id="269" name="Preorder Traversal (Root → Left → Right)"/>
-          <p:cNvSpPr txBox="1"/>
+          <p:cNvSpPr txBox="1">
+            <a:spLocks noGrp="1"/>
+          </p:cNvSpPr>
           <p:nvPr>
             <p:ph type="body" idx="21"/>
           </p:nvPr>
@@ -9619,7 +9656,7 @@
           </a:prstGeom>
           <a:extLst>
             <a:ext uri="{C572A759-6A51-4108-AA02-DFA0A04FC94B}">
-              <ma14:wrappingTextBoxFlag xmlns:ma14="http://schemas.microsoft.com/office/mac/drawingml/2011/main" val="1"/>
+              <ma14:wrappingTextBoxFlag xmlns:ma14="http://schemas.microsoft.com/office/mac/drawingml/2011/main" xmlns:a14="http://schemas.microsoft.com/office/drawing/2010/main" xmlns:m="http://schemas.openxmlformats.org/officeDocument/2006/math" xmlns="" val="1"/>
             </a:ext>
           </a:extLst>
         </p:spPr>
@@ -9627,7 +9664,7 @@
           <a:bodyPr/>
           <a:lstStyle>
             <a:lvl1pPr defTabSz="627379">
-              <a:defRPr b="0" sz="4180">
+              <a:defRPr sz="4180" b="0">
                 <a:latin typeface="Graphik"/>
                 <a:ea typeface="Graphik"/>
                 <a:cs typeface="Graphik"/>
@@ -9636,7 +9673,6 @@
             </a:lvl1pPr>
           </a:lstStyle>
           <a:p>
-            <a:pPr/>
             <a:r>
               <a:t>Preorder Traversal (Root → Left → Right)</a:t>
             </a:r>
@@ -9646,7 +9682,9 @@
       <p:sp>
         <p:nvSpPr>
           <p:cNvPr id="270" name="Traversal"/>
-          <p:cNvSpPr txBox="1"/>
+          <p:cNvSpPr txBox="1">
+            <a:spLocks noGrp="1"/>
+          </p:cNvSpPr>
           <p:nvPr>
             <p:ph type="title"/>
           </p:nvPr>
@@ -9660,7 +9698,7 @@
           <a:bodyPr/>
           <a:lstStyle>
             <a:lvl1pPr defTabSz="2267655">
-              <a:defRPr spc="-158" sz="7905">
+              <a:defRPr sz="7905" spc="-158">
                 <a:latin typeface="Graphik"/>
                 <a:ea typeface="Graphik"/>
                 <a:cs typeface="Graphik"/>
@@ -9669,7 +9707,6 @@
             </a:lvl1pPr>
           </a:lstStyle>
           <a:p>
-            <a:pPr/>
             <a:r>
               <a:t>Traversal</a:t>
             </a:r>
@@ -9718,7 +9755,7 @@
             <a:effectLst/>
             <a:extLst>
               <a:ext uri="{C572A759-6A51-4108-AA02-DFA0A04FC94B}">
-                <ma14:wrappingTextBoxFlag xmlns:ma14="http://schemas.microsoft.com/office/mac/drawingml/2011/main" val="1"/>
+                <ma14:wrappingTextBoxFlag xmlns:ma14="http://schemas.microsoft.com/office/mac/drawingml/2011/main" xmlns:a14="http://schemas.microsoft.com/office/drawing/2010/main" xmlns:m="http://schemas.openxmlformats.org/officeDocument/2006/math" xmlns="" val="1"/>
               </a:ext>
             </a:extLst>
           </p:spPr>
@@ -9746,7 +9783,6 @@
               </a:lvl1pPr>
             </a:lstStyle>
             <a:p>
-              <a:pPr/>
               <a:r>
                 <a:t>1</a:t>
               </a:r>
@@ -9781,7 +9817,7 @@
             <a:effectLst/>
             <a:extLst>
               <a:ext uri="{C572A759-6A51-4108-AA02-DFA0A04FC94B}">
-                <ma14:wrappingTextBoxFlag xmlns:ma14="http://schemas.microsoft.com/office/mac/drawingml/2011/main" val="1"/>
+                <ma14:wrappingTextBoxFlag xmlns:ma14="http://schemas.microsoft.com/office/mac/drawingml/2011/main" xmlns:a14="http://schemas.microsoft.com/office/drawing/2010/main" xmlns:m="http://schemas.openxmlformats.org/officeDocument/2006/math" xmlns="" val="1"/>
               </a:ext>
             </a:extLst>
           </p:spPr>
@@ -9809,7 +9845,6 @@
               </a:lvl1pPr>
             </a:lstStyle>
             <a:p>
-              <a:pPr/>
               <a:r>
                 <a:t>2</a:t>
               </a:r>
@@ -9844,7 +9879,7 @@
             <a:effectLst/>
             <a:extLst>
               <a:ext uri="{C572A759-6A51-4108-AA02-DFA0A04FC94B}">
-                <ma14:wrappingTextBoxFlag xmlns:ma14="http://schemas.microsoft.com/office/mac/drawingml/2011/main" val="1"/>
+                <ma14:wrappingTextBoxFlag xmlns:ma14="http://schemas.microsoft.com/office/mac/drawingml/2011/main" xmlns:a14="http://schemas.microsoft.com/office/drawing/2010/main" xmlns:m="http://schemas.openxmlformats.org/officeDocument/2006/math" xmlns="" val="1"/>
               </a:ext>
             </a:extLst>
           </p:spPr>
@@ -9872,7 +9907,6 @@
               </a:lvl1pPr>
             </a:lstStyle>
             <a:p>
-              <a:pPr/>
               <a:r>
                 <a:t>3</a:t>
               </a:r>
@@ -9907,7 +9941,7 @@
             <a:effectLst/>
             <a:extLst>
               <a:ext uri="{C572A759-6A51-4108-AA02-DFA0A04FC94B}">
-                <ma14:wrappingTextBoxFlag xmlns:ma14="http://schemas.microsoft.com/office/mac/drawingml/2011/main" val="1"/>
+                <ma14:wrappingTextBoxFlag xmlns:ma14="http://schemas.microsoft.com/office/mac/drawingml/2011/main" xmlns:a14="http://schemas.microsoft.com/office/drawing/2010/main" xmlns:m="http://schemas.openxmlformats.org/officeDocument/2006/math" xmlns="" val="1"/>
               </a:ext>
             </a:extLst>
           </p:spPr>
@@ -9935,7 +9969,6 @@
               </a:lvl1pPr>
             </a:lstStyle>
             <a:p>
-              <a:pPr/>
               <a:r>
                 <a:t>4</a:t>
               </a:r>
@@ -9970,7 +10003,7 @@
             <a:effectLst/>
             <a:extLst>
               <a:ext uri="{C572A759-6A51-4108-AA02-DFA0A04FC94B}">
-                <ma14:wrappingTextBoxFlag xmlns:ma14="http://schemas.microsoft.com/office/mac/drawingml/2011/main" val="1"/>
+                <ma14:wrappingTextBoxFlag xmlns:ma14="http://schemas.microsoft.com/office/mac/drawingml/2011/main" xmlns:a14="http://schemas.microsoft.com/office/drawing/2010/main" xmlns:m="http://schemas.openxmlformats.org/officeDocument/2006/math" xmlns="" val="1"/>
               </a:ext>
             </a:extLst>
           </p:spPr>
@@ -9998,7 +10031,6 @@
               </a:lvl1pPr>
             </a:lstStyle>
             <a:p>
-              <a:pPr/>
               <a:r>
                 <a:t>5</a:t>
               </a:r>
@@ -10033,7 +10065,7 @@
             <a:effectLst/>
             <a:extLst>
               <a:ext uri="{C572A759-6A51-4108-AA02-DFA0A04FC94B}">
-                <ma14:wrappingTextBoxFlag xmlns:ma14="http://schemas.microsoft.com/office/mac/drawingml/2011/main" val="1"/>
+                <ma14:wrappingTextBoxFlag xmlns:ma14="http://schemas.microsoft.com/office/mac/drawingml/2011/main" xmlns:a14="http://schemas.microsoft.com/office/drawing/2010/main" xmlns:m="http://schemas.openxmlformats.org/officeDocument/2006/math" xmlns="" val="1"/>
               </a:ext>
             </a:extLst>
           </p:spPr>
@@ -10061,7 +10093,6 @@
               </a:lvl1pPr>
             </a:lstStyle>
             <a:p>
-              <a:pPr/>
               <a:r>
                 <a:t>6</a:t>
               </a:r>
@@ -10102,7 +10133,7 @@
             </a:bodyPr>
             <a:lstStyle/>
             <a:p>
-              <a:pPr/>
+              <a:endParaRPr/>
             </a:p>
           </p:txBody>
         </p:sp>
@@ -10140,7 +10171,7 @@
             </a:bodyPr>
             <a:lstStyle/>
             <a:p>
-              <a:pPr/>
+              <a:endParaRPr/>
             </a:p>
           </p:txBody>
         </p:sp>
@@ -10178,7 +10209,7 @@
             </a:bodyPr>
             <a:lstStyle/>
             <a:p>
-              <a:pPr/>
+              <a:endParaRPr/>
             </a:p>
           </p:txBody>
         </p:sp>
@@ -10216,7 +10247,7 @@
             </a:bodyPr>
             <a:lstStyle/>
             <a:p>
-              <a:pPr/>
+              <a:endParaRPr/>
             </a:p>
           </p:txBody>
         </p:sp>
@@ -10254,7 +10285,7 @@
             </a:bodyPr>
             <a:lstStyle/>
             <a:p>
-              <a:pPr/>
+              <a:endParaRPr/>
             </a:p>
           </p:txBody>
         </p:sp>
@@ -10278,7 +10309,7 @@
           </a:ln>
           <a:extLst>
             <a:ext uri="{C572A759-6A51-4108-AA02-DFA0A04FC94B}">
-              <ma14:wrappingTextBoxFlag xmlns:ma14="http://schemas.microsoft.com/office/mac/drawingml/2011/main" val="1"/>
+              <ma14:wrappingTextBoxFlag xmlns:ma14="http://schemas.microsoft.com/office/mac/drawingml/2011/main" xmlns:a14="http://schemas.microsoft.com/office/drawing/2010/main" xmlns:m="http://schemas.openxmlformats.org/officeDocument/2006/math" xmlns="" val="1"/>
             </a:ext>
           </a:extLst>
         </p:spPr>
@@ -10288,7 +10319,6 @@
           </a:bodyPr>
           <a:lstStyle/>
           <a:p>
-            <a:pPr/>
             <a:r>
               <a:t>1 2 4 5 3 6</a:t>
             </a:r>
@@ -10300,22 +10330,23 @@
   <p:clrMapOvr>
     <a:masterClrMapping/>
   </p:clrMapOvr>
-  <p:transition xmlns:p14="http://schemas.microsoft.com/office/powerpoint/2010/main" spd="med" advClick="1"/>
+  <p:transition spd="med"/>
 </p:sld>
 </file>
 
 <file path=ppt/slides/slide18.xml><?xml version="1.0" encoding="utf-8"?>
-<p:sld xmlns:a="http://schemas.openxmlformats.org/drawingml/2006/main" xmlns:r="http://schemas.openxmlformats.org/officeDocument/2006/relationships" xmlns:p="http://schemas.openxmlformats.org/presentationml/2006/main" xmlns:m="http://schemas.openxmlformats.org/officeDocument/2006/math" xmlns:a14="http://schemas.microsoft.com/office/drawing/2010/main" showMasterSp="1" showMasterPhAnim="1">
+<p:sld xmlns:a="http://schemas.openxmlformats.org/drawingml/2006/main" xmlns:r="http://schemas.openxmlformats.org/officeDocument/2006/relationships" xmlns:p="http://schemas.openxmlformats.org/presentationml/2006/main">
   <p:cSld>
     <p:bg>
       <p:bgPr>
         <a:blipFill rotWithShape="1">
           <a:blip r:embed="rId2"/>
-          <a:srcRect l="0" t="0" r="0" b="0"/>
+          <a:srcRect/>
           <a:stretch>
             <a:fillRect/>
           </a:stretch>
         </a:blipFill>
+        <a:effectLst/>
       </p:bgPr>
     </p:bg>
     <p:spTree>
@@ -10335,7 +10366,9 @@
       <p:sp>
         <p:nvSpPr>
           <p:cNvPr id="285" name="Inorder Traversal (Left → Root → Right)"/>
-          <p:cNvSpPr txBox="1"/>
+          <p:cNvSpPr txBox="1">
+            <a:spLocks noGrp="1"/>
+          </p:cNvSpPr>
           <p:nvPr>
             <p:ph type="body" idx="21"/>
           </p:nvPr>
@@ -10350,7 +10383,7 @@
           </a:prstGeom>
           <a:extLst>
             <a:ext uri="{C572A759-6A51-4108-AA02-DFA0A04FC94B}">
-              <ma14:wrappingTextBoxFlag xmlns:ma14="http://schemas.microsoft.com/office/mac/drawingml/2011/main" val="1"/>
+              <ma14:wrappingTextBoxFlag xmlns:ma14="http://schemas.microsoft.com/office/mac/drawingml/2011/main" xmlns:a14="http://schemas.microsoft.com/office/drawing/2010/main" xmlns:m="http://schemas.openxmlformats.org/officeDocument/2006/math" xmlns="" val="1"/>
             </a:ext>
           </a:extLst>
         </p:spPr>
@@ -10358,7 +10391,7 @@
           <a:bodyPr/>
           <a:lstStyle>
             <a:lvl1pPr defTabSz="627379">
-              <a:defRPr b="0" sz="4180">
+              <a:defRPr sz="4180" b="0">
                 <a:latin typeface="Graphik"/>
                 <a:ea typeface="Graphik"/>
                 <a:cs typeface="Graphik"/>
@@ -10367,7 +10400,6 @@
             </a:lvl1pPr>
           </a:lstStyle>
           <a:p>
-            <a:pPr/>
             <a:r>
               <a:t>Inorder Traversal (Left → Root → Right)</a:t>
             </a:r>
@@ -10377,7 +10409,9 @@
       <p:sp>
         <p:nvSpPr>
           <p:cNvPr id="286" name="Traversal"/>
-          <p:cNvSpPr txBox="1"/>
+          <p:cNvSpPr txBox="1">
+            <a:spLocks noGrp="1"/>
+          </p:cNvSpPr>
           <p:nvPr>
             <p:ph type="title"/>
           </p:nvPr>
@@ -10391,7 +10425,7 @@
           <a:bodyPr/>
           <a:lstStyle>
             <a:lvl1pPr defTabSz="2267655">
-              <a:defRPr spc="-158" sz="7905">
+              <a:defRPr sz="7905" spc="-158">
                 <a:latin typeface="Graphik"/>
                 <a:ea typeface="Graphik"/>
                 <a:cs typeface="Graphik"/>
@@ -10400,7 +10434,6 @@
             </a:lvl1pPr>
           </a:lstStyle>
           <a:p>
-            <a:pPr/>
             <a:r>
               <a:t>Traversal</a:t>
             </a:r>
@@ -10449,7 +10482,7 @@
             <a:effectLst/>
             <a:extLst>
               <a:ext uri="{C572A759-6A51-4108-AA02-DFA0A04FC94B}">
-                <ma14:wrappingTextBoxFlag xmlns:ma14="http://schemas.microsoft.com/office/mac/drawingml/2011/main" val="1"/>
+                <ma14:wrappingTextBoxFlag xmlns:ma14="http://schemas.microsoft.com/office/mac/drawingml/2011/main" xmlns:a14="http://schemas.microsoft.com/office/drawing/2010/main" xmlns:m="http://schemas.openxmlformats.org/officeDocument/2006/math" xmlns="" val="1"/>
               </a:ext>
             </a:extLst>
           </p:spPr>
@@ -10477,7 +10510,6 @@
               </a:lvl1pPr>
             </a:lstStyle>
             <a:p>
-              <a:pPr/>
               <a:r>
                 <a:t>1</a:t>
               </a:r>
@@ -10512,7 +10544,7 @@
             <a:effectLst/>
             <a:extLst>
               <a:ext uri="{C572A759-6A51-4108-AA02-DFA0A04FC94B}">
-                <ma14:wrappingTextBoxFlag xmlns:ma14="http://schemas.microsoft.com/office/mac/drawingml/2011/main" val="1"/>
+                <ma14:wrappingTextBoxFlag xmlns:ma14="http://schemas.microsoft.com/office/mac/drawingml/2011/main" xmlns:a14="http://schemas.microsoft.com/office/drawing/2010/main" xmlns:m="http://schemas.openxmlformats.org/officeDocument/2006/math" xmlns="" val="1"/>
               </a:ext>
             </a:extLst>
           </p:spPr>
@@ -10540,7 +10572,6 @@
               </a:lvl1pPr>
             </a:lstStyle>
             <a:p>
-              <a:pPr/>
               <a:r>
                 <a:t>2</a:t>
               </a:r>
@@ -10575,7 +10606,7 @@
             <a:effectLst/>
             <a:extLst>
               <a:ext uri="{C572A759-6A51-4108-AA02-DFA0A04FC94B}">
-                <ma14:wrappingTextBoxFlag xmlns:ma14="http://schemas.microsoft.com/office/mac/drawingml/2011/main" val="1"/>
+                <ma14:wrappingTextBoxFlag xmlns:ma14="http://schemas.microsoft.com/office/mac/drawingml/2011/main" xmlns:a14="http://schemas.microsoft.com/office/drawing/2010/main" xmlns:m="http://schemas.openxmlformats.org/officeDocument/2006/math" xmlns="" val="1"/>
               </a:ext>
             </a:extLst>
           </p:spPr>
@@ -10603,7 +10634,6 @@
               </a:lvl1pPr>
             </a:lstStyle>
             <a:p>
-              <a:pPr/>
               <a:r>
                 <a:t>3</a:t>
               </a:r>
@@ -10638,7 +10668,7 @@
             <a:effectLst/>
             <a:extLst>
               <a:ext uri="{C572A759-6A51-4108-AA02-DFA0A04FC94B}">
-                <ma14:wrappingTextBoxFlag xmlns:ma14="http://schemas.microsoft.com/office/mac/drawingml/2011/main" val="1"/>
+                <ma14:wrappingTextBoxFlag xmlns:ma14="http://schemas.microsoft.com/office/mac/drawingml/2011/main" xmlns:a14="http://schemas.microsoft.com/office/drawing/2010/main" xmlns:m="http://schemas.openxmlformats.org/officeDocument/2006/math" xmlns="" val="1"/>
               </a:ext>
             </a:extLst>
           </p:spPr>
@@ -10666,7 +10696,6 @@
               </a:lvl1pPr>
             </a:lstStyle>
             <a:p>
-              <a:pPr/>
               <a:r>
                 <a:t>4</a:t>
               </a:r>
@@ -10701,7 +10730,7 @@
             <a:effectLst/>
             <a:extLst>
               <a:ext uri="{C572A759-6A51-4108-AA02-DFA0A04FC94B}">
-                <ma14:wrappingTextBoxFlag xmlns:ma14="http://schemas.microsoft.com/office/mac/drawingml/2011/main" val="1"/>
+                <ma14:wrappingTextBoxFlag xmlns:ma14="http://schemas.microsoft.com/office/mac/drawingml/2011/main" xmlns:a14="http://schemas.microsoft.com/office/drawing/2010/main" xmlns:m="http://schemas.openxmlformats.org/officeDocument/2006/math" xmlns="" val="1"/>
               </a:ext>
             </a:extLst>
           </p:spPr>
@@ -10729,7 +10758,6 @@
               </a:lvl1pPr>
             </a:lstStyle>
             <a:p>
-              <a:pPr/>
               <a:r>
                 <a:t>5</a:t>
               </a:r>
@@ -10764,7 +10792,7 @@
             <a:effectLst/>
             <a:extLst>
               <a:ext uri="{C572A759-6A51-4108-AA02-DFA0A04FC94B}">
-                <ma14:wrappingTextBoxFlag xmlns:ma14="http://schemas.microsoft.com/office/mac/drawingml/2011/main" val="1"/>
+                <ma14:wrappingTextBoxFlag xmlns:ma14="http://schemas.microsoft.com/office/mac/drawingml/2011/main" xmlns:a14="http://schemas.microsoft.com/office/drawing/2010/main" xmlns:m="http://schemas.openxmlformats.org/officeDocument/2006/math" xmlns="" val="1"/>
               </a:ext>
             </a:extLst>
           </p:spPr>
@@ -10792,7 +10820,6 @@
               </a:lvl1pPr>
             </a:lstStyle>
             <a:p>
-              <a:pPr/>
               <a:r>
                 <a:t>6</a:t>
               </a:r>
@@ -10833,7 +10860,7 @@
             </a:bodyPr>
             <a:lstStyle/>
             <a:p>
-              <a:pPr/>
+              <a:endParaRPr/>
             </a:p>
           </p:txBody>
         </p:sp>
@@ -10871,7 +10898,7 @@
             </a:bodyPr>
             <a:lstStyle/>
             <a:p>
-              <a:pPr/>
+              <a:endParaRPr/>
             </a:p>
           </p:txBody>
         </p:sp>
@@ -10909,7 +10936,7 @@
             </a:bodyPr>
             <a:lstStyle/>
             <a:p>
-              <a:pPr/>
+              <a:endParaRPr/>
             </a:p>
           </p:txBody>
         </p:sp>
@@ -10947,7 +10974,7 @@
             </a:bodyPr>
             <a:lstStyle/>
             <a:p>
-              <a:pPr/>
+              <a:endParaRPr/>
             </a:p>
           </p:txBody>
         </p:sp>
@@ -10985,7 +11012,7 @@
             </a:bodyPr>
             <a:lstStyle/>
             <a:p>
-              <a:pPr/>
+              <a:endParaRPr/>
             </a:p>
           </p:txBody>
         </p:sp>
@@ -11009,7 +11036,7 @@
           </a:ln>
           <a:extLst>
             <a:ext uri="{C572A759-6A51-4108-AA02-DFA0A04FC94B}">
-              <ma14:wrappingTextBoxFlag xmlns:ma14="http://schemas.microsoft.com/office/mac/drawingml/2011/main" val="1"/>
+              <ma14:wrappingTextBoxFlag xmlns:ma14="http://schemas.microsoft.com/office/mac/drawingml/2011/main" xmlns:a14="http://schemas.microsoft.com/office/drawing/2010/main" xmlns:m="http://schemas.openxmlformats.org/officeDocument/2006/math" xmlns="" val="1"/>
             </a:ext>
           </a:extLst>
         </p:spPr>
@@ -11019,7 +11046,6 @@
           </a:bodyPr>
           <a:lstStyle/>
           <a:p>
-            <a:pPr/>
             <a:r>
               <a:t>4 2 5 1 3 6</a:t>
             </a:r>
@@ -11031,22 +11057,23 @@
   <p:clrMapOvr>
     <a:masterClrMapping/>
   </p:clrMapOvr>
-  <p:transition xmlns:p14="http://schemas.microsoft.com/office/powerpoint/2010/main" spd="med" advClick="1"/>
+  <p:transition spd="med"/>
 </p:sld>
 </file>
 
 <file path=ppt/slides/slide19.xml><?xml version="1.0" encoding="utf-8"?>
-<p:sld xmlns:a="http://schemas.openxmlformats.org/drawingml/2006/main" xmlns:r="http://schemas.openxmlformats.org/officeDocument/2006/relationships" xmlns:p="http://schemas.openxmlformats.org/presentationml/2006/main" xmlns:m="http://schemas.openxmlformats.org/officeDocument/2006/math" xmlns:a14="http://schemas.microsoft.com/office/drawing/2010/main" showMasterSp="1" showMasterPhAnim="1">
+<p:sld xmlns:a="http://schemas.openxmlformats.org/drawingml/2006/main" xmlns:r="http://schemas.openxmlformats.org/officeDocument/2006/relationships" xmlns:p="http://schemas.openxmlformats.org/presentationml/2006/main">
   <p:cSld>
     <p:bg>
       <p:bgPr>
         <a:blipFill rotWithShape="1">
           <a:blip r:embed="rId2"/>
-          <a:srcRect l="0" t="0" r="0" b="0"/>
+          <a:srcRect/>
           <a:stretch>
             <a:fillRect/>
           </a:stretch>
         </a:blipFill>
+        <a:effectLst/>
       </p:bgPr>
     </p:bg>
     <p:spTree>
@@ -11066,7 +11093,9 @@
       <p:sp>
         <p:nvSpPr>
           <p:cNvPr id="301" name="Postorder Traversal (Left → Right → Root)"/>
-          <p:cNvSpPr txBox="1"/>
+          <p:cNvSpPr txBox="1">
+            <a:spLocks noGrp="1"/>
+          </p:cNvSpPr>
           <p:nvPr>
             <p:ph type="body" idx="21"/>
           </p:nvPr>
@@ -11081,7 +11110,7 @@
           </a:prstGeom>
           <a:extLst>
             <a:ext uri="{C572A759-6A51-4108-AA02-DFA0A04FC94B}">
-              <ma14:wrappingTextBoxFlag xmlns:ma14="http://schemas.microsoft.com/office/mac/drawingml/2011/main" val="1"/>
+              <ma14:wrappingTextBoxFlag xmlns:ma14="http://schemas.microsoft.com/office/mac/drawingml/2011/main" xmlns:a14="http://schemas.microsoft.com/office/drawing/2010/main" xmlns:m="http://schemas.openxmlformats.org/officeDocument/2006/math" xmlns="" val="1"/>
             </a:ext>
           </a:extLst>
         </p:spPr>
@@ -11089,7 +11118,7 @@
           <a:bodyPr/>
           <a:lstStyle>
             <a:lvl1pPr defTabSz="627379">
-              <a:defRPr b="0" sz="4180">
+              <a:defRPr sz="4180" b="0">
                 <a:latin typeface="Graphik"/>
                 <a:ea typeface="Graphik"/>
                 <a:cs typeface="Graphik"/>
@@ -11098,7 +11127,6 @@
             </a:lvl1pPr>
           </a:lstStyle>
           <a:p>
-            <a:pPr/>
             <a:r>
               <a:t>Postorder Traversal (Left → Right → Root)</a:t>
             </a:r>
@@ -11108,7 +11136,9 @@
       <p:sp>
         <p:nvSpPr>
           <p:cNvPr id="302" name="Traversal"/>
-          <p:cNvSpPr txBox="1"/>
+          <p:cNvSpPr txBox="1">
+            <a:spLocks noGrp="1"/>
+          </p:cNvSpPr>
           <p:nvPr>
             <p:ph type="title"/>
           </p:nvPr>
@@ -11122,7 +11152,7 @@
           <a:bodyPr/>
           <a:lstStyle>
             <a:lvl1pPr defTabSz="2267655">
-              <a:defRPr spc="-158" sz="7905">
+              <a:defRPr sz="7905" spc="-158">
                 <a:latin typeface="Graphik"/>
                 <a:ea typeface="Graphik"/>
                 <a:cs typeface="Graphik"/>
@@ -11131,7 +11161,6 @@
             </a:lvl1pPr>
           </a:lstStyle>
           <a:p>
-            <a:pPr/>
             <a:r>
               <a:t>Traversal</a:t>
             </a:r>
@@ -11180,7 +11209,7 @@
             <a:effectLst/>
             <a:extLst>
               <a:ext uri="{C572A759-6A51-4108-AA02-DFA0A04FC94B}">
-                <ma14:wrappingTextBoxFlag xmlns:ma14="http://schemas.microsoft.com/office/mac/drawingml/2011/main" val="1"/>
+                <ma14:wrappingTextBoxFlag xmlns:ma14="http://schemas.microsoft.com/office/mac/drawingml/2011/main" xmlns:a14="http://schemas.microsoft.com/office/drawing/2010/main" xmlns:m="http://schemas.openxmlformats.org/officeDocument/2006/math" xmlns="" val="1"/>
               </a:ext>
             </a:extLst>
           </p:spPr>
@@ -11208,7 +11237,6 @@
               </a:lvl1pPr>
             </a:lstStyle>
             <a:p>
-              <a:pPr/>
               <a:r>
                 <a:t>1</a:t>
               </a:r>
@@ -11243,7 +11271,7 @@
             <a:effectLst/>
             <a:extLst>
               <a:ext uri="{C572A759-6A51-4108-AA02-DFA0A04FC94B}">
-                <ma14:wrappingTextBoxFlag xmlns:ma14="http://schemas.microsoft.com/office/mac/drawingml/2011/main" val="1"/>
+                <ma14:wrappingTextBoxFlag xmlns:ma14="http://schemas.microsoft.com/office/mac/drawingml/2011/main" xmlns:a14="http://schemas.microsoft.com/office/drawing/2010/main" xmlns:m="http://schemas.openxmlformats.org/officeDocument/2006/math" xmlns="" val="1"/>
               </a:ext>
             </a:extLst>
           </p:spPr>
@@ -11271,7 +11299,6 @@
               </a:lvl1pPr>
             </a:lstStyle>
             <a:p>
-              <a:pPr/>
               <a:r>
                 <a:t>2</a:t>
               </a:r>
@@ -11306,7 +11333,7 @@
             <a:effectLst/>
             <a:extLst>
               <a:ext uri="{C572A759-6A51-4108-AA02-DFA0A04FC94B}">
-                <ma14:wrappingTextBoxFlag xmlns:ma14="http://schemas.microsoft.com/office/mac/drawingml/2011/main" val="1"/>
+                <ma14:wrappingTextBoxFlag xmlns:ma14="http://schemas.microsoft.com/office/mac/drawingml/2011/main" xmlns:a14="http://schemas.microsoft.com/office/drawing/2010/main" xmlns:m="http://schemas.openxmlformats.org/officeDocument/2006/math" xmlns="" val="1"/>
               </a:ext>
             </a:extLst>
           </p:spPr>
@@ -11334,7 +11361,6 @@
               </a:lvl1pPr>
             </a:lstStyle>
             <a:p>
-              <a:pPr/>
               <a:r>
                 <a:t>3</a:t>
               </a:r>
@@ -11369,7 +11395,7 @@
             <a:effectLst/>
             <a:extLst>
               <a:ext uri="{C572A759-6A51-4108-AA02-DFA0A04FC94B}">
-                <ma14:wrappingTextBoxFlag xmlns:ma14="http://schemas.microsoft.com/office/mac/drawingml/2011/main" val="1"/>
+                <ma14:wrappingTextBoxFlag xmlns:ma14="http://schemas.microsoft.com/office/mac/drawingml/2011/main" xmlns:a14="http://schemas.microsoft.com/office/drawing/2010/main" xmlns:m="http://schemas.openxmlformats.org/officeDocument/2006/math" xmlns="" val="1"/>
               </a:ext>
             </a:extLst>
           </p:spPr>
@@ -11397,7 +11423,6 @@
               </a:lvl1pPr>
             </a:lstStyle>
             <a:p>
-              <a:pPr/>
               <a:r>
                 <a:t>4</a:t>
               </a:r>
@@ -11432,7 +11457,7 @@
             <a:effectLst/>
             <a:extLst>
               <a:ext uri="{C572A759-6A51-4108-AA02-DFA0A04FC94B}">
-                <ma14:wrappingTextBoxFlag xmlns:ma14="http://schemas.microsoft.com/office/mac/drawingml/2011/main" val="1"/>
+                <ma14:wrappingTextBoxFlag xmlns:ma14="http://schemas.microsoft.com/office/mac/drawingml/2011/main" xmlns:a14="http://schemas.microsoft.com/office/drawing/2010/main" xmlns:m="http://schemas.openxmlformats.org/officeDocument/2006/math" xmlns="" val="1"/>
               </a:ext>
             </a:extLst>
           </p:spPr>
@@ -11460,7 +11485,6 @@
               </a:lvl1pPr>
             </a:lstStyle>
             <a:p>
-              <a:pPr/>
               <a:r>
                 <a:t>5</a:t>
               </a:r>
@@ -11495,7 +11519,7 @@
             <a:effectLst/>
             <a:extLst>
               <a:ext uri="{C572A759-6A51-4108-AA02-DFA0A04FC94B}">
-                <ma14:wrappingTextBoxFlag xmlns:ma14="http://schemas.microsoft.com/office/mac/drawingml/2011/main" val="1"/>
+                <ma14:wrappingTextBoxFlag xmlns:ma14="http://schemas.microsoft.com/office/mac/drawingml/2011/main" xmlns:a14="http://schemas.microsoft.com/office/drawing/2010/main" xmlns:m="http://schemas.openxmlformats.org/officeDocument/2006/math" xmlns="" val="1"/>
               </a:ext>
             </a:extLst>
           </p:spPr>
@@ -11523,7 +11547,6 @@
               </a:lvl1pPr>
             </a:lstStyle>
             <a:p>
-              <a:pPr/>
               <a:r>
                 <a:t>6</a:t>
               </a:r>
@@ -11564,7 +11587,7 @@
             </a:bodyPr>
             <a:lstStyle/>
             <a:p>
-              <a:pPr/>
+              <a:endParaRPr/>
             </a:p>
           </p:txBody>
         </p:sp>
@@ -11602,7 +11625,7 @@
             </a:bodyPr>
             <a:lstStyle/>
             <a:p>
-              <a:pPr/>
+              <a:endParaRPr/>
             </a:p>
           </p:txBody>
         </p:sp>
@@ -11640,7 +11663,7 @@
             </a:bodyPr>
             <a:lstStyle/>
             <a:p>
-              <a:pPr/>
+              <a:endParaRPr/>
             </a:p>
           </p:txBody>
         </p:sp>
@@ -11678,7 +11701,7 @@
             </a:bodyPr>
             <a:lstStyle/>
             <a:p>
-              <a:pPr/>
+              <a:endParaRPr/>
             </a:p>
           </p:txBody>
         </p:sp>
@@ -11716,7 +11739,7 @@
             </a:bodyPr>
             <a:lstStyle/>
             <a:p>
-              <a:pPr/>
+              <a:endParaRPr/>
             </a:p>
           </p:txBody>
         </p:sp>
@@ -11740,7 +11763,7 @@
           </a:ln>
           <a:extLst>
             <a:ext uri="{C572A759-6A51-4108-AA02-DFA0A04FC94B}">
-              <ma14:wrappingTextBoxFlag xmlns:ma14="http://schemas.microsoft.com/office/mac/drawingml/2011/main" val="1"/>
+              <ma14:wrappingTextBoxFlag xmlns:ma14="http://schemas.microsoft.com/office/mac/drawingml/2011/main" xmlns:a14="http://schemas.microsoft.com/office/drawing/2010/main" xmlns:m="http://schemas.openxmlformats.org/officeDocument/2006/math" xmlns="" val="1"/>
             </a:ext>
           </a:extLst>
         </p:spPr>
@@ -11750,7 +11773,6 @@
           </a:bodyPr>
           <a:lstStyle/>
           <a:p>
-            <a:pPr/>
             <a:r>
               <a:t>4 5 2 6 3 1</a:t>
             </a:r>
@@ -11762,22 +11784,23 @@
   <p:clrMapOvr>
     <a:masterClrMapping/>
   </p:clrMapOvr>
-  <p:transition xmlns:p14="http://schemas.microsoft.com/office/powerpoint/2010/main" spd="med" advClick="1"/>
+  <p:transition spd="med"/>
 </p:sld>
 </file>
 
 <file path=ppt/slides/slide2.xml><?xml version="1.0" encoding="utf-8"?>
-<p:sld xmlns:a="http://schemas.openxmlformats.org/drawingml/2006/main" xmlns:r="http://schemas.openxmlformats.org/officeDocument/2006/relationships" xmlns:p="http://schemas.openxmlformats.org/presentationml/2006/main" xmlns:m="http://schemas.openxmlformats.org/officeDocument/2006/math" xmlns:a14="http://schemas.microsoft.com/office/drawing/2010/main" showMasterSp="1" showMasterPhAnim="1">
+<p:sld xmlns:a="http://schemas.openxmlformats.org/drawingml/2006/main" xmlns:r="http://schemas.openxmlformats.org/officeDocument/2006/relationships" xmlns:p="http://schemas.openxmlformats.org/presentationml/2006/main">
   <p:cSld>
     <p:bg>
       <p:bgPr>
         <a:blipFill rotWithShape="1">
           <a:blip r:embed="rId2"/>
-          <a:srcRect l="0" t="0" r="0" b="0"/>
+          <a:srcRect/>
           <a:stretch>
             <a:fillRect/>
           </a:stretch>
         </a:blipFill>
+        <a:effectLst/>
       </p:bgPr>
     </p:bg>
     <p:spTree>
@@ -11797,7 +11820,9 @@
       <p:sp>
         <p:nvSpPr>
           <p:cNvPr id="173" name="A tree where each node can have any number of children."/>
-          <p:cNvSpPr txBox="1"/>
+          <p:cNvSpPr txBox="1">
+            <a:spLocks noGrp="1"/>
+          </p:cNvSpPr>
           <p:nvPr>
             <p:ph type="body" idx="21"/>
           </p:nvPr>
@@ -11812,7 +11837,7 @@
           </a:prstGeom>
           <a:extLst>
             <a:ext uri="{C572A759-6A51-4108-AA02-DFA0A04FC94B}">
-              <ma14:wrappingTextBoxFlag xmlns:ma14="http://schemas.microsoft.com/office/mac/drawingml/2011/main" val="1"/>
+              <ma14:wrappingTextBoxFlag xmlns:ma14="http://schemas.microsoft.com/office/mac/drawingml/2011/main" xmlns:a14="http://schemas.microsoft.com/office/drawing/2010/main" xmlns:m="http://schemas.openxmlformats.org/officeDocument/2006/math" xmlns="" val="1"/>
             </a:ext>
           </a:extLst>
         </p:spPr>
@@ -11820,7 +11845,7 @@
           <a:bodyPr/>
           <a:lstStyle>
             <a:lvl1pPr defTabSz="751205">
-              <a:defRPr b="0" sz="5005">
+              <a:defRPr sz="5005" b="0">
                 <a:latin typeface="Graphik"/>
                 <a:ea typeface="Graphik"/>
                 <a:cs typeface="Graphik"/>
@@ -11829,7 +11854,6 @@
             </a:lvl1pPr>
           </a:lstStyle>
           <a:p>
-            <a:pPr/>
             <a:r>
               <a:t>A tree where each node can have any number of children.</a:t>
             </a:r>
@@ -11855,13 +11879,13 @@
           </a:ln>
           <a:extLst>
             <a:ext uri="{C572A759-6A51-4108-AA02-DFA0A04FC94B}">
-              <ma14:wrappingTextBoxFlag xmlns:ma14="http://schemas.microsoft.com/office/mac/drawingml/2011/main" val="1"/>
+              <ma14:wrappingTextBoxFlag xmlns:ma14="http://schemas.microsoft.com/office/mac/drawingml/2011/main" xmlns:a14="http://schemas.microsoft.com/office/drawing/2010/main" xmlns:m="http://schemas.openxmlformats.org/officeDocument/2006/math" xmlns="" val="1"/>
             </a:ext>
           </a:extLst>
         </p:spPr>
         <p:txBody>
           <a:bodyPr lIns="45719" rIns="45719">
-            <a:normAutofit fontScale="100000" lnSpcReduction="0"/>
+            <a:normAutofit/>
           </a:bodyPr>
           <a:lstStyle>
             <a:lvl1pPr defTabSz="751205">
@@ -11880,7 +11904,6 @@
             </a:lvl1pPr>
           </a:lstStyle>
           <a:p>
-            <a:pPr/>
             <a:r>
               <a:t>Example: A file system where folders contain multiple subfolders or files.</a:t>
             </a:r>
@@ -11890,7 +11913,9 @@
       <p:sp>
         <p:nvSpPr>
           <p:cNvPr id="175" name="General Tree"/>
-          <p:cNvSpPr txBox="1"/>
+          <p:cNvSpPr txBox="1">
+            <a:spLocks noGrp="1"/>
+          </p:cNvSpPr>
           <p:nvPr>
             <p:ph type="title"/>
           </p:nvPr>
@@ -11904,7 +11929,7 @@
           <a:bodyPr/>
           <a:lstStyle>
             <a:lvl1pPr defTabSz="2267655">
-              <a:defRPr spc="-158" sz="7905">
+              <a:defRPr sz="7905" spc="-158">
                 <a:latin typeface="Graphik"/>
                 <a:ea typeface="Graphik"/>
                 <a:cs typeface="Graphik"/>
@@ -11913,7 +11938,6 @@
             </a:lvl1pPr>
           </a:lstStyle>
           <a:p>
-            <a:pPr/>
             <a:r>
               <a:t>General Tree</a:t>
             </a:r>
@@ -11929,9 +11953,7 @@
           <p:nvPr/>
         </p:nvPicPr>
         <p:blipFill>
-          <a:blip r:embed="rId3">
-            <a:extLst/>
-          </a:blip>
+          <a:blip r:embed="rId3"/>
           <a:stretch>
             <a:fillRect/>
           </a:stretch>
@@ -11958,9 +11980,7 @@
           <p:nvPr/>
         </p:nvPicPr>
         <p:blipFill>
-          <a:blip r:embed="rId4">
-            <a:extLst/>
-          </a:blip>
+          <a:blip r:embed="rId4"/>
           <a:stretch>
             <a:fillRect/>
           </a:stretch>
@@ -11983,14 +12003,14 @@
   <p:clrMapOvr>
     <a:masterClrMapping/>
   </p:clrMapOvr>
-  <p:transition xmlns:p14="http://schemas.microsoft.com/office/powerpoint/2010/main" spd="med" advClick="1"/>
+  <p:transition spd="med"/>
   <p:timing>
     <p:tnLst>
       <p:par>
-        <p:cTn id="1" nodeType="tmRoot" restart="never" dur="indefinite" fill="hold">
+        <p:cTn id="1" dur="indefinite" restart="never" fill="hold" nodeType="tmRoot">
           <p:childTnLst>
             <p:seq concurrent="1" prevAc="none" nextAc="seek">
-              <p:cTn id="2" nodeType="mainSeq" dur="indefinite" fill="hold">
+              <p:cTn id="2" dur="indefinite" fill="hold" nodeType="mainSeq">
                 <p:childTnLst>
                   <p:par>
                     <p:cTn id="3" fill="hold">
@@ -12005,11 +12025,11 @@
                             </p:stCondLst>
                             <p:childTnLst>
                               <p:par>
-                                <p:cTn id="5" presetClass="entr" nodeType="clickEffect" presetSubtype="16" presetID="23" grpId="1" fill="hold">
+                                <p:cTn id="5" presetID="23" presetClass="entr" presetSubtype="16" fill="hold" grpId="1" nodeType="clickEffect">
                                   <p:stCondLst>
                                     <p:cond delay="0"/>
                                   </p:stCondLst>
-                                  <p:iterate type="el" backwards="0">
+                                  <p:iterate>
                                     <p:tmAbs val="0"/>
                                   </p:iterate>
                                   <p:childTnLst>
@@ -12095,11 +12115,11 @@
                             </p:stCondLst>
                             <p:childTnLst>
                               <p:par>
-                                <p:cTn id="11" presetClass="entr" nodeType="clickEffect" presetSubtype="16" presetID="23" grpId="2" fill="hold">
+                                <p:cTn id="11" presetID="23" presetClass="entr" presetSubtype="16" fill="hold" grpId="2" nodeType="clickEffect">
                                   <p:stCondLst>
                                     <p:cond delay="0"/>
                                   </p:stCondLst>
-                                  <p:iterate type="el" backwards="0">
+                                  <p:iterate>
                                     <p:tmAbs val="0"/>
                                   </p:iterate>
                                   <p:childTnLst>
@@ -12185,11 +12205,11 @@
                             </p:stCondLst>
                             <p:childTnLst>
                               <p:par>
-                                <p:cTn id="17" presetClass="entr" nodeType="clickEffect" presetSubtype="16" presetID="23" grpId="3" fill="hold">
+                                <p:cTn id="17" presetID="23" presetClass="entr" presetSubtype="16" fill="hold" grpId="3" nodeType="clickEffect">
                                   <p:stCondLst>
                                     <p:cond delay="0"/>
                                   </p:stCondLst>
-                                  <p:iterate type="el" backwards="0">
+                                  <p:iterate>
                                     <p:tmAbs val="0"/>
                                   </p:iterate>
                                   <p:childTnLst>
@@ -12265,14 +12285,14 @@
                 </p:childTnLst>
               </p:cTn>
               <p:prevCondLst>
-                <p:cond evt="onPrev">
+                <p:cond evt="onPrev" delay="0">
                   <p:tgtEl>
                     <p:sldTgt/>
                   </p:tgtEl>
                 </p:cond>
               </p:prevCondLst>
               <p:nextCondLst>
-                <p:cond evt="onNext">
+                <p:cond evt="onNext" delay="0">
                   <p:tgtEl>
                     <p:sldTgt/>
                   </p:tgtEl>
@@ -12284,26 +12304,27 @@
       </p:par>
     </p:tnLst>
     <p:bldLst>
-      <p:bldP build="whole" bldLvl="1" animBg="1" rev="0" advAuto="0" spid="176" grpId="3"/>
-      <p:bldP build="whole" bldLvl="1" animBg="1" rev="0" advAuto="0" spid="174" grpId="1"/>
-      <p:bldP build="whole" bldLvl="1" animBg="1" rev="0" advAuto="0" spid="177" grpId="2"/>
+      <p:bldP spid="174" grpId="1" animBg="1" advAuto="0"/>
+      <p:bldP spid="176" grpId="3" animBg="1" advAuto="0"/>
+      <p:bldP spid="177" grpId="2" animBg="1" advAuto="0"/>
     </p:bldLst>
   </p:timing>
 </p:sld>
 </file>
 
 <file path=ppt/slides/slide20.xml><?xml version="1.0" encoding="utf-8"?>
-<p:sld xmlns:a="http://schemas.openxmlformats.org/drawingml/2006/main" xmlns:r="http://schemas.openxmlformats.org/officeDocument/2006/relationships" xmlns:p="http://schemas.openxmlformats.org/presentationml/2006/main" xmlns:m="http://schemas.openxmlformats.org/officeDocument/2006/math" xmlns:a14="http://schemas.microsoft.com/office/drawing/2010/main" showMasterSp="1" showMasterPhAnim="1">
+<p:sld xmlns:a="http://schemas.openxmlformats.org/drawingml/2006/main" xmlns:r="http://schemas.openxmlformats.org/officeDocument/2006/relationships" xmlns:p="http://schemas.openxmlformats.org/presentationml/2006/main">
   <p:cSld>
     <p:bg>
       <p:bgPr>
         <a:blipFill rotWithShape="1">
           <a:blip r:embed="rId2"/>
-          <a:srcRect l="0" t="0" r="0" b="0"/>
+          <a:srcRect/>
           <a:stretch>
             <a:fillRect/>
           </a:stretch>
         </a:blipFill>
+        <a:effectLst/>
       </p:bgPr>
     </p:bg>
     <p:spTree>
@@ -12323,7 +12344,9 @@
       <p:sp>
         <p:nvSpPr>
           <p:cNvPr id="317" name="Level Order- Level by Level (BFS)"/>
-          <p:cNvSpPr txBox="1"/>
+          <p:cNvSpPr txBox="1">
+            <a:spLocks noGrp="1"/>
+          </p:cNvSpPr>
           <p:nvPr>
             <p:ph type="body" idx="21"/>
           </p:nvPr>
@@ -12338,7 +12361,7 @@
           </a:prstGeom>
           <a:extLst>
             <a:ext uri="{C572A759-6A51-4108-AA02-DFA0A04FC94B}">
-              <ma14:wrappingTextBoxFlag xmlns:ma14="http://schemas.microsoft.com/office/mac/drawingml/2011/main" val="1"/>
+              <ma14:wrappingTextBoxFlag xmlns:ma14="http://schemas.microsoft.com/office/mac/drawingml/2011/main" xmlns:a14="http://schemas.microsoft.com/office/drawing/2010/main" xmlns:m="http://schemas.openxmlformats.org/officeDocument/2006/math" xmlns="" val="1"/>
             </a:ext>
           </a:extLst>
         </p:spPr>
@@ -12346,7 +12369,7 @@
           <a:bodyPr/>
           <a:lstStyle>
             <a:lvl1pPr defTabSz="627379">
-              <a:defRPr b="0" sz="4180">
+              <a:defRPr sz="4180" b="0">
                 <a:latin typeface="Graphik"/>
                 <a:ea typeface="Graphik"/>
                 <a:cs typeface="Graphik"/>
@@ -12355,7 +12378,6 @@
             </a:lvl1pPr>
           </a:lstStyle>
           <a:p>
-            <a:pPr/>
             <a:r>
               <a:t>Level Order- Level by Level (BFS)</a:t>
             </a:r>
@@ -12365,7 +12387,9 @@
       <p:sp>
         <p:nvSpPr>
           <p:cNvPr id="318" name="Traversal"/>
-          <p:cNvSpPr txBox="1"/>
+          <p:cNvSpPr txBox="1">
+            <a:spLocks noGrp="1"/>
+          </p:cNvSpPr>
           <p:nvPr>
             <p:ph type="title"/>
           </p:nvPr>
@@ -12379,7 +12403,7 @@
           <a:bodyPr/>
           <a:lstStyle>
             <a:lvl1pPr defTabSz="2267655">
-              <a:defRPr spc="-158" sz="7905">
+              <a:defRPr sz="7905" spc="-158">
                 <a:latin typeface="Graphik"/>
                 <a:ea typeface="Graphik"/>
                 <a:cs typeface="Graphik"/>
@@ -12388,7 +12412,6 @@
             </a:lvl1pPr>
           </a:lstStyle>
           <a:p>
-            <a:pPr/>
             <a:r>
               <a:t>Traversal</a:t>
             </a:r>
@@ -12437,7 +12460,7 @@
             <a:effectLst/>
             <a:extLst>
               <a:ext uri="{C572A759-6A51-4108-AA02-DFA0A04FC94B}">
-                <ma14:wrappingTextBoxFlag xmlns:ma14="http://schemas.microsoft.com/office/mac/drawingml/2011/main" val="1"/>
+                <ma14:wrappingTextBoxFlag xmlns:ma14="http://schemas.microsoft.com/office/mac/drawingml/2011/main" xmlns:a14="http://schemas.microsoft.com/office/drawing/2010/main" xmlns:m="http://schemas.openxmlformats.org/officeDocument/2006/math" xmlns="" val="1"/>
               </a:ext>
             </a:extLst>
           </p:spPr>
@@ -12465,7 +12488,6 @@
               </a:lvl1pPr>
             </a:lstStyle>
             <a:p>
-              <a:pPr/>
               <a:r>
                 <a:t>1</a:t>
               </a:r>
@@ -12500,7 +12522,7 @@
             <a:effectLst/>
             <a:extLst>
               <a:ext uri="{C572A759-6A51-4108-AA02-DFA0A04FC94B}">
-                <ma14:wrappingTextBoxFlag xmlns:ma14="http://schemas.microsoft.com/office/mac/drawingml/2011/main" val="1"/>
+                <ma14:wrappingTextBoxFlag xmlns:ma14="http://schemas.microsoft.com/office/mac/drawingml/2011/main" xmlns:a14="http://schemas.microsoft.com/office/drawing/2010/main" xmlns:m="http://schemas.openxmlformats.org/officeDocument/2006/math" xmlns="" val="1"/>
               </a:ext>
             </a:extLst>
           </p:spPr>
@@ -12528,7 +12550,6 @@
               </a:lvl1pPr>
             </a:lstStyle>
             <a:p>
-              <a:pPr/>
               <a:r>
                 <a:t>2</a:t>
               </a:r>
@@ -12563,7 +12584,7 @@
             <a:effectLst/>
             <a:extLst>
               <a:ext uri="{C572A759-6A51-4108-AA02-DFA0A04FC94B}">
-                <ma14:wrappingTextBoxFlag xmlns:ma14="http://schemas.microsoft.com/office/mac/drawingml/2011/main" val="1"/>
+                <ma14:wrappingTextBoxFlag xmlns:ma14="http://schemas.microsoft.com/office/mac/drawingml/2011/main" xmlns:a14="http://schemas.microsoft.com/office/drawing/2010/main" xmlns:m="http://schemas.openxmlformats.org/officeDocument/2006/math" xmlns="" val="1"/>
               </a:ext>
             </a:extLst>
           </p:spPr>
@@ -12591,7 +12612,6 @@
               </a:lvl1pPr>
             </a:lstStyle>
             <a:p>
-              <a:pPr/>
               <a:r>
                 <a:t>3</a:t>
               </a:r>
@@ -12626,7 +12646,7 @@
             <a:effectLst/>
             <a:extLst>
               <a:ext uri="{C572A759-6A51-4108-AA02-DFA0A04FC94B}">
-                <ma14:wrappingTextBoxFlag xmlns:ma14="http://schemas.microsoft.com/office/mac/drawingml/2011/main" val="1"/>
+                <ma14:wrappingTextBoxFlag xmlns:ma14="http://schemas.microsoft.com/office/mac/drawingml/2011/main" xmlns:a14="http://schemas.microsoft.com/office/drawing/2010/main" xmlns:m="http://schemas.openxmlformats.org/officeDocument/2006/math" xmlns="" val="1"/>
               </a:ext>
             </a:extLst>
           </p:spPr>
@@ -12654,7 +12674,6 @@
               </a:lvl1pPr>
             </a:lstStyle>
             <a:p>
-              <a:pPr/>
               <a:r>
                 <a:t>4</a:t>
               </a:r>
@@ -12689,7 +12708,7 @@
             <a:effectLst/>
             <a:extLst>
               <a:ext uri="{C572A759-6A51-4108-AA02-DFA0A04FC94B}">
-                <ma14:wrappingTextBoxFlag xmlns:ma14="http://schemas.microsoft.com/office/mac/drawingml/2011/main" val="1"/>
+                <ma14:wrappingTextBoxFlag xmlns:ma14="http://schemas.microsoft.com/office/mac/drawingml/2011/main" xmlns:a14="http://schemas.microsoft.com/office/drawing/2010/main" xmlns:m="http://schemas.openxmlformats.org/officeDocument/2006/math" xmlns="" val="1"/>
               </a:ext>
             </a:extLst>
           </p:spPr>
@@ -12717,7 +12736,6 @@
               </a:lvl1pPr>
             </a:lstStyle>
             <a:p>
-              <a:pPr/>
               <a:r>
                 <a:t>5</a:t>
               </a:r>
@@ -12752,7 +12770,7 @@
             <a:effectLst/>
             <a:extLst>
               <a:ext uri="{C572A759-6A51-4108-AA02-DFA0A04FC94B}">
-                <ma14:wrappingTextBoxFlag xmlns:ma14="http://schemas.microsoft.com/office/mac/drawingml/2011/main" val="1"/>
+                <ma14:wrappingTextBoxFlag xmlns:ma14="http://schemas.microsoft.com/office/mac/drawingml/2011/main" xmlns:a14="http://schemas.microsoft.com/office/drawing/2010/main" xmlns:m="http://schemas.openxmlformats.org/officeDocument/2006/math" xmlns="" val="1"/>
               </a:ext>
             </a:extLst>
           </p:spPr>
@@ -12780,7 +12798,6 @@
               </a:lvl1pPr>
             </a:lstStyle>
             <a:p>
-              <a:pPr/>
               <a:r>
                 <a:t>6</a:t>
               </a:r>
@@ -12821,7 +12838,7 @@
             </a:bodyPr>
             <a:lstStyle/>
             <a:p>
-              <a:pPr/>
+              <a:endParaRPr/>
             </a:p>
           </p:txBody>
         </p:sp>
@@ -12859,7 +12876,7 @@
             </a:bodyPr>
             <a:lstStyle/>
             <a:p>
-              <a:pPr/>
+              <a:endParaRPr/>
             </a:p>
           </p:txBody>
         </p:sp>
@@ -12897,7 +12914,7 @@
             </a:bodyPr>
             <a:lstStyle/>
             <a:p>
-              <a:pPr/>
+              <a:endParaRPr/>
             </a:p>
           </p:txBody>
         </p:sp>
@@ -12935,7 +12952,7 @@
             </a:bodyPr>
             <a:lstStyle/>
             <a:p>
-              <a:pPr/>
+              <a:endParaRPr/>
             </a:p>
           </p:txBody>
         </p:sp>
@@ -12973,7 +12990,7 @@
             </a:bodyPr>
             <a:lstStyle/>
             <a:p>
-              <a:pPr/>
+              <a:endParaRPr/>
             </a:p>
           </p:txBody>
         </p:sp>
@@ -12997,7 +13014,7 @@
           </a:ln>
           <a:extLst>
             <a:ext uri="{C572A759-6A51-4108-AA02-DFA0A04FC94B}">
-              <ma14:wrappingTextBoxFlag xmlns:ma14="http://schemas.microsoft.com/office/mac/drawingml/2011/main" val="1"/>
+              <ma14:wrappingTextBoxFlag xmlns:ma14="http://schemas.microsoft.com/office/mac/drawingml/2011/main" xmlns:a14="http://schemas.microsoft.com/office/drawing/2010/main" xmlns:m="http://schemas.openxmlformats.org/officeDocument/2006/math" xmlns="" val="1"/>
             </a:ext>
           </a:extLst>
         </p:spPr>
@@ -13007,7 +13024,6 @@
           </a:bodyPr>
           <a:lstStyle/>
           <a:p>
-            <a:pPr/>
             <a:r>
               <a:t>1 2 3 4 5 6</a:t>
             </a:r>
@@ -13019,22 +13035,1432 @@
   <p:clrMapOvr>
     <a:masterClrMapping/>
   </p:clrMapOvr>
-  <p:transition xmlns:p14="http://schemas.microsoft.com/office/powerpoint/2010/main" spd="med" advClick="1"/>
+  <p:transition spd="med"/>
 </p:sld>
 </file>
 
-<file path=ppt/slides/slide3.xml><?xml version="1.0" encoding="utf-8"?>
-<p:sld xmlns:a="http://schemas.openxmlformats.org/drawingml/2006/main" xmlns:r="http://schemas.openxmlformats.org/officeDocument/2006/relationships" xmlns:p="http://schemas.openxmlformats.org/presentationml/2006/main" xmlns:m="http://schemas.openxmlformats.org/officeDocument/2006/math" xmlns:a14="http://schemas.microsoft.com/office/drawing/2010/main" showMasterSp="1" showMasterPhAnim="1">
+<file path=ppt/slides/slide21.xml><?xml version="1.0" encoding="utf-8"?>
+<p:sld xmlns:a="http://schemas.openxmlformats.org/drawingml/2006/main" xmlns:r="http://schemas.openxmlformats.org/officeDocument/2006/relationships" xmlns:p="http://schemas.openxmlformats.org/presentationml/2006/main">
   <p:cSld>
     <p:bg>
       <p:bgPr>
         <a:blipFill rotWithShape="1">
           <a:blip r:embed="rId2"/>
-          <a:srcRect l="0" t="0" r="0" b="0"/>
+          <a:srcRect/>
           <a:stretch>
             <a:fillRect/>
           </a:stretch>
         </a:blipFill>
+        <a:effectLst/>
+      </p:bgPr>
+    </p:bg>
+    <p:spTree>
+      <p:nvGrpSpPr>
+        <p:cNvPr id="1" name=""/>
+        <p:cNvGrpSpPr/>
+        <p:nvPr/>
+      </p:nvGrpSpPr>
+      <p:grpSpPr>
+        <a:xfrm>
+          <a:off x="0" y="0"/>
+          <a:ext cx="0" cy="0"/>
+          <a:chOff x="0" y="0"/>
+          <a:chExt cx="0" cy="0"/>
+        </a:xfrm>
+      </p:grpSpPr>
+      <p:sp>
+        <p:nvSpPr>
+          <p:cNvPr id="317" name="Level Order- Level by Level (BFS)"/>
+          <p:cNvSpPr txBox="1">
+            <a:spLocks noGrp="1"/>
+          </p:cNvSpPr>
+          <p:nvPr>
+            <p:ph type="body" idx="21"/>
+          </p:nvPr>
+        </p:nvSpPr>
+        <p:spPr>
+          <a:xfrm>
+            <a:off x="1206500" y="2476791"/>
+            <a:ext cx="21971000" cy="6201043"/>
+          </a:xfrm>
+          <a:prstGeom prst="rect">
+            <a:avLst/>
+          </a:prstGeom>
+          <a:extLst>
+            <a:ext uri="{C572A759-6A51-4108-AA02-DFA0A04FC94B}">
+              <ma14:wrappingTextBoxFlag xmlns="" xmlns:m="http://schemas.openxmlformats.org/officeDocument/2006/math" xmlns:a14="http://schemas.microsoft.com/office/drawing/2010/main" xmlns:ma14="http://schemas.microsoft.com/office/mac/drawingml/2011/main" val="1"/>
+            </a:ext>
+          </a:extLst>
+        </p:spPr>
+        <p:txBody>
+          <a:bodyPr>
+            <a:normAutofit fontScale="77500" lnSpcReduction="20000"/>
+          </a:bodyPr>
+          <a:lstStyle>
+            <a:lvl1pPr defTabSz="627379">
+              <a:defRPr sz="4180" b="0">
+                <a:latin typeface="Graphik"/>
+                <a:ea typeface="Graphik"/>
+                <a:cs typeface="Graphik"/>
+                <a:sym typeface="Graphik"/>
+              </a:defRPr>
+            </a:lvl1pPr>
+          </a:lstStyle>
+          <a:p>
+            <a:pPr marL="571500" indent="-571500">
+              <a:lnSpc>
+                <a:spcPct val="220000"/>
+              </a:lnSpc>
+              <a:buFont typeface="Arial" panose="020B0604020202020204" pitchFamily="34" charset="0"/>
+              <a:buChar char="•"/>
+            </a:pPr>
+            <a:r>
+              <a:rPr lang="en-US" dirty="0">
+                <a:latin typeface="Liter" panose="02000503030000020004" pitchFamily="2" charset="0"/>
+              </a:rPr>
+              <a:t>In this nodes are arranged in a specific order that allows efficient searching, insertion, and deletion operations.</a:t>
+            </a:r>
+          </a:p>
+          <a:p>
+            <a:pPr marL="571500" indent="-571500">
+              <a:lnSpc>
+                <a:spcPct val="220000"/>
+              </a:lnSpc>
+              <a:buFont typeface="Arial" panose="020B0604020202020204" pitchFamily="34" charset="0"/>
+              <a:buChar char="•"/>
+            </a:pPr>
+            <a:r>
+              <a:rPr lang="en-IN" dirty="0">
+                <a:latin typeface="Liter" panose="02000503030000020004" pitchFamily="2" charset="0"/>
+              </a:rPr>
+              <a:t>Left child: Contains values smaller than the parent.</a:t>
+            </a:r>
+          </a:p>
+          <a:p>
+            <a:pPr marL="571500" indent="-571500">
+              <a:lnSpc>
+                <a:spcPct val="220000"/>
+              </a:lnSpc>
+              <a:buFont typeface="Arial" panose="020B0604020202020204" pitchFamily="34" charset="0"/>
+              <a:buChar char="•"/>
+            </a:pPr>
+            <a:r>
+              <a:rPr lang="en-IN" dirty="0">
+                <a:latin typeface="Liter" panose="02000503030000020004" pitchFamily="2" charset="0"/>
+              </a:rPr>
+              <a:t>Right child: Contains values larger than the parent.</a:t>
+            </a:r>
+          </a:p>
+          <a:p>
+            <a:pPr marL="571500" indent="-571500">
+              <a:lnSpc>
+                <a:spcPct val="220000"/>
+              </a:lnSpc>
+              <a:buFont typeface="Arial" panose="020B0604020202020204" pitchFamily="34" charset="0"/>
+              <a:buChar char="•"/>
+            </a:pPr>
+            <a:r>
+              <a:rPr lang="en-IN" dirty="0">
+                <a:latin typeface="Liter" panose="02000503030000020004" pitchFamily="2" charset="0"/>
+              </a:rPr>
+              <a:t>Unique Values: A BST does not allow duplicate values (in a standard implementation).</a:t>
+            </a:r>
+          </a:p>
+          <a:p>
+            <a:pPr marL="571500" indent="-571500">
+              <a:lnSpc>
+                <a:spcPct val="220000"/>
+              </a:lnSpc>
+              <a:buFont typeface="Arial" panose="020B0604020202020204" pitchFamily="34" charset="0"/>
+              <a:buChar char="•"/>
+            </a:pPr>
+            <a:r>
+              <a:rPr lang="en-IN" dirty="0">
+                <a:latin typeface="Liter" panose="02000503030000020004" pitchFamily="2" charset="0"/>
+              </a:rPr>
+              <a:t>Recursive Structure: Every left and right subtree is also a BST.</a:t>
+            </a:r>
+          </a:p>
+          <a:p>
+            <a:pPr marL="571500" indent="-571500">
+              <a:lnSpc>
+                <a:spcPct val="220000"/>
+              </a:lnSpc>
+              <a:buFont typeface="Arial" panose="020B0604020202020204" pitchFamily="34" charset="0"/>
+              <a:buChar char="•"/>
+            </a:pPr>
+            <a:endParaRPr dirty="0">
+              <a:latin typeface="Liter" panose="02000503030000020004" pitchFamily="2" charset="0"/>
+            </a:endParaRPr>
+          </a:p>
+        </p:txBody>
+      </p:sp>
+      <p:sp>
+        <p:nvSpPr>
+          <p:cNvPr id="318" name="Traversal"/>
+          <p:cNvSpPr txBox="1">
+            <a:spLocks noGrp="1"/>
+          </p:cNvSpPr>
+          <p:nvPr>
+            <p:ph type="title"/>
+          </p:nvPr>
+        </p:nvSpPr>
+        <p:spPr>
+          <a:xfrm>
+            <a:off x="1206500" y="1043629"/>
+            <a:ext cx="21971000" cy="1433163"/>
+          </a:xfrm>
+          <a:prstGeom prst="rect">
+            <a:avLst/>
+          </a:prstGeom>
+        </p:spPr>
+        <p:txBody>
+          <a:bodyPr/>
+          <a:lstStyle>
+            <a:lvl1pPr defTabSz="2267655">
+              <a:defRPr sz="7905" spc="-158">
+                <a:latin typeface="Graphik"/>
+                <a:ea typeface="Graphik"/>
+                <a:cs typeface="Graphik"/>
+                <a:sym typeface="Graphik"/>
+              </a:defRPr>
+            </a:lvl1pPr>
+          </a:lstStyle>
+          <a:p>
+            <a:r>
+              <a:rPr lang="en-US" dirty="0">
+                <a:latin typeface="Liter" panose="02000503030000020004" pitchFamily="2" charset="0"/>
+                <a:ea typeface="Apple Symbols" panose="02000000000000000000" pitchFamily="2" charset="-79"/>
+                <a:cs typeface="Apple Symbols" panose="02000000000000000000" pitchFamily="2" charset="-79"/>
+              </a:rPr>
+              <a:t>Binary Search Tree</a:t>
+            </a:r>
+            <a:endParaRPr dirty="0">
+              <a:latin typeface="Liter" panose="02000503030000020004" pitchFamily="2" charset="0"/>
+              <a:ea typeface="Apple Symbols" panose="02000000000000000000" pitchFamily="2" charset="-79"/>
+              <a:cs typeface="Apple Symbols" panose="02000000000000000000" pitchFamily="2" charset="-79"/>
+            </a:endParaRPr>
+          </a:p>
+        </p:txBody>
+      </p:sp>
+    </p:spTree>
+    <p:extLst>
+      <p:ext uri="{BB962C8B-B14F-4D97-AF65-F5344CB8AC3E}">
+        <p14:creationId xmlns:p14="http://schemas.microsoft.com/office/powerpoint/2010/main" val="38308272"/>
+      </p:ext>
+    </p:extLst>
+  </p:cSld>
+  <p:clrMapOvr>
+    <a:masterClrMapping/>
+  </p:clrMapOvr>
+  <p:transition spd="med"/>
+</p:sld>
+</file>
+
+<file path=ppt/slides/slide22.xml><?xml version="1.0" encoding="utf-8"?>
+<p:sld xmlns:a="http://schemas.openxmlformats.org/drawingml/2006/main" xmlns:r="http://schemas.openxmlformats.org/officeDocument/2006/relationships" xmlns:p="http://schemas.openxmlformats.org/presentationml/2006/main">
+  <p:cSld>
+    <p:bg>
+      <p:bgPr>
+        <a:blipFill rotWithShape="1">
+          <a:blip r:embed="rId2"/>
+          <a:srcRect/>
+          <a:stretch>
+            <a:fillRect/>
+          </a:stretch>
+        </a:blipFill>
+        <a:effectLst/>
+      </p:bgPr>
+    </p:bg>
+    <p:spTree>
+      <p:nvGrpSpPr>
+        <p:cNvPr id="1" name=""/>
+        <p:cNvGrpSpPr/>
+        <p:nvPr/>
+      </p:nvGrpSpPr>
+      <p:grpSpPr>
+        <a:xfrm>
+          <a:off x="0" y="0"/>
+          <a:ext cx="0" cy="0"/>
+          <a:chOff x="0" y="0"/>
+          <a:chExt cx="0" cy="0"/>
+        </a:xfrm>
+      </p:grpSpPr>
+      <p:sp>
+        <p:nvSpPr>
+          <p:cNvPr id="318" name="Traversal"/>
+          <p:cNvSpPr txBox="1">
+            <a:spLocks noGrp="1"/>
+          </p:cNvSpPr>
+          <p:nvPr>
+            <p:ph type="title"/>
+          </p:nvPr>
+        </p:nvSpPr>
+        <p:spPr>
+          <a:xfrm>
+            <a:off x="1206500" y="1043629"/>
+            <a:ext cx="21971000" cy="1433163"/>
+          </a:xfrm>
+          <a:prstGeom prst="rect">
+            <a:avLst/>
+          </a:prstGeom>
+        </p:spPr>
+        <p:txBody>
+          <a:bodyPr/>
+          <a:lstStyle>
+            <a:lvl1pPr defTabSz="2267655">
+              <a:defRPr sz="7905" spc="-158">
+                <a:latin typeface="Graphik"/>
+                <a:ea typeface="Graphik"/>
+                <a:cs typeface="Graphik"/>
+                <a:sym typeface="Graphik"/>
+              </a:defRPr>
+            </a:lvl1pPr>
+          </a:lstStyle>
+          <a:p>
+            <a:r>
+              <a:rPr lang="en-US" dirty="0">
+                <a:latin typeface="Liter" panose="02000503030000020004" pitchFamily="2" charset="0"/>
+                <a:ea typeface="Apple Symbols" panose="02000000000000000000" pitchFamily="2" charset="-79"/>
+                <a:cs typeface="Apple Symbols" panose="02000000000000000000" pitchFamily="2" charset="-79"/>
+              </a:rPr>
+              <a:t>Binary Search Tree</a:t>
+            </a:r>
+            <a:endParaRPr dirty="0">
+              <a:latin typeface="Liter" panose="02000503030000020004" pitchFamily="2" charset="0"/>
+              <a:ea typeface="Apple Symbols" panose="02000000000000000000" pitchFamily="2" charset="-79"/>
+              <a:cs typeface="Apple Symbols" panose="02000000000000000000" pitchFamily="2" charset="-79"/>
+            </a:endParaRPr>
+          </a:p>
+        </p:txBody>
+      </p:sp>
+      <p:sp>
+        <p:nvSpPr>
+          <p:cNvPr id="5" name="Oval 4">
+            <a:extLst>
+              <a:ext uri="{FF2B5EF4-FFF2-40B4-BE49-F238E27FC236}">
+                <a16:creationId xmlns:a16="http://schemas.microsoft.com/office/drawing/2014/main" id="{EE712E1E-5E2F-5276-97EA-E172A8D1CCBD}"/>
+              </a:ext>
+            </a:extLst>
+          </p:cNvPr>
+          <p:cNvSpPr/>
+          <p:nvPr/>
+        </p:nvSpPr>
+        <p:spPr>
+          <a:xfrm>
+            <a:off x="11474823" y="4163786"/>
+            <a:ext cx="1111624" cy="836732"/>
+          </a:xfrm>
+          <a:prstGeom prst="ellipse">
+            <a:avLst/>
+          </a:prstGeom>
+          <a:solidFill>
+            <a:srgbClr val="FFFFFF"/>
+          </a:solidFill>
+          <a:ln w="12700" cap="flat">
+            <a:noFill/>
+            <a:miter lim="400000"/>
+          </a:ln>
+          <a:effectLst/>
+          <a:sp3d/>
+        </p:spPr>
+        <p:style>
+          <a:lnRef idx="0">
+            <a:scrgbClr r="0" g="0" b="0"/>
+          </a:lnRef>
+          <a:fillRef idx="0">
+            <a:scrgbClr r="0" g="0" b="0"/>
+          </a:fillRef>
+          <a:effectRef idx="0">
+            <a:scrgbClr r="0" g="0" b="0"/>
+          </a:effectRef>
+          <a:fontRef idx="none"/>
+        </p:style>
+        <p:txBody>
+          <a:bodyPr rot="0" spcFirstLastPara="1" vertOverflow="overflow" horzOverflow="overflow" vert="horz" wrap="square" lIns="50800" tIns="50800" rIns="50800" bIns="50800" numCol="1" spcCol="38100" rtlCol="0" anchor="ctr">
+            <a:spAutoFit/>
+          </a:bodyPr>
+          <a:lstStyle/>
+          <a:p>
+            <a:pPr marL="0" marR="0" indent="0" algn="ctr" defTabSz="825500" rtl="0" fontAlgn="auto" latinLnBrk="0" hangingPunct="0">
+              <a:lnSpc>
+                <a:spcPct val="100000"/>
+              </a:lnSpc>
+              <a:spcBef>
+                <a:spcPts val="0"/>
+              </a:spcBef>
+              <a:spcAft>
+                <a:spcPts val="0"/>
+              </a:spcAft>
+              <a:buClrTx/>
+              <a:buSzTx/>
+              <a:buFontTx/>
+              <a:buNone/>
+              <a:tabLst/>
+            </a:pPr>
+            <a:r>
+              <a:rPr kumimoji="0" lang="en-US" sz="3200" b="0" i="0" u="none" strike="noStrike" cap="none" spc="0" normalizeH="0" baseline="0" dirty="0">
+                <a:ln>
+                  <a:noFill/>
+                </a:ln>
+                <a:solidFill>
+                  <a:srgbClr val="000000"/>
+                </a:solidFill>
+                <a:effectLst/>
+                <a:uFillTx/>
+                <a:latin typeface="Helvetica Neue Medium"/>
+                <a:ea typeface="Helvetica Neue Medium"/>
+                <a:cs typeface="Helvetica Neue Medium"/>
+                <a:sym typeface="Helvetica Neue Medium"/>
+              </a:rPr>
+              <a:t>50</a:t>
+            </a:r>
+          </a:p>
+        </p:txBody>
+      </p:sp>
+      <p:sp>
+        <p:nvSpPr>
+          <p:cNvPr id="6" name="Oval 5">
+            <a:extLst>
+              <a:ext uri="{FF2B5EF4-FFF2-40B4-BE49-F238E27FC236}">
+                <a16:creationId xmlns:a16="http://schemas.microsoft.com/office/drawing/2014/main" id="{826F6B4A-0A3B-1E9B-822E-5D9C46B95508}"/>
+              </a:ext>
+            </a:extLst>
+          </p:cNvPr>
+          <p:cNvSpPr/>
+          <p:nvPr/>
+        </p:nvSpPr>
+        <p:spPr>
+          <a:xfrm>
+            <a:off x="8919883" y="5732450"/>
+            <a:ext cx="1111624" cy="836732"/>
+          </a:xfrm>
+          <a:prstGeom prst="ellipse">
+            <a:avLst/>
+          </a:prstGeom>
+          <a:solidFill>
+            <a:srgbClr val="FFFFFF"/>
+          </a:solidFill>
+          <a:ln w="12700" cap="flat">
+            <a:noFill/>
+            <a:miter lim="400000"/>
+          </a:ln>
+          <a:effectLst/>
+          <a:sp3d/>
+        </p:spPr>
+        <p:style>
+          <a:lnRef idx="0">
+            <a:scrgbClr r="0" g="0" b="0"/>
+          </a:lnRef>
+          <a:fillRef idx="0">
+            <a:scrgbClr r="0" g="0" b="0"/>
+          </a:fillRef>
+          <a:effectRef idx="0">
+            <a:scrgbClr r="0" g="0" b="0"/>
+          </a:effectRef>
+          <a:fontRef idx="none"/>
+        </p:style>
+        <p:txBody>
+          <a:bodyPr rot="0" spcFirstLastPara="1" vertOverflow="overflow" horzOverflow="overflow" vert="horz" wrap="square" lIns="50800" tIns="50800" rIns="50800" bIns="50800" numCol="1" spcCol="38100" rtlCol="0" anchor="ctr">
+            <a:spAutoFit/>
+          </a:bodyPr>
+          <a:lstStyle/>
+          <a:p>
+            <a:pPr marL="0" marR="0" indent="0" algn="ctr" defTabSz="825500" rtl="0" fontAlgn="auto" latinLnBrk="0" hangingPunct="0">
+              <a:lnSpc>
+                <a:spcPct val="100000"/>
+              </a:lnSpc>
+              <a:spcBef>
+                <a:spcPts val="0"/>
+              </a:spcBef>
+              <a:spcAft>
+                <a:spcPts val="0"/>
+              </a:spcAft>
+              <a:buClrTx/>
+              <a:buSzTx/>
+              <a:buFontTx/>
+              <a:buNone/>
+              <a:tabLst/>
+            </a:pPr>
+            <a:r>
+              <a:rPr kumimoji="0" lang="en-US" sz="3200" b="0" i="0" u="none" strike="noStrike" cap="none" spc="0" normalizeH="0" baseline="0" dirty="0">
+                <a:ln>
+                  <a:noFill/>
+                </a:ln>
+                <a:solidFill>
+                  <a:srgbClr val="000000"/>
+                </a:solidFill>
+                <a:effectLst/>
+                <a:uFillTx/>
+                <a:latin typeface="Helvetica Neue Medium"/>
+                <a:ea typeface="Helvetica Neue Medium"/>
+                <a:cs typeface="Helvetica Neue Medium"/>
+                <a:sym typeface="Helvetica Neue Medium"/>
+              </a:rPr>
+              <a:t>30</a:t>
+            </a:r>
+          </a:p>
+        </p:txBody>
+      </p:sp>
+      <p:sp>
+        <p:nvSpPr>
+          <p:cNvPr id="7" name="Oval 6">
+            <a:extLst>
+              <a:ext uri="{FF2B5EF4-FFF2-40B4-BE49-F238E27FC236}">
+                <a16:creationId xmlns:a16="http://schemas.microsoft.com/office/drawing/2014/main" id="{6BBE1C76-FEBF-1613-63F2-16F9D87F84CA}"/>
+              </a:ext>
+            </a:extLst>
+          </p:cNvPr>
+          <p:cNvSpPr/>
+          <p:nvPr/>
+        </p:nvSpPr>
+        <p:spPr>
+          <a:xfrm>
+            <a:off x="13617389" y="5732450"/>
+            <a:ext cx="1111624" cy="836732"/>
+          </a:xfrm>
+          <a:prstGeom prst="ellipse">
+            <a:avLst/>
+          </a:prstGeom>
+          <a:solidFill>
+            <a:srgbClr val="FFFFFF"/>
+          </a:solidFill>
+          <a:ln w="12700" cap="flat">
+            <a:noFill/>
+            <a:miter lim="400000"/>
+          </a:ln>
+          <a:effectLst/>
+          <a:sp3d/>
+        </p:spPr>
+        <p:style>
+          <a:lnRef idx="0">
+            <a:scrgbClr r="0" g="0" b="0"/>
+          </a:lnRef>
+          <a:fillRef idx="0">
+            <a:scrgbClr r="0" g="0" b="0"/>
+          </a:fillRef>
+          <a:effectRef idx="0">
+            <a:scrgbClr r="0" g="0" b="0"/>
+          </a:effectRef>
+          <a:fontRef idx="none"/>
+        </p:style>
+        <p:txBody>
+          <a:bodyPr rot="0" spcFirstLastPara="1" vertOverflow="overflow" horzOverflow="overflow" vert="horz" wrap="square" lIns="50800" tIns="50800" rIns="50800" bIns="50800" numCol="1" spcCol="38100" rtlCol="0" anchor="ctr">
+            <a:spAutoFit/>
+          </a:bodyPr>
+          <a:lstStyle/>
+          <a:p>
+            <a:pPr marL="0" marR="0" indent="0" algn="ctr" defTabSz="825500" rtl="0" fontAlgn="auto" latinLnBrk="0" hangingPunct="0">
+              <a:lnSpc>
+                <a:spcPct val="100000"/>
+              </a:lnSpc>
+              <a:spcBef>
+                <a:spcPts val="0"/>
+              </a:spcBef>
+              <a:spcAft>
+                <a:spcPts val="0"/>
+              </a:spcAft>
+              <a:buClrTx/>
+              <a:buSzTx/>
+              <a:buFontTx/>
+              <a:buNone/>
+              <a:tabLst/>
+            </a:pPr>
+            <a:r>
+              <a:rPr kumimoji="0" lang="en-US" sz="3200" b="0" i="0" u="none" strike="noStrike" cap="none" spc="0" normalizeH="0" baseline="0" dirty="0">
+                <a:ln>
+                  <a:noFill/>
+                </a:ln>
+                <a:solidFill>
+                  <a:srgbClr val="000000"/>
+                </a:solidFill>
+                <a:effectLst/>
+                <a:uFillTx/>
+                <a:latin typeface="Helvetica Neue Medium"/>
+                <a:ea typeface="Helvetica Neue Medium"/>
+                <a:cs typeface="Helvetica Neue Medium"/>
+                <a:sym typeface="Helvetica Neue Medium"/>
+              </a:rPr>
+              <a:t>70</a:t>
+            </a:r>
+          </a:p>
+        </p:txBody>
+      </p:sp>
+      <p:sp>
+        <p:nvSpPr>
+          <p:cNvPr id="8" name="Oval 7">
+            <a:extLst>
+              <a:ext uri="{FF2B5EF4-FFF2-40B4-BE49-F238E27FC236}">
+                <a16:creationId xmlns:a16="http://schemas.microsoft.com/office/drawing/2014/main" id="{3B44386E-5755-59BA-C220-D42196E8311A}"/>
+              </a:ext>
+            </a:extLst>
+          </p:cNvPr>
+          <p:cNvSpPr/>
+          <p:nvPr/>
+        </p:nvSpPr>
+        <p:spPr>
+          <a:xfrm>
+            <a:off x="7440706" y="6953278"/>
+            <a:ext cx="1111624" cy="836732"/>
+          </a:xfrm>
+          <a:prstGeom prst="ellipse">
+            <a:avLst/>
+          </a:prstGeom>
+          <a:solidFill>
+            <a:srgbClr val="FFFFFF"/>
+          </a:solidFill>
+          <a:ln w="12700" cap="flat">
+            <a:noFill/>
+            <a:miter lim="400000"/>
+          </a:ln>
+          <a:effectLst/>
+          <a:sp3d/>
+        </p:spPr>
+        <p:style>
+          <a:lnRef idx="0">
+            <a:scrgbClr r="0" g="0" b="0"/>
+          </a:lnRef>
+          <a:fillRef idx="0">
+            <a:scrgbClr r="0" g="0" b="0"/>
+          </a:fillRef>
+          <a:effectRef idx="0">
+            <a:scrgbClr r="0" g="0" b="0"/>
+          </a:effectRef>
+          <a:fontRef idx="none"/>
+        </p:style>
+        <p:txBody>
+          <a:bodyPr rot="0" spcFirstLastPara="1" vertOverflow="overflow" horzOverflow="overflow" vert="horz" wrap="square" lIns="50800" tIns="50800" rIns="50800" bIns="50800" numCol="1" spcCol="38100" rtlCol="0" anchor="ctr">
+            <a:spAutoFit/>
+          </a:bodyPr>
+          <a:lstStyle/>
+          <a:p>
+            <a:pPr marL="0" marR="0" indent="0" algn="ctr" defTabSz="825500" rtl="0" fontAlgn="auto" latinLnBrk="0" hangingPunct="0">
+              <a:lnSpc>
+                <a:spcPct val="100000"/>
+              </a:lnSpc>
+              <a:spcBef>
+                <a:spcPts val="0"/>
+              </a:spcBef>
+              <a:spcAft>
+                <a:spcPts val="0"/>
+              </a:spcAft>
+              <a:buClrTx/>
+              <a:buSzTx/>
+              <a:buFontTx/>
+              <a:buNone/>
+              <a:tabLst/>
+            </a:pPr>
+            <a:r>
+              <a:rPr kumimoji="0" lang="en-US" sz="3200" b="0" i="0" u="none" strike="noStrike" cap="none" spc="0" normalizeH="0" baseline="0" dirty="0">
+                <a:ln>
+                  <a:noFill/>
+                </a:ln>
+                <a:solidFill>
+                  <a:srgbClr val="000000"/>
+                </a:solidFill>
+                <a:effectLst/>
+                <a:uFillTx/>
+                <a:latin typeface="Helvetica Neue Medium"/>
+                <a:ea typeface="Helvetica Neue Medium"/>
+                <a:cs typeface="Helvetica Neue Medium"/>
+                <a:sym typeface="Helvetica Neue Medium"/>
+              </a:rPr>
+              <a:t>20</a:t>
+            </a:r>
+          </a:p>
+        </p:txBody>
+      </p:sp>
+      <p:sp>
+        <p:nvSpPr>
+          <p:cNvPr id="9" name="Oval 8">
+            <a:extLst>
+              <a:ext uri="{FF2B5EF4-FFF2-40B4-BE49-F238E27FC236}">
+                <a16:creationId xmlns:a16="http://schemas.microsoft.com/office/drawing/2014/main" id="{790C8682-6DCF-F668-3676-24A54E57C756}"/>
+              </a:ext>
+            </a:extLst>
+          </p:cNvPr>
+          <p:cNvSpPr/>
+          <p:nvPr/>
+        </p:nvSpPr>
+        <p:spPr>
+          <a:xfrm>
+            <a:off x="10031507" y="7024836"/>
+            <a:ext cx="1111624" cy="836732"/>
+          </a:xfrm>
+          <a:prstGeom prst="ellipse">
+            <a:avLst/>
+          </a:prstGeom>
+          <a:solidFill>
+            <a:srgbClr val="FFFFFF"/>
+          </a:solidFill>
+          <a:ln w="12700" cap="flat">
+            <a:noFill/>
+            <a:miter lim="400000"/>
+          </a:ln>
+          <a:effectLst/>
+          <a:sp3d/>
+        </p:spPr>
+        <p:style>
+          <a:lnRef idx="0">
+            <a:scrgbClr r="0" g="0" b="0"/>
+          </a:lnRef>
+          <a:fillRef idx="0">
+            <a:scrgbClr r="0" g="0" b="0"/>
+          </a:fillRef>
+          <a:effectRef idx="0">
+            <a:scrgbClr r="0" g="0" b="0"/>
+          </a:effectRef>
+          <a:fontRef idx="none"/>
+        </p:style>
+        <p:txBody>
+          <a:bodyPr rot="0" spcFirstLastPara="1" vertOverflow="overflow" horzOverflow="overflow" vert="horz" wrap="square" lIns="50800" tIns="50800" rIns="50800" bIns="50800" numCol="1" spcCol="38100" rtlCol="0" anchor="ctr">
+            <a:spAutoFit/>
+          </a:bodyPr>
+          <a:lstStyle/>
+          <a:p>
+            <a:pPr marL="0" marR="0" indent="0" algn="ctr" defTabSz="825500" rtl="0" fontAlgn="auto" latinLnBrk="0" hangingPunct="0">
+              <a:lnSpc>
+                <a:spcPct val="100000"/>
+              </a:lnSpc>
+              <a:spcBef>
+                <a:spcPts val="0"/>
+              </a:spcBef>
+              <a:spcAft>
+                <a:spcPts val="0"/>
+              </a:spcAft>
+              <a:buClrTx/>
+              <a:buSzTx/>
+              <a:buFontTx/>
+              <a:buNone/>
+              <a:tabLst/>
+            </a:pPr>
+            <a:r>
+              <a:rPr kumimoji="0" lang="en-US" sz="3200" b="0" i="0" u="none" strike="noStrike" cap="none" spc="0" normalizeH="0" baseline="0" dirty="0">
+                <a:ln>
+                  <a:noFill/>
+                </a:ln>
+                <a:solidFill>
+                  <a:srgbClr val="000000"/>
+                </a:solidFill>
+                <a:effectLst/>
+                <a:uFillTx/>
+                <a:latin typeface="Helvetica Neue Medium"/>
+                <a:ea typeface="Helvetica Neue Medium"/>
+                <a:cs typeface="Helvetica Neue Medium"/>
+                <a:sym typeface="Helvetica Neue Medium"/>
+              </a:rPr>
+              <a:t>40</a:t>
+            </a:r>
+          </a:p>
+        </p:txBody>
+      </p:sp>
+      <p:sp>
+        <p:nvSpPr>
+          <p:cNvPr id="10" name="Oval 9">
+            <a:extLst>
+              <a:ext uri="{FF2B5EF4-FFF2-40B4-BE49-F238E27FC236}">
+                <a16:creationId xmlns:a16="http://schemas.microsoft.com/office/drawing/2014/main" id="{B4A19B63-8048-AFBB-ECAE-04F73C1A5A0C}"/>
+              </a:ext>
+            </a:extLst>
+          </p:cNvPr>
+          <p:cNvSpPr/>
+          <p:nvPr/>
+        </p:nvSpPr>
+        <p:spPr>
+          <a:xfrm>
+            <a:off x="12245788" y="7156811"/>
+            <a:ext cx="1111624" cy="836732"/>
+          </a:xfrm>
+          <a:prstGeom prst="ellipse">
+            <a:avLst/>
+          </a:prstGeom>
+          <a:solidFill>
+            <a:srgbClr val="FFFFFF"/>
+          </a:solidFill>
+          <a:ln w="12700" cap="flat">
+            <a:noFill/>
+            <a:miter lim="400000"/>
+          </a:ln>
+          <a:effectLst/>
+          <a:sp3d/>
+        </p:spPr>
+        <p:style>
+          <a:lnRef idx="0">
+            <a:scrgbClr r="0" g="0" b="0"/>
+          </a:lnRef>
+          <a:fillRef idx="0">
+            <a:scrgbClr r="0" g="0" b="0"/>
+          </a:fillRef>
+          <a:effectRef idx="0">
+            <a:scrgbClr r="0" g="0" b="0"/>
+          </a:effectRef>
+          <a:fontRef idx="none"/>
+        </p:style>
+        <p:txBody>
+          <a:bodyPr rot="0" spcFirstLastPara="1" vertOverflow="overflow" horzOverflow="overflow" vert="horz" wrap="square" lIns="50800" tIns="50800" rIns="50800" bIns="50800" numCol="1" spcCol="38100" rtlCol="0" anchor="ctr">
+            <a:spAutoFit/>
+          </a:bodyPr>
+          <a:lstStyle/>
+          <a:p>
+            <a:pPr marL="0" marR="0" indent="0" algn="ctr" defTabSz="825500" rtl="0" fontAlgn="auto" latinLnBrk="0" hangingPunct="0">
+              <a:lnSpc>
+                <a:spcPct val="100000"/>
+              </a:lnSpc>
+              <a:spcBef>
+                <a:spcPts val="0"/>
+              </a:spcBef>
+              <a:spcAft>
+                <a:spcPts val="0"/>
+              </a:spcAft>
+              <a:buClrTx/>
+              <a:buSzTx/>
+              <a:buFontTx/>
+              <a:buNone/>
+              <a:tabLst/>
+            </a:pPr>
+            <a:r>
+              <a:rPr kumimoji="0" lang="en-US" sz="3200" b="0" i="0" u="none" strike="noStrike" cap="none" spc="0" normalizeH="0" baseline="0" dirty="0">
+                <a:ln>
+                  <a:noFill/>
+                </a:ln>
+                <a:solidFill>
+                  <a:srgbClr val="000000"/>
+                </a:solidFill>
+                <a:effectLst/>
+                <a:uFillTx/>
+                <a:latin typeface="Helvetica Neue Medium"/>
+                <a:ea typeface="Helvetica Neue Medium"/>
+                <a:cs typeface="Helvetica Neue Medium"/>
+                <a:sym typeface="Helvetica Neue Medium"/>
+              </a:rPr>
+              <a:t>60</a:t>
+            </a:r>
+          </a:p>
+        </p:txBody>
+      </p:sp>
+      <p:sp>
+        <p:nvSpPr>
+          <p:cNvPr id="11" name="Oval 10">
+            <a:extLst>
+              <a:ext uri="{FF2B5EF4-FFF2-40B4-BE49-F238E27FC236}">
+                <a16:creationId xmlns:a16="http://schemas.microsoft.com/office/drawing/2014/main" id="{705D60EF-5208-641B-0B7F-C3ADE223F6C7}"/>
+              </a:ext>
+            </a:extLst>
+          </p:cNvPr>
+          <p:cNvSpPr/>
+          <p:nvPr/>
+        </p:nvSpPr>
+        <p:spPr>
+          <a:xfrm>
+            <a:off x="15275858" y="6986175"/>
+            <a:ext cx="1111624" cy="836732"/>
+          </a:xfrm>
+          <a:prstGeom prst="ellipse">
+            <a:avLst/>
+          </a:prstGeom>
+          <a:solidFill>
+            <a:srgbClr val="FFFFFF"/>
+          </a:solidFill>
+          <a:ln w="12700" cap="flat">
+            <a:noFill/>
+            <a:miter lim="400000"/>
+          </a:ln>
+          <a:effectLst/>
+          <a:sp3d/>
+        </p:spPr>
+        <p:style>
+          <a:lnRef idx="0">
+            <a:scrgbClr r="0" g="0" b="0"/>
+          </a:lnRef>
+          <a:fillRef idx="0">
+            <a:scrgbClr r="0" g="0" b="0"/>
+          </a:fillRef>
+          <a:effectRef idx="0">
+            <a:scrgbClr r="0" g="0" b="0"/>
+          </a:effectRef>
+          <a:fontRef idx="none"/>
+        </p:style>
+        <p:txBody>
+          <a:bodyPr rot="0" spcFirstLastPara="1" vertOverflow="overflow" horzOverflow="overflow" vert="horz" wrap="square" lIns="50800" tIns="50800" rIns="50800" bIns="50800" numCol="1" spcCol="38100" rtlCol="0" anchor="ctr">
+            <a:spAutoFit/>
+          </a:bodyPr>
+          <a:lstStyle/>
+          <a:p>
+            <a:pPr marL="0" marR="0" indent="0" algn="ctr" defTabSz="825500" rtl="0" fontAlgn="auto" latinLnBrk="0" hangingPunct="0">
+              <a:lnSpc>
+                <a:spcPct val="100000"/>
+              </a:lnSpc>
+              <a:spcBef>
+                <a:spcPts val="0"/>
+              </a:spcBef>
+              <a:spcAft>
+                <a:spcPts val="0"/>
+              </a:spcAft>
+              <a:buClrTx/>
+              <a:buSzTx/>
+              <a:buFontTx/>
+              <a:buNone/>
+              <a:tabLst/>
+            </a:pPr>
+            <a:r>
+              <a:rPr kumimoji="0" lang="en-US" sz="3200" b="0" i="0" u="none" strike="noStrike" cap="none" spc="0" normalizeH="0" baseline="0" dirty="0">
+                <a:ln>
+                  <a:noFill/>
+                </a:ln>
+                <a:solidFill>
+                  <a:srgbClr val="000000"/>
+                </a:solidFill>
+                <a:effectLst/>
+                <a:uFillTx/>
+                <a:latin typeface="Helvetica Neue Medium"/>
+                <a:ea typeface="Helvetica Neue Medium"/>
+                <a:cs typeface="Helvetica Neue Medium"/>
+                <a:sym typeface="Helvetica Neue Medium"/>
+              </a:rPr>
+              <a:t>80</a:t>
+            </a:r>
+          </a:p>
+        </p:txBody>
+      </p:sp>
+      <p:cxnSp>
+        <p:nvCxnSpPr>
+          <p:cNvPr id="13" name="Straight Connector 12">
+            <a:extLst>
+              <a:ext uri="{FF2B5EF4-FFF2-40B4-BE49-F238E27FC236}">
+                <a16:creationId xmlns:a16="http://schemas.microsoft.com/office/drawing/2014/main" id="{C40F59A0-7BD1-6888-1AC7-D38BDE17F84E}"/>
+              </a:ext>
+            </a:extLst>
+          </p:cNvPr>
+          <p:cNvCxnSpPr>
+            <a:cxnSpLocks/>
+            <a:stCxn id="5" idx="3"/>
+            <a:endCxn id="6" idx="7"/>
+          </p:cNvCxnSpPr>
+          <p:nvPr/>
+        </p:nvCxnSpPr>
+        <p:spPr>
+          <a:xfrm flipH="1">
+            <a:off x="9868713" y="4877981"/>
+            <a:ext cx="1768904" cy="977006"/>
+          </a:xfrm>
+          <a:prstGeom prst="line">
+            <a:avLst/>
+          </a:prstGeom>
+          <a:noFill/>
+          <a:ln w="25400" cap="flat">
+            <a:solidFill>
+              <a:srgbClr val="FFFFFF"/>
+            </a:solidFill>
+            <a:prstDash val="solid"/>
+            <a:miter lim="400000"/>
+          </a:ln>
+          <a:effectLst/>
+          <a:sp3d/>
+        </p:spPr>
+        <p:style>
+          <a:lnRef idx="0">
+            <a:scrgbClr r="0" g="0" b="0"/>
+          </a:lnRef>
+          <a:fillRef idx="0">
+            <a:scrgbClr r="0" g="0" b="0"/>
+          </a:fillRef>
+          <a:effectRef idx="0">
+            <a:scrgbClr r="0" g="0" b="0"/>
+          </a:effectRef>
+          <a:fontRef idx="none"/>
+        </p:style>
+      </p:cxnSp>
+      <p:cxnSp>
+        <p:nvCxnSpPr>
+          <p:cNvPr id="15" name="Straight Connector 14">
+            <a:extLst>
+              <a:ext uri="{FF2B5EF4-FFF2-40B4-BE49-F238E27FC236}">
+                <a16:creationId xmlns:a16="http://schemas.microsoft.com/office/drawing/2014/main" id="{CBD93D2E-0884-C57A-C787-3CB4BE895DC1}"/>
+              </a:ext>
+            </a:extLst>
+          </p:cNvPr>
+          <p:cNvCxnSpPr>
+            <a:cxnSpLocks/>
+            <a:stCxn id="6" idx="3"/>
+            <a:endCxn id="8" idx="7"/>
+          </p:cNvCxnSpPr>
+          <p:nvPr/>
+        </p:nvCxnSpPr>
+        <p:spPr>
+          <a:xfrm flipH="1">
+            <a:off x="8389536" y="6446645"/>
+            <a:ext cx="693141" cy="629170"/>
+          </a:xfrm>
+          <a:prstGeom prst="line">
+            <a:avLst/>
+          </a:prstGeom>
+          <a:noFill/>
+          <a:ln w="25400" cap="flat">
+            <a:solidFill>
+              <a:srgbClr val="FFFFFF"/>
+            </a:solidFill>
+            <a:prstDash val="solid"/>
+            <a:miter lim="400000"/>
+          </a:ln>
+          <a:effectLst/>
+          <a:sp3d/>
+        </p:spPr>
+        <p:style>
+          <a:lnRef idx="0">
+            <a:scrgbClr r="0" g="0" b="0"/>
+          </a:lnRef>
+          <a:fillRef idx="0">
+            <a:scrgbClr r="0" g="0" b="0"/>
+          </a:fillRef>
+          <a:effectRef idx="0">
+            <a:scrgbClr r="0" g="0" b="0"/>
+          </a:effectRef>
+          <a:fontRef idx="none"/>
+        </p:style>
+      </p:cxnSp>
+      <p:cxnSp>
+        <p:nvCxnSpPr>
+          <p:cNvPr id="18" name="Straight Connector 17">
+            <a:extLst>
+              <a:ext uri="{FF2B5EF4-FFF2-40B4-BE49-F238E27FC236}">
+                <a16:creationId xmlns:a16="http://schemas.microsoft.com/office/drawing/2014/main" id="{05057EB0-A70A-77A3-C75F-C287B15311A8}"/>
+              </a:ext>
+            </a:extLst>
+          </p:cNvPr>
+          <p:cNvCxnSpPr>
+            <a:cxnSpLocks/>
+            <a:stCxn id="6" idx="5"/>
+            <a:endCxn id="9" idx="0"/>
+          </p:cNvCxnSpPr>
+          <p:nvPr/>
+        </p:nvCxnSpPr>
+        <p:spPr>
+          <a:xfrm>
+            <a:off x="9868713" y="6446645"/>
+            <a:ext cx="718606" cy="578191"/>
+          </a:xfrm>
+          <a:prstGeom prst="line">
+            <a:avLst/>
+          </a:prstGeom>
+          <a:noFill/>
+          <a:ln w="25400" cap="flat">
+            <a:solidFill>
+              <a:srgbClr val="FFFFFF"/>
+            </a:solidFill>
+            <a:prstDash val="solid"/>
+            <a:miter lim="400000"/>
+          </a:ln>
+          <a:effectLst/>
+          <a:sp3d/>
+        </p:spPr>
+        <p:style>
+          <a:lnRef idx="0">
+            <a:scrgbClr r="0" g="0" b="0"/>
+          </a:lnRef>
+          <a:fillRef idx="0">
+            <a:scrgbClr r="0" g="0" b="0"/>
+          </a:fillRef>
+          <a:effectRef idx="0">
+            <a:scrgbClr r="0" g="0" b="0"/>
+          </a:effectRef>
+          <a:fontRef idx="none"/>
+        </p:style>
+      </p:cxnSp>
+      <p:cxnSp>
+        <p:nvCxnSpPr>
+          <p:cNvPr id="21" name="Straight Connector 20">
+            <a:extLst>
+              <a:ext uri="{FF2B5EF4-FFF2-40B4-BE49-F238E27FC236}">
+                <a16:creationId xmlns:a16="http://schemas.microsoft.com/office/drawing/2014/main" id="{6E439A13-F379-9106-6457-76446F4311EE}"/>
+              </a:ext>
+            </a:extLst>
+          </p:cNvPr>
+          <p:cNvCxnSpPr>
+            <a:cxnSpLocks/>
+            <a:stCxn id="5" idx="5"/>
+            <a:endCxn id="7" idx="1"/>
+          </p:cNvCxnSpPr>
+          <p:nvPr/>
+        </p:nvCxnSpPr>
+        <p:spPr>
+          <a:xfrm>
+            <a:off x="12423653" y="4877981"/>
+            <a:ext cx="1356530" cy="977006"/>
+          </a:xfrm>
+          <a:prstGeom prst="line">
+            <a:avLst/>
+          </a:prstGeom>
+          <a:noFill/>
+          <a:ln w="25400" cap="flat">
+            <a:solidFill>
+              <a:srgbClr val="FFFFFF"/>
+            </a:solidFill>
+            <a:prstDash val="solid"/>
+            <a:miter lim="400000"/>
+          </a:ln>
+          <a:effectLst/>
+          <a:sp3d/>
+        </p:spPr>
+        <p:style>
+          <a:lnRef idx="0">
+            <a:scrgbClr r="0" g="0" b="0"/>
+          </a:lnRef>
+          <a:fillRef idx="0">
+            <a:scrgbClr r="0" g="0" b="0"/>
+          </a:fillRef>
+          <a:effectRef idx="0">
+            <a:scrgbClr r="0" g="0" b="0"/>
+          </a:effectRef>
+          <a:fontRef idx="none"/>
+        </p:style>
+      </p:cxnSp>
+      <p:cxnSp>
+        <p:nvCxnSpPr>
+          <p:cNvPr id="24" name="Straight Connector 23">
+            <a:extLst>
+              <a:ext uri="{FF2B5EF4-FFF2-40B4-BE49-F238E27FC236}">
+                <a16:creationId xmlns:a16="http://schemas.microsoft.com/office/drawing/2014/main" id="{99A8946F-2013-FC37-BDFA-9C43957B6D1C}"/>
+              </a:ext>
+            </a:extLst>
+          </p:cNvPr>
+          <p:cNvCxnSpPr>
+            <a:cxnSpLocks/>
+            <a:stCxn id="7" idx="5"/>
+            <a:endCxn id="11" idx="1"/>
+          </p:cNvCxnSpPr>
+          <p:nvPr/>
+        </p:nvCxnSpPr>
+        <p:spPr>
+          <a:xfrm>
+            <a:off x="14566219" y="6446645"/>
+            <a:ext cx="872433" cy="662067"/>
+          </a:xfrm>
+          <a:prstGeom prst="line">
+            <a:avLst/>
+          </a:prstGeom>
+          <a:noFill/>
+          <a:ln w="25400" cap="flat">
+            <a:solidFill>
+              <a:srgbClr val="FFFFFF"/>
+            </a:solidFill>
+            <a:prstDash val="solid"/>
+            <a:miter lim="400000"/>
+          </a:ln>
+          <a:effectLst/>
+          <a:sp3d/>
+        </p:spPr>
+        <p:style>
+          <a:lnRef idx="0">
+            <a:scrgbClr r="0" g="0" b="0"/>
+          </a:lnRef>
+          <a:fillRef idx="0">
+            <a:scrgbClr r="0" g="0" b="0"/>
+          </a:fillRef>
+          <a:effectRef idx="0">
+            <a:scrgbClr r="0" g="0" b="0"/>
+          </a:effectRef>
+          <a:fontRef idx="none"/>
+        </p:style>
+      </p:cxnSp>
+      <p:cxnSp>
+        <p:nvCxnSpPr>
+          <p:cNvPr id="27" name="Straight Connector 26">
+            <a:extLst>
+              <a:ext uri="{FF2B5EF4-FFF2-40B4-BE49-F238E27FC236}">
+                <a16:creationId xmlns:a16="http://schemas.microsoft.com/office/drawing/2014/main" id="{1AF9A093-B31A-841F-E24C-545BF4AEA12A}"/>
+              </a:ext>
+            </a:extLst>
+          </p:cNvPr>
+          <p:cNvCxnSpPr>
+            <a:cxnSpLocks/>
+            <a:stCxn id="7" idx="3"/>
+            <a:endCxn id="10" idx="7"/>
+          </p:cNvCxnSpPr>
+          <p:nvPr/>
+        </p:nvCxnSpPr>
+        <p:spPr>
+          <a:xfrm flipH="1">
+            <a:off x="13194618" y="6446645"/>
+            <a:ext cx="585565" cy="832703"/>
+          </a:xfrm>
+          <a:prstGeom prst="line">
+            <a:avLst/>
+          </a:prstGeom>
+          <a:noFill/>
+          <a:ln w="25400" cap="flat">
+            <a:solidFill>
+              <a:srgbClr val="FFFFFF"/>
+            </a:solidFill>
+            <a:prstDash val="solid"/>
+            <a:miter lim="400000"/>
+          </a:ln>
+          <a:effectLst/>
+          <a:sp3d/>
+        </p:spPr>
+        <p:style>
+          <a:lnRef idx="0">
+            <a:scrgbClr r="0" g="0" b="0"/>
+          </a:lnRef>
+          <a:fillRef idx="0">
+            <a:scrgbClr r="0" g="0" b="0"/>
+          </a:fillRef>
+          <a:effectRef idx="0">
+            <a:scrgbClr r="0" g="0" b="0"/>
+          </a:effectRef>
+          <a:fontRef idx="none"/>
+        </p:style>
+      </p:cxnSp>
+    </p:spTree>
+    <p:extLst>
+      <p:ext uri="{BB962C8B-B14F-4D97-AF65-F5344CB8AC3E}">
+        <p14:creationId xmlns:p14="http://schemas.microsoft.com/office/powerpoint/2010/main" val="2154438948"/>
+      </p:ext>
+    </p:extLst>
+  </p:cSld>
+  <p:clrMapOvr>
+    <a:masterClrMapping/>
+  </p:clrMapOvr>
+  <p:transition spd="med"/>
+</p:sld>
+</file>
+
+<file path=ppt/slides/slide23.xml><?xml version="1.0" encoding="utf-8"?>
+<p:sld xmlns:a="http://schemas.openxmlformats.org/drawingml/2006/main" xmlns:r="http://schemas.openxmlformats.org/officeDocument/2006/relationships" xmlns:p="http://schemas.openxmlformats.org/presentationml/2006/main">
+  <p:cSld>
+    <p:bg>
+      <p:bgPr>
+        <a:blipFill rotWithShape="1">
+          <a:blip r:embed="rId2"/>
+          <a:srcRect/>
+          <a:stretch>
+            <a:fillRect/>
+          </a:stretch>
+        </a:blipFill>
+        <a:effectLst/>
+      </p:bgPr>
+    </p:bg>
+    <p:spTree>
+      <p:nvGrpSpPr>
+        <p:cNvPr id="1" name=""/>
+        <p:cNvGrpSpPr/>
+        <p:nvPr/>
+      </p:nvGrpSpPr>
+      <p:grpSpPr>
+        <a:xfrm>
+          <a:off x="0" y="0"/>
+          <a:ext cx="0" cy="0"/>
+          <a:chOff x="0" y="0"/>
+          <a:chExt cx="0" cy="0"/>
+        </a:xfrm>
+      </p:grpSpPr>
+      <p:sp>
+        <p:nvSpPr>
+          <p:cNvPr id="318" name="Traversal"/>
+          <p:cNvSpPr txBox="1">
+            <a:spLocks noGrp="1"/>
+          </p:cNvSpPr>
+          <p:nvPr>
+            <p:ph type="title"/>
+          </p:nvPr>
+        </p:nvSpPr>
+        <p:spPr>
+          <a:xfrm>
+            <a:off x="1206500" y="1043629"/>
+            <a:ext cx="21971000" cy="1433163"/>
+          </a:xfrm>
+          <a:prstGeom prst="rect">
+            <a:avLst/>
+          </a:prstGeom>
+        </p:spPr>
+        <p:txBody>
+          <a:bodyPr/>
+          <a:lstStyle>
+            <a:lvl1pPr defTabSz="2267655">
+              <a:defRPr sz="7905" spc="-158">
+                <a:latin typeface="Graphik"/>
+                <a:ea typeface="Graphik"/>
+                <a:cs typeface="Graphik"/>
+                <a:sym typeface="Graphik"/>
+              </a:defRPr>
+            </a:lvl1pPr>
+          </a:lstStyle>
+          <a:p>
+            <a:r>
+              <a:rPr lang="en-US" dirty="0">
+                <a:latin typeface="Liter" panose="02000503030000020004" pitchFamily="2" charset="0"/>
+                <a:ea typeface="Apple Symbols" panose="02000000000000000000" pitchFamily="2" charset="-79"/>
+                <a:cs typeface="Apple Symbols" panose="02000000000000000000" pitchFamily="2" charset="-79"/>
+              </a:rPr>
+              <a:t>Important Points about BST</a:t>
+            </a:r>
+            <a:endParaRPr dirty="0">
+              <a:latin typeface="Liter" panose="02000503030000020004" pitchFamily="2" charset="0"/>
+              <a:ea typeface="Apple Symbols" panose="02000000000000000000" pitchFamily="2" charset="-79"/>
+              <a:cs typeface="Apple Symbols" panose="02000000000000000000" pitchFamily="2" charset="-79"/>
+            </a:endParaRPr>
+          </a:p>
+        </p:txBody>
+      </p:sp>
+      <p:sp>
+        <p:nvSpPr>
+          <p:cNvPr id="2" name="Level Order- Level by Level (BFS)">
+            <a:extLst>
+              <a:ext uri="{FF2B5EF4-FFF2-40B4-BE49-F238E27FC236}">
+                <a16:creationId xmlns:a16="http://schemas.microsoft.com/office/drawing/2014/main" id="{4EDB098A-B271-EAF1-96D0-CDE4AC6B8EBC}"/>
+              </a:ext>
+            </a:extLst>
+          </p:cNvPr>
+          <p:cNvSpPr txBox="1">
+            <a:spLocks noGrp="1"/>
+          </p:cNvSpPr>
+          <p:nvPr>
+            <p:ph type="body" idx="21"/>
+          </p:nvPr>
+        </p:nvSpPr>
+        <p:spPr>
+          <a:xfrm>
+            <a:off x="1206500" y="2476791"/>
+            <a:ext cx="21971000" cy="6201043"/>
+          </a:xfrm>
+          <a:prstGeom prst="rect">
+            <a:avLst/>
+          </a:prstGeom>
+          <a:extLst>
+            <a:ext uri="{C572A759-6A51-4108-AA02-DFA0A04FC94B}">
+              <ma14:wrappingTextBoxFlag xmlns="" xmlns:m="http://schemas.openxmlformats.org/officeDocument/2006/math" xmlns:a14="http://schemas.microsoft.com/office/drawing/2010/main" xmlns:ma14="http://schemas.microsoft.com/office/mac/drawingml/2011/main" val="1"/>
+            </a:ext>
+          </a:extLst>
+        </p:spPr>
+        <p:txBody>
+          <a:bodyPr>
+            <a:normAutofit fontScale="77500" lnSpcReduction="20000"/>
+          </a:bodyPr>
+          <a:lstStyle>
+            <a:lvl1pPr defTabSz="627379">
+              <a:defRPr sz="4180" b="0">
+                <a:latin typeface="Graphik"/>
+                <a:ea typeface="Graphik"/>
+                <a:cs typeface="Graphik"/>
+                <a:sym typeface="Graphik"/>
+              </a:defRPr>
+            </a:lvl1pPr>
+          </a:lstStyle>
+          <a:p>
+            <a:pPr marL="571500" indent="-571500">
+              <a:lnSpc>
+                <a:spcPct val="220000"/>
+              </a:lnSpc>
+              <a:buFont typeface="Arial" panose="020B0604020202020204" pitchFamily="34" charset="0"/>
+              <a:buChar char="•"/>
+            </a:pPr>
+            <a:r>
+              <a:rPr lang="en-US" dirty="0">
+                <a:latin typeface="Liter" panose="02000503030000020004" pitchFamily="2" charset="0"/>
+              </a:rPr>
+              <a:t>In this nodes are arranged in a specific order that allows efficient searching, insertion, and deletion operations.</a:t>
+            </a:r>
+          </a:p>
+          <a:p>
+            <a:pPr marL="571500" indent="-571500">
+              <a:lnSpc>
+                <a:spcPct val="220000"/>
+              </a:lnSpc>
+              <a:buFont typeface="Arial" panose="020B0604020202020204" pitchFamily="34" charset="0"/>
+              <a:buChar char="•"/>
+            </a:pPr>
+            <a:r>
+              <a:rPr lang="en-IN" dirty="0">
+                <a:latin typeface="Liter" panose="02000503030000020004" pitchFamily="2" charset="0"/>
+              </a:rPr>
+              <a:t>Left child: Contains values smaller than the parent.</a:t>
+            </a:r>
+          </a:p>
+          <a:p>
+            <a:pPr marL="571500" indent="-571500">
+              <a:lnSpc>
+                <a:spcPct val="220000"/>
+              </a:lnSpc>
+              <a:buFont typeface="Arial" panose="020B0604020202020204" pitchFamily="34" charset="0"/>
+              <a:buChar char="•"/>
+            </a:pPr>
+            <a:r>
+              <a:rPr lang="en-IN" dirty="0">
+                <a:latin typeface="Liter" panose="02000503030000020004" pitchFamily="2" charset="0"/>
+              </a:rPr>
+              <a:t>Right child: Contains values larger than the parent.</a:t>
+            </a:r>
+          </a:p>
+          <a:p>
+            <a:pPr marL="571500" indent="-571500">
+              <a:lnSpc>
+                <a:spcPct val="220000"/>
+              </a:lnSpc>
+              <a:buFont typeface="Arial" panose="020B0604020202020204" pitchFamily="34" charset="0"/>
+              <a:buChar char="•"/>
+            </a:pPr>
+            <a:r>
+              <a:rPr lang="en-IN" dirty="0">
+                <a:latin typeface="Liter" panose="02000503030000020004" pitchFamily="2" charset="0"/>
+              </a:rPr>
+              <a:t>Unique Values: A BST does not allow duplicate values (in a standard implementation).</a:t>
+            </a:r>
+          </a:p>
+          <a:p>
+            <a:pPr marL="571500" indent="-571500">
+              <a:lnSpc>
+                <a:spcPct val="220000"/>
+              </a:lnSpc>
+              <a:buFont typeface="Arial" panose="020B0604020202020204" pitchFamily="34" charset="0"/>
+              <a:buChar char="•"/>
+            </a:pPr>
+            <a:r>
+              <a:rPr lang="en-IN" dirty="0">
+                <a:latin typeface="Liter" panose="02000503030000020004" pitchFamily="2" charset="0"/>
+              </a:rPr>
+              <a:t>Recursive Structure: Every left and right subtree is also a BST.</a:t>
+            </a:r>
+          </a:p>
+          <a:p>
+            <a:pPr marL="571500" indent="-571500">
+              <a:lnSpc>
+                <a:spcPct val="220000"/>
+              </a:lnSpc>
+              <a:buFont typeface="Arial" panose="020B0604020202020204" pitchFamily="34" charset="0"/>
+              <a:buChar char="•"/>
+            </a:pPr>
+            <a:endParaRPr dirty="0">
+              <a:latin typeface="Liter" panose="02000503030000020004" pitchFamily="2" charset="0"/>
+            </a:endParaRPr>
+          </a:p>
+        </p:txBody>
+      </p:sp>
+    </p:spTree>
+    <p:extLst>
+      <p:ext uri="{BB962C8B-B14F-4D97-AF65-F5344CB8AC3E}">
+        <p14:creationId xmlns:p14="http://schemas.microsoft.com/office/powerpoint/2010/main" val="1087651005"/>
+      </p:ext>
+    </p:extLst>
+  </p:cSld>
+  <p:clrMapOvr>
+    <a:masterClrMapping/>
+  </p:clrMapOvr>
+  <p:transition spd="med"/>
+</p:sld>
+</file>
+
+<file path=ppt/slides/slide3.xml><?xml version="1.0" encoding="utf-8"?>
+<p:sld xmlns:a="http://schemas.openxmlformats.org/drawingml/2006/main" xmlns:r="http://schemas.openxmlformats.org/officeDocument/2006/relationships" xmlns:p="http://schemas.openxmlformats.org/presentationml/2006/main">
+  <p:cSld>
+    <p:bg>
+      <p:bgPr>
+        <a:blipFill rotWithShape="1">
+          <a:blip r:embed="rId2"/>
+          <a:srcRect/>
+          <a:stretch>
+            <a:fillRect/>
+          </a:stretch>
+        </a:blipFill>
+        <a:effectLst/>
       </p:bgPr>
     </p:bg>
     <p:spTree>
@@ -13054,7 +14480,9 @@
       <p:sp>
         <p:nvSpPr>
           <p:cNvPr id="179" name="A tree where each node has at most two children (left and right)."/>
-          <p:cNvSpPr txBox="1"/>
+          <p:cNvSpPr txBox="1">
+            <a:spLocks noGrp="1"/>
+          </p:cNvSpPr>
           <p:nvPr>
             <p:ph type="body" idx="21"/>
           </p:nvPr>
@@ -13069,7 +14497,7 @@
           </a:prstGeom>
           <a:extLst>
             <a:ext uri="{C572A759-6A51-4108-AA02-DFA0A04FC94B}">
-              <ma14:wrappingTextBoxFlag xmlns:ma14="http://schemas.microsoft.com/office/mac/drawingml/2011/main" val="1"/>
+              <ma14:wrappingTextBoxFlag xmlns:ma14="http://schemas.microsoft.com/office/mac/drawingml/2011/main" xmlns:a14="http://schemas.microsoft.com/office/drawing/2010/main" xmlns:m="http://schemas.openxmlformats.org/officeDocument/2006/math" xmlns="" val="1"/>
             </a:ext>
           </a:extLst>
         </p:spPr>
@@ -13077,7 +14505,7 @@
           <a:bodyPr/>
           <a:lstStyle>
             <a:lvl1pPr defTabSz="751205">
-              <a:defRPr b="0" sz="5005">
+              <a:defRPr sz="5005" b="0">
                 <a:latin typeface="Graphik"/>
                 <a:ea typeface="Graphik"/>
                 <a:cs typeface="Graphik"/>
@@ -13086,7 +14514,6 @@
             </a:lvl1pPr>
           </a:lstStyle>
           <a:p>
-            <a:pPr/>
             <a:r>
               <a:t>A tree where each node has at most two children (left and right).</a:t>
             </a:r>
@@ -13112,13 +14539,13 @@
           </a:ln>
           <a:extLst>
             <a:ext uri="{C572A759-6A51-4108-AA02-DFA0A04FC94B}">
-              <ma14:wrappingTextBoxFlag xmlns:ma14="http://schemas.microsoft.com/office/mac/drawingml/2011/main" val="1"/>
+              <ma14:wrappingTextBoxFlag xmlns:ma14="http://schemas.microsoft.com/office/mac/drawingml/2011/main" xmlns:a14="http://schemas.microsoft.com/office/drawing/2010/main" xmlns:m="http://schemas.openxmlformats.org/officeDocument/2006/math" xmlns="" val="1"/>
             </a:ext>
           </a:extLst>
         </p:spPr>
         <p:txBody>
           <a:bodyPr lIns="45719" rIns="45719">
-            <a:normAutofit fontScale="100000" lnSpcReduction="0"/>
+            <a:normAutofit/>
           </a:bodyPr>
           <a:lstStyle>
             <a:lvl1pPr defTabSz="751205">
@@ -13137,7 +14564,6 @@
             </a:lvl1pPr>
           </a:lstStyle>
           <a:p>
-            <a:pPr/>
             <a:r>
               <a:t>Example: Expression Tree.</a:t>
             </a:r>
@@ -13147,7 +14573,9 @@
       <p:sp>
         <p:nvSpPr>
           <p:cNvPr id="181" name="Binary Tree"/>
-          <p:cNvSpPr txBox="1"/>
+          <p:cNvSpPr txBox="1">
+            <a:spLocks noGrp="1"/>
+          </p:cNvSpPr>
           <p:nvPr>
             <p:ph type="title"/>
           </p:nvPr>
@@ -13161,7 +14589,7 @@
           <a:bodyPr/>
           <a:lstStyle>
             <a:lvl1pPr defTabSz="2267655">
-              <a:defRPr spc="-158" sz="7905">
+              <a:defRPr sz="7905" spc="-158">
                 <a:latin typeface="Graphik"/>
                 <a:ea typeface="Graphik"/>
                 <a:cs typeface="Graphik"/>
@@ -13170,7 +14598,6 @@
             </a:lvl1pPr>
           </a:lstStyle>
           <a:p>
-            <a:pPr/>
             <a:r>
               <a:t>Binary Tree</a:t>
             </a:r>
@@ -13186,9 +14613,7 @@
           <p:nvPr/>
         </p:nvPicPr>
         <p:blipFill>
-          <a:blip r:embed="rId3">
-            <a:extLst/>
-          </a:blip>
+          <a:blip r:embed="rId3"/>
           <a:stretch>
             <a:fillRect/>
           </a:stretch>
@@ -13225,7 +14650,7 @@
           </a:ln>
           <a:extLst>
             <a:ext uri="{C572A759-6A51-4108-AA02-DFA0A04FC94B}">
-              <ma14:wrappingTextBoxFlag xmlns:ma14="http://schemas.microsoft.com/office/mac/drawingml/2011/main" val="1"/>
+              <ma14:wrappingTextBoxFlag xmlns:ma14="http://schemas.microsoft.com/office/mac/drawingml/2011/main" xmlns:a14="http://schemas.microsoft.com/office/drawing/2010/main" xmlns:m="http://schemas.openxmlformats.org/officeDocument/2006/math" xmlns="" val="1"/>
             </a:ext>
           </a:extLst>
         </p:spPr>
@@ -13252,7 +14677,6 @@
             </a:lvl1pPr>
           </a:lstStyle>
           <a:p>
-            <a:pPr/>
             <a:r>
               <a:t>Storing hierarchical data efficiently, used in parsing expressions, and game algorithms.</a:t>
             </a:r>
@@ -13264,14 +14688,14 @@
   <p:clrMapOvr>
     <a:masterClrMapping/>
   </p:clrMapOvr>
-  <p:transition xmlns:p14="http://schemas.microsoft.com/office/powerpoint/2010/main" spd="med" advClick="1"/>
+  <p:transition spd="med"/>
   <p:timing>
     <p:tnLst>
       <p:par>
-        <p:cTn id="1" nodeType="tmRoot" restart="never" dur="indefinite" fill="hold">
+        <p:cTn id="1" dur="indefinite" restart="never" fill="hold" nodeType="tmRoot">
           <p:childTnLst>
             <p:seq concurrent="1" prevAc="none" nextAc="seek">
-              <p:cTn id="2" nodeType="mainSeq" dur="indefinite" fill="hold">
+              <p:cTn id="2" dur="indefinite" fill="hold" nodeType="mainSeq">
                 <p:childTnLst>
                   <p:par>
                     <p:cTn id="3" fill="hold">
@@ -13286,11 +14710,11 @@
                             </p:stCondLst>
                             <p:childTnLst>
                               <p:par>
-                                <p:cTn id="5" presetClass="entr" nodeType="clickEffect" presetSubtype="16" presetID="23" grpId="1" fill="hold">
+                                <p:cTn id="5" presetID="23" presetClass="entr" presetSubtype="16" fill="hold" grpId="1" nodeType="clickEffect">
                                   <p:stCondLst>
                                     <p:cond delay="0"/>
                                   </p:stCondLst>
-                                  <p:iterate type="el" backwards="0">
+                                  <p:iterate>
                                     <p:tmAbs val="0"/>
                                   </p:iterate>
                                   <p:childTnLst>
@@ -13376,11 +14800,11 @@
                             </p:stCondLst>
                             <p:childTnLst>
                               <p:par>
-                                <p:cTn id="11" presetClass="entr" nodeType="clickEffect" presetSubtype="16" presetID="23" grpId="2" fill="hold">
+                                <p:cTn id="11" presetID="23" presetClass="entr" presetSubtype="16" fill="hold" grpId="2" nodeType="clickEffect">
                                   <p:stCondLst>
                                     <p:cond delay="0"/>
                                   </p:stCondLst>
-                                  <p:iterate type="el" backwards="0">
+                                  <p:iterate>
                                     <p:tmAbs val="0"/>
                                   </p:iterate>
                                   <p:childTnLst>
@@ -13466,11 +14890,11 @@
                             </p:stCondLst>
                             <p:childTnLst>
                               <p:par>
-                                <p:cTn id="17" presetClass="entr" nodeType="clickEffect" presetSubtype="16" presetID="23" grpId="3" fill="hold">
+                                <p:cTn id="17" presetID="23" presetClass="entr" presetSubtype="16" fill="hold" grpId="3" nodeType="clickEffect">
                                   <p:stCondLst>
                                     <p:cond delay="0"/>
                                   </p:stCondLst>
-                                  <p:iterate type="el" backwards="0">
+                                  <p:iterate>
                                     <p:tmAbs val="0"/>
                                   </p:iterate>
                                   <p:childTnLst>
@@ -13556,11 +14980,11 @@
                             </p:stCondLst>
                             <p:childTnLst>
                               <p:par>
-                                <p:cTn id="23" presetClass="entr" nodeType="clickEffect" presetSubtype="16" presetID="23" grpId="4" fill="hold">
+                                <p:cTn id="23" presetID="23" presetClass="entr" presetSubtype="16" fill="hold" grpId="4" nodeType="clickEffect">
                                   <p:stCondLst>
                                     <p:cond delay="0"/>
                                   </p:stCondLst>
-                                  <p:iterate type="el" backwards="0">
+                                  <p:iterate>
                                     <p:tmAbs val="0"/>
                                   </p:iterate>
                                   <p:childTnLst>
@@ -13636,14 +15060,14 @@
                 </p:childTnLst>
               </p:cTn>
               <p:prevCondLst>
-                <p:cond evt="onPrev">
+                <p:cond evt="onPrev" delay="0">
                   <p:tgtEl>
                     <p:sldTgt/>
                   </p:tgtEl>
                 </p:cond>
               </p:prevCondLst>
               <p:nextCondLst>
-                <p:cond evt="onNext">
+                <p:cond evt="onNext" delay="0">
                   <p:tgtEl>
                     <p:sldTgt/>
                   </p:tgtEl>
@@ -13655,27 +15079,28 @@
       </p:par>
     </p:tnLst>
     <p:bldLst>
-      <p:bldP build="whole" bldLvl="1" animBg="1" rev="0" advAuto="0" spid="180" grpId="2"/>
-      <p:bldP build="whole" bldLvl="1" animBg="1" rev="0" advAuto="0" spid="183" grpId="4"/>
-      <p:bldP build="whole" bldLvl="1" animBg="1" rev="0" advAuto="0" spid="182" grpId="3"/>
-      <p:bldP build="whole" bldLvl="1" animBg="1" rev="0" advAuto="0" spid="179" grpId="1"/>
+      <p:bldP spid="179" grpId="1" animBg="1" advAuto="0"/>
+      <p:bldP spid="180" grpId="2" animBg="1" advAuto="0"/>
+      <p:bldP spid="182" grpId="3" animBg="1" advAuto="0"/>
+      <p:bldP spid="183" grpId="4" animBg="1" advAuto="0"/>
     </p:bldLst>
   </p:timing>
 </p:sld>
 </file>
 
 <file path=ppt/slides/slide4.xml><?xml version="1.0" encoding="utf-8"?>
-<p:sld xmlns:a="http://schemas.openxmlformats.org/drawingml/2006/main" xmlns:r="http://schemas.openxmlformats.org/officeDocument/2006/relationships" xmlns:p="http://schemas.openxmlformats.org/presentationml/2006/main" xmlns:m="http://schemas.openxmlformats.org/officeDocument/2006/math" xmlns:a14="http://schemas.microsoft.com/office/drawing/2010/main" showMasterSp="1" showMasterPhAnim="1">
+<p:sld xmlns:a="http://schemas.openxmlformats.org/drawingml/2006/main" xmlns:r="http://schemas.openxmlformats.org/officeDocument/2006/relationships" xmlns:p="http://schemas.openxmlformats.org/presentationml/2006/main">
   <p:cSld>
     <p:bg>
       <p:bgPr>
         <a:blipFill rotWithShape="1">
           <a:blip r:embed="rId2"/>
-          <a:srcRect l="0" t="0" r="0" b="0"/>
+          <a:srcRect/>
           <a:stretch>
             <a:fillRect/>
           </a:stretch>
         </a:blipFill>
+        <a:effectLst/>
       </p:bgPr>
     </p:bg>
     <p:spTree>
@@ -13695,7 +15120,9 @@
       <p:sp>
         <p:nvSpPr>
           <p:cNvPr id="185" name="A binary tree where:…"/>
-          <p:cNvSpPr txBox="1"/>
+          <p:cNvSpPr txBox="1">
+            <a:spLocks noGrp="1"/>
+          </p:cNvSpPr>
           <p:nvPr>
             <p:ph type="body" idx="21"/>
           </p:nvPr>
@@ -13710,7 +15137,7 @@
           </a:prstGeom>
           <a:extLst>
             <a:ext uri="{C572A759-6A51-4108-AA02-DFA0A04FC94B}">
-              <ma14:wrappingTextBoxFlag xmlns:ma14="http://schemas.microsoft.com/office/mac/drawingml/2011/main" val="1"/>
+              <ma14:wrappingTextBoxFlag xmlns:ma14="http://schemas.microsoft.com/office/mac/drawingml/2011/main" xmlns:a14="http://schemas.microsoft.com/office/drawing/2010/main" xmlns:m="http://schemas.openxmlformats.org/officeDocument/2006/math" xmlns="" val="1"/>
             </a:ext>
           </a:extLst>
         </p:spPr>
@@ -13719,7 +15146,7 @@
           <a:lstStyle/>
           <a:p>
             <a:pPr defTabSz="577850">
-              <a:defRPr b="0" sz="3850">
+              <a:defRPr sz="3850" b="0">
                 <a:latin typeface="Graphik"/>
                 <a:ea typeface="Graphik"/>
                 <a:cs typeface="Graphik"/>
@@ -13732,7 +15159,7 @@
           </a:p>
           <a:p>
             <a:pPr defTabSz="577850">
-              <a:defRPr b="0" sz="3850">
+              <a:defRPr sz="3850" b="0">
                 <a:latin typeface="Graphik"/>
                 <a:ea typeface="Graphik"/>
                 <a:cs typeface="Graphik"/>
@@ -13745,7 +15172,7 @@
           </a:p>
           <a:p>
             <a:pPr defTabSz="577850">
-              <a:defRPr b="0" sz="3850">
+              <a:defRPr sz="3850" b="0">
                 <a:latin typeface="Graphik"/>
                 <a:ea typeface="Graphik"/>
                 <a:cs typeface="Graphik"/>
@@ -13761,7 +15188,9 @@
       <p:sp>
         <p:nvSpPr>
           <p:cNvPr id="186" name="Binary Search Tree (BST)"/>
-          <p:cNvSpPr txBox="1"/>
+          <p:cNvSpPr txBox="1">
+            <a:spLocks noGrp="1"/>
+          </p:cNvSpPr>
           <p:nvPr>
             <p:ph type="title"/>
           </p:nvPr>
@@ -13775,7 +15204,7 @@
           <a:bodyPr/>
           <a:lstStyle>
             <a:lvl1pPr defTabSz="2267655">
-              <a:defRPr spc="-158" sz="7905">
+              <a:defRPr sz="7905" spc="-158">
                 <a:latin typeface="Graphik"/>
                 <a:ea typeface="Graphik"/>
                 <a:cs typeface="Graphik"/>
@@ -13784,7 +15213,6 @@
             </a:lvl1pPr>
           </a:lstStyle>
           <a:p>
-            <a:pPr/>
             <a:r>
               <a:t>Binary Search Tree (BST)</a:t>
             </a:r>
@@ -13810,7 +15238,7 @@
           </a:ln>
           <a:extLst>
             <a:ext uri="{C572A759-6A51-4108-AA02-DFA0A04FC94B}">
-              <ma14:wrappingTextBoxFlag xmlns:ma14="http://schemas.microsoft.com/office/mac/drawingml/2011/main" val="1"/>
+              <ma14:wrappingTextBoxFlag xmlns:ma14="http://schemas.microsoft.com/office/mac/drawingml/2011/main" xmlns:a14="http://schemas.microsoft.com/office/drawing/2010/main" xmlns:m="http://schemas.openxmlformats.org/officeDocument/2006/math" xmlns="" val="1"/>
             </a:ext>
           </a:extLst>
         </p:spPr>
@@ -13837,7 +15265,6 @@
             </a:lvl1pPr>
           </a:lstStyle>
           <a:p>
-            <a:pPr/>
             <a:r>
               <a:t>Efficient searching and sorting operations (O(log n))</a:t>
             </a:r>
@@ -13853,9 +15280,7 @@
           <p:nvPr/>
         </p:nvPicPr>
         <p:blipFill>
-          <a:blip r:embed="rId3">
-            <a:extLst/>
-          </a:blip>
+          <a:blip r:embed="rId3"/>
           <a:stretch>
             <a:fillRect/>
           </a:stretch>
@@ -13878,14 +15303,14 @@
   <p:clrMapOvr>
     <a:masterClrMapping/>
   </p:clrMapOvr>
-  <p:transition xmlns:p14="http://schemas.microsoft.com/office/powerpoint/2010/main" spd="med" advClick="1"/>
+  <p:transition spd="med"/>
   <p:timing>
     <p:tnLst>
       <p:par>
-        <p:cTn id="1" nodeType="tmRoot" restart="never" dur="indefinite" fill="hold">
+        <p:cTn id="1" dur="indefinite" restart="never" fill="hold" nodeType="tmRoot">
           <p:childTnLst>
             <p:seq concurrent="1" prevAc="none" nextAc="seek">
-              <p:cTn id="2" nodeType="mainSeq" dur="indefinite" fill="hold">
+              <p:cTn id="2" dur="indefinite" fill="hold" nodeType="mainSeq">
                 <p:childTnLst>
                   <p:par>
                     <p:cTn id="3" fill="hold">
@@ -13900,11 +15325,11 @@
                             </p:stCondLst>
                             <p:childTnLst>
                               <p:par>
-                                <p:cTn id="5" presetClass="entr" nodeType="clickEffect" presetSubtype="16" presetID="23" grpId="1" fill="hold">
+                                <p:cTn id="5" presetID="23" presetClass="entr" presetSubtype="16" fill="hold" grpId="1" nodeType="clickEffect">
                                   <p:stCondLst>
                                     <p:cond delay="0"/>
                                   </p:stCondLst>
-                                  <p:iterate type="el" backwards="0">
+                                  <p:iterate>
                                     <p:tmAbs val="0"/>
                                   </p:iterate>
                                   <p:childTnLst>
@@ -13990,11 +15415,11 @@
                             </p:stCondLst>
                             <p:childTnLst>
                               <p:par>
-                                <p:cTn id="11" presetClass="entr" nodeType="clickEffect" presetSubtype="16" presetID="23" grpId="2" fill="hold">
+                                <p:cTn id="11" presetID="23" presetClass="entr" presetSubtype="16" fill="hold" grpId="2" nodeType="clickEffect">
                                   <p:stCondLst>
                                     <p:cond delay="0"/>
                                   </p:stCondLst>
-                                  <p:iterate type="el" backwards="0">
+                                  <p:iterate>
                                     <p:tmAbs val="0"/>
                                   </p:iterate>
                                   <p:childTnLst>
@@ -14080,11 +15505,11 @@
                             </p:stCondLst>
                             <p:childTnLst>
                               <p:par>
-                                <p:cTn id="17" presetClass="entr" nodeType="clickEffect" presetSubtype="16" presetID="23" grpId="3" fill="hold">
+                                <p:cTn id="17" presetID="23" presetClass="entr" presetSubtype="16" fill="hold" grpId="3" nodeType="clickEffect">
                                   <p:stCondLst>
                                     <p:cond delay="0"/>
                                   </p:stCondLst>
-                                  <p:iterate type="el" backwards="0">
+                                  <p:iterate>
                                     <p:tmAbs val="0"/>
                                   </p:iterate>
                                   <p:childTnLst>
@@ -14160,14 +15585,14 @@
                 </p:childTnLst>
               </p:cTn>
               <p:prevCondLst>
-                <p:cond evt="onPrev">
+                <p:cond evt="onPrev" delay="0">
                   <p:tgtEl>
                     <p:sldTgt/>
                   </p:tgtEl>
                 </p:cond>
               </p:prevCondLst>
               <p:nextCondLst>
-                <p:cond evt="onNext">
+                <p:cond evt="onNext" delay="0">
                   <p:tgtEl>
                     <p:sldTgt/>
                   </p:tgtEl>
@@ -14179,26 +15604,27 @@
       </p:par>
     </p:tnLst>
     <p:bldLst>
-      <p:bldP build="whole" bldLvl="1" animBg="1" rev="0" advAuto="0" spid="188" grpId="2"/>
-      <p:bldP build="whole" bldLvl="1" animBg="1" rev="0" advAuto="0" spid="187" grpId="3"/>
-      <p:bldP build="whole" bldLvl="1" animBg="1" rev="0" advAuto="0" spid="185" grpId="1"/>
+      <p:bldP spid="185" grpId="1" animBg="1" advAuto="0"/>
+      <p:bldP spid="187" grpId="3" animBg="1" advAuto="0"/>
+      <p:bldP spid="188" grpId="2" animBg="1" advAuto="0"/>
     </p:bldLst>
   </p:timing>
 </p:sld>
 </file>
 
 <file path=ppt/slides/slide5.xml><?xml version="1.0" encoding="utf-8"?>
-<p:sld xmlns:a="http://schemas.openxmlformats.org/drawingml/2006/main" xmlns:r="http://schemas.openxmlformats.org/officeDocument/2006/relationships" xmlns:p="http://schemas.openxmlformats.org/presentationml/2006/main" xmlns:m="http://schemas.openxmlformats.org/officeDocument/2006/math" xmlns:a14="http://schemas.microsoft.com/office/drawing/2010/main" showMasterSp="1" showMasterPhAnim="1">
+<p:sld xmlns:a="http://schemas.openxmlformats.org/drawingml/2006/main" xmlns:r="http://schemas.openxmlformats.org/officeDocument/2006/relationships" xmlns:p="http://schemas.openxmlformats.org/presentationml/2006/main">
   <p:cSld>
     <p:bg>
       <p:bgPr>
         <a:blipFill rotWithShape="1">
           <a:blip r:embed="rId2"/>
-          <a:srcRect l="0" t="0" r="0" b="0"/>
+          <a:srcRect/>
           <a:stretch>
             <a:fillRect/>
           </a:stretch>
         </a:blipFill>
+        <a:effectLst/>
       </p:bgPr>
     </p:bg>
     <p:spTree>
@@ -14218,7 +15644,9 @@
       <p:sp>
         <p:nvSpPr>
           <p:cNvPr id="190" name="A binary tree where the height difference between the left and right subtrees of any node is at most 1."/>
-          <p:cNvSpPr txBox="1"/>
+          <p:cNvSpPr txBox="1">
+            <a:spLocks noGrp="1"/>
+          </p:cNvSpPr>
           <p:nvPr>
             <p:ph type="body" idx="21"/>
           </p:nvPr>
@@ -14233,15 +15661,17 @@
           </a:prstGeom>
           <a:extLst>
             <a:ext uri="{C572A759-6A51-4108-AA02-DFA0A04FC94B}">
-              <ma14:wrappingTextBoxFlag xmlns:ma14="http://schemas.microsoft.com/office/mac/drawingml/2011/main" val="1"/>
+              <ma14:wrappingTextBoxFlag xmlns:ma14="http://schemas.microsoft.com/office/mac/drawingml/2011/main" xmlns:a14="http://schemas.microsoft.com/office/drawing/2010/main" xmlns:m="http://schemas.openxmlformats.org/officeDocument/2006/math" xmlns="" val="1"/>
             </a:ext>
           </a:extLst>
         </p:spPr>
         <p:txBody>
-          <a:bodyPr/>
+          <a:bodyPr>
+            <a:normAutofit lnSpcReduction="10000"/>
+          </a:bodyPr>
           <a:lstStyle>
             <a:lvl1pPr defTabSz="544830">
-              <a:defRPr b="0" sz="3630">
+              <a:defRPr sz="3630" b="0">
                 <a:latin typeface="Graphik"/>
                 <a:ea typeface="Graphik"/>
                 <a:cs typeface="Graphik"/>
@@ -14250,7 +15680,6 @@
             </a:lvl1pPr>
           </a:lstStyle>
           <a:p>
-            <a:pPr/>
             <a:r>
               <a:t>A binary tree where the height difference between the left and right subtrees of any node is at most 1.</a:t>
             </a:r>
@@ -14260,7 +15689,9 @@
       <p:sp>
         <p:nvSpPr>
           <p:cNvPr id="191" name="Balanced Binary Tree"/>
-          <p:cNvSpPr txBox="1"/>
+          <p:cNvSpPr txBox="1">
+            <a:spLocks noGrp="1"/>
+          </p:cNvSpPr>
           <p:nvPr>
             <p:ph type="title"/>
           </p:nvPr>
@@ -14274,7 +15705,7 @@
           <a:bodyPr/>
           <a:lstStyle>
             <a:lvl1pPr defTabSz="2267655">
-              <a:defRPr spc="-158" sz="7905">
+              <a:defRPr sz="7905" spc="-158">
                 <a:latin typeface="Graphik"/>
                 <a:ea typeface="Graphik"/>
                 <a:cs typeface="Graphik"/>
@@ -14283,7 +15714,6 @@
             </a:lvl1pPr>
           </a:lstStyle>
           <a:p>
-            <a:pPr/>
             <a:r>
               <a:t>Balanced Binary Tree</a:t>
             </a:r>
@@ -14309,7 +15739,7 @@
           </a:ln>
           <a:extLst>
             <a:ext uri="{C572A759-6A51-4108-AA02-DFA0A04FC94B}">
-              <ma14:wrappingTextBoxFlag xmlns:ma14="http://schemas.microsoft.com/office/mac/drawingml/2011/main" val="1"/>
+              <ma14:wrappingTextBoxFlag xmlns:ma14="http://schemas.microsoft.com/office/mac/drawingml/2011/main" xmlns:a14="http://schemas.microsoft.com/office/drawing/2010/main" xmlns:m="http://schemas.openxmlformats.org/officeDocument/2006/math" xmlns="" val="1"/>
             </a:ext>
           </a:extLst>
         </p:spPr>
@@ -14336,7 +15766,6 @@
             </a:lvl1pPr>
           </a:lstStyle>
           <a:p>
-            <a:pPr/>
             <a:r>
               <a:t>Maintains efficiency in operations like insertion, deletion, and lookup.</a:t>
             </a:r>
@@ -14352,9 +15781,7 @@
           <p:nvPr/>
         </p:nvPicPr>
         <p:blipFill>
-          <a:blip r:embed="rId3">
-            <a:extLst/>
-          </a:blip>
+          <a:blip r:embed="rId3"/>
           <a:stretch>
             <a:fillRect/>
           </a:stretch>
@@ -14377,14 +15804,14 @@
   <p:clrMapOvr>
     <a:masterClrMapping/>
   </p:clrMapOvr>
-  <p:transition xmlns:p14="http://schemas.microsoft.com/office/powerpoint/2010/main" spd="med" advClick="1"/>
+  <p:transition spd="med"/>
   <p:timing>
     <p:tnLst>
       <p:par>
-        <p:cTn id="1" nodeType="tmRoot" restart="never" dur="indefinite" fill="hold">
+        <p:cTn id="1" dur="indefinite" restart="never" fill="hold" nodeType="tmRoot">
           <p:childTnLst>
             <p:seq concurrent="1" prevAc="none" nextAc="seek">
-              <p:cTn id="2" nodeType="mainSeq" dur="indefinite" fill="hold">
+              <p:cTn id="2" dur="indefinite" fill="hold" nodeType="mainSeq">
                 <p:childTnLst>
                   <p:par>
                     <p:cTn id="3" fill="hold">
@@ -14399,11 +15826,11 @@
                             </p:stCondLst>
                             <p:childTnLst>
                               <p:par>
-                                <p:cTn id="5" presetClass="entr" nodeType="clickEffect" presetSubtype="16" presetID="23" grpId="1" fill="hold">
+                                <p:cTn id="5" presetID="23" presetClass="entr" presetSubtype="16" fill="hold" grpId="1" nodeType="clickEffect">
                                   <p:stCondLst>
                                     <p:cond delay="0"/>
                                   </p:stCondLst>
-                                  <p:iterate type="el" backwards="0">
+                                  <p:iterate>
                                     <p:tmAbs val="0"/>
                                   </p:iterate>
                                   <p:childTnLst>
@@ -14489,11 +15916,11 @@
                             </p:stCondLst>
                             <p:childTnLst>
                               <p:par>
-                                <p:cTn id="11" presetClass="entr" nodeType="clickEffect" presetSubtype="16" presetID="23" grpId="2" fill="hold">
+                                <p:cTn id="11" presetID="23" presetClass="entr" presetSubtype="16" fill="hold" grpId="2" nodeType="clickEffect">
                                   <p:stCondLst>
                                     <p:cond delay="0"/>
                                   </p:stCondLst>
-                                  <p:iterate type="el" backwards="0">
+                                  <p:iterate>
                                     <p:tmAbs val="0"/>
                                   </p:iterate>
                                   <p:childTnLst>
@@ -14579,11 +16006,11 @@
                             </p:stCondLst>
                             <p:childTnLst>
                               <p:par>
-                                <p:cTn id="17" presetClass="entr" nodeType="clickEffect" presetSubtype="16" presetID="23" grpId="3" fill="hold">
+                                <p:cTn id="17" presetID="23" presetClass="entr" presetSubtype="16" fill="hold" grpId="3" nodeType="clickEffect">
                                   <p:stCondLst>
                                     <p:cond delay="0"/>
                                   </p:stCondLst>
-                                  <p:iterate type="el" backwards="0">
+                                  <p:iterate>
                                     <p:tmAbs val="0"/>
                                   </p:iterate>
                                   <p:childTnLst>
@@ -14659,14 +16086,14 @@
                 </p:childTnLst>
               </p:cTn>
               <p:prevCondLst>
-                <p:cond evt="onPrev">
+                <p:cond evt="onPrev" delay="0">
                   <p:tgtEl>
                     <p:sldTgt/>
                   </p:tgtEl>
                 </p:cond>
               </p:prevCondLst>
               <p:nextCondLst>
-                <p:cond evt="onNext">
+                <p:cond evt="onNext" delay="0">
                   <p:tgtEl>
                     <p:sldTgt/>
                   </p:tgtEl>
@@ -14678,26 +16105,27 @@
       </p:par>
     </p:tnLst>
     <p:bldLst>
-      <p:bldP build="whole" bldLvl="1" animBg="1" rev="0" advAuto="0" spid="192" grpId="3"/>
-      <p:bldP build="whole" bldLvl="1" animBg="1" rev="0" advAuto="0" spid="190" grpId="1"/>
-      <p:bldP build="whole" bldLvl="1" animBg="1" rev="0" advAuto="0" spid="193" grpId="2"/>
+      <p:bldP spid="190" grpId="1" animBg="1" advAuto="0"/>
+      <p:bldP spid="192" grpId="3" animBg="1" advAuto="0"/>
+      <p:bldP spid="193" grpId="2" animBg="1" advAuto="0"/>
     </p:bldLst>
   </p:timing>
 </p:sld>
 </file>
 
 <file path=ppt/slides/slide6.xml><?xml version="1.0" encoding="utf-8"?>
-<p:sld xmlns:a="http://schemas.openxmlformats.org/drawingml/2006/main" xmlns:r="http://schemas.openxmlformats.org/officeDocument/2006/relationships" xmlns:p="http://schemas.openxmlformats.org/presentationml/2006/main" xmlns:m="http://schemas.openxmlformats.org/officeDocument/2006/math" xmlns:a14="http://schemas.microsoft.com/office/drawing/2010/main" showMasterSp="1" showMasterPhAnim="1">
+<p:sld xmlns:a="http://schemas.openxmlformats.org/drawingml/2006/main" xmlns:r="http://schemas.openxmlformats.org/officeDocument/2006/relationships" xmlns:p="http://schemas.openxmlformats.org/presentationml/2006/main">
   <p:cSld>
     <p:bg>
       <p:bgPr>
         <a:blipFill rotWithShape="1">
           <a:blip r:embed="rId2"/>
-          <a:srcRect l="0" t="0" r="0" b="0"/>
+          <a:srcRect/>
           <a:stretch>
             <a:fillRect/>
           </a:stretch>
         </a:blipFill>
+        <a:effectLst/>
       </p:bgPr>
     </p:bg>
     <p:spTree>
@@ -14717,7 +16145,9 @@
       <p:sp>
         <p:nvSpPr>
           <p:cNvPr id="195" name="A binary tree where all levels are completely filled except possibly the last, which is filled from left to right."/>
-          <p:cNvSpPr txBox="1"/>
+          <p:cNvSpPr txBox="1">
+            <a:spLocks noGrp="1"/>
+          </p:cNvSpPr>
           <p:nvPr>
             <p:ph type="body" idx="21"/>
           </p:nvPr>
@@ -14732,7 +16162,7 @@
           </a:prstGeom>
           <a:extLst>
             <a:ext uri="{C572A759-6A51-4108-AA02-DFA0A04FC94B}">
-              <ma14:wrappingTextBoxFlag xmlns:ma14="http://schemas.microsoft.com/office/mac/drawingml/2011/main" val="1"/>
+              <ma14:wrappingTextBoxFlag xmlns:ma14="http://schemas.microsoft.com/office/mac/drawingml/2011/main" xmlns:a14="http://schemas.microsoft.com/office/drawing/2010/main" xmlns:m="http://schemas.openxmlformats.org/officeDocument/2006/math" xmlns="" val="1"/>
             </a:ext>
           </a:extLst>
         </p:spPr>
@@ -14740,7 +16170,7 @@
           <a:bodyPr/>
           <a:lstStyle>
             <a:lvl1pPr defTabSz="520065">
-              <a:defRPr b="0" sz="3465">
+              <a:defRPr sz="3465" b="0">
                 <a:latin typeface="Graphik"/>
                 <a:ea typeface="Graphik"/>
                 <a:cs typeface="Graphik"/>
@@ -14749,7 +16179,6 @@
             </a:lvl1pPr>
           </a:lstStyle>
           <a:p>
-            <a:pPr/>
             <a:r>
               <a:t>A binary tree where all levels are completely filled except possibly the last, which is filled from left to right.</a:t>
             </a:r>
@@ -14759,7 +16188,9 @@
       <p:sp>
         <p:nvSpPr>
           <p:cNvPr id="196" name="Complete Binary Tree"/>
-          <p:cNvSpPr txBox="1"/>
+          <p:cNvSpPr txBox="1">
+            <a:spLocks noGrp="1"/>
+          </p:cNvSpPr>
           <p:nvPr>
             <p:ph type="title"/>
           </p:nvPr>
@@ -14773,7 +16204,7 @@
           <a:bodyPr/>
           <a:lstStyle>
             <a:lvl1pPr defTabSz="2267655">
-              <a:defRPr spc="-158" sz="7905">
+              <a:defRPr sz="7905" spc="-158">
                 <a:latin typeface="Graphik"/>
                 <a:ea typeface="Graphik"/>
                 <a:cs typeface="Graphik"/>
@@ -14782,7 +16213,6 @@
             </a:lvl1pPr>
           </a:lstStyle>
           <a:p>
-            <a:pPr/>
             <a:r>
               <a:t>Complete Binary Tree </a:t>
             </a:r>
@@ -14808,7 +16238,7 @@
           </a:ln>
           <a:extLst>
             <a:ext uri="{C572A759-6A51-4108-AA02-DFA0A04FC94B}">
-              <ma14:wrappingTextBoxFlag xmlns:ma14="http://schemas.microsoft.com/office/mac/drawingml/2011/main" val="1"/>
+              <ma14:wrappingTextBoxFlag xmlns:ma14="http://schemas.microsoft.com/office/mac/drawingml/2011/main" xmlns:a14="http://schemas.microsoft.com/office/drawing/2010/main" xmlns:m="http://schemas.openxmlformats.org/officeDocument/2006/math" xmlns="" val="1"/>
             </a:ext>
           </a:extLst>
         </p:spPr>
@@ -14835,7 +16265,6 @@
             </a:lvl1pPr>
           </a:lstStyle>
           <a:p>
-            <a:pPr/>
             <a:r>
               <a:t>Used in heaps, where the shape property ensures a balanced structure.</a:t>
             </a:r>
@@ -14851,9 +16280,7 @@
           <p:nvPr/>
         </p:nvPicPr>
         <p:blipFill>
-          <a:blip r:embed="rId3">
-            <a:extLst/>
-          </a:blip>
+          <a:blip r:embed="rId3"/>
           <a:stretch>
             <a:fillRect/>
           </a:stretch>
@@ -14876,14 +16303,14 @@
   <p:clrMapOvr>
     <a:masterClrMapping/>
   </p:clrMapOvr>
-  <p:transition xmlns:p14="http://schemas.microsoft.com/office/powerpoint/2010/main" spd="med" advClick="1"/>
+  <p:transition spd="med"/>
   <p:timing>
     <p:tnLst>
       <p:par>
-        <p:cTn id="1" nodeType="tmRoot" restart="never" dur="indefinite" fill="hold">
+        <p:cTn id="1" dur="indefinite" restart="never" fill="hold" nodeType="tmRoot">
           <p:childTnLst>
             <p:seq concurrent="1" prevAc="none" nextAc="seek">
-              <p:cTn id="2" nodeType="mainSeq" dur="indefinite" fill="hold">
+              <p:cTn id="2" dur="indefinite" fill="hold" nodeType="mainSeq">
                 <p:childTnLst>
                   <p:par>
                     <p:cTn id="3" fill="hold">
@@ -14898,11 +16325,11 @@
                             </p:stCondLst>
                             <p:childTnLst>
                               <p:par>
-                                <p:cTn id="5" presetClass="entr" nodeType="clickEffect" presetSubtype="16" presetID="23" grpId="1" fill="hold">
+                                <p:cTn id="5" presetID="23" presetClass="entr" presetSubtype="16" fill="hold" grpId="1" nodeType="clickEffect">
                                   <p:stCondLst>
                                     <p:cond delay="0"/>
                                   </p:stCondLst>
-                                  <p:iterate type="el" backwards="0">
+                                  <p:iterate>
                                     <p:tmAbs val="0"/>
                                   </p:iterate>
                                   <p:childTnLst>
@@ -14988,11 +16415,11 @@
                             </p:stCondLst>
                             <p:childTnLst>
                               <p:par>
-                                <p:cTn id="11" presetClass="entr" nodeType="clickEffect" presetSubtype="16" presetID="23" grpId="2" fill="hold">
+                                <p:cTn id="11" presetID="23" presetClass="entr" presetSubtype="16" fill="hold" grpId="2" nodeType="clickEffect">
                                   <p:stCondLst>
                                     <p:cond delay="0"/>
                                   </p:stCondLst>
-                                  <p:iterate type="el" backwards="0">
+                                  <p:iterate>
                                     <p:tmAbs val="0"/>
                                   </p:iterate>
                                   <p:childTnLst>
@@ -15078,11 +16505,11 @@
                             </p:stCondLst>
                             <p:childTnLst>
                               <p:par>
-                                <p:cTn id="17" presetClass="entr" nodeType="clickEffect" presetSubtype="16" presetID="23" grpId="3" fill="hold">
+                                <p:cTn id="17" presetID="23" presetClass="entr" presetSubtype="16" fill="hold" grpId="3" nodeType="clickEffect">
                                   <p:stCondLst>
                                     <p:cond delay="0"/>
                                   </p:stCondLst>
-                                  <p:iterate type="el" backwards="0">
+                                  <p:iterate>
                                     <p:tmAbs val="0"/>
                                   </p:iterate>
                                   <p:childTnLst>
@@ -15158,14 +16585,14 @@
                 </p:childTnLst>
               </p:cTn>
               <p:prevCondLst>
-                <p:cond evt="onPrev">
+                <p:cond evt="onPrev" delay="0">
                   <p:tgtEl>
                     <p:sldTgt/>
                   </p:tgtEl>
                 </p:cond>
               </p:prevCondLst>
               <p:nextCondLst>
-                <p:cond evt="onNext">
+                <p:cond evt="onNext" delay="0">
                   <p:tgtEl>
                     <p:sldTgt/>
                   </p:tgtEl>
@@ -15177,26 +16604,27 @@
       </p:par>
     </p:tnLst>
     <p:bldLst>
-      <p:bldP build="whole" bldLvl="1" animBg="1" rev="0" advAuto="0" spid="198" grpId="2"/>
-      <p:bldP build="whole" bldLvl="1" animBg="1" rev="0" advAuto="0" spid="195" grpId="1"/>
-      <p:bldP build="whole" bldLvl="1" animBg="1" rev="0" advAuto="0" spid="197" grpId="3"/>
+      <p:bldP spid="195" grpId="1" animBg="1" advAuto="0"/>
+      <p:bldP spid="197" grpId="3" animBg="1" advAuto="0"/>
+      <p:bldP spid="198" grpId="2" animBg="1" advAuto="0"/>
     </p:bldLst>
   </p:timing>
 </p:sld>
 </file>
 
 <file path=ppt/slides/slide7.xml><?xml version="1.0" encoding="utf-8"?>
-<p:sld xmlns:a="http://schemas.openxmlformats.org/drawingml/2006/main" xmlns:r="http://schemas.openxmlformats.org/officeDocument/2006/relationships" xmlns:p="http://schemas.openxmlformats.org/presentationml/2006/main" xmlns:m="http://schemas.openxmlformats.org/officeDocument/2006/math" xmlns:a14="http://schemas.microsoft.com/office/drawing/2010/main" showMasterSp="1" showMasterPhAnim="1">
+<p:sld xmlns:a="http://schemas.openxmlformats.org/drawingml/2006/main" xmlns:r="http://schemas.openxmlformats.org/officeDocument/2006/relationships" xmlns:p="http://schemas.openxmlformats.org/presentationml/2006/main">
   <p:cSld>
     <p:bg>
       <p:bgPr>
         <a:blipFill rotWithShape="1">
           <a:blip r:embed="rId2"/>
-          <a:srcRect l="0" t="0" r="0" b="0"/>
+          <a:srcRect/>
           <a:stretch>
             <a:fillRect/>
           </a:stretch>
         </a:blipFill>
+        <a:effectLst/>
       </p:bgPr>
     </p:bg>
     <p:spTree>
@@ -15216,7 +16644,9 @@
       <p:sp>
         <p:nvSpPr>
           <p:cNvPr id="200" name="A binary tree where every node has either 0 or 2 children."/>
-          <p:cNvSpPr txBox="1"/>
+          <p:cNvSpPr txBox="1">
+            <a:spLocks noGrp="1"/>
+          </p:cNvSpPr>
           <p:nvPr>
             <p:ph type="body" idx="21"/>
           </p:nvPr>
@@ -15231,7 +16661,7 @@
           </a:prstGeom>
           <a:extLst>
             <a:ext uri="{C572A759-6A51-4108-AA02-DFA0A04FC94B}">
-              <ma14:wrappingTextBoxFlag xmlns:ma14="http://schemas.microsoft.com/office/mac/drawingml/2011/main" val="1"/>
+              <ma14:wrappingTextBoxFlag xmlns:ma14="http://schemas.microsoft.com/office/mac/drawingml/2011/main" xmlns:a14="http://schemas.microsoft.com/office/drawing/2010/main" xmlns:m="http://schemas.openxmlformats.org/officeDocument/2006/math" xmlns="" val="1"/>
             </a:ext>
           </a:extLst>
         </p:spPr>
@@ -15239,7 +16669,7 @@
           <a:bodyPr/>
           <a:lstStyle>
             <a:lvl1pPr defTabSz="726440">
-              <a:defRPr b="0" sz="4840">
+              <a:defRPr sz="4840" b="0">
                 <a:latin typeface="Graphik"/>
                 <a:ea typeface="Graphik"/>
                 <a:cs typeface="Graphik"/>
@@ -15248,7 +16678,6 @@
             </a:lvl1pPr>
           </a:lstStyle>
           <a:p>
-            <a:pPr/>
             <a:r>
               <a:t>A binary tree where every node has either 0 or 2 children.</a:t>
             </a:r>
@@ -15258,7 +16687,9 @@
       <p:sp>
         <p:nvSpPr>
           <p:cNvPr id="201" name="Full Binary Tree"/>
-          <p:cNvSpPr txBox="1"/>
+          <p:cNvSpPr txBox="1">
+            <a:spLocks noGrp="1"/>
+          </p:cNvSpPr>
           <p:nvPr>
             <p:ph type="title"/>
           </p:nvPr>
@@ -15272,7 +16703,7 @@
           <a:bodyPr/>
           <a:lstStyle>
             <a:lvl1pPr defTabSz="2267655">
-              <a:defRPr spc="-158" sz="7905">
+              <a:defRPr sz="7905" spc="-158">
                 <a:latin typeface="Graphik"/>
                 <a:ea typeface="Graphik"/>
                 <a:cs typeface="Graphik"/>
@@ -15281,7 +16712,6 @@
             </a:lvl1pPr>
           </a:lstStyle>
           <a:p>
-            <a:pPr/>
             <a:r>
               <a:t>Full Binary Tree</a:t>
             </a:r>
@@ -15307,7 +16737,7 @@
           </a:ln>
           <a:extLst>
             <a:ext uri="{C572A759-6A51-4108-AA02-DFA0A04FC94B}">
-              <ma14:wrappingTextBoxFlag xmlns:ma14="http://schemas.microsoft.com/office/mac/drawingml/2011/main" val="1"/>
+              <ma14:wrappingTextBoxFlag xmlns:ma14="http://schemas.microsoft.com/office/mac/drawingml/2011/main" xmlns:a14="http://schemas.microsoft.com/office/drawing/2010/main" xmlns:m="http://schemas.openxmlformats.org/officeDocument/2006/math" xmlns="" val="1"/>
             </a:ext>
           </a:extLst>
         </p:spPr>
@@ -15334,7 +16764,6 @@
             </a:lvl1pPr>
           </a:lstStyle>
           <a:p>
-            <a:pPr/>
             <a:r>
               <a:t>Used in scenarios where all nodes have uniform branching, such as expression parsing.</a:t>
             </a:r>
@@ -15350,9 +16779,7 @@
           <p:nvPr/>
         </p:nvPicPr>
         <p:blipFill>
-          <a:blip r:embed="rId3">
-            <a:extLst/>
-          </a:blip>
+          <a:blip r:embed="rId3"/>
           <a:stretch>
             <a:fillRect/>
           </a:stretch>
@@ -15375,14 +16802,14 @@
   <p:clrMapOvr>
     <a:masterClrMapping/>
   </p:clrMapOvr>
-  <p:transition xmlns:p14="http://schemas.microsoft.com/office/powerpoint/2010/main" spd="med" advClick="1"/>
+  <p:transition spd="med"/>
   <p:timing>
     <p:tnLst>
       <p:par>
-        <p:cTn id="1" nodeType="tmRoot" restart="never" dur="indefinite" fill="hold">
+        <p:cTn id="1" dur="indefinite" restart="never" fill="hold" nodeType="tmRoot">
           <p:childTnLst>
             <p:seq concurrent="1" prevAc="none" nextAc="seek">
-              <p:cTn id="2" nodeType="mainSeq" dur="indefinite" fill="hold">
+              <p:cTn id="2" dur="indefinite" fill="hold" nodeType="mainSeq">
                 <p:childTnLst>
                   <p:par>
                     <p:cTn id="3" fill="hold">
@@ -15397,11 +16824,11 @@
                             </p:stCondLst>
                             <p:childTnLst>
                               <p:par>
-                                <p:cTn id="5" presetClass="entr" nodeType="clickEffect" presetSubtype="16" presetID="23" grpId="1" fill="hold">
+                                <p:cTn id="5" presetID="23" presetClass="entr" presetSubtype="16" fill="hold" grpId="1" nodeType="clickEffect">
                                   <p:stCondLst>
                                     <p:cond delay="0"/>
                                   </p:stCondLst>
-                                  <p:iterate type="el" backwards="0">
+                                  <p:iterate>
                                     <p:tmAbs val="0"/>
                                   </p:iterate>
                                   <p:childTnLst>
@@ -15487,11 +16914,11 @@
                             </p:stCondLst>
                             <p:childTnLst>
                               <p:par>
-                                <p:cTn id="11" presetClass="entr" nodeType="clickEffect" presetSubtype="16" presetID="23" grpId="2" fill="hold">
+                                <p:cTn id="11" presetID="23" presetClass="entr" presetSubtype="16" fill="hold" grpId="2" nodeType="clickEffect">
                                   <p:stCondLst>
                                     <p:cond delay="0"/>
                                   </p:stCondLst>
-                                  <p:iterate type="el" backwards="0">
+                                  <p:iterate>
                                     <p:tmAbs val="0"/>
                                   </p:iterate>
                                   <p:childTnLst>
@@ -15577,11 +17004,11 @@
                             </p:stCondLst>
                             <p:childTnLst>
                               <p:par>
-                                <p:cTn id="17" presetClass="entr" nodeType="clickEffect" presetSubtype="16" presetID="23" grpId="3" fill="hold">
+                                <p:cTn id="17" presetID="23" presetClass="entr" presetSubtype="16" fill="hold" grpId="3" nodeType="clickEffect">
                                   <p:stCondLst>
                                     <p:cond delay="0"/>
                                   </p:stCondLst>
-                                  <p:iterate type="el" backwards="0">
+                                  <p:iterate>
                                     <p:tmAbs val="0"/>
                                   </p:iterate>
                                   <p:childTnLst>
@@ -15657,14 +17084,14 @@
                 </p:childTnLst>
               </p:cTn>
               <p:prevCondLst>
-                <p:cond evt="onPrev">
+                <p:cond evt="onPrev" delay="0">
                   <p:tgtEl>
                     <p:sldTgt/>
                   </p:tgtEl>
                 </p:cond>
               </p:prevCondLst>
               <p:nextCondLst>
-                <p:cond evt="onNext">
+                <p:cond evt="onNext" delay="0">
                   <p:tgtEl>
                     <p:sldTgt/>
                   </p:tgtEl>
@@ -15676,26 +17103,27 @@
       </p:par>
     </p:tnLst>
     <p:bldLst>
-      <p:bldP build="whole" bldLvl="1" animBg="1" rev="0" advAuto="0" spid="202" grpId="3"/>
-      <p:bldP build="whole" bldLvl="1" animBg="1" rev="0" advAuto="0" spid="200" grpId="1"/>
-      <p:bldP build="whole" bldLvl="1" animBg="1" rev="0" advAuto="0" spid="203" grpId="2"/>
+      <p:bldP spid="200" grpId="1" animBg="1" advAuto="0"/>
+      <p:bldP spid="202" grpId="3" animBg="1" advAuto="0"/>
+      <p:bldP spid="203" grpId="2" animBg="1" advAuto="0"/>
     </p:bldLst>
   </p:timing>
 </p:sld>
 </file>
 
 <file path=ppt/slides/slide8.xml><?xml version="1.0" encoding="utf-8"?>
-<p:sld xmlns:a="http://schemas.openxmlformats.org/drawingml/2006/main" xmlns:r="http://schemas.openxmlformats.org/officeDocument/2006/relationships" xmlns:p="http://schemas.openxmlformats.org/presentationml/2006/main" xmlns:m="http://schemas.openxmlformats.org/officeDocument/2006/math" xmlns:a14="http://schemas.microsoft.com/office/drawing/2010/main" showMasterSp="1" showMasterPhAnim="1">
+<p:sld xmlns:a="http://schemas.openxmlformats.org/drawingml/2006/main" xmlns:r="http://schemas.openxmlformats.org/officeDocument/2006/relationships" xmlns:p="http://schemas.openxmlformats.org/presentationml/2006/main">
   <p:cSld>
     <p:bg>
       <p:bgPr>
         <a:blipFill rotWithShape="1">
           <a:blip r:embed="rId2"/>
-          <a:srcRect l="0" t="0" r="0" b="0"/>
+          <a:srcRect/>
           <a:stretch>
             <a:fillRect/>
           </a:stretch>
         </a:blipFill>
+        <a:effectLst/>
       </p:bgPr>
     </p:bg>
     <p:spTree>
@@ -15715,7 +17143,9 @@
       <p:sp>
         <p:nvSpPr>
           <p:cNvPr id="205" name="A binary tree where all interior nodes have two children, and all leaf nodes are at the same level."/>
-          <p:cNvSpPr txBox="1"/>
+          <p:cNvSpPr txBox="1">
+            <a:spLocks noGrp="1"/>
+          </p:cNvSpPr>
           <p:nvPr>
             <p:ph type="body" idx="21"/>
           </p:nvPr>
@@ -15730,15 +17160,17 @@
           </a:prstGeom>
           <a:extLst>
             <a:ext uri="{C572A759-6A51-4108-AA02-DFA0A04FC94B}">
-              <ma14:wrappingTextBoxFlag xmlns:ma14="http://schemas.microsoft.com/office/mac/drawingml/2011/main" val="1"/>
+              <ma14:wrappingTextBoxFlag xmlns:ma14="http://schemas.microsoft.com/office/mac/drawingml/2011/main" xmlns:a14="http://schemas.microsoft.com/office/drawing/2010/main" xmlns:m="http://schemas.openxmlformats.org/officeDocument/2006/math" xmlns="" val="1"/>
             </a:ext>
           </a:extLst>
         </p:spPr>
         <p:txBody>
-          <a:bodyPr/>
+          <a:bodyPr>
+            <a:normAutofit fontScale="92500"/>
+          </a:bodyPr>
           <a:lstStyle>
             <a:lvl1pPr defTabSz="577850">
-              <a:defRPr b="0" sz="3850">
+              <a:defRPr sz="3850" b="0">
                 <a:latin typeface="Graphik"/>
                 <a:ea typeface="Graphik"/>
                 <a:cs typeface="Graphik"/>
@@ -15747,7 +17179,6 @@
             </a:lvl1pPr>
           </a:lstStyle>
           <a:p>
-            <a:pPr/>
             <a:r>
               <a:t>A binary tree where all interior nodes have two children, and all leaf nodes are at the same level.</a:t>
             </a:r>
@@ -15757,7 +17188,9 @@
       <p:sp>
         <p:nvSpPr>
           <p:cNvPr id="206" name="Perfect Binary Tree"/>
-          <p:cNvSpPr txBox="1"/>
+          <p:cNvSpPr txBox="1">
+            <a:spLocks noGrp="1"/>
+          </p:cNvSpPr>
           <p:nvPr>
             <p:ph type="title"/>
           </p:nvPr>
@@ -15771,7 +17204,7 @@
           <a:bodyPr/>
           <a:lstStyle>
             <a:lvl1pPr defTabSz="2267655">
-              <a:defRPr spc="-158" sz="7905">
+              <a:defRPr sz="7905" spc="-158">
                 <a:latin typeface="Graphik"/>
                 <a:ea typeface="Graphik"/>
                 <a:cs typeface="Graphik"/>
@@ -15780,7 +17213,6 @@
             </a:lvl1pPr>
           </a:lstStyle>
           <a:p>
-            <a:pPr/>
             <a:r>
               <a:t>Perfect Binary Tree</a:t>
             </a:r>
@@ -15806,7 +17238,7 @@
           </a:ln>
           <a:extLst>
             <a:ext uri="{C572A759-6A51-4108-AA02-DFA0A04FC94B}">
-              <ma14:wrappingTextBoxFlag xmlns:ma14="http://schemas.microsoft.com/office/mac/drawingml/2011/main" val="1"/>
+              <ma14:wrappingTextBoxFlag xmlns:ma14="http://schemas.microsoft.com/office/mac/drawingml/2011/main" xmlns:a14="http://schemas.microsoft.com/office/drawing/2010/main" xmlns:m="http://schemas.openxmlformats.org/officeDocument/2006/math" xmlns="" val="1"/>
             </a:ext>
           </a:extLst>
         </p:spPr>
@@ -15833,7 +17265,6 @@
             </a:lvl1pPr>
           </a:lstStyle>
           <a:p>
-            <a:pPr/>
             <a:r>
               <a:t>Efficient data storage and retrieval, such as decision trees.</a:t>
             </a:r>
@@ -15849,9 +17280,7 @@
           <p:nvPr/>
         </p:nvPicPr>
         <p:blipFill>
-          <a:blip r:embed="rId3">
-            <a:extLst/>
-          </a:blip>
+          <a:blip r:embed="rId3"/>
           <a:stretch>
             <a:fillRect/>
           </a:stretch>
@@ -15874,14 +17303,14 @@
   <p:clrMapOvr>
     <a:masterClrMapping/>
   </p:clrMapOvr>
-  <p:transition xmlns:p14="http://schemas.microsoft.com/office/powerpoint/2010/main" spd="med" advClick="1"/>
+  <p:transition spd="med"/>
   <p:timing>
     <p:tnLst>
       <p:par>
-        <p:cTn id="1" nodeType="tmRoot" restart="never" dur="indefinite" fill="hold">
+        <p:cTn id="1" dur="indefinite" restart="never" fill="hold" nodeType="tmRoot">
           <p:childTnLst>
             <p:seq concurrent="1" prevAc="none" nextAc="seek">
-              <p:cTn id="2" nodeType="mainSeq" dur="indefinite" fill="hold">
+              <p:cTn id="2" dur="indefinite" fill="hold" nodeType="mainSeq">
                 <p:childTnLst>
                   <p:par>
                     <p:cTn id="3" fill="hold">
@@ -15896,11 +17325,11 @@
                             </p:stCondLst>
                             <p:childTnLst>
                               <p:par>
-                                <p:cTn id="5" presetClass="entr" nodeType="clickEffect" presetSubtype="16" presetID="23" grpId="1" fill="hold">
+                                <p:cTn id="5" presetID="23" presetClass="entr" presetSubtype="16" fill="hold" grpId="1" nodeType="clickEffect">
                                   <p:stCondLst>
                                     <p:cond delay="0"/>
                                   </p:stCondLst>
-                                  <p:iterate type="el" backwards="0">
+                                  <p:iterate>
                                     <p:tmAbs val="0"/>
                                   </p:iterate>
                                   <p:childTnLst>
@@ -15986,11 +17415,11 @@
                             </p:stCondLst>
                             <p:childTnLst>
                               <p:par>
-                                <p:cTn id="11" presetClass="entr" nodeType="clickEffect" presetSubtype="16" presetID="23" grpId="2" fill="hold">
+                                <p:cTn id="11" presetID="23" presetClass="entr" presetSubtype="16" fill="hold" grpId="2" nodeType="clickEffect">
                                   <p:stCondLst>
                                     <p:cond delay="0"/>
                                   </p:stCondLst>
-                                  <p:iterate type="el" backwards="0">
+                                  <p:iterate>
                                     <p:tmAbs val="0"/>
                                   </p:iterate>
                                   <p:childTnLst>
@@ -16076,11 +17505,11 @@
                             </p:stCondLst>
                             <p:childTnLst>
                               <p:par>
-                                <p:cTn id="17" presetClass="entr" nodeType="clickEffect" presetSubtype="16" presetID="23" grpId="3" fill="hold">
+                                <p:cTn id="17" presetID="23" presetClass="entr" presetSubtype="16" fill="hold" grpId="3" nodeType="clickEffect">
                                   <p:stCondLst>
                                     <p:cond delay="0"/>
                                   </p:stCondLst>
-                                  <p:iterate type="el" backwards="0">
+                                  <p:iterate>
                                     <p:tmAbs val="0"/>
                                   </p:iterate>
                                   <p:childTnLst>
@@ -16156,14 +17585,14 @@
                 </p:childTnLst>
               </p:cTn>
               <p:prevCondLst>
-                <p:cond evt="onPrev">
+                <p:cond evt="onPrev" delay="0">
                   <p:tgtEl>
                     <p:sldTgt/>
                   </p:tgtEl>
                 </p:cond>
               </p:prevCondLst>
               <p:nextCondLst>
-                <p:cond evt="onNext">
+                <p:cond evt="onNext" delay="0">
                   <p:tgtEl>
                     <p:sldTgt/>
                   </p:tgtEl>
@@ -16175,26 +17604,27 @@
       </p:par>
     </p:tnLst>
     <p:bldLst>
-      <p:bldP build="whole" bldLvl="1" animBg="1" rev="0" advAuto="0" spid="207" grpId="3"/>
-      <p:bldP build="whole" bldLvl="1" animBg="1" rev="0" advAuto="0" spid="205" grpId="1"/>
-      <p:bldP build="whole" bldLvl="1" animBg="1" rev="0" advAuto="0" spid="208" grpId="2"/>
+      <p:bldP spid="205" grpId="1" animBg="1" advAuto="0"/>
+      <p:bldP spid="207" grpId="3" animBg="1" advAuto="0"/>
+      <p:bldP spid="208" grpId="2" animBg="1" advAuto="0"/>
     </p:bldLst>
   </p:timing>
 </p:sld>
 </file>
 
 <file path=ppt/slides/slide9.xml><?xml version="1.0" encoding="utf-8"?>
-<p:sld xmlns:a="http://schemas.openxmlformats.org/drawingml/2006/main" xmlns:r="http://schemas.openxmlformats.org/officeDocument/2006/relationships" xmlns:p="http://schemas.openxmlformats.org/presentationml/2006/main" xmlns:m="http://schemas.openxmlformats.org/officeDocument/2006/math" xmlns:a14="http://schemas.microsoft.com/office/drawing/2010/main" showMasterSp="1" showMasterPhAnim="1">
+<p:sld xmlns:a="http://schemas.openxmlformats.org/drawingml/2006/main" xmlns:r="http://schemas.openxmlformats.org/officeDocument/2006/relationships" xmlns:p="http://schemas.openxmlformats.org/presentationml/2006/main">
   <p:cSld>
     <p:bg>
       <p:bgPr>
         <a:blipFill rotWithShape="1">
           <a:blip r:embed="rId2"/>
-          <a:srcRect l="0" t="0" r="0" b="0"/>
+          <a:srcRect/>
           <a:stretch>
             <a:fillRect/>
           </a:stretch>
         </a:blipFill>
+        <a:effectLst/>
       </p:bgPr>
     </p:bg>
     <p:spTree>
@@ -16214,7 +17644,9 @@
       <p:sp>
         <p:nvSpPr>
           <p:cNvPr id="210" name="A self-balancing binary search tree where the height difference between the left and right subtrees of any node is at most 1."/>
-          <p:cNvSpPr txBox="1"/>
+          <p:cNvSpPr txBox="1">
+            <a:spLocks noGrp="1"/>
+          </p:cNvSpPr>
           <p:nvPr>
             <p:ph type="body" idx="21"/>
           </p:nvPr>
@@ -16229,7 +17661,7 @@
           </a:prstGeom>
           <a:extLst>
             <a:ext uri="{C572A759-6A51-4108-AA02-DFA0A04FC94B}">
-              <ma14:wrappingTextBoxFlag xmlns:ma14="http://schemas.microsoft.com/office/mac/drawingml/2011/main" val="1"/>
+              <ma14:wrappingTextBoxFlag xmlns:ma14="http://schemas.microsoft.com/office/mac/drawingml/2011/main" xmlns:a14="http://schemas.microsoft.com/office/drawing/2010/main" xmlns:m="http://schemas.openxmlformats.org/officeDocument/2006/math" xmlns="" val="1"/>
             </a:ext>
           </a:extLst>
         </p:spPr>
@@ -16237,7 +17669,7 @@
           <a:bodyPr/>
           <a:lstStyle>
             <a:lvl1pPr defTabSz="536575">
-              <a:defRPr b="0" sz="3575">
+              <a:defRPr sz="3575" b="0">
                 <a:latin typeface="Graphik"/>
                 <a:ea typeface="Graphik"/>
                 <a:cs typeface="Graphik"/>
@@ -16246,7 +17678,6 @@
             </a:lvl1pPr>
           </a:lstStyle>
           <a:p>
-            <a:pPr/>
             <a:r>
               <a:t>A self-balancing binary search tree where the height difference between the left and right subtrees of any node is at most 1.</a:t>
             </a:r>
@@ -16256,7 +17687,9 @@
       <p:sp>
         <p:nvSpPr>
           <p:cNvPr id="211" name="AVL Tree"/>
-          <p:cNvSpPr txBox="1"/>
+          <p:cNvSpPr txBox="1">
+            <a:spLocks noGrp="1"/>
+          </p:cNvSpPr>
           <p:nvPr>
             <p:ph type="title"/>
           </p:nvPr>
@@ -16270,7 +17703,7 @@
           <a:bodyPr/>
           <a:lstStyle>
             <a:lvl1pPr defTabSz="2267655">
-              <a:defRPr spc="-158" sz="7905">
+              <a:defRPr sz="7905" spc="-158">
                 <a:latin typeface="Graphik"/>
                 <a:ea typeface="Graphik"/>
                 <a:cs typeface="Graphik"/>
@@ -16279,7 +17712,6 @@
             </a:lvl1pPr>
           </a:lstStyle>
           <a:p>
-            <a:pPr/>
             <a:r>
               <a:t>AVL Tree</a:t>
             </a:r>
@@ -16305,7 +17737,7 @@
           </a:ln>
           <a:extLst>
             <a:ext uri="{C572A759-6A51-4108-AA02-DFA0A04FC94B}">
-              <ma14:wrappingTextBoxFlag xmlns:ma14="http://schemas.microsoft.com/office/mac/drawingml/2011/main" val="1"/>
+              <ma14:wrappingTextBoxFlag xmlns:ma14="http://schemas.microsoft.com/office/mac/drawingml/2011/main" xmlns:a14="http://schemas.microsoft.com/office/drawing/2010/main" xmlns:m="http://schemas.openxmlformats.org/officeDocument/2006/math" xmlns="" val="1"/>
             </a:ext>
           </a:extLst>
         </p:spPr>
@@ -16332,7 +17764,6 @@
             </a:lvl1pPr>
           </a:lstStyle>
           <a:p>
-            <a:pPr/>
             <a:r>
               <a:t>Ensures balanced trees for efficient searching, widely used in databases.</a:t>
             </a:r>
@@ -16348,9 +17779,7 @@
           <p:nvPr/>
         </p:nvPicPr>
         <p:blipFill>
-          <a:blip r:embed="rId3">
-            <a:extLst/>
-          </a:blip>
+          <a:blip r:embed="rId3"/>
           <a:srcRect l="4243" t="4243" r="4243" b="4243"/>
           <a:stretch>
             <a:fillRect/>
@@ -16374,14 +17803,14 @@
   <p:clrMapOvr>
     <a:masterClrMapping/>
   </p:clrMapOvr>
-  <p:transition xmlns:p14="http://schemas.microsoft.com/office/powerpoint/2010/main" spd="med" advClick="1"/>
+  <p:transition spd="med"/>
   <p:timing>
     <p:tnLst>
       <p:par>
-        <p:cTn id="1" nodeType="tmRoot" restart="never" dur="indefinite" fill="hold">
+        <p:cTn id="1" dur="indefinite" restart="never" fill="hold" nodeType="tmRoot">
           <p:childTnLst>
             <p:seq concurrent="1" prevAc="none" nextAc="seek">
-              <p:cTn id="2" nodeType="mainSeq" dur="indefinite" fill="hold">
+              <p:cTn id="2" dur="indefinite" fill="hold" nodeType="mainSeq">
                 <p:childTnLst>
                   <p:par>
                     <p:cTn id="3" fill="hold">
@@ -16396,11 +17825,11 @@
                             </p:stCondLst>
                             <p:childTnLst>
                               <p:par>
-                                <p:cTn id="5" presetClass="entr" nodeType="clickEffect" presetSubtype="16" presetID="23" grpId="1" fill="hold">
+                                <p:cTn id="5" presetID="23" presetClass="entr" presetSubtype="16" fill="hold" grpId="1" nodeType="clickEffect">
                                   <p:stCondLst>
                                     <p:cond delay="0"/>
                                   </p:stCondLst>
-                                  <p:iterate type="el" backwards="0">
+                                  <p:iterate>
                                     <p:tmAbs val="0"/>
                                   </p:iterate>
                                   <p:childTnLst>
@@ -16486,11 +17915,11 @@
                             </p:stCondLst>
                             <p:childTnLst>
                               <p:par>
-                                <p:cTn id="11" presetClass="entr" nodeType="clickEffect" presetSubtype="16" presetID="23" grpId="2" fill="hold">
+                                <p:cTn id="11" presetID="23" presetClass="entr" presetSubtype="16" fill="hold" grpId="2" nodeType="clickEffect">
                                   <p:stCondLst>
                                     <p:cond delay="0"/>
                                   </p:stCondLst>
-                                  <p:iterate type="el" backwards="0">
+                                  <p:iterate>
                                     <p:tmAbs val="0"/>
                                   </p:iterate>
                                   <p:childTnLst>
@@ -16576,11 +18005,11 @@
                             </p:stCondLst>
                             <p:childTnLst>
                               <p:par>
-                                <p:cTn id="17" presetClass="entr" nodeType="clickEffect" presetSubtype="16" presetID="23" grpId="3" fill="hold">
+                                <p:cTn id="17" presetID="23" presetClass="entr" presetSubtype="16" fill="hold" grpId="3" nodeType="clickEffect">
                                   <p:stCondLst>
                                     <p:cond delay="0"/>
                                   </p:stCondLst>
-                                  <p:iterate type="el" backwards="0">
+                                  <p:iterate>
                                     <p:tmAbs val="0"/>
                                   </p:iterate>
                                   <p:childTnLst>
@@ -16656,14 +18085,14 @@
                 </p:childTnLst>
               </p:cTn>
               <p:prevCondLst>
-                <p:cond evt="onPrev">
+                <p:cond evt="onPrev" delay="0">
                   <p:tgtEl>
                     <p:sldTgt/>
                   </p:tgtEl>
                 </p:cond>
               </p:prevCondLst>
               <p:nextCondLst>
-                <p:cond evt="onNext">
+                <p:cond evt="onNext" delay="0">
                   <p:tgtEl>
                     <p:sldTgt/>
                   </p:tgtEl>
@@ -16675,16 +18104,16 @@
       </p:par>
     </p:tnLst>
     <p:bldLst>
-      <p:bldP build="whole" bldLvl="1" animBg="1" rev="0" advAuto="0" spid="210" grpId="1"/>
-      <p:bldP build="whole" bldLvl="1" animBg="1" rev="0" advAuto="0" spid="213" grpId="2"/>
-      <p:bldP build="whole" bldLvl="1" animBg="1" rev="0" advAuto="0" spid="212" grpId="3"/>
+      <p:bldP spid="210" grpId="1" animBg="1" advAuto="0"/>
+      <p:bldP spid="212" grpId="3" animBg="1" advAuto="0"/>
+      <p:bldP spid="213" grpId="2" animBg="1" advAuto="0"/>
     </p:bldLst>
   </p:timing>
 </p:sld>
 </file>
 
 <file path=ppt/theme/theme1.xml><?xml version="1.0" encoding="utf-8"?>
-<a:theme xmlns:a="http://schemas.openxmlformats.org/drawingml/2006/main" xmlns:r="http://schemas.openxmlformats.org/officeDocument/2006/relationships" name="20_BasicBlack">
+<a:theme xmlns:a="http://schemas.openxmlformats.org/drawingml/2006/main" name="20_BasicBlack">
   <a:themeElements>
     <a:clrScheme name="20_BasicBlack">
       <a:dk1>
@@ -16883,7 +18312,7 @@
         <a:effectLst/>
         <a:sp3d/>
       </a:spPr>
-      <a:bodyPr rot="0" spcFirstLastPara="1" vertOverflow="overflow" horzOverflow="overflow" vert="horz" wrap="square" lIns="50800" tIns="50800" rIns="50800" bIns="50800" numCol="1" spcCol="38100" rtlCol="0" anchor="ctr" upright="0">
+      <a:bodyPr rot="0" spcFirstLastPara="1" vertOverflow="overflow" horzOverflow="overflow" vert="horz" wrap="square" lIns="50800" tIns="50800" rIns="50800" bIns="50800" numCol="1" spcCol="38100" rtlCol="0" anchor="ctr">
         <a:spAutoFit/>
       </a:bodyPr>
       <a:lstStyle>
@@ -16902,7 +18331,7 @@
           <a:buFontTx/>
           <a:buNone/>
           <a:tabLst/>
-          <a:defRPr b="0" baseline="0" cap="none" i="0" spc="0" strike="noStrike" sz="3200" u="none" kumimoji="0" normalizeH="0">
+          <a:defRPr kumimoji="0" sz="3200" b="0" i="0" u="none" strike="noStrike" cap="none" spc="0" normalizeH="0" baseline="0">
             <a:ln>
               <a:noFill/>
             </a:ln>
@@ -16932,7 +18361,7 @@
           <a:buFontTx/>
           <a:buNone/>
           <a:tabLst/>
-          <a:defRPr b="0" baseline="0" cap="none" i="0" spc="0" strike="noStrike" sz="1800" u="none" kumimoji="0" normalizeH="0">
+          <a:defRPr kumimoji="0" sz="1800" b="0" i="0" u="none" strike="noStrike" cap="none" spc="0" normalizeH="0" baseline="0">
             <a:ln>
               <a:noFill/>
             </a:ln>
@@ -16958,7 +18387,7 @@
           <a:buFontTx/>
           <a:buNone/>
           <a:tabLst/>
-          <a:defRPr b="0" baseline="0" cap="none" i="0" spc="0" strike="noStrike" sz="1800" u="none" kumimoji="0" normalizeH="0">
+          <a:defRPr kumimoji="0" sz="1800" b="0" i="0" u="none" strike="noStrike" cap="none" spc="0" normalizeH="0" baseline="0">
             <a:ln>
               <a:noFill/>
             </a:ln>
@@ -16984,7 +18413,7 @@
           <a:buFontTx/>
           <a:buNone/>
           <a:tabLst/>
-          <a:defRPr b="0" baseline="0" cap="none" i="0" spc="0" strike="noStrike" sz="1800" u="none" kumimoji="0" normalizeH="0">
+          <a:defRPr kumimoji="0" sz="1800" b="0" i="0" u="none" strike="noStrike" cap="none" spc="0" normalizeH="0" baseline="0">
             <a:ln>
               <a:noFill/>
             </a:ln>
@@ -17010,7 +18439,7 @@
           <a:buFontTx/>
           <a:buNone/>
           <a:tabLst/>
-          <a:defRPr b="0" baseline="0" cap="none" i="0" spc="0" strike="noStrike" sz="1800" u="none" kumimoji="0" normalizeH="0">
+          <a:defRPr kumimoji="0" sz="1800" b="0" i="0" u="none" strike="noStrike" cap="none" spc="0" normalizeH="0" baseline="0">
             <a:ln>
               <a:noFill/>
             </a:ln>
@@ -17036,7 +18465,7 @@
           <a:buFontTx/>
           <a:buNone/>
           <a:tabLst/>
-          <a:defRPr b="0" baseline="0" cap="none" i="0" spc="0" strike="noStrike" sz="1800" u="none" kumimoji="0" normalizeH="0">
+          <a:defRPr kumimoji="0" sz="1800" b="0" i="0" u="none" strike="noStrike" cap="none" spc="0" normalizeH="0" baseline="0">
             <a:ln>
               <a:noFill/>
             </a:ln>
@@ -17062,7 +18491,7 @@
           <a:buFontTx/>
           <a:buNone/>
           <a:tabLst/>
-          <a:defRPr b="0" baseline="0" cap="none" i="0" spc="0" strike="noStrike" sz="1800" u="none" kumimoji="0" normalizeH="0">
+          <a:defRPr kumimoji="0" sz="1800" b="0" i="0" u="none" strike="noStrike" cap="none" spc="0" normalizeH="0" baseline="0">
             <a:ln>
               <a:noFill/>
             </a:ln>
@@ -17088,7 +18517,7 @@
           <a:buFontTx/>
           <a:buNone/>
           <a:tabLst/>
-          <a:defRPr b="0" baseline="0" cap="none" i="0" spc="0" strike="noStrike" sz="1800" u="none" kumimoji="0" normalizeH="0">
+          <a:defRPr kumimoji="0" sz="1800" b="0" i="0" u="none" strike="noStrike" cap="none" spc="0" normalizeH="0" baseline="0">
             <a:ln>
               <a:noFill/>
             </a:ln>
@@ -17114,7 +18543,7 @@
           <a:buFontTx/>
           <a:buNone/>
           <a:tabLst/>
-          <a:defRPr b="0" baseline="0" cap="none" i="0" spc="0" strike="noStrike" sz="1800" u="none" kumimoji="0" normalizeH="0">
+          <a:defRPr kumimoji="0" sz="1800" b="0" i="0" u="none" strike="noStrike" cap="none" spc="0" normalizeH="0" baseline="0">
             <a:ln>
               <a:noFill/>
             </a:ln>
@@ -17140,7 +18569,7 @@
           <a:buFontTx/>
           <a:buNone/>
           <a:tabLst/>
-          <a:defRPr b="0" baseline="0" cap="none" i="0" spc="0" strike="noStrike" sz="1800" u="none" kumimoji="0" normalizeH="0">
+          <a:defRPr kumimoji="0" sz="1800" b="0" i="0" u="none" strike="noStrike" cap="none" spc="0" normalizeH="0" baseline="0">
             <a:ln>
               <a:noFill/>
             </a:ln>
@@ -17153,9 +18582,15 @@
         </a:lvl9pPr>
       </a:lstStyle>
       <a:style>
-        <a:lnRef idx="0"/>
-        <a:fillRef idx="0"/>
-        <a:effectRef idx="0"/>
+        <a:lnRef idx="0">
+          <a:scrgbClr r="0" g="0" b="0"/>
+        </a:lnRef>
+        <a:fillRef idx="0">
+          <a:scrgbClr r="0" g="0" b="0"/>
+        </a:fillRef>
+        <a:effectRef idx="0">
+          <a:scrgbClr r="0" g="0" b="0"/>
+        </a:effectRef>
         <a:fontRef idx="none"/>
       </a:style>
     </a:spDef>
@@ -17172,7 +18607,7 @@
         <a:effectLst/>
         <a:sp3d/>
       </a:spPr>
-      <a:bodyPr rot="0" spcFirstLastPara="1" vertOverflow="overflow" horzOverflow="overflow" vert="horz" wrap="square" lIns="91439" tIns="45719" rIns="91439" bIns="45719" numCol="1" spcCol="38100" rtlCol="0" anchor="t" upright="0">
+      <a:bodyPr rot="0" spcFirstLastPara="1" vertOverflow="overflow" horzOverflow="overflow" vert="horz" wrap="square" lIns="91439" tIns="45719" rIns="91439" bIns="45719" numCol="1" spcCol="38100" rtlCol="0" anchor="t">
         <a:noAutofit/>
       </a:bodyPr>
       <a:lstStyle>
@@ -17191,7 +18626,7 @@
           <a:buFontTx/>
           <a:buNone/>
           <a:tabLst/>
-          <a:defRPr b="0" baseline="0" cap="none" i="0" spc="0" strike="noStrike" sz="1800" u="none" kumimoji="0" normalizeH="0">
+          <a:defRPr kumimoji="0" sz="1800" b="0" i="0" u="none" strike="noStrike" cap="none" spc="0" normalizeH="0" baseline="0">
             <a:ln>
               <a:noFill/>
             </a:ln>
@@ -17217,7 +18652,7 @@
           <a:buFontTx/>
           <a:buNone/>
           <a:tabLst/>
-          <a:defRPr b="0" baseline="0" cap="none" i="0" spc="0" strike="noStrike" sz="1800" u="none" kumimoji="0" normalizeH="0">
+          <a:defRPr kumimoji="0" sz="1800" b="0" i="0" u="none" strike="noStrike" cap="none" spc="0" normalizeH="0" baseline="0">
             <a:ln>
               <a:noFill/>
             </a:ln>
@@ -17243,7 +18678,7 @@
           <a:buFontTx/>
           <a:buNone/>
           <a:tabLst/>
-          <a:defRPr b="0" baseline="0" cap="none" i="0" spc="0" strike="noStrike" sz="1800" u="none" kumimoji="0" normalizeH="0">
+          <a:defRPr kumimoji="0" sz="1800" b="0" i="0" u="none" strike="noStrike" cap="none" spc="0" normalizeH="0" baseline="0">
             <a:ln>
               <a:noFill/>
             </a:ln>
@@ -17269,7 +18704,7 @@
           <a:buFontTx/>
           <a:buNone/>
           <a:tabLst/>
-          <a:defRPr b="0" baseline="0" cap="none" i="0" spc="0" strike="noStrike" sz="1800" u="none" kumimoji="0" normalizeH="0">
+          <a:defRPr kumimoji="0" sz="1800" b="0" i="0" u="none" strike="noStrike" cap="none" spc="0" normalizeH="0" baseline="0">
             <a:ln>
               <a:noFill/>
             </a:ln>
@@ -17295,7 +18730,7 @@
           <a:buFontTx/>
           <a:buNone/>
           <a:tabLst/>
-          <a:defRPr b="0" baseline="0" cap="none" i="0" spc="0" strike="noStrike" sz="1800" u="none" kumimoji="0" normalizeH="0">
+          <a:defRPr kumimoji="0" sz="1800" b="0" i="0" u="none" strike="noStrike" cap="none" spc="0" normalizeH="0" baseline="0">
             <a:ln>
               <a:noFill/>
             </a:ln>
@@ -17321,7 +18756,7 @@
           <a:buFontTx/>
           <a:buNone/>
           <a:tabLst/>
-          <a:defRPr b="0" baseline="0" cap="none" i="0" spc="0" strike="noStrike" sz="1800" u="none" kumimoji="0" normalizeH="0">
+          <a:defRPr kumimoji="0" sz="1800" b="0" i="0" u="none" strike="noStrike" cap="none" spc="0" normalizeH="0" baseline="0">
             <a:ln>
               <a:noFill/>
             </a:ln>
@@ -17347,7 +18782,7 @@
           <a:buFontTx/>
           <a:buNone/>
           <a:tabLst/>
-          <a:defRPr b="0" baseline="0" cap="none" i="0" spc="0" strike="noStrike" sz="1800" u="none" kumimoji="0" normalizeH="0">
+          <a:defRPr kumimoji="0" sz="1800" b="0" i="0" u="none" strike="noStrike" cap="none" spc="0" normalizeH="0" baseline="0">
             <a:ln>
               <a:noFill/>
             </a:ln>
@@ -17373,7 +18808,7 @@
           <a:buFontTx/>
           <a:buNone/>
           <a:tabLst/>
-          <a:defRPr b="0" baseline="0" cap="none" i="0" spc="0" strike="noStrike" sz="1800" u="none" kumimoji="0" normalizeH="0">
+          <a:defRPr kumimoji="0" sz="1800" b="0" i="0" u="none" strike="noStrike" cap="none" spc="0" normalizeH="0" baseline="0">
             <a:ln>
               <a:noFill/>
             </a:ln>
@@ -17399,7 +18834,7 @@
           <a:buFontTx/>
           <a:buNone/>
           <a:tabLst/>
-          <a:defRPr b="0" baseline="0" cap="none" i="0" spc="0" strike="noStrike" sz="1800" u="none" kumimoji="0" normalizeH="0">
+          <a:defRPr kumimoji="0" sz="1800" b="0" i="0" u="none" strike="noStrike" cap="none" spc="0" normalizeH="0" baseline="0">
             <a:ln>
               <a:noFill/>
             </a:ln>
@@ -17425,7 +18860,7 @@
           <a:buFontTx/>
           <a:buNone/>
           <a:tabLst/>
-          <a:defRPr b="0" baseline="0" cap="none" i="0" spc="0" strike="noStrike" sz="1800" u="none" kumimoji="0" normalizeH="0">
+          <a:defRPr kumimoji="0" sz="1800" b="0" i="0" u="none" strike="noStrike" cap="none" spc="0" normalizeH="0" baseline="0">
             <a:ln>
               <a:noFill/>
             </a:ln>
@@ -17438,9 +18873,15 @@
         </a:lvl9pPr>
       </a:lstStyle>
       <a:style>
-        <a:lnRef idx="0"/>
-        <a:fillRef idx="0"/>
-        <a:effectRef idx="0"/>
+        <a:lnRef idx="0">
+          <a:scrgbClr r="0" g="0" b="0"/>
+        </a:lnRef>
+        <a:fillRef idx="0">
+          <a:scrgbClr r="0" g="0" b="0"/>
+        </a:fillRef>
+        <a:effectRef idx="0">
+          <a:scrgbClr r="0" g="0" b="0"/>
+        </a:effectRef>
         <a:fontRef idx="none"/>
       </a:style>
     </a:lnDef>
@@ -17454,7 +18895,7 @@
         <a:effectLst/>
         <a:sp3d/>
       </a:spPr>
-      <a:bodyPr rot="0" spcFirstLastPara="1" vertOverflow="overflow" horzOverflow="overflow" vert="horz" wrap="square" lIns="50800" tIns="50800" rIns="50800" bIns="50800" numCol="1" spcCol="38100" rtlCol="0" anchor="ctr" upright="0">
+      <a:bodyPr rot="0" spcFirstLastPara="1" vertOverflow="overflow" horzOverflow="overflow" vert="horz" wrap="square" lIns="50800" tIns="50800" rIns="50800" bIns="50800" numCol="1" spcCol="38100" rtlCol="0" anchor="ctr">
         <a:spAutoFit/>
       </a:bodyPr>
       <a:lstStyle>
@@ -17473,7 +18914,7 @@
           <a:buFontTx/>
           <a:buNone/>
           <a:tabLst/>
-          <a:defRPr b="0" baseline="0" cap="none" i="0" spc="0" strike="noStrike" sz="4800" u="none" kumimoji="0" normalizeH="0">
+          <a:defRPr kumimoji="0" sz="4800" b="0" i="0" u="none" strike="noStrike" cap="none" spc="0" normalizeH="0" baseline="0">
             <a:ln>
               <a:noFill/>
             </a:ln>
@@ -17503,7 +18944,7 @@
           <a:buFontTx/>
           <a:buNone/>
           <a:tabLst/>
-          <a:defRPr b="0" baseline="0" cap="none" i="0" spc="0" strike="noStrike" sz="1800" u="none" kumimoji="0" normalizeH="0">
+          <a:defRPr kumimoji="0" sz="1800" b="0" i="0" u="none" strike="noStrike" cap="none" spc="0" normalizeH="0" baseline="0">
             <a:ln>
               <a:noFill/>
             </a:ln>
@@ -17529,7 +18970,7 @@
           <a:buFontTx/>
           <a:buNone/>
           <a:tabLst/>
-          <a:defRPr b="0" baseline="0" cap="none" i="0" spc="0" strike="noStrike" sz="1800" u="none" kumimoji="0" normalizeH="0">
+          <a:defRPr kumimoji="0" sz="1800" b="0" i="0" u="none" strike="noStrike" cap="none" spc="0" normalizeH="0" baseline="0">
             <a:ln>
               <a:noFill/>
             </a:ln>
@@ -17555,7 +18996,7 @@
           <a:buFontTx/>
           <a:buNone/>
           <a:tabLst/>
-          <a:defRPr b="0" baseline="0" cap="none" i="0" spc="0" strike="noStrike" sz="1800" u="none" kumimoji="0" normalizeH="0">
+          <a:defRPr kumimoji="0" sz="1800" b="0" i="0" u="none" strike="noStrike" cap="none" spc="0" normalizeH="0" baseline="0">
             <a:ln>
               <a:noFill/>
             </a:ln>
@@ -17581,7 +19022,7 @@
           <a:buFontTx/>
           <a:buNone/>
           <a:tabLst/>
-          <a:defRPr b="0" baseline="0" cap="none" i="0" spc="0" strike="noStrike" sz="1800" u="none" kumimoji="0" normalizeH="0">
+          <a:defRPr kumimoji="0" sz="1800" b="0" i="0" u="none" strike="noStrike" cap="none" spc="0" normalizeH="0" baseline="0">
             <a:ln>
               <a:noFill/>
             </a:ln>
@@ -17607,7 +19048,7 @@
           <a:buFontTx/>
           <a:buNone/>
           <a:tabLst/>
-          <a:defRPr b="0" baseline="0" cap="none" i="0" spc="0" strike="noStrike" sz="1800" u="none" kumimoji="0" normalizeH="0">
+          <a:defRPr kumimoji="0" sz="1800" b="0" i="0" u="none" strike="noStrike" cap="none" spc="0" normalizeH="0" baseline="0">
             <a:ln>
               <a:noFill/>
             </a:ln>
@@ -17633,7 +19074,7 @@
           <a:buFontTx/>
           <a:buNone/>
           <a:tabLst/>
-          <a:defRPr b="0" baseline="0" cap="none" i="0" spc="0" strike="noStrike" sz="1800" u="none" kumimoji="0" normalizeH="0">
+          <a:defRPr kumimoji="0" sz="1800" b="0" i="0" u="none" strike="noStrike" cap="none" spc="0" normalizeH="0" baseline="0">
             <a:ln>
               <a:noFill/>
             </a:ln>
@@ -17659,7 +19100,7 @@
           <a:buFontTx/>
           <a:buNone/>
           <a:tabLst/>
-          <a:defRPr b="0" baseline="0" cap="none" i="0" spc="0" strike="noStrike" sz="1800" u="none" kumimoji="0" normalizeH="0">
+          <a:defRPr kumimoji="0" sz="1800" b="0" i="0" u="none" strike="noStrike" cap="none" spc="0" normalizeH="0" baseline="0">
             <a:ln>
               <a:noFill/>
             </a:ln>
@@ -17685,7 +19126,7 @@
           <a:buFontTx/>
           <a:buNone/>
           <a:tabLst/>
-          <a:defRPr b="0" baseline="0" cap="none" i="0" spc="0" strike="noStrike" sz="1800" u="none" kumimoji="0" normalizeH="0">
+          <a:defRPr kumimoji="0" sz="1800" b="0" i="0" u="none" strike="noStrike" cap="none" spc="0" normalizeH="0" baseline="0">
             <a:ln>
               <a:noFill/>
             </a:ln>
@@ -17711,7 +19152,7 @@
           <a:buFontTx/>
           <a:buNone/>
           <a:tabLst/>
-          <a:defRPr b="0" baseline="0" cap="none" i="0" spc="0" strike="noStrike" sz="1800" u="none" kumimoji="0" normalizeH="0">
+          <a:defRPr kumimoji="0" sz="1800" b="0" i="0" u="none" strike="noStrike" cap="none" spc="0" normalizeH="0" baseline="0">
             <a:ln>
               <a:noFill/>
             </a:ln>
@@ -17724,18 +19165,25 @@
         </a:lvl9pPr>
       </a:lstStyle>
       <a:style>
-        <a:lnRef idx="0"/>
-        <a:fillRef idx="0"/>
-        <a:effectRef idx="0"/>
+        <a:lnRef idx="0">
+          <a:scrgbClr r="0" g="0" b="0"/>
+        </a:lnRef>
+        <a:fillRef idx="0">
+          <a:scrgbClr r="0" g="0" b="0"/>
+        </a:fillRef>
+        <a:effectRef idx="0">
+          <a:scrgbClr r="0" g="0" b="0"/>
+        </a:effectRef>
         <a:fontRef idx="none"/>
       </a:style>
     </a:txDef>
   </a:objectDefaults>
+  <a:extraClrSchemeLst/>
 </a:theme>
 </file>
 
 <file path=ppt/theme/theme2.xml><?xml version="1.0" encoding="utf-8"?>
-<a:theme xmlns:a="http://schemas.openxmlformats.org/drawingml/2006/main" xmlns:r="http://schemas.openxmlformats.org/officeDocument/2006/relationships" name="20_BasicBlack">
+<a:theme xmlns:a="http://schemas.openxmlformats.org/drawingml/2006/main" name="20_BasicBlack">
   <a:themeElements>
     <a:clrScheme name="20_BasicBlack">
       <a:dk1>
@@ -17934,7 +19382,7 @@
         <a:effectLst/>
         <a:sp3d/>
       </a:spPr>
-      <a:bodyPr rot="0" spcFirstLastPara="1" vertOverflow="overflow" horzOverflow="overflow" vert="horz" wrap="square" lIns="50800" tIns="50800" rIns="50800" bIns="50800" numCol="1" spcCol="38100" rtlCol="0" anchor="ctr" upright="0">
+      <a:bodyPr rot="0" spcFirstLastPara="1" vertOverflow="overflow" horzOverflow="overflow" vert="horz" wrap="square" lIns="50800" tIns="50800" rIns="50800" bIns="50800" numCol="1" spcCol="38100" rtlCol="0" anchor="ctr">
         <a:spAutoFit/>
       </a:bodyPr>
       <a:lstStyle>
@@ -17953,7 +19401,7 @@
           <a:buFontTx/>
           <a:buNone/>
           <a:tabLst/>
-          <a:defRPr b="0" baseline="0" cap="none" i="0" spc="0" strike="noStrike" sz="3200" u="none" kumimoji="0" normalizeH="0">
+          <a:defRPr kumimoji="0" sz="3200" b="0" i="0" u="none" strike="noStrike" cap="none" spc="0" normalizeH="0" baseline="0">
             <a:ln>
               <a:noFill/>
             </a:ln>
@@ -17983,7 +19431,7 @@
           <a:buFontTx/>
           <a:buNone/>
           <a:tabLst/>
-          <a:defRPr b="0" baseline="0" cap="none" i="0" spc="0" strike="noStrike" sz="1800" u="none" kumimoji="0" normalizeH="0">
+          <a:defRPr kumimoji="0" sz="1800" b="0" i="0" u="none" strike="noStrike" cap="none" spc="0" normalizeH="0" baseline="0">
             <a:ln>
               <a:noFill/>
             </a:ln>
@@ -18009,7 +19457,7 @@
           <a:buFontTx/>
           <a:buNone/>
           <a:tabLst/>
-          <a:defRPr b="0" baseline="0" cap="none" i="0" spc="0" strike="noStrike" sz="1800" u="none" kumimoji="0" normalizeH="0">
+          <a:defRPr kumimoji="0" sz="1800" b="0" i="0" u="none" strike="noStrike" cap="none" spc="0" normalizeH="0" baseline="0">
             <a:ln>
               <a:noFill/>
             </a:ln>
@@ -18035,7 +19483,7 @@
           <a:buFontTx/>
           <a:buNone/>
           <a:tabLst/>
-          <a:defRPr b="0" baseline="0" cap="none" i="0" spc="0" strike="noStrike" sz="1800" u="none" kumimoji="0" normalizeH="0">
+          <a:defRPr kumimoji="0" sz="1800" b="0" i="0" u="none" strike="noStrike" cap="none" spc="0" normalizeH="0" baseline="0">
             <a:ln>
               <a:noFill/>
             </a:ln>
@@ -18061,7 +19509,7 @@
           <a:buFontTx/>
           <a:buNone/>
           <a:tabLst/>
-          <a:defRPr b="0" baseline="0" cap="none" i="0" spc="0" strike="noStrike" sz="1800" u="none" kumimoji="0" normalizeH="0">
+          <a:defRPr kumimoji="0" sz="1800" b="0" i="0" u="none" strike="noStrike" cap="none" spc="0" normalizeH="0" baseline="0">
             <a:ln>
               <a:noFill/>
             </a:ln>
@@ -18087,7 +19535,7 @@
           <a:buFontTx/>
           <a:buNone/>
           <a:tabLst/>
-          <a:defRPr b="0" baseline="0" cap="none" i="0" spc="0" strike="noStrike" sz="1800" u="none" kumimoji="0" normalizeH="0">
+          <a:defRPr kumimoji="0" sz="1800" b="0" i="0" u="none" strike="noStrike" cap="none" spc="0" normalizeH="0" baseline="0">
             <a:ln>
               <a:noFill/>
             </a:ln>
@@ -18113,7 +19561,7 @@
           <a:buFontTx/>
           <a:buNone/>
           <a:tabLst/>
-          <a:defRPr b="0" baseline="0" cap="none" i="0" spc="0" strike="noStrike" sz="1800" u="none" kumimoji="0" normalizeH="0">
+          <a:defRPr kumimoji="0" sz="1800" b="0" i="0" u="none" strike="noStrike" cap="none" spc="0" normalizeH="0" baseline="0">
             <a:ln>
               <a:noFill/>
             </a:ln>
@@ -18139,7 +19587,7 @@
           <a:buFontTx/>
           <a:buNone/>
           <a:tabLst/>
-          <a:defRPr b="0" baseline="0" cap="none" i="0" spc="0" strike="noStrike" sz="1800" u="none" kumimoji="0" normalizeH="0">
+          <a:defRPr kumimoji="0" sz="1800" b="0" i="0" u="none" strike="noStrike" cap="none" spc="0" normalizeH="0" baseline="0">
             <a:ln>
               <a:noFill/>
             </a:ln>
@@ -18165,7 +19613,7 @@
           <a:buFontTx/>
           <a:buNone/>
           <a:tabLst/>
-          <a:defRPr b="0" baseline="0" cap="none" i="0" spc="0" strike="noStrike" sz="1800" u="none" kumimoji="0" normalizeH="0">
+          <a:defRPr kumimoji="0" sz="1800" b="0" i="0" u="none" strike="noStrike" cap="none" spc="0" normalizeH="0" baseline="0">
             <a:ln>
               <a:noFill/>
             </a:ln>
@@ -18191,7 +19639,7 @@
           <a:buFontTx/>
           <a:buNone/>
           <a:tabLst/>
-          <a:defRPr b="0" baseline="0" cap="none" i="0" spc="0" strike="noStrike" sz="1800" u="none" kumimoji="0" normalizeH="0">
+          <a:defRPr kumimoji="0" sz="1800" b="0" i="0" u="none" strike="noStrike" cap="none" spc="0" normalizeH="0" baseline="0">
             <a:ln>
               <a:noFill/>
             </a:ln>
@@ -18204,9 +19652,15 @@
         </a:lvl9pPr>
       </a:lstStyle>
       <a:style>
-        <a:lnRef idx="0"/>
-        <a:fillRef idx="0"/>
-        <a:effectRef idx="0"/>
+        <a:lnRef idx="0">
+          <a:scrgbClr r="0" g="0" b="0"/>
+        </a:lnRef>
+        <a:fillRef idx="0">
+          <a:scrgbClr r="0" g="0" b="0"/>
+        </a:fillRef>
+        <a:effectRef idx="0">
+          <a:scrgbClr r="0" g="0" b="0"/>
+        </a:effectRef>
         <a:fontRef idx="none"/>
       </a:style>
     </a:spDef>
@@ -18223,7 +19677,7 @@
         <a:effectLst/>
         <a:sp3d/>
       </a:spPr>
-      <a:bodyPr rot="0" spcFirstLastPara="1" vertOverflow="overflow" horzOverflow="overflow" vert="horz" wrap="square" lIns="91439" tIns="45719" rIns="91439" bIns="45719" numCol="1" spcCol="38100" rtlCol="0" anchor="t" upright="0">
+      <a:bodyPr rot="0" spcFirstLastPara="1" vertOverflow="overflow" horzOverflow="overflow" vert="horz" wrap="square" lIns="91439" tIns="45719" rIns="91439" bIns="45719" numCol="1" spcCol="38100" rtlCol="0" anchor="t">
         <a:noAutofit/>
       </a:bodyPr>
       <a:lstStyle>
@@ -18242,7 +19696,7 @@
           <a:buFontTx/>
           <a:buNone/>
           <a:tabLst/>
-          <a:defRPr b="0" baseline="0" cap="none" i="0" spc="0" strike="noStrike" sz="1800" u="none" kumimoji="0" normalizeH="0">
+          <a:defRPr kumimoji="0" sz="1800" b="0" i="0" u="none" strike="noStrike" cap="none" spc="0" normalizeH="0" baseline="0">
             <a:ln>
               <a:noFill/>
             </a:ln>
@@ -18268,7 +19722,7 @@
           <a:buFontTx/>
           <a:buNone/>
           <a:tabLst/>
-          <a:defRPr b="0" baseline="0" cap="none" i="0" spc="0" strike="noStrike" sz="1800" u="none" kumimoji="0" normalizeH="0">
+          <a:defRPr kumimoji="0" sz="1800" b="0" i="0" u="none" strike="noStrike" cap="none" spc="0" normalizeH="0" baseline="0">
             <a:ln>
               <a:noFill/>
             </a:ln>
@@ -18294,7 +19748,7 @@
           <a:buFontTx/>
           <a:buNone/>
           <a:tabLst/>
-          <a:defRPr b="0" baseline="0" cap="none" i="0" spc="0" strike="noStrike" sz="1800" u="none" kumimoji="0" normalizeH="0">
+          <a:defRPr kumimoji="0" sz="1800" b="0" i="0" u="none" strike="noStrike" cap="none" spc="0" normalizeH="0" baseline="0">
             <a:ln>
               <a:noFill/>
             </a:ln>
@@ -18320,7 +19774,7 @@
           <a:buFontTx/>
           <a:buNone/>
           <a:tabLst/>
-          <a:defRPr b="0" baseline="0" cap="none" i="0" spc="0" strike="noStrike" sz="1800" u="none" kumimoji="0" normalizeH="0">
+          <a:defRPr kumimoji="0" sz="1800" b="0" i="0" u="none" strike="noStrike" cap="none" spc="0" normalizeH="0" baseline="0">
             <a:ln>
               <a:noFill/>
             </a:ln>
@@ -18346,7 +19800,7 @@
           <a:buFontTx/>
           <a:buNone/>
           <a:tabLst/>
-          <a:defRPr b="0" baseline="0" cap="none" i="0" spc="0" strike="noStrike" sz="1800" u="none" kumimoji="0" normalizeH="0">
+          <a:defRPr kumimoji="0" sz="1800" b="0" i="0" u="none" strike="noStrike" cap="none" spc="0" normalizeH="0" baseline="0">
             <a:ln>
               <a:noFill/>
             </a:ln>
@@ -18372,7 +19826,7 @@
           <a:buFontTx/>
           <a:buNone/>
           <a:tabLst/>
-          <a:defRPr b="0" baseline="0" cap="none" i="0" spc="0" strike="noStrike" sz="1800" u="none" kumimoji="0" normalizeH="0">
+          <a:defRPr kumimoji="0" sz="1800" b="0" i="0" u="none" strike="noStrike" cap="none" spc="0" normalizeH="0" baseline="0">
             <a:ln>
               <a:noFill/>
             </a:ln>
@@ -18398,7 +19852,7 @@
           <a:buFontTx/>
           <a:buNone/>
           <a:tabLst/>
-          <a:defRPr b="0" baseline="0" cap="none" i="0" spc="0" strike="noStrike" sz="1800" u="none" kumimoji="0" normalizeH="0">
+          <a:defRPr kumimoji="0" sz="1800" b="0" i="0" u="none" strike="noStrike" cap="none" spc="0" normalizeH="0" baseline="0">
             <a:ln>
               <a:noFill/>
             </a:ln>
@@ -18424,7 +19878,7 @@
           <a:buFontTx/>
           <a:buNone/>
           <a:tabLst/>
-          <a:defRPr b="0" baseline="0" cap="none" i="0" spc="0" strike="noStrike" sz="1800" u="none" kumimoji="0" normalizeH="0">
+          <a:defRPr kumimoji="0" sz="1800" b="0" i="0" u="none" strike="noStrike" cap="none" spc="0" normalizeH="0" baseline="0">
             <a:ln>
               <a:noFill/>
             </a:ln>
@@ -18450,7 +19904,7 @@
           <a:buFontTx/>
           <a:buNone/>
           <a:tabLst/>
-          <a:defRPr b="0" baseline="0" cap="none" i="0" spc="0" strike="noStrike" sz="1800" u="none" kumimoji="0" normalizeH="0">
+          <a:defRPr kumimoji="0" sz="1800" b="0" i="0" u="none" strike="noStrike" cap="none" spc="0" normalizeH="0" baseline="0">
             <a:ln>
               <a:noFill/>
             </a:ln>
@@ -18476,7 +19930,7 @@
           <a:buFontTx/>
           <a:buNone/>
           <a:tabLst/>
-          <a:defRPr b="0" baseline="0" cap="none" i="0" spc="0" strike="noStrike" sz="1800" u="none" kumimoji="0" normalizeH="0">
+          <a:defRPr kumimoji="0" sz="1800" b="0" i="0" u="none" strike="noStrike" cap="none" spc="0" normalizeH="0" baseline="0">
             <a:ln>
               <a:noFill/>
             </a:ln>
@@ -18489,9 +19943,15 @@
         </a:lvl9pPr>
       </a:lstStyle>
       <a:style>
-        <a:lnRef idx="0"/>
-        <a:fillRef idx="0"/>
-        <a:effectRef idx="0"/>
+        <a:lnRef idx="0">
+          <a:scrgbClr r="0" g="0" b="0"/>
+        </a:lnRef>
+        <a:fillRef idx="0">
+          <a:scrgbClr r="0" g="0" b="0"/>
+        </a:fillRef>
+        <a:effectRef idx="0">
+          <a:scrgbClr r="0" g="0" b="0"/>
+        </a:effectRef>
         <a:fontRef idx="none"/>
       </a:style>
     </a:lnDef>
@@ -18505,7 +19965,7 @@
         <a:effectLst/>
         <a:sp3d/>
       </a:spPr>
-      <a:bodyPr rot="0" spcFirstLastPara="1" vertOverflow="overflow" horzOverflow="overflow" vert="horz" wrap="square" lIns="50800" tIns="50800" rIns="50800" bIns="50800" numCol="1" spcCol="38100" rtlCol="0" anchor="ctr" upright="0">
+      <a:bodyPr rot="0" spcFirstLastPara="1" vertOverflow="overflow" horzOverflow="overflow" vert="horz" wrap="square" lIns="50800" tIns="50800" rIns="50800" bIns="50800" numCol="1" spcCol="38100" rtlCol="0" anchor="ctr">
         <a:spAutoFit/>
       </a:bodyPr>
       <a:lstStyle>
@@ -18524,7 +19984,7 @@
           <a:buFontTx/>
           <a:buNone/>
           <a:tabLst/>
-          <a:defRPr b="0" baseline="0" cap="none" i="0" spc="0" strike="noStrike" sz="4800" u="none" kumimoji="0" normalizeH="0">
+          <a:defRPr kumimoji="0" sz="4800" b="0" i="0" u="none" strike="noStrike" cap="none" spc="0" normalizeH="0" baseline="0">
             <a:ln>
               <a:noFill/>
             </a:ln>
@@ -18554,7 +20014,7 @@
           <a:buFontTx/>
           <a:buNone/>
           <a:tabLst/>
-          <a:defRPr b="0" baseline="0" cap="none" i="0" spc="0" strike="noStrike" sz="1800" u="none" kumimoji="0" normalizeH="0">
+          <a:defRPr kumimoji="0" sz="1800" b="0" i="0" u="none" strike="noStrike" cap="none" spc="0" normalizeH="0" baseline="0">
             <a:ln>
               <a:noFill/>
             </a:ln>
@@ -18580,7 +20040,7 @@
           <a:buFontTx/>
           <a:buNone/>
           <a:tabLst/>
-          <a:defRPr b="0" baseline="0" cap="none" i="0" spc="0" strike="noStrike" sz="1800" u="none" kumimoji="0" normalizeH="0">
+          <a:defRPr kumimoji="0" sz="1800" b="0" i="0" u="none" strike="noStrike" cap="none" spc="0" normalizeH="0" baseline="0">
             <a:ln>
               <a:noFill/>
             </a:ln>
@@ -18606,7 +20066,7 @@
           <a:buFontTx/>
           <a:buNone/>
           <a:tabLst/>
-          <a:defRPr b="0" baseline="0" cap="none" i="0" spc="0" strike="noStrike" sz="1800" u="none" kumimoji="0" normalizeH="0">
+          <a:defRPr kumimoji="0" sz="1800" b="0" i="0" u="none" strike="noStrike" cap="none" spc="0" normalizeH="0" baseline="0">
             <a:ln>
               <a:noFill/>
             </a:ln>
@@ -18632,7 +20092,7 @@
           <a:buFontTx/>
           <a:buNone/>
           <a:tabLst/>
-          <a:defRPr b="0" baseline="0" cap="none" i="0" spc="0" strike="noStrike" sz="1800" u="none" kumimoji="0" normalizeH="0">
+          <a:defRPr kumimoji="0" sz="1800" b="0" i="0" u="none" strike="noStrike" cap="none" spc="0" normalizeH="0" baseline="0">
             <a:ln>
               <a:noFill/>
             </a:ln>
@@ -18658,7 +20118,7 @@
           <a:buFontTx/>
           <a:buNone/>
           <a:tabLst/>
-          <a:defRPr b="0" baseline="0" cap="none" i="0" spc="0" strike="noStrike" sz="1800" u="none" kumimoji="0" normalizeH="0">
+          <a:defRPr kumimoji="0" sz="1800" b="0" i="0" u="none" strike="noStrike" cap="none" spc="0" normalizeH="0" baseline="0">
             <a:ln>
               <a:noFill/>
             </a:ln>
@@ -18684,7 +20144,7 @@
           <a:buFontTx/>
           <a:buNone/>
           <a:tabLst/>
-          <a:defRPr b="0" baseline="0" cap="none" i="0" spc="0" strike="noStrike" sz="1800" u="none" kumimoji="0" normalizeH="0">
+          <a:defRPr kumimoji="0" sz="1800" b="0" i="0" u="none" strike="noStrike" cap="none" spc="0" normalizeH="0" baseline="0">
             <a:ln>
               <a:noFill/>
             </a:ln>
@@ -18710,7 +20170,7 @@
           <a:buFontTx/>
           <a:buNone/>
           <a:tabLst/>
-          <a:defRPr b="0" baseline="0" cap="none" i="0" spc="0" strike="noStrike" sz="1800" u="none" kumimoji="0" normalizeH="0">
+          <a:defRPr kumimoji="0" sz="1800" b="0" i="0" u="none" strike="noStrike" cap="none" spc="0" normalizeH="0" baseline="0">
             <a:ln>
               <a:noFill/>
             </a:ln>
@@ -18736,7 +20196,7 @@
           <a:buFontTx/>
           <a:buNone/>
           <a:tabLst/>
-          <a:defRPr b="0" baseline="0" cap="none" i="0" spc="0" strike="noStrike" sz="1800" u="none" kumimoji="0" normalizeH="0">
+          <a:defRPr kumimoji="0" sz="1800" b="0" i="0" u="none" strike="noStrike" cap="none" spc="0" normalizeH="0" baseline="0">
             <a:ln>
               <a:noFill/>
             </a:ln>
@@ -18762,7 +20222,7 @@
           <a:buFontTx/>
           <a:buNone/>
           <a:tabLst/>
-          <a:defRPr b="0" baseline="0" cap="none" i="0" spc="0" strike="noStrike" sz="1800" u="none" kumimoji="0" normalizeH="0">
+          <a:defRPr kumimoji="0" sz="1800" b="0" i="0" u="none" strike="noStrike" cap="none" spc="0" normalizeH="0" baseline="0">
             <a:ln>
               <a:noFill/>
             </a:ln>
@@ -18775,12 +20235,19 @@
         </a:lvl9pPr>
       </a:lstStyle>
       <a:style>
-        <a:lnRef idx="0"/>
-        <a:fillRef idx="0"/>
-        <a:effectRef idx="0"/>
+        <a:lnRef idx="0">
+          <a:scrgbClr r="0" g="0" b="0"/>
+        </a:lnRef>
+        <a:fillRef idx="0">
+          <a:scrgbClr r="0" g="0" b="0"/>
+        </a:fillRef>
+        <a:effectRef idx="0">
+          <a:scrgbClr r="0" g="0" b="0"/>
+        </a:effectRef>
         <a:fontRef idx="none"/>
       </a:style>
     </a:txDef>
   </a:objectDefaults>
+  <a:extraClrSchemeLst/>
 </a:theme>
 </file>